--- a/doc/OSSP V2.pptx
+++ b/doc/OSSP V2.pptx
@@ -5,10 +5,10 @@
     <p:sldMasterId id="2147483648" r:id="rId1"/>
   </p:sldMasterIdLst>
   <p:notesMasterIdLst>
-    <p:notesMasterId r:id="rId20"/>
+    <p:notesMasterId r:id="rId26"/>
   </p:notesMasterIdLst>
   <p:handoutMasterIdLst>
-    <p:handoutMasterId r:id="rId21"/>
+    <p:handoutMasterId r:id="rId27"/>
   </p:handoutMasterIdLst>
   <p:sldIdLst>
     <p:sldId id="256" r:id="rId2"/>
@@ -16,24 +16,30 @@
     <p:sldId id="262" r:id="rId4"/>
     <p:sldId id="278" r:id="rId5"/>
     <p:sldId id="271" r:id="rId6"/>
-    <p:sldId id="270" r:id="rId7"/>
-    <p:sldId id="272" r:id="rId8"/>
-    <p:sldId id="273" r:id="rId9"/>
-    <p:sldId id="280" r:id="rId10"/>
-    <p:sldId id="274" r:id="rId11"/>
-    <p:sldId id="266" r:id="rId12"/>
-    <p:sldId id="267" r:id="rId13"/>
-    <p:sldId id="268" r:id="rId14"/>
-    <p:sldId id="269" r:id="rId15"/>
-    <p:sldId id="279" r:id="rId16"/>
+    <p:sldId id="283" r:id="rId7"/>
+    <p:sldId id="270" r:id="rId8"/>
+    <p:sldId id="284" r:id="rId9"/>
+    <p:sldId id="285" r:id="rId10"/>
+    <p:sldId id="272" r:id="rId11"/>
+    <p:sldId id="273" r:id="rId12"/>
+    <p:sldId id="280" r:id="rId13"/>
+    <p:sldId id="274" r:id="rId14"/>
+    <p:sldId id="286" r:id="rId15"/>
+    <p:sldId id="266" r:id="rId16"/>
     <p:sldId id="277" r:id="rId17"/>
-    <p:sldId id="281" r:id="rId18"/>
-    <p:sldId id="275" r:id="rId19"/>
+    <p:sldId id="287" r:id="rId18"/>
+    <p:sldId id="267" r:id="rId19"/>
+    <p:sldId id="268" r:id="rId20"/>
+    <p:sldId id="269" r:id="rId21"/>
+    <p:sldId id="279" r:id="rId22"/>
+    <p:sldId id="281" r:id="rId23"/>
+    <p:sldId id="275" r:id="rId24"/>
+    <p:sldId id="282" r:id="rId25"/>
   </p:sldIdLst>
   <p:sldSz cx="12192000" cy="6858000"/>
   <p:notesSz cx="6858000" cy="9144000"/>
   <p:custDataLst>
-    <p:tags r:id="rId22"/>
+    <p:tags r:id="rId28"/>
   </p:custDataLst>
   <p:defaultTextStyle>
     <a:defPPr>
@@ -277,7 +283,7 @@
           <a:p>
             <a:fld id="{3CA61830-C416-483F-955E-54203C65B711}" type="datetimeFigureOut">
               <a:rPr lang="en-US"/>
-              <a:t>1/26/2016</a:t>
+              <a:t>2/5/2016</a:t>
             </a:fld>
             <a:endParaRPr/>
           </a:p>
@@ -1203,7 +1209,7 @@
             <a:fld id="{5BFEAE42-E3FE-4405-B7FC-4425D05B92A0}" type="slidenum">
               <a:rPr lang="en-US" smtClean="0"/>
               <a:pPr/>
-              <a:t>11</a:t>
+              <a:t>15</a:t>
             </a:fld>
             <a:endParaRPr lang="en-US"/>
           </a:p>
@@ -6127,7 +6133,7 @@
           <a:p>
             <a:fld id="{EFA54ACD-BEB7-4258-A5F3-653792456C00}" type="datetime4">
               <a:rPr lang="en-US" smtClean="0"/>
-              <a:t>January 26, 2016</a:t>
+              <a:t>February 5, 2016</a:t>
             </a:fld>
             <a:endParaRPr/>
           </a:p>
@@ -8623,7 +8629,7 @@
           <a:p>
             <a:fld id="{2399C1EB-F401-4F7B-BD9C-AAA165C9F3D7}" type="datetime4">
               <a:rPr lang="en-US" smtClean="0"/>
-              <a:t>January 26, 2016</a:t>
+              <a:t>February 5, 2016</a:t>
             </a:fld>
             <a:endParaRPr/>
           </a:p>
@@ -8816,7 +8822,7 @@
           <a:p>
             <a:fld id="{ECF1CC87-9C4B-4D13-B529-5EAF641302E2}" type="datetime4">
               <a:rPr lang="en-US" smtClean="0"/>
-              <a:t>January 26, 2016</a:t>
+              <a:t>February 5, 2016</a:t>
             </a:fld>
             <a:endParaRPr/>
           </a:p>
@@ -9118,7 +9124,7 @@
           <a:p>
             <a:fld id="{AEFA413A-E630-4377-B30C-3545E98CC867}" type="datetime4">
               <a:rPr lang="en-US" smtClean="0"/>
-              <a:t>January 26, 2016</a:t>
+              <a:t>February 5, 2016</a:t>
             </a:fld>
             <a:endParaRPr/>
           </a:p>
@@ -9506,7 +9512,7 @@
           <a:p>
             <a:fld id="{2D33DC54-2A66-493A-80B5-8303FBA5D0AD}" type="datetime4">
               <a:rPr lang="en-US" smtClean="0"/>
-              <a:t>January 26, 2016</a:t>
+              <a:t>February 5, 2016</a:t>
             </a:fld>
             <a:endParaRPr/>
           </a:p>
@@ -9650,7 +9656,7 @@
           <a:p>
             <a:fld id="{26B45FFC-9EEF-4E69-85F5-C8F54747804D}" type="datetime4">
               <a:rPr lang="en-US" smtClean="0"/>
-              <a:t>January 26, 2016</a:t>
+              <a:t>February 5, 2016</a:t>
             </a:fld>
             <a:endParaRPr/>
           </a:p>
@@ -9893,7 +9899,7 @@
           <a:p>
             <a:fld id="{684E3265-88A3-4C30-AE11-BFDF645909E9}" type="datetime4">
               <a:rPr lang="en-US" smtClean="0"/>
-              <a:t>January 26, 2016</a:t>
+              <a:t>February 5, 2016</a:t>
             </a:fld>
             <a:endParaRPr/>
           </a:p>
@@ -10011,7 +10017,7 @@
           <a:p>
             <a:fld id="{E9F763D2-AF56-4C60-80C7-7D8FC051005C}" type="datetime4">
               <a:rPr lang="en-US" smtClean="0"/>
-              <a:t>January 26, 2016</a:t>
+              <a:t>February 5, 2016</a:t>
             </a:fld>
             <a:endParaRPr/>
           </a:p>
@@ -10338,7 +10344,7 @@
           <a:p>
             <a:fld id="{905039DC-98B3-47E6-AD46-BA5B72AD8B4A}" type="datetime4">
               <a:rPr lang="en-US" smtClean="0"/>
-              <a:t>January 26, 2016</a:t>
+              <a:t>February 5, 2016</a:t>
             </a:fld>
             <a:endParaRPr/>
           </a:p>
@@ -10798,7 +10804,7 @@
           <a:p>
             <a:fld id="{A48AA38D-5CBD-4E44-A2EB-B3F38A5B8051}" type="datetime4">
               <a:rPr lang="en-US" smtClean="0"/>
-              <a:t>January 26, 2016</a:t>
+              <a:t>February 5, 2016</a:t>
             </a:fld>
             <a:endParaRPr/>
           </a:p>
@@ -13849,7 +13855,7 @@
           <a:p>
             <a:fld id="{8F030E74-B79E-47A7-AA1C-BA3D00CC0B4A}" type="datetime4">
               <a:rPr lang="en-US" smtClean="0"/>
-              <a:t>January 26, 2016</a:t>
+              <a:t>February 5, 2016</a:t>
             </a:fld>
             <a:endParaRPr/>
           </a:p>
@@ -14260,7 +14266,7 @@
           <a:p>
             <a:fld id="{00FDD7F1-9FB6-4CB9-BA1F-25B205B879F3}" type="datetime4">
               <a:rPr lang="en-US" smtClean="0"/>
-              <a:t>January 26, 2016</a:t>
+              <a:t>February 5, 2016</a:t>
             </a:fld>
             <a:endParaRPr/>
           </a:p>
@@ -14881,7 +14887,7 @@
           <a:p>
             <a:fld id="{027D5831-B468-414C-94B5-F04EB43FC0AE}" type="datetime4">
               <a:rPr lang="en-US" smtClean="0"/>
-              <a:t>January 26, 2016</a:t>
+              <a:t>February 5, 2016</a:t>
             </a:fld>
             <a:endParaRPr/>
           </a:p>
@@ -15600,7 +15606,7 @@
           <a:p>
             <a:fld id="{727A18C6-3F10-4266-96C9-5D014F3025B2}" type="datetime4">
               <a:rPr lang="en-US" smtClean="0"/>
-              <a:t>January 26, 2016</a:t>
+              <a:t>February 5, 2016</a:t>
             </a:fld>
             <a:endParaRPr/>
           </a:p>
@@ -15897,7 +15903,7 @@
           <a:p>
             <a:fld id="{A6CB1722-4B46-4353-B583-721651D61489}" type="datetime4">
               <a:rPr lang="en-US" smtClean="0"/>
-              <a:t>January 26, 2016</a:t>
+              <a:t>February 5, 2016</a:t>
             </a:fld>
             <a:endParaRPr/>
           </a:p>
@@ -16191,7 +16197,7 @@
           <a:p>
             <a:fld id="{8B8B1958-F972-48E2-B30C-3D9C71EE7ED1}" type="datetime4">
               <a:rPr lang="en-US" smtClean="0"/>
-              <a:t>January 26, 2016</a:t>
+              <a:t>February 5, 2016</a:t>
             </a:fld>
             <a:endParaRPr/>
           </a:p>
@@ -16464,7 +16470,7 @@
           <a:p>
             <a:fld id="{BF2CF142-9C82-4C83-9B6A-8077B879C1B8}" type="datetime4">
               <a:rPr lang="en-US" smtClean="0"/>
-              <a:t>January 26, 2016</a:t>
+              <a:t>February 5, 2016</a:t>
             </a:fld>
             <a:endParaRPr/>
           </a:p>
@@ -16751,7 +16757,7 @@
           <a:p>
             <a:fld id="{9C259EE5-F25B-4563-AE58-6B042DD986DA}" type="datetime4">
               <a:rPr lang="en-US" smtClean="0"/>
-              <a:t>January 26, 2016</a:t>
+              <a:t>February 5, 2016</a:t>
             </a:fld>
             <a:endParaRPr/>
           </a:p>
@@ -17169,7 +17175,7 @@
           <a:p>
             <a:fld id="{F4CAB0D1-A256-4DFA-8583-35D5EE4CD0DF}" type="datetime4">
               <a:rPr lang="en-US" smtClean="0"/>
-              <a:t>January 26, 2016</a:t>
+              <a:t>February 5, 2016</a:t>
             </a:fld>
             <a:endParaRPr/>
           </a:p>
@@ -17729,7 +17735,7 @@
           <a:p>
             <a:fld id="{B0BBCA58-86AD-4F40-BF66-913A1183EE47}" type="datetime4">
               <a:rPr lang="en-US" smtClean="0"/>
-              <a:t>January 26, 2016</a:t>
+              <a:t>February 5, 2016</a:t>
             </a:fld>
             <a:endParaRPr/>
           </a:p>
@@ -22835,7 +22841,7 @@
           <a:p>
             <a:fld id="{FB395617-A7D9-4AE8-82B6-3D0A191CDCBE}" type="datetime4">
               <a:rPr lang="en-US" smtClean="0"/>
-              <a:t>January 26, 2016</a:t>
+              <a:t>February 5, 2016</a:t>
             </a:fld>
             <a:endParaRPr/>
           </a:p>
@@ -25417,7 +25423,7 @@
           <a:p>
             <a:fld id="{77C6BA28-E443-46F5-AE73-D543F89EF748}" type="datetime4">
               <a:rPr lang="en-US" smtClean="0"/>
-              <a:t>January 26, 2016</a:t>
+              <a:t>February 5, 2016</a:t>
             </a:fld>
             <a:endParaRPr/>
           </a:p>
@@ -25615,7 +25621,7 @@
           <a:p>
             <a:fld id="{1452EE1A-1BE0-474E-808D-00D5A7797660}" type="datetime4">
               <a:rPr lang="en-US" smtClean="0"/>
-              <a:t>January 26, 2016</a:t>
+              <a:t>February 5, 2016</a:t>
             </a:fld>
             <a:endParaRPr/>
           </a:p>
@@ -25884,7 +25890,7 @@
           <a:p>
             <a:fld id="{1D654495-4BF5-4727-99D4-DFD1D0597350}" type="datetime4">
               <a:rPr lang="en-US" smtClean="0"/>
-              <a:t>January 26, 2016</a:t>
+              <a:t>February 5, 2016</a:t>
             </a:fld>
             <a:endParaRPr/>
           </a:p>
@@ -26214,7 +26220,7 @@
           <a:p>
             <a:fld id="{74A90477-F864-462B-BF44-00D67B14D858}" type="datetime4">
               <a:rPr lang="en-US" smtClean="0"/>
-              <a:t>January 26, 2016</a:t>
+              <a:t>February 5, 2016</a:t>
             </a:fld>
             <a:endParaRPr/>
           </a:p>
@@ -26468,7 +26474,7 @@
           <a:p>
             <a:fld id="{16E08157-2DC9-4745-A7A9-7046A8583708}" type="datetime4">
               <a:rPr lang="en-US" smtClean="0"/>
-              <a:t>January 26, 2016</a:t>
+              <a:t>February 5, 2016</a:t>
             </a:fld>
             <a:endParaRPr/>
           </a:p>
@@ -29148,7 +29154,7 @@
           <a:p>
             <a:fld id="{FDD7D378-E709-4062-9715-39E79557A063}" type="datetime4">
               <a:rPr lang="en-US" smtClean="0"/>
-              <a:t>January 26, 2016</a:t>
+              <a:t>February 5, 2016</a:t>
             </a:fld>
             <a:endParaRPr/>
           </a:p>
@@ -34064,7 +34070,7 @@
           <a:p>
             <a:fld id="{C07C5E14-300D-4720-B5FE-54C7D96D4160}" type="datetime4">
               <a:rPr lang="en-US" smtClean="0"/>
-              <a:t>January 26, 2016</a:t>
+              <a:t>February 5, 2016</a:t>
             </a:fld>
             <a:endParaRPr/>
           </a:p>
@@ -36756,7 +36762,7 @@
           <a:p>
             <a:fld id="{BC7BE07D-E945-4DDF-8452-20009392BF2F}" type="datetime4">
               <a:rPr lang="en-US" smtClean="0"/>
-              <a:t>January 26, 2016</a:t>
+              <a:t>February 5, 2016</a:t>
             </a:fld>
             <a:endParaRPr/>
           </a:p>
@@ -37239,7 +37245,7 @@
           <a:p>
             <a:fld id="{65FD8143-BFA3-46F8-9B90-B0E5CFAF7F7C}" type="datetime4">
               <a:rPr lang="en-US" smtClean="0"/>
-              <a:t>January 26, 2016</a:t>
+              <a:t>February 5, 2016</a:t>
             </a:fld>
             <a:endParaRPr/>
           </a:p>
@@ -39977,15 +39983,7 @@
           <a:p>
             <a:r>
               <a:rPr lang="en-US" sz="6000" dirty="0" smtClean="0"/>
-              <a:t>HPE </a:t>
-            </a:r>
-            <a:r>
-              <a:rPr lang="en-US" sz="6000" dirty="0" smtClean="0"/>
-              <a:t>OSS Performance </a:t>
-            </a:r>
-            <a:r>
-              <a:rPr lang="en-US" sz="6000" dirty="0" smtClean="0"/>
-              <a:t>Management</a:t>
+              <a:t>HPE OSS Performance Management</a:t>
             </a:r>
             <a:endParaRPr lang="en-US" sz="6000" dirty="0"/>
           </a:p>
@@ -40126,6 +40124,699 @@
           <a:p>
             <a:r>
               <a:rPr lang="en-US" dirty="0" smtClean="0"/>
+              <a:t>KPI </a:t>
+            </a:r>
+            <a:r>
+              <a:rPr lang="en-US" dirty="0" smtClean="0"/>
+              <a:t>Definition Management GUI</a:t>
+            </a:r>
+            <a:r>
+              <a:rPr lang="en-US" dirty="0" smtClean="0"/>
+              <a:t/>
+            </a:r>
+            <a:br>
+              <a:rPr lang="en-US" dirty="0" smtClean="0"/>
+            </a:br>
+            <a:r>
+              <a:rPr lang="en-US" dirty="0" smtClean="0"/>
+              <a:t>	-- </a:t>
+            </a:r>
+            <a:r>
+              <a:rPr lang="en-US" sz="2000" dirty="0" smtClean="0"/>
+              <a:t>create and manage KPI definitions</a:t>
+            </a:r>
+            <a:endParaRPr lang="en-US" dirty="0"/>
+          </a:p>
+        </p:txBody>
+      </p:sp>
+      <p:sp>
+        <p:nvSpPr>
+          <p:cNvPr id="3" name="Content Placeholder 2"/>
+          <p:cNvSpPr>
+            <a:spLocks noGrp="1"/>
+          </p:cNvSpPr>
+          <p:nvPr>
+            <p:ph idx="1"/>
+          </p:nvPr>
+        </p:nvSpPr>
+        <p:spPr>
+          <a:xfrm>
+            <a:off x="609600" y="1524000"/>
+            <a:ext cx="5486400" cy="4571999"/>
+          </a:xfrm>
+        </p:spPr>
+        <p:txBody>
+          <a:bodyPr>
+            <a:normAutofit/>
+          </a:bodyPr>
+          <a:lstStyle/>
+          <a:p>
+            <a:r>
+              <a:rPr lang="en-US" sz="1600" dirty="0" smtClean="0"/>
+              <a:t>Each KPI has a unique ID assigned by the system.</a:t>
+            </a:r>
+          </a:p>
+          <a:p>
+            <a:r>
+              <a:rPr lang="en-US" sz="1600" dirty="0" smtClean="0"/>
+              <a:t>There are 4 types of KPI</a:t>
+            </a:r>
+          </a:p>
+          <a:p>
+            <a:pPr lvl="1">
+              <a:buFont typeface="Wingdings" panose="05000000000000000000" pitchFamily="2" charset="2"/>
+              <a:buChar char="ü"/>
+            </a:pPr>
+            <a:r>
+              <a:rPr lang="en-US" sz="1400" dirty="0" smtClean="0"/>
+              <a:t>Raw: collect by the collectors.</a:t>
+            </a:r>
+          </a:p>
+          <a:p>
+            <a:pPr lvl="1">
+              <a:buFont typeface="Wingdings" panose="05000000000000000000" pitchFamily="2" charset="2"/>
+              <a:buChar char="ü"/>
+            </a:pPr>
+            <a:r>
+              <a:rPr lang="en-US" sz="1400" dirty="0" smtClean="0"/>
+              <a:t>Calculation: The KPI is calculated based on the KPIs of the same NE and have the same granularity.</a:t>
+            </a:r>
+          </a:p>
+          <a:p>
+            <a:pPr lvl="1">
+              <a:buFont typeface="Wingdings" panose="05000000000000000000" pitchFamily="2" charset="2"/>
+              <a:buChar char="ü"/>
+            </a:pPr>
+            <a:r>
+              <a:rPr lang="en-US" sz="1400" dirty="0" smtClean="0"/>
+              <a:t>Time Aggregation: The KPI is aggregated by the KPI of the same NE type but from smaller granularity.</a:t>
+            </a:r>
+          </a:p>
+          <a:p>
+            <a:pPr lvl="1">
+              <a:buFont typeface="Wingdings" panose="05000000000000000000" pitchFamily="2" charset="2"/>
+              <a:buChar char="ü"/>
+            </a:pPr>
+            <a:r>
+              <a:rPr lang="en-US" sz="1400" dirty="0" smtClean="0"/>
+              <a:t>Entity Aggregation: The KPI is aggregated by the KPI of the sub NE (defined in the model) and have same granularity.</a:t>
+            </a:r>
+          </a:p>
+          <a:p>
+            <a:pPr marL="228600" lvl="1" indent="0">
+              <a:buNone/>
+            </a:pPr>
+            <a:r>
+              <a:rPr lang="en-US" sz="1400" dirty="0" smtClean="0"/>
+              <a:t>These 4 types shall meet all the KPI requirements, but we still able to enhance it to simplify the types and support more complex formula and support more aggregation functions.</a:t>
+            </a:r>
+            <a:endParaRPr lang="en-US" sz="1400" dirty="0"/>
+          </a:p>
+          <a:p>
+            <a:pPr marL="228600" lvl="1" indent="0">
+              <a:buNone/>
+            </a:pPr>
+            <a:endParaRPr lang="en-US" sz="1400" dirty="0" smtClean="0"/>
+          </a:p>
+        </p:txBody>
+      </p:sp>
+      <p:sp>
+        <p:nvSpPr>
+          <p:cNvPr id="4" name="Slide Number Placeholder 3"/>
+          <p:cNvSpPr>
+            <a:spLocks noGrp="1"/>
+          </p:cNvSpPr>
+          <p:nvPr>
+            <p:ph type="sldNum" sz="quarter" idx="12"/>
+          </p:nvPr>
+        </p:nvSpPr>
+        <p:spPr/>
+        <p:txBody>
+          <a:bodyPr/>
+          <a:lstStyle/>
+          <a:p>
+            <a:fld id="{B016F8AB-BCEA-4347-8BA6-BE776009BC89}" type="slidenum">
+              <a:rPr lang="en-US" smtClean="0"/>
+              <a:pPr/>
+              <a:t>10</a:t>
+            </a:fld>
+            <a:endParaRPr lang="en-US"/>
+          </a:p>
+        </p:txBody>
+      </p:sp>
+      <p:pic>
+        <p:nvPicPr>
+          <p:cNvPr id="5" name="Picture 4"/>
+          <p:cNvPicPr>
+            <a:picLocks noChangeAspect="1"/>
+          </p:cNvPicPr>
+          <p:nvPr/>
+        </p:nvPicPr>
+        <p:blipFill>
+          <a:blip r:embed="rId2"/>
+          <a:stretch>
+            <a:fillRect/>
+          </a:stretch>
+        </p:blipFill>
+        <p:spPr>
+          <a:xfrm>
+            <a:off x="6096000" y="1752600"/>
+            <a:ext cx="5684964" cy="3537828"/>
+          </a:xfrm>
+          <a:prstGeom prst="rect">
+            <a:avLst/>
+          </a:prstGeom>
+          <a:solidFill>
+            <a:srgbClr val="FFFFFF">
+              <a:shade val="85000"/>
+            </a:srgbClr>
+          </a:solidFill>
+          <a:ln w="88900" cap="sq">
+            <a:solidFill>
+              <a:srgbClr val="FFFFFF"/>
+            </a:solidFill>
+            <a:miter lim="800000"/>
+          </a:ln>
+          <a:effectLst>
+            <a:outerShdw blurRad="55000" dist="18000" dir="5400000" algn="tl" rotWithShape="0">
+              <a:srgbClr val="000000">
+                <a:alpha val="40000"/>
+              </a:srgbClr>
+            </a:outerShdw>
+          </a:effectLst>
+          <a:scene3d>
+            <a:camera prst="orthographicFront"/>
+            <a:lightRig rig="twoPt" dir="t">
+              <a:rot lat="0" lon="0" rev="7200000"/>
+            </a:lightRig>
+          </a:scene3d>
+          <a:sp3d>
+            <a:bevelT w="25400" h="19050"/>
+            <a:contourClr>
+              <a:srgbClr val="FFFFFF"/>
+            </a:contourClr>
+          </a:sp3d>
+        </p:spPr>
+      </p:pic>
+      <p:pic>
+        <p:nvPicPr>
+          <p:cNvPr id="6" name="Picture 5"/>
+          <p:cNvPicPr>
+            <a:picLocks noChangeAspect="1"/>
+          </p:cNvPicPr>
+          <p:nvPr/>
+        </p:nvPicPr>
+        <p:blipFill>
+          <a:blip r:embed="rId3"/>
+          <a:stretch>
+            <a:fillRect/>
+          </a:stretch>
+        </p:blipFill>
+        <p:spPr>
+          <a:xfrm>
+            <a:off x="1905000" y="4784733"/>
+            <a:ext cx="3076315" cy="1011391"/>
+          </a:xfrm>
+          <a:prstGeom prst="rect">
+            <a:avLst/>
+          </a:prstGeom>
+        </p:spPr>
+      </p:pic>
+    </p:spTree>
+    <p:extLst>
+      <p:ext uri="{BB962C8B-B14F-4D97-AF65-F5344CB8AC3E}">
+        <p14:creationId xmlns:p14="http://schemas.microsoft.com/office/powerpoint/2010/main" val="768885437"/>
+      </p:ext>
+    </p:extLst>
+  </p:cSld>
+  <p:clrMapOvr>
+    <a:masterClrMapping/>
+  </p:clrMapOvr>
+  <mc:AlternateContent xmlns:mc="http://schemas.openxmlformats.org/markup-compatibility/2006" xmlns:p14="http://schemas.microsoft.com/office/powerpoint/2010/main">
+    <mc:Choice Requires="p14">
+      <p:transition spd="med" p14:dur="700">
+        <p:fade/>
+      </p:transition>
+    </mc:Choice>
+    <mc:Fallback xmlns="">
+      <p:transition spd="med">
+        <p:fade/>
+      </p:transition>
+    </mc:Fallback>
+  </mc:AlternateContent>
+</p:sld>
+</file>
+
+<file path=ppt/slides/slide11.xml><?xml version="1.0" encoding="utf-8"?>
+<p:sld xmlns:a="http://schemas.openxmlformats.org/drawingml/2006/main" xmlns:r="http://schemas.openxmlformats.org/officeDocument/2006/relationships" xmlns:p="http://schemas.openxmlformats.org/presentationml/2006/main">
+  <p:cSld>
+    <p:spTree>
+      <p:nvGrpSpPr>
+        <p:cNvPr id="1" name=""/>
+        <p:cNvGrpSpPr/>
+        <p:nvPr/>
+      </p:nvGrpSpPr>
+      <p:grpSpPr>
+        <a:xfrm>
+          <a:off x="0" y="0"/>
+          <a:ext cx="0" cy="0"/>
+          <a:chOff x="0" y="0"/>
+          <a:chExt cx="0" cy="0"/>
+        </a:xfrm>
+      </p:grpSpPr>
+      <p:sp>
+        <p:nvSpPr>
+          <p:cNvPr id="2" name="Title 1"/>
+          <p:cNvSpPr>
+            <a:spLocks noGrp="1"/>
+          </p:cNvSpPr>
+          <p:nvPr>
+            <p:ph type="title"/>
+          </p:nvPr>
+        </p:nvSpPr>
+        <p:spPr/>
+        <p:txBody>
+          <a:bodyPr/>
+          <a:lstStyle/>
+          <a:p>
+            <a:r>
+              <a:rPr lang="en-US" dirty="0" smtClean="0"/>
+              <a:t>KPI Definition in Database</a:t>
+            </a:r>
+            <a:endParaRPr lang="en-US" dirty="0"/>
+          </a:p>
+        </p:txBody>
+      </p:sp>
+      <p:sp>
+        <p:nvSpPr>
+          <p:cNvPr id="4" name="Slide Number Placeholder 3"/>
+          <p:cNvSpPr>
+            <a:spLocks noGrp="1"/>
+          </p:cNvSpPr>
+          <p:nvPr>
+            <p:ph type="sldNum" sz="quarter" idx="12"/>
+          </p:nvPr>
+        </p:nvSpPr>
+        <p:spPr/>
+        <p:txBody>
+          <a:bodyPr/>
+          <a:lstStyle/>
+          <a:p>
+            <a:fld id="{B016F8AB-BCEA-4347-8BA6-BE776009BC89}" type="slidenum">
+              <a:rPr lang="en-US" smtClean="0"/>
+              <a:pPr/>
+              <a:t>11</a:t>
+            </a:fld>
+            <a:endParaRPr lang="en-US"/>
+          </a:p>
+        </p:txBody>
+      </p:sp>
+      <p:pic>
+        <p:nvPicPr>
+          <p:cNvPr id="5" name="Picture 4"/>
+          <p:cNvPicPr>
+            <a:picLocks noChangeAspect="1"/>
+          </p:cNvPicPr>
+          <p:nvPr/>
+        </p:nvPicPr>
+        <p:blipFill>
+          <a:blip r:embed="rId2"/>
+          <a:stretch>
+            <a:fillRect/>
+          </a:stretch>
+        </p:blipFill>
+        <p:spPr>
+          <a:xfrm>
+            <a:off x="624681" y="1676400"/>
+            <a:ext cx="6809093" cy="2842972"/>
+          </a:xfrm>
+          <a:prstGeom prst="rect">
+            <a:avLst/>
+          </a:prstGeom>
+          <a:solidFill>
+            <a:srgbClr val="FFFFFF">
+              <a:shade val="85000"/>
+            </a:srgbClr>
+          </a:solidFill>
+          <a:ln w="88900" cap="sq">
+            <a:solidFill>
+              <a:srgbClr val="FFFFFF"/>
+            </a:solidFill>
+            <a:miter lim="800000"/>
+          </a:ln>
+          <a:effectLst>
+            <a:outerShdw blurRad="55000" dist="18000" dir="5400000" algn="tl" rotWithShape="0">
+              <a:srgbClr val="000000">
+                <a:alpha val="40000"/>
+              </a:srgbClr>
+            </a:outerShdw>
+          </a:effectLst>
+          <a:scene3d>
+            <a:camera prst="orthographicFront"/>
+            <a:lightRig rig="twoPt" dir="t">
+              <a:rot lat="0" lon="0" rev="7200000"/>
+            </a:lightRig>
+          </a:scene3d>
+          <a:sp3d>
+            <a:bevelT w="25400" h="19050"/>
+            <a:contourClr>
+              <a:srgbClr val="FFFFFF"/>
+            </a:contourClr>
+          </a:sp3d>
+        </p:spPr>
+      </p:pic>
+      <p:pic>
+        <p:nvPicPr>
+          <p:cNvPr id="6" name="Picture 5"/>
+          <p:cNvPicPr>
+            <a:picLocks noChangeAspect="1"/>
+          </p:cNvPicPr>
+          <p:nvPr/>
+        </p:nvPicPr>
+        <p:blipFill>
+          <a:blip r:embed="rId3"/>
+          <a:stretch>
+            <a:fillRect/>
+          </a:stretch>
+        </p:blipFill>
+        <p:spPr>
+          <a:xfrm>
+            <a:off x="6324600" y="2929682"/>
+            <a:ext cx="5380952" cy="3733333"/>
+          </a:xfrm>
+          <a:prstGeom prst="rect">
+            <a:avLst/>
+          </a:prstGeom>
+        </p:spPr>
+      </p:pic>
+      <p:sp>
+        <p:nvSpPr>
+          <p:cNvPr id="7" name="Curved Down Arrow 6"/>
+          <p:cNvSpPr/>
+          <p:nvPr/>
+        </p:nvSpPr>
+        <p:spPr bwMode="ltGray">
+          <a:xfrm rot="1939759">
+            <a:off x="6990676" y="2546820"/>
+            <a:ext cx="2286000" cy="588854"/>
+          </a:xfrm>
+          <a:prstGeom prst="curvedDownArrow">
+            <a:avLst/>
+          </a:prstGeom>
+          <a:solidFill>
+            <a:schemeClr val="accent1"/>
+          </a:solidFill>
+          <a:ln w="19050">
+            <a:solidFill>
+              <a:schemeClr val="accent1"/>
+            </a:solidFill>
+          </a:ln>
+        </p:spPr>
+        <p:style>
+          <a:lnRef idx="2">
+            <a:schemeClr val="accent1">
+              <a:shade val="50000"/>
+            </a:schemeClr>
+          </a:lnRef>
+          <a:fillRef idx="1">
+            <a:schemeClr val="accent1"/>
+          </a:fillRef>
+          <a:effectRef idx="0">
+            <a:schemeClr val="accent1"/>
+          </a:effectRef>
+          <a:fontRef idx="minor">
+            <a:schemeClr val="lt1"/>
+          </a:fontRef>
+        </p:style>
+        <p:txBody>
+          <a:bodyPr rtlCol="0" anchor="ctr"/>
+          <a:lstStyle/>
+          <a:p>
+            <a:pPr algn="ctr">
+              <a:lnSpc>
+                <a:spcPct val="90000"/>
+              </a:lnSpc>
+            </a:pPr>
+            <a:endParaRPr lang="en-US" dirty="0" err="1" smtClean="0">
+              <a:solidFill>
+                <a:schemeClr val="tx1"/>
+              </a:solidFill>
+            </a:endParaRPr>
+          </a:p>
+        </p:txBody>
+      </p:sp>
+      <p:sp>
+        <p:nvSpPr>
+          <p:cNvPr id="8" name="Content Placeholder 2"/>
+          <p:cNvSpPr>
+            <a:spLocks noGrp="1"/>
+          </p:cNvSpPr>
+          <p:nvPr>
+            <p:ph idx="1"/>
+          </p:nvPr>
+        </p:nvSpPr>
+        <p:spPr>
+          <a:xfrm>
+            <a:off x="609600" y="4844460"/>
+            <a:ext cx="5562441" cy="1131479"/>
+          </a:xfrm>
+        </p:spPr>
+        <p:txBody>
+          <a:bodyPr/>
+          <a:lstStyle/>
+          <a:p>
+            <a:pPr marL="0" indent="0">
+              <a:buNone/>
+            </a:pPr>
+            <a:r>
+              <a:rPr lang="en-US" dirty="0" smtClean="0"/>
+              <a:t>Each KPI_DEF node must connect to one NE template node and one Granularity definition node.</a:t>
+            </a:r>
+            <a:endParaRPr lang="en-US" dirty="0"/>
+          </a:p>
+        </p:txBody>
+      </p:sp>
+    </p:spTree>
+    <p:extLst>
+      <p:ext uri="{BB962C8B-B14F-4D97-AF65-F5344CB8AC3E}">
+        <p14:creationId xmlns:p14="http://schemas.microsoft.com/office/powerpoint/2010/main" val="3043690924"/>
+      </p:ext>
+    </p:extLst>
+  </p:cSld>
+  <p:clrMapOvr>
+    <a:masterClrMapping/>
+  </p:clrMapOvr>
+  <mc:AlternateContent xmlns:mc="http://schemas.openxmlformats.org/markup-compatibility/2006" xmlns:p14="http://schemas.microsoft.com/office/powerpoint/2010/main">
+    <mc:Choice Requires="p14">
+      <p:transition spd="med" p14:dur="700">
+        <p:fade/>
+      </p:transition>
+    </mc:Choice>
+    <mc:Fallback xmlns="">
+      <p:transition spd="med">
+        <p:fade/>
+      </p:transition>
+    </mc:Fallback>
+  </mc:AlternateContent>
+</p:sld>
+</file>
+
+<file path=ppt/slides/slide12.xml><?xml version="1.0" encoding="utf-8"?>
+<p:sld xmlns:a="http://schemas.openxmlformats.org/drawingml/2006/main" xmlns:r="http://schemas.openxmlformats.org/officeDocument/2006/relationships" xmlns:p="http://schemas.openxmlformats.org/presentationml/2006/main">
+  <p:cSld>
+    <p:spTree>
+      <p:nvGrpSpPr>
+        <p:cNvPr id="1" name=""/>
+        <p:cNvGrpSpPr/>
+        <p:nvPr/>
+      </p:nvGrpSpPr>
+      <p:grpSpPr>
+        <a:xfrm>
+          <a:off x="0" y="0"/>
+          <a:ext cx="0" cy="0"/>
+          <a:chOff x="0" y="0"/>
+          <a:chExt cx="0" cy="0"/>
+        </a:xfrm>
+      </p:grpSpPr>
+      <p:sp>
+        <p:nvSpPr>
+          <p:cNvPr id="2" name="Title 1"/>
+          <p:cNvSpPr>
+            <a:spLocks noGrp="1"/>
+          </p:cNvSpPr>
+          <p:nvPr>
+            <p:ph type="title"/>
+          </p:nvPr>
+        </p:nvSpPr>
+        <p:spPr/>
+        <p:txBody>
+          <a:bodyPr/>
+          <a:lstStyle/>
+          <a:p>
+            <a:r>
+              <a:rPr lang="en-US" dirty="0" smtClean="0"/>
+              <a:t>KPI Engine</a:t>
+            </a:r>
+            <a:endParaRPr lang="en-US" dirty="0"/>
+          </a:p>
+        </p:txBody>
+      </p:sp>
+      <p:sp>
+        <p:nvSpPr>
+          <p:cNvPr id="3" name="Content Placeholder 2"/>
+          <p:cNvSpPr>
+            <a:spLocks noGrp="1"/>
+          </p:cNvSpPr>
+          <p:nvPr>
+            <p:ph idx="1"/>
+          </p:nvPr>
+        </p:nvSpPr>
+        <p:spPr/>
+        <p:txBody>
+          <a:bodyPr/>
+          <a:lstStyle/>
+          <a:p>
+            <a:r>
+              <a:rPr lang="en-US" dirty="0" smtClean="0"/>
+              <a:t>KPI Engine module is the most valuable module in the system which reflects most important design ideas.</a:t>
+            </a:r>
+          </a:p>
+          <a:p>
+            <a:r>
+              <a:rPr lang="en-US" dirty="0" smtClean="0"/>
+              <a:t>One idea is only store RAW counters/KPIs in the DB, all other KPIs are calculate in runtime. It’s because of in PM collection, the collection and aggregation are running in schedule, while some raw data may comes later, so the aggregation data may not accurate, it’s difficult to update these data. While calculate in runtime is  the other side of devil which may encounter performance issue. So current design and prototype may not suit for the real time scenario with lots calculations.</a:t>
+            </a:r>
+          </a:p>
+          <a:p>
+            <a:r>
+              <a:rPr lang="en-US" dirty="0" smtClean="0"/>
+              <a:t>A third part library is included to pares and calculate the Calculation KPI( also used by Threshold module and SNMP collector)</a:t>
+            </a:r>
+          </a:p>
+          <a:p>
+            <a:r>
+              <a:rPr lang="en-US" dirty="0" smtClean="0"/>
+              <a:t>Only support follow aggregation method: sum, </a:t>
+            </a:r>
+            <a:r>
+              <a:rPr lang="en-US" dirty="0" err="1" smtClean="0"/>
+              <a:t>avg</a:t>
+            </a:r>
+            <a:r>
+              <a:rPr lang="en-US" dirty="0" smtClean="0"/>
+              <a:t>, max, min and count. (in SNMP  collector support these methods and one more: delta)</a:t>
+            </a:r>
+          </a:p>
+          <a:p>
+            <a:r>
+              <a:rPr lang="en-US" dirty="0" smtClean="0"/>
+              <a:t> * The </a:t>
+            </a:r>
+            <a:r>
+              <a:rPr lang="en-US" dirty="0" smtClean="0"/>
+              <a:t>engine provide customized APIs to </a:t>
+            </a:r>
+            <a:r>
+              <a:rPr lang="en-US" dirty="0" err="1" smtClean="0"/>
+              <a:t>qeury</a:t>
+            </a:r>
+            <a:r>
+              <a:rPr lang="en-US" dirty="0" smtClean="0"/>
+              <a:t> </a:t>
+            </a:r>
+            <a:r>
+              <a:rPr lang="en-US" dirty="0" smtClean="0"/>
+              <a:t>KPI values</a:t>
+            </a:r>
+          </a:p>
+          <a:p>
+            <a:endParaRPr lang="en-US" dirty="0"/>
+          </a:p>
+        </p:txBody>
+      </p:sp>
+      <p:sp>
+        <p:nvSpPr>
+          <p:cNvPr id="4" name="Slide Number Placeholder 3"/>
+          <p:cNvSpPr>
+            <a:spLocks noGrp="1"/>
+          </p:cNvSpPr>
+          <p:nvPr>
+            <p:ph type="sldNum" sz="quarter" idx="12"/>
+          </p:nvPr>
+        </p:nvSpPr>
+        <p:spPr/>
+        <p:txBody>
+          <a:bodyPr/>
+          <a:lstStyle/>
+          <a:p>
+            <a:fld id="{B016F8AB-BCEA-4347-8BA6-BE776009BC89}" type="slidenum">
+              <a:rPr lang="en-US" smtClean="0"/>
+              <a:pPr/>
+              <a:t>12</a:t>
+            </a:fld>
+            <a:endParaRPr lang="en-US"/>
+          </a:p>
+        </p:txBody>
+      </p:sp>
+    </p:spTree>
+    <p:extLst>
+      <p:ext uri="{BB962C8B-B14F-4D97-AF65-F5344CB8AC3E}">
+        <p14:creationId xmlns:p14="http://schemas.microsoft.com/office/powerpoint/2010/main" val="1506219333"/>
+      </p:ext>
+    </p:extLst>
+  </p:cSld>
+  <p:clrMapOvr>
+    <a:masterClrMapping/>
+  </p:clrMapOvr>
+  <mc:AlternateContent xmlns:mc="http://schemas.openxmlformats.org/markup-compatibility/2006" xmlns:p14="http://schemas.microsoft.com/office/powerpoint/2010/main">
+    <mc:Choice Requires="p14">
+      <p:transition spd="med" p14:dur="700">
+        <p:fade/>
+      </p:transition>
+    </mc:Choice>
+    <mc:Fallback xmlns="">
+      <p:transition spd="med">
+        <p:fade/>
+      </p:transition>
+    </mc:Fallback>
+  </mc:AlternateContent>
+</p:sld>
+</file>
+
+<file path=ppt/slides/slide13.xml><?xml version="1.0" encoding="utf-8"?>
+<p:sld xmlns:a="http://schemas.openxmlformats.org/drawingml/2006/main" xmlns:r="http://schemas.openxmlformats.org/officeDocument/2006/relationships" xmlns:p="http://schemas.openxmlformats.org/presentationml/2006/main">
+  <p:cSld>
+    <p:spTree>
+      <p:nvGrpSpPr>
+        <p:cNvPr id="1" name=""/>
+        <p:cNvGrpSpPr/>
+        <p:nvPr/>
+      </p:nvGrpSpPr>
+      <p:grpSpPr>
+        <a:xfrm>
+          <a:off x="0" y="0"/>
+          <a:ext cx="0" cy="0"/>
+          <a:chOff x="0" y="0"/>
+          <a:chExt cx="0" cy="0"/>
+        </a:xfrm>
+      </p:grpSpPr>
+      <p:sp>
+        <p:nvSpPr>
+          <p:cNvPr id="2" name="Title 1"/>
+          <p:cNvSpPr>
+            <a:spLocks noGrp="1"/>
+          </p:cNvSpPr>
+          <p:nvPr>
+            <p:ph type="title"/>
+          </p:nvPr>
+        </p:nvSpPr>
+        <p:spPr/>
+        <p:txBody>
+          <a:bodyPr/>
+          <a:lstStyle/>
+          <a:p>
+            <a:r>
+              <a:rPr lang="en-US" dirty="0" smtClean="0"/>
               <a:t>Threshold Management</a:t>
             </a:r>
             <a:endParaRPr lang="en-US" dirty="0"/>
@@ -40208,7 +40899,7 @@
             <a:fld id="{B016F8AB-BCEA-4347-8BA6-BE776009BC89}" type="slidenum">
               <a:rPr lang="en-US" smtClean="0"/>
               <a:pPr/>
-              <a:t>10</a:t>
+              <a:t>13</a:t>
             </a:fld>
             <a:endParaRPr lang="en-US"/>
           </a:p>
@@ -40287,7 +40978,7 @@
 </p:sld>
 </file>
 
-<file path=ppt/slides/slide11.xml><?xml version="1.0" encoding="utf-8"?>
+<file path=ppt/slides/slide14.xml><?xml version="1.0" encoding="utf-8"?>
 <p:sld xmlns:a="http://schemas.openxmlformats.org/drawingml/2006/main" xmlns:r="http://schemas.openxmlformats.org/officeDocument/2006/relationships" xmlns:p="http://schemas.openxmlformats.org/presentationml/2006/main">
   <p:cSld>
     <p:spTree>
@@ -40321,7 +41012,7 @@
           <a:p>
             <a:r>
               <a:rPr lang="en-US" dirty="0" smtClean="0"/>
-              <a:t>Standard CSV Collector</a:t>
+              <a:t>Collectors</a:t>
             </a:r>
             <a:endParaRPr lang="en-US" dirty="0"/>
           </a:p>
@@ -40344,37 +41035,39 @@
           <a:p>
             <a:r>
               <a:rPr lang="en-US" dirty="0" smtClean="0"/>
-              <a:t>The collector will monitor a configuration directory and consumes new files.</a:t>
+              <a:t>Most collectors are customized according to real requirements.</a:t>
             </a:r>
           </a:p>
           <a:p>
             <a:r>
               <a:rPr lang="en-US" dirty="0" smtClean="0"/>
-              <a:t>The file must in a defined format. So it’s required a external  simple ETL application to reform the source files. </a:t>
-            </a:r>
-          </a:p>
-          <a:p>
+              <a:t>The collectors can collect data from all kinds </a:t>
+            </a:r>
+            <a:r>
+              <a:rPr lang="en-US" dirty="0"/>
+              <a:t>of system/devices </a:t>
+            </a:r>
             <a:r>
               <a:rPr lang="en-US" dirty="0" smtClean="0"/>
-              <a:t>The file must have headers.  </a:t>
+              <a:t>in theory.</a:t>
             </a:r>
           </a:p>
           <a:p>
             <a:r>
               <a:rPr lang="en-US" dirty="0" smtClean="0"/>
-              <a:t>After collect successfully, the file will be renamed or removed.</a:t>
+              <a:t>All collector shall implement a rest interface to manage (start/stop) and monitor (report status) itself.</a:t>
             </a:r>
           </a:p>
           <a:p>
             <a:r>
               <a:rPr lang="en-US" dirty="0" smtClean="0"/>
-              <a:t>KPI must be defined before collecting</a:t>
+              <a:t>The collector can be develop in different languages – JS, JAVA, SCALA …</a:t>
             </a:r>
           </a:p>
           <a:p>
             <a:r>
               <a:rPr lang="en-US" dirty="0" smtClean="0"/>
-              <a:t>Inventory data may come together with performance file or need another collector to collect from inventory system.</a:t>
+              <a:t>If the collector will register KPI into the DB, it shall get the KPI ID from OSSP console by REST interface.</a:t>
             </a:r>
           </a:p>
           <a:p>
@@ -40382,12 +41075,6 @@
           </a:p>
           <a:p>
             <a:endParaRPr lang="en-US" dirty="0"/>
-          </a:p>
-          <a:p>
-            <a:pPr marL="0" indent="0">
-              <a:buNone/>
-            </a:pPr>
-            <a:endParaRPr lang="en-US" dirty="0" smtClean="0"/>
           </a:p>
         </p:txBody>
       </p:sp>
@@ -40409,7 +41096,178 @@
             <a:fld id="{B016F8AB-BCEA-4347-8BA6-BE776009BC89}" type="slidenum">
               <a:rPr lang="en-US" smtClean="0"/>
               <a:pPr/>
-              <a:t>11</a:t>
+              <a:t>14</a:t>
+            </a:fld>
+            <a:endParaRPr lang="en-US"/>
+          </a:p>
+        </p:txBody>
+      </p:sp>
+    </p:spTree>
+    <p:extLst>
+      <p:ext uri="{BB962C8B-B14F-4D97-AF65-F5344CB8AC3E}">
+        <p14:creationId xmlns:p14="http://schemas.microsoft.com/office/powerpoint/2010/main" val="2662877276"/>
+      </p:ext>
+    </p:extLst>
+  </p:cSld>
+  <p:clrMapOvr>
+    <a:masterClrMapping/>
+  </p:clrMapOvr>
+  <mc:AlternateContent xmlns:mc="http://schemas.openxmlformats.org/markup-compatibility/2006" xmlns:p14="http://schemas.microsoft.com/office/powerpoint/2010/main">
+    <mc:Choice Requires="p14">
+      <p:transition spd="med" p14:dur="700">
+        <p:fade/>
+      </p:transition>
+    </mc:Choice>
+    <mc:Fallback xmlns="">
+      <p:transition spd="med">
+        <p:fade/>
+      </p:transition>
+    </mc:Fallback>
+  </mc:AlternateContent>
+</p:sld>
+</file>
+
+<file path=ppt/slides/slide15.xml><?xml version="1.0" encoding="utf-8"?>
+<p:sld xmlns:a="http://schemas.openxmlformats.org/drawingml/2006/main" xmlns:r="http://schemas.openxmlformats.org/officeDocument/2006/relationships" xmlns:p="http://schemas.openxmlformats.org/presentationml/2006/main">
+  <p:cSld>
+    <p:spTree>
+      <p:nvGrpSpPr>
+        <p:cNvPr id="1" name=""/>
+        <p:cNvGrpSpPr/>
+        <p:nvPr/>
+      </p:nvGrpSpPr>
+      <p:grpSpPr>
+        <a:xfrm>
+          <a:off x="0" y="0"/>
+          <a:ext cx="0" cy="0"/>
+          <a:chOff x="0" y="0"/>
+          <a:chExt cx="0" cy="0"/>
+        </a:xfrm>
+      </p:grpSpPr>
+      <p:sp>
+        <p:nvSpPr>
+          <p:cNvPr id="2" name="Title 1"/>
+          <p:cNvSpPr>
+            <a:spLocks noGrp="1"/>
+          </p:cNvSpPr>
+          <p:nvPr>
+            <p:ph type="title"/>
+          </p:nvPr>
+        </p:nvSpPr>
+        <p:spPr/>
+        <p:txBody>
+          <a:bodyPr/>
+          <a:lstStyle/>
+          <a:p>
+            <a:r>
+              <a:rPr lang="en-US" dirty="0" smtClean="0"/>
+              <a:t>Standard CSV Collector</a:t>
+            </a:r>
+            <a:endParaRPr lang="en-US" dirty="0"/>
+          </a:p>
+        </p:txBody>
+      </p:sp>
+      <p:sp>
+        <p:nvSpPr>
+          <p:cNvPr id="3" name="Content Placeholder 2"/>
+          <p:cNvSpPr>
+            <a:spLocks noGrp="1"/>
+          </p:cNvSpPr>
+          <p:nvPr>
+            <p:ph idx="1"/>
+          </p:nvPr>
+        </p:nvSpPr>
+        <p:spPr/>
+        <p:txBody>
+          <a:bodyPr/>
+          <a:lstStyle/>
+          <a:p>
+            <a:r>
+              <a:rPr lang="en-US" dirty="0" smtClean="0"/>
+              <a:t>The collector will monitor a configuration directory and consumes new </a:t>
+            </a:r>
+            <a:r>
+              <a:rPr lang="en-US" dirty="0" smtClean="0"/>
+              <a:t>files in configured interval.</a:t>
+            </a:r>
+            <a:endParaRPr lang="en-US" dirty="0" smtClean="0"/>
+          </a:p>
+          <a:p>
+            <a:r>
+              <a:rPr lang="en-US" dirty="0" smtClean="0"/>
+              <a:t>The file must in a </a:t>
+            </a:r>
+            <a:r>
+              <a:rPr lang="en-US" dirty="0" smtClean="0"/>
+              <a:t>pre-define </a:t>
+            </a:r>
+            <a:r>
+              <a:rPr lang="en-US" dirty="0" smtClean="0"/>
+              <a:t>format. </a:t>
+            </a:r>
+            <a:endParaRPr lang="en-US" dirty="0" smtClean="0"/>
+          </a:p>
+          <a:p>
+            <a:r>
+              <a:rPr lang="en-US" dirty="0" smtClean="0"/>
+              <a:t>The </a:t>
+            </a:r>
+            <a:r>
+              <a:rPr lang="en-US" dirty="0" smtClean="0"/>
+              <a:t>file must have headers.  </a:t>
+            </a:r>
+          </a:p>
+          <a:p>
+            <a:r>
+              <a:rPr lang="en-US" dirty="0" smtClean="0"/>
+              <a:t>After collect successfully, the file will be renamed or removed.</a:t>
+            </a:r>
+          </a:p>
+          <a:p>
+            <a:r>
+              <a:rPr lang="en-US" dirty="0" smtClean="0"/>
+              <a:t>KPI must be defined before collecting</a:t>
+            </a:r>
+          </a:p>
+          <a:p>
+            <a:r>
+              <a:rPr lang="en-US" dirty="0" smtClean="0"/>
+              <a:t>Inventory data may come together with performance file or need another collector to collect from inventory system.</a:t>
+            </a:r>
+          </a:p>
+          <a:p>
+            <a:endParaRPr lang="en-US" dirty="0" smtClean="0"/>
+          </a:p>
+          <a:p>
+            <a:endParaRPr lang="en-US" dirty="0"/>
+          </a:p>
+          <a:p>
+            <a:pPr marL="0" indent="0">
+              <a:buNone/>
+            </a:pPr>
+            <a:endParaRPr lang="en-US" dirty="0" smtClean="0"/>
+          </a:p>
+        </p:txBody>
+      </p:sp>
+      <p:sp>
+        <p:nvSpPr>
+          <p:cNvPr id="4" name="Slide Number Placeholder 3"/>
+          <p:cNvSpPr>
+            <a:spLocks noGrp="1"/>
+          </p:cNvSpPr>
+          <p:nvPr>
+            <p:ph type="sldNum" sz="quarter" idx="12"/>
+          </p:nvPr>
+        </p:nvSpPr>
+        <p:spPr/>
+        <p:txBody>
+          <a:bodyPr/>
+          <a:lstStyle/>
+          <a:p>
+            <a:fld id="{B016F8AB-BCEA-4347-8BA6-BE776009BC89}" type="slidenum">
+              <a:rPr lang="en-US" smtClean="0"/>
+              <a:pPr/>
+              <a:t>15</a:t>
             </a:fld>
             <a:endParaRPr lang="en-US"/>
           </a:p>
@@ -40424,13 +41282,13 @@
           <p:nvPr>
             <p:extLst>
               <p:ext uri="{D42A27DB-BD31-4B8C-83A1-F6EECF244321}">
-                <p14:modId xmlns:p14="http://schemas.microsoft.com/office/powerpoint/2010/main" val="2881077946"/>
+                <p14:modId xmlns:p14="http://schemas.microsoft.com/office/powerpoint/2010/main" val="1547673086"/>
               </p:ext>
             </p:extLst>
           </p:nvPr>
         </p:nvGraphicFramePr>
         <p:xfrm>
-          <a:off x="4038600" y="2514600"/>
+          <a:off x="4305299" y="2209800"/>
           <a:ext cx="7010400" cy="365760"/>
         </p:xfrm>
         <a:graphic>
@@ -40838,7 +41696,2103 @@
 </p:sld>
 </file>
 
-<file path=ppt/slides/slide12.xml><?xml version="1.0" encoding="utf-8"?>
+<file path=ppt/slides/slide16.xml><?xml version="1.0" encoding="utf-8"?>
+<p:sld xmlns:a="http://schemas.openxmlformats.org/drawingml/2006/main" xmlns:r="http://schemas.openxmlformats.org/officeDocument/2006/relationships" xmlns:p="http://schemas.openxmlformats.org/presentationml/2006/main">
+  <p:cSld>
+    <p:spTree>
+      <p:nvGrpSpPr>
+        <p:cNvPr id="1" name=""/>
+        <p:cNvGrpSpPr/>
+        <p:nvPr/>
+      </p:nvGrpSpPr>
+      <p:grpSpPr>
+        <a:xfrm>
+          <a:off x="0" y="0"/>
+          <a:ext cx="0" cy="0"/>
+          <a:chOff x="0" y="0"/>
+          <a:chExt cx="0" cy="0"/>
+        </a:xfrm>
+      </p:grpSpPr>
+      <p:sp>
+        <p:nvSpPr>
+          <p:cNvPr id="2" name="Title 1"/>
+          <p:cNvSpPr>
+            <a:spLocks noGrp="1"/>
+          </p:cNvSpPr>
+          <p:nvPr>
+            <p:ph type="title"/>
+          </p:nvPr>
+        </p:nvSpPr>
+        <p:spPr/>
+        <p:txBody>
+          <a:bodyPr/>
+          <a:lstStyle/>
+          <a:p>
+            <a:r>
+              <a:rPr lang="en-US" dirty="0" smtClean="0"/>
+              <a:t>SNMP Collector</a:t>
+            </a:r>
+            <a:endParaRPr lang="en-US" dirty="0"/>
+          </a:p>
+        </p:txBody>
+      </p:sp>
+      <p:sp>
+        <p:nvSpPr>
+          <p:cNvPr id="3" name="Content Placeholder 2"/>
+          <p:cNvSpPr>
+            <a:spLocks noGrp="1"/>
+          </p:cNvSpPr>
+          <p:nvPr>
+            <p:ph idx="1"/>
+          </p:nvPr>
+        </p:nvSpPr>
+        <p:spPr/>
+        <p:txBody>
+          <a:bodyPr/>
+          <a:lstStyle/>
+          <a:p>
+            <a:r>
+              <a:rPr lang="en-US" dirty="0" smtClean="0"/>
+              <a:t>SNMP can collect data by snmpget or </a:t>
+            </a:r>
+            <a:r>
+              <a:rPr lang="en-US" dirty="0" err="1" smtClean="0"/>
+              <a:t>snmpwalk</a:t>
+            </a:r>
+            <a:r>
+              <a:rPr lang="en-US" dirty="0" smtClean="0"/>
+              <a:t>.</a:t>
+            </a:r>
+          </a:p>
+          <a:p>
+            <a:r>
+              <a:rPr lang="en-US" dirty="0" smtClean="0"/>
+              <a:t>The SNMP collector has a configuration file which define the host and collection OIDs.</a:t>
+            </a:r>
+          </a:p>
+          <a:p>
+            <a:r>
+              <a:rPr lang="en-US" dirty="0" smtClean="0"/>
+              <a:t> Different with CSV collector:</a:t>
+            </a:r>
+          </a:p>
+          <a:p>
+            <a:pPr lvl="1"/>
+            <a:r>
+              <a:rPr lang="en-US" dirty="0" smtClean="0"/>
+              <a:t>The SNMP collector will register the KPIs in by itself</a:t>
+            </a:r>
+          </a:p>
+          <a:p>
+            <a:pPr lvl="1"/>
+            <a:r>
+              <a:rPr lang="en-US" dirty="0" smtClean="0"/>
+              <a:t>The KPI could be calculated or aggregated before ingestion.</a:t>
+            </a:r>
+            <a:endParaRPr lang="en-US" dirty="0"/>
+          </a:p>
+        </p:txBody>
+      </p:sp>
+      <p:sp>
+        <p:nvSpPr>
+          <p:cNvPr id="4" name="Slide Number Placeholder 3"/>
+          <p:cNvSpPr>
+            <a:spLocks noGrp="1"/>
+          </p:cNvSpPr>
+          <p:nvPr>
+            <p:ph type="sldNum" sz="quarter" idx="12"/>
+          </p:nvPr>
+        </p:nvSpPr>
+        <p:spPr/>
+        <p:txBody>
+          <a:bodyPr/>
+          <a:lstStyle/>
+          <a:p>
+            <a:fld id="{B016F8AB-BCEA-4347-8BA6-BE776009BC89}" type="slidenum">
+              <a:rPr lang="en-US" smtClean="0"/>
+              <a:pPr/>
+              <a:t>16</a:t>
+            </a:fld>
+            <a:endParaRPr lang="en-US"/>
+          </a:p>
+        </p:txBody>
+      </p:sp>
+      <p:sp>
+        <p:nvSpPr>
+          <p:cNvPr id="5" name="Rectangle 1"/>
+          <p:cNvSpPr>
+            <a:spLocks noChangeArrowheads="1"/>
+          </p:cNvSpPr>
+          <p:nvPr/>
+        </p:nvSpPr>
+        <p:spPr bwMode="auto">
+          <a:xfrm>
+            <a:off x="7962899" y="2183551"/>
+            <a:ext cx="3352800" cy="4247317"/>
+          </a:xfrm>
+          <a:prstGeom prst="rect">
+            <a:avLst/>
+          </a:prstGeom>
+          <a:ln/>
+        </p:spPr>
+        <p:style>
+          <a:lnRef idx="2">
+            <a:schemeClr val="accent1"/>
+          </a:lnRef>
+          <a:fillRef idx="1">
+            <a:schemeClr val="lt1"/>
+          </a:fillRef>
+          <a:effectRef idx="0">
+            <a:schemeClr val="accent1"/>
+          </a:effectRef>
+          <a:fontRef idx="minor">
+            <a:schemeClr val="dk1"/>
+          </a:fontRef>
+        </p:style>
+        <p:txBody>
+          <a:bodyPr vert="horz" wrap="square" lIns="91440" tIns="45720" rIns="91440" bIns="45720" numCol="1" anchor="ctr" anchorCtr="0" compatLnSpc="1">
+            <a:prstTxWarp prst="textNoShape">
+              <a:avLst/>
+            </a:prstTxWarp>
+            <a:spAutoFit/>
+          </a:bodyPr>
+          <a:lstStyle/>
+          <a:p>
+            <a:pPr marL="0" marR="0" lvl="0" indent="0" algn="l" defTabSz="914400" rtl="0" eaLnBrk="0" fontAlgn="base" latinLnBrk="0" hangingPunct="0">
+              <a:lnSpc>
+                <a:spcPct val="100000"/>
+              </a:lnSpc>
+              <a:spcBef>
+                <a:spcPct val="0"/>
+              </a:spcBef>
+              <a:spcAft>
+                <a:spcPct val="0"/>
+              </a:spcAft>
+              <a:buClrTx/>
+              <a:buSzTx/>
+              <a:buFontTx/>
+              <a:buNone/>
+              <a:tabLst/>
+            </a:pPr>
+            <a:r>
+              <a:rPr kumimoji="0" lang="en-US" altLang="en-US" sz="1000" b="1" i="0" u="none" strike="noStrike" cap="none" normalizeH="0" baseline="0" dirty="0" smtClean="0">
+                <a:ln>
+                  <a:noFill/>
+                </a:ln>
+                <a:solidFill>
+                  <a:srgbClr val="660E7A"/>
+                </a:solidFill>
+                <a:effectLst/>
+                <a:latin typeface="Consolas" panose="020B0609020204030204" pitchFamily="49" charset="0"/>
+                <a:cs typeface="Consolas" panose="020B0609020204030204" pitchFamily="49" charset="0"/>
+              </a:rPr>
+              <a:t>"</a:t>
+            </a:r>
+            <a:r>
+              <a:rPr kumimoji="0" lang="en-US" altLang="en-US" sz="1000" b="1" i="0" u="none" strike="noStrike" cap="none" normalizeH="0" baseline="0" dirty="0" err="1" smtClean="0">
+                <a:ln>
+                  <a:noFill/>
+                </a:ln>
+                <a:solidFill>
+                  <a:srgbClr val="660E7A"/>
+                </a:solidFill>
+                <a:effectLst/>
+                <a:latin typeface="Consolas" panose="020B0609020204030204" pitchFamily="49" charset="0"/>
+                <a:cs typeface="Consolas" panose="020B0609020204030204" pitchFamily="49" charset="0"/>
+              </a:rPr>
+              <a:t>device_info</a:t>
+            </a:r>
+            <a:r>
+              <a:rPr kumimoji="0" lang="en-US" altLang="en-US" sz="1000" b="1" i="0" u="none" strike="noStrike" cap="none" normalizeH="0" baseline="0" dirty="0" smtClean="0">
+                <a:ln>
+                  <a:noFill/>
+                </a:ln>
+                <a:solidFill>
+                  <a:srgbClr val="660E7A"/>
+                </a:solidFill>
+                <a:effectLst/>
+                <a:latin typeface="Consolas" panose="020B0609020204030204" pitchFamily="49" charset="0"/>
+                <a:cs typeface="Consolas" panose="020B0609020204030204" pitchFamily="49" charset="0"/>
+              </a:rPr>
+              <a:t>"</a:t>
+            </a:r>
+            <a:r>
+              <a:rPr kumimoji="0" lang="en-US" altLang="en-US" sz="1000" b="0" i="0" u="none" strike="noStrike" cap="none" normalizeH="0" baseline="0" dirty="0" smtClean="0">
+                <a:ln>
+                  <a:noFill/>
+                </a:ln>
+                <a:solidFill>
+                  <a:srgbClr val="000000"/>
+                </a:solidFill>
+                <a:effectLst/>
+                <a:latin typeface="Consolas" panose="020B0609020204030204" pitchFamily="49" charset="0"/>
+                <a:cs typeface="Consolas" panose="020B0609020204030204" pitchFamily="49" charset="0"/>
+              </a:rPr>
+              <a:t>: {</a:t>
+            </a:r>
+            <a:br>
+              <a:rPr kumimoji="0" lang="en-US" altLang="en-US" sz="1000" b="0" i="0" u="none" strike="noStrike" cap="none" normalizeH="0" baseline="0" dirty="0" smtClean="0">
+                <a:ln>
+                  <a:noFill/>
+                </a:ln>
+                <a:solidFill>
+                  <a:srgbClr val="000000"/>
+                </a:solidFill>
+                <a:effectLst/>
+                <a:latin typeface="Consolas" panose="020B0609020204030204" pitchFamily="49" charset="0"/>
+                <a:cs typeface="Consolas" panose="020B0609020204030204" pitchFamily="49" charset="0"/>
+              </a:rPr>
+            </a:br>
+            <a:r>
+              <a:rPr kumimoji="0" lang="en-US" altLang="en-US" sz="1000" b="0" i="0" u="none" strike="noStrike" cap="none" normalizeH="0" baseline="0" dirty="0" smtClean="0">
+                <a:ln>
+                  <a:noFill/>
+                </a:ln>
+                <a:solidFill>
+                  <a:srgbClr val="000000"/>
+                </a:solidFill>
+                <a:effectLst/>
+                <a:latin typeface="Consolas" panose="020B0609020204030204" pitchFamily="49" charset="0"/>
+                <a:cs typeface="Consolas" panose="020B0609020204030204" pitchFamily="49" charset="0"/>
+              </a:rPr>
+              <a:t>  </a:t>
+            </a:r>
+            <a:r>
+              <a:rPr kumimoji="0" lang="en-US" altLang="en-US" sz="1000" b="1" i="0" u="none" strike="noStrike" cap="none" normalizeH="0" baseline="0" dirty="0" smtClean="0">
+                <a:ln>
+                  <a:noFill/>
+                </a:ln>
+                <a:solidFill>
+                  <a:srgbClr val="660E7A"/>
+                </a:solidFill>
+                <a:effectLst/>
+                <a:latin typeface="Consolas" panose="020B0609020204030204" pitchFamily="49" charset="0"/>
+                <a:cs typeface="Consolas" panose="020B0609020204030204" pitchFamily="49" charset="0"/>
+              </a:rPr>
+              <a:t>"type"</a:t>
+            </a:r>
+            <a:r>
+              <a:rPr kumimoji="0" lang="en-US" altLang="en-US" sz="1000" b="0" i="0" u="none" strike="noStrike" cap="none" normalizeH="0" baseline="0" dirty="0" smtClean="0">
+                <a:ln>
+                  <a:noFill/>
+                </a:ln>
+                <a:solidFill>
+                  <a:srgbClr val="000000"/>
+                </a:solidFill>
+                <a:effectLst/>
+                <a:latin typeface="Consolas" panose="020B0609020204030204" pitchFamily="49" charset="0"/>
+                <a:cs typeface="Consolas" panose="020B0609020204030204" pitchFamily="49" charset="0"/>
+              </a:rPr>
+              <a:t>: </a:t>
+            </a:r>
+            <a:r>
+              <a:rPr kumimoji="0" lang="en-US" altLang="en-US" sz="1000" b="1" i="0" u="none" strike="noStrike" cap="none" normalizeH="0" baseline="0" dirty="0" smtClean="0">
+                <a:ln>
+                  <a:noFill/>
+                </a:ln>
+                <a:solidFill>
+                  <a:srgbClr val="008000"/>
+                </a:solidFill>
+                <a:effectLst/>
+                <a:latin typeface="Consolas" panose="020B0609020204030204" pitchFamily="49" charset="0"/>
+                <a:cs typeface="Consolas" panose="020B0609020204030204" pitchFamily="49" charset="0"/>
+              </a:rPr>
+              <a:t>"</a:t>
+            </a:r>
+            <a:r>
+              <a:rPr kumimoji="0" lang="en-US" altLang="en-US" sz="1000" b="1" i="0" u="none" strike="noStrike" cap="none" normalizeH="0" baseline="0" dirty="0" err="1" smtClean="0">
+                <a:ln>
+                  <a:noFill/>
+                </a:ln>
+                <a:solidFill>
+                  <a:srgbClr val="008000"/>
+                </a:solidFill>
+                <a:effectLst/>
+                <a:latin typeface="Consolas" panose="020B0609020204030204" pitchFamily="49" charset="0"/>
+                <a:cs typeface="Consolas" panose="020B0609020204030204" pitchFamily="49" charset="0"/>
+              </a:rPr>
+              <a:t>Windows_Host</a:t>
+            </a:r>
+            <a:r>
+              <a:rPr kumimoji="0" lang="en-US" altLang="en-US" sz="1000" b="1" i="0" u="none" strike="noStrike" cap="none" normalizeH="0" baseline="0" dirty="0" smtClean="0">
+                <a:ln>
+                  <a:noFill/>
+                </a:ln>
+                <a:solidFill>
+                  <a:srgbClr val="008000"/>
+                </a:solidFill>
+                <a:effectLst/>
+                <a:latin typeface="Consolas" panose="020B0609020204030204" pitchFamily="49" charset="0"/>
+                <a:cs typeface="Consolas" panose="020B0609020204030204" pitchFamily="49" charset="0"/>
+              </a:rPr>
+              <a:t>"</a:t>
+            </a:r>
+            <a:r>
+              <a:rPr kumimoji="0" lang="en-US" altLang="en-US" sz="1000" b="0" i="0" u="none" strike="noStrike" cap="none" normalizeH="0" baseline="0" dirty="0" smtClean="0">
+                <a:ln>
+                  <a:noFill/>
+                </a:ln>
+                <a:solidFill>
+                  <a:srgbClr val="000000"/>
+                </a:solidFill>
+                <a:effectLst/>
+                <a:latin typeface="Consolas" panose="020B0609020204030204" pitchFamily="49" charset="0"/>
+                <a:cs typeface="Consolas" panose="020B0609020204030204" pitchFamily="49" charset="0"/>
+              </a:rPr>
+              <a:t>,</a:t>
+            </a:r>
+            <a:br>
+              <a:rPr kumimoji="0" lang="en-US" altLang="en-US" sz="1000" b="0" i="0" u="none" strike="noStrike" cap="none" normalizeH="0" baseline="0" dirty="0" smtClean="0">
+                <a:ln>
+                  <a:noFill/>
+                </a:ln>
+                <a:solidFill>
+                  <a:srgbClr val="000000"/>
+                </a:solidFill>
+                <a:effectLst/>
+                <a:latin typeface="Consolas" panose="020B0609020204030204" pitchFamily="49" charset="0"/>
+                <a:cs typeface="Consolas" panose="020B0609020204030204" pitchFamily="49" charset="0"/>
+              </a:rPr>
+            </a:br>
+            <a:r>
+              <a:rPr kumimoji="0" lang="en-US" altLang="en-US" sz="1000" b="0" i="0" u="none" strike="noStrike" cap="none" normalizeH="0" baseline="0" dirty="0" smtClean="0">
+                <a:ln>
+                  <a:noFill/>
+                </a:ln>
+                <a:solidFill>
+                  <a:srgbClr val="000000"/>
+                </a:solidFill>
+                <a:effectLst/>
+                <a:latin typeface="Consolas" panose="020B0609020204030204" pitchFamily="49" charset="0"/>
+                <a:cs typeface="Consolas" panose="020B0609020204030204" pitchFamily="49" charset="0"/>
+              </a:rPr>
+              <a:t>  </a:t>
+            </a:r>
+            <a:r>
+              <a:rPr kumimoji="0" lang="en-US" altLang="en-US" sz="1000" b="1" i="0" u="none" strike="noStrike" cap="none" normalizeH="0" baseline="0" dirty="0" smtClean="0">
+                <a:ln>
+                  <a:noFill/>
+                </a:ln>
+                <a:solidFill>
+                  <a:srgbClr val="660E7A"/>
+                </a:solidFill>
+                <a:effectLst/>
+                <a:latin typeface="Consolas" panose="020B0609020204030204" pitchFamily="49" charset="0"/>
+                <a:cs typeface="Consolas" panose="020B0609020204030204" pitchFamily="49" charset="0"/>
+              </a:rPr>
+              <a:t>"name"</a:t>
+            </a:r>
+            <a:r>
+              <a:rPr kumimoji="0" lang="en-US" altLang="en-US" sz="1000" b="0" i="0" u="none" strike="noStrike" cap="none" normalizeH="0" baseline="0" dirty="0" smtClean="0">
+                <a:ln>
+                  <a:noFill/>
+                </a:ln>
+                <a:solidFill>
+                  <a:srgbClr val="000000"/>
+                </a:solidFill>
+                <a:effectLst/>
+                <a:latin typeface="Consolas" panose="020B0609020204030204" pitchFamily="49" charset="0"/>
+                <a:cs typeface="Consolas" panose="020B0609020204030204" pitchFamily="49" charset="0"/>
+              </a:rPr>
+              <a:t>: </a:t>
+            </a:r>
+            <a:r>
+              <a:rPr kumimoji="0" lang="en-US" altLang="en-US" sz="1000" b="1" i="0" u="none" strike="noStrike" cap="none" normalizeH="0" baseline="0" dirty="0" smtClean="0">
+                <a:ln>
+                  <a:noFill/>
+                </a:ln>
+                <a:solidFill>
+                  <a:srgbClr val="008000"/>
+                </a:solidFill>
+                <a:effectLst/>
+                <a:latin typeface="Consolas" panose="020B0609020204030204" pitchFamily="49" charset="0"/>
+                <a:cs typeface="Consolas" panose="020B0609020204030204" pitchFamily="49" charset="0"/>
+              </a:rPr>
+              <a:t>"localhost"</a:t>
+            </a:r>
+            <a:r>
+              <a:rPr kumimoji="0" lang="en-US" altLang="en-US" sz="1000" b="0" i="0" u="none" strike="noStrike" cap="none" normalizeH="0" baseline="0" dirty="0" smtClean="0">
+                <a:ln>
+                  <a:noFill/>
+                </a:ln>
+                <a:solidFill>
+                  <a:srgbClr val="000000"/>
+                </a:solidFill>
+                <a:effectLst/>
+                <a:latin typeface="Consolas" panose="020B0609020204030204" pitchFamily="49" charset="0"/>
+                <a:cs typeface="Consolas" panose="020B0609020204030204" pitchFamily="49" charset="0"/>
+              </a:rPr>
+              <a:t>,</a:t>
+            </a:r>
+            <a:br>
+              <a:rPr kumimoji="0" lang="en-US" altLang="en-US" sz="1000" b="0" i="0" u="none" strike="noStrike" cap="none" normalizeH="0" baseline="0" dirty="0" smtClean="0">
+                <a:ln>
+                  <a:noFill/>
+                </a:ln>
+                <a:solidFill>
+                  <a:srgbClr val="000000"/>
+                </a:solidFill>
+                <a:effectLst/>
+                <a:latin typeface="Consolas" panose="020B0609020204030204" pitchFamily="49" charset="0"/>
+                <a:cs typeface="Consolas" panose="020B0609020204030204" pitchFamily="49" charset="0"/>
+              </a:rPr>
+            </a:br>
+            <a:r>
+              <a:rPr kumimoji="0" lang="en-US" altLang="en-US" sz="1000" b="0" i="0" u="none" strike="noStrike" cap="none" normalizeH="0" baseline="0" dirty="0" smtClean="0">
+                <a:ln>
+                  <a:noFill/>
+                </a:ln>
+                <a:solidFill>
+                  <a:srgbClr val="000000"/>
+                </a:solidFill>
+                <a:effectLst/>
+                <a:latin typeface="Consolas" panose="020B0609020204030204" pitchFamily="49" charset="0"/>
+                <a:cs typeface="Consolas" panose="020B0609020204030204" pitchFamily="49" charset="0"/>
+              </a:rPr>
+              <a:t>  </a:t>
+            </a:r>
+            <a:r>
+              <a:rPr kumimoji="0" lang="en-US" altLang="en-US" sz="1000" b="1" i="0" u="none" strike="noStrike" cap="none" normalizeH="0" baseline="0" dirty="0" smtClean="0">
+                <a:ln>
+                  <a:noFill/>
+                </a:ln>
+                <a:solidFill>
+                  <a:srgbClr val="660E7A"/>
+                </a:solidFill>
+                <a:effectLst/>
+                <a:latin typeface="Consolas" panose="020B0609020204030204" pitchFamily="49" charset="0"/>
+                <a:cs typeface="Consolas" panose="020B0609020204030204" pitchFamily="49" charset="0"/>
+              </a:rPr>
+              <a:t>"IP"</a:t>
+            </a:r>
+            <a:r>
+              <a:rPr kumimoji="0" lang="en-US" altLang="en-US" sz="1000" b="0" i="0" u="none" strike="noStrike" cap="none" normalizeH="0" baseline="0" dirty="0" smtClean="0">
+                <a:ln>
+                  <a:noFill/>
+                </a:ln>
+                <a:solidFill>
+                  <a:srgbClr val="000000"/>
+                </a:solidFill>
+                <a:effectLst/>
+                <a:latin typeface="Consolas" panose="020B0609020204030204" pitchFamily="49" charset="0"/>
+                <a:cs typeface="Consolas" panose="020B0609020204030204" pitchFamily="49" charset="0"/>
+              </a:rPr>
+              <a:t>: </a:t>
+            </a:r>
+            <a:r>
+              <a:rPr kumimoji="0" lang="en-US" altLang="en-US" sz="1000" b="1" i="0" u="none" strike="noStrike" cap="none" normalizeH="0" baseline="0" dirty="0" smtClean="0">
+                <a:ln>
+                  <a:noFill/>
+                </a:ln>
+                <a:solidFill>
+                  <a:srgbClr val="008000"/>
+                </a:solidFill>
+                <a:effectLst/>
+                <a:latin typeface="Consolas" panose="020B0609020204030204" pitchFamily="49" charset="0"/>
+                <a:cs typeface="Consolas" panose="020B0609020204030204" pitchFamily="49" charset="0"/>
+              </a:rPr>
+              <a:t>"127.0.0.1"</a:t>
+            </a:r>
+            <a:r>
+              <a:rPr kumimoji="0" lang="en-US" altLang="en-US" sz="1000" b="0" i="0" u="none" strike="noStrike" cap="none" normalizeH="0" baseline="0" dirty="0" smtClean="0">
+                <a:ln>
+                  <a:noFill/>
+                </a:ln>
+                <a:solidFill>
+                  <a:srgbClr val="000000"/>
+                </a:solidFill>
+                <a:effectLst/>
+                <a:latin typeface="Consolas" panose="020B0609020204030204" pitchFamily="49" charset="0"/>
+                <a:cs typeface="Consolas" panose="020B0609020204030204" pitchFamily="49" charset="0"/>
+              </a:rPr>
+              <a:t>,</a:t>
+            </a:r>
+            <a:br>
+              <a:rPr kumimoji="0" lang="en-US" altLang="en-US" sz="1000" b="0" i="0" u="none" strike="noStrike" cap="none" normalizeH="0" baseline="0" dirty="0" smtClean="0">
+                <a:ln>
+                  <a:noFill/>
+                </a:ln>
+                <a:solidFill>
+                  <a:srgbClr val="000000"/>
+                </a:solidFill>
+                <a:effectLst/>
+                <a:latin typeface="Consolas" panose="020B0609020204030204" pitchFamily="49" charset="0"/>
+                <a:cs typeface="Consolas" panose="020B0609020204030204" pitchFamily="49" charset="0"/>
+              </a:rPr>
+            </a:br>
+            <a:r>
+              <a:rPr kumimoji="0" lang="en-US" altLang="en-US" sz="1000" b="0" i="0" u="none" strike="noStrike" cap="none" normalizeH="0" baseline="0" dirty="0" smtClean="0">
+                <a:ln>
+                  <a:noFill/>
+                </a:ln>
+                <a:solidFill>
+                  <a:srgbClr val="000000"/>
+                </a:solidFill>
+                <a:effectLst/>
+                <a:latin typeface="Consolas" panose="020B0609020204030204" pitchFamily="49" charset="0"/>
+                <a:cs typeface="Consolas" panose="020B0609020204030204" pitchFamily="49" charset="0"/>
+              </a:rPr>
+              <a:t>  </a:t>
+            </a:r>
+            <a:r>
+              <a:rPr kumimoji="0" lang="en-US" altLang="en-US" sz="1000" b="1" i="0" u="none" strike="noStrike" cap="none" normalizeH="0" baseline="0" dirty="0" smtClean="0">
+                <a:ln>
+                  <a:noFill/>
+                </a:ln>
+                <a:solidFill>
+                  <a:srgbClr val="660E7A"/>
+                </a:solidFill>
+                <a:effectLst/>
+                <a:latin typeface="Consolas" panose="020B0609020204030204" pitchFamily="49" charset="0"/>
+                <a:cs typeface="Consolas" panose="020B0609020204030204" pitchFamily="49" charset="0"/>
+              </a:rPr>
+              <a:t>"community"</a:t>
+            </a:r>
+            <a:r>
+              <a:rPr kumimoji="0" lang="en-US" altLang="en-US" sz="1000" b="0" i="0" u="none" strike="noStrike" cap="none" normalizeH="0" baseline="0" dirty="0" smtClean="0">
+                <a:ln>
+                  <a:noFill/>
+                </a:ln>
+                <a:solidFill>
+                  <a:srgbClr val="000000"/>
+                </a:solidFill>
+                <a:effectLst/>
+                <a:latin typeface="Consolas" panose="020B0609020204030204" pitchFamily="49" charset="0"/>
+                <a:cs typeface="Consolas" panose="020B0609020204030204" pitchFamily="49" charset="0"/>
+              </a:rPr>
+              <a:t>: </a:t>
+            </a:r>
+            <a:r>
+              <a:rPr kumimoji="0" lang="en-US" altLang="en-US" sz="1000" b="1" i="0" u="none" strike="noStrike" cap="none" normalizeH="0" baseline="0" dirty="0" smtClean="0">
+                <a:ln>
+                  <a:noFill/>
+                </a:ln>
+                <a:solidFill>
+                  <a:srgbClr val="008000"/>
+                </a:solidFill>
+                <a:effectLst/>
+                <a:latin typeface="Consolas" panose="020B0609020204030204" pitchFamily="49" charset="0"/>
+                <a:cs typeface="Consolas" panose="020B0609020204030204" pitchFamily="49" charset="0"/>
+              </a:rPr>
+              <a:t>"public"</a:t>
+            </a:r>
+            <a:r>
+              <a:rPr kumimoji="0" lang="en-US" altLang="en-US" sz="1000" b="0" i="0" u="none" strike="noStrike" cap="none" normalizeH="0" baseline="0" dirty="0" smtClean="0">
+                <a:ln>
+                  <a:noFill/>
+                </a:ln>
+                <a:solidFill>
+                  <a:srgbClr val="000000"/>
+                </a:solidFill>
+                <a:effectLst/>
+                <a:latin typeface="Consolas" panose="020B0609020204030204" pitchFamily="49" charset="0"/>
+                <a:cs typeface="Consolas" panose="020B0609020204030204" pitchFamily="49" charset="0"/>
+              </a:rPr>
+              <a:t>,</a:t>
+            </a:r>
+            <a:br>
+              <a:rPr kumimoji="0" lang="en-US" altLang="en-US" sz="1000" b="0" i="0" u="none" strike="noStrike" cap="none" normalizeH="0" baseline="0" dirty="0" smtClean="0">
+                <a:ln>
+                  <a:noFill/>
+                </a:ln>
+                <a:solidFill>
+                  <a:srgbClr val="000000"/>
+                </a:solidFill>
+                <a:effectLst/>
+                <a:latin typeface="Consolas" panose="020B0609020204030204" pitchFamily="49" charset="0"/>
+                <a:cs typeface="Consolas" panose="020B0609020204030204" pitchFamily="49" charset="0"/>
+              </a:rPr>
+            </a:br>
+            <a:r>
+              <a:rPr kumimoji="0" lang="en-US" altLang="en-US" sz="1000" b="0" i="0" u="none" strike="noStrike" cap="none" normalizeH="0" baseline="0" dirty="0" smtClean="0">
+                <a:ln>
+                  <a:noFill/>
+                </a:ln>
+                <a:solidFill>
+                  <a:srgbClr val="000000"/>
+                </a:solidFill>
+                <a:effectLst/>
+                <a:latin typeface="Consolas" panose="020B0609020204030204" pitchFamily="49" charset="0"/>
+                <a:cs typeface="Consolas" panose="020B0609020204030204" pitchFamily="49" charset="0"/>
+              </a:rPr>
+              <a:t>  </a:t>
+            </a:r>
+            <a:r>
+              <a:rPr kumimoji="0" lang="en-US" altLang="en-US" sz="1000" b="1" i="0" u="none" strike="noStrike" cap="none" normalizeH="0" baseline="0" dirty="0" smtClean="0">
+                <a:ln>
+                  <a:noFill/>
+                </a:ln>
+                <a:solidFill>
+                  <a:srgbClr val="660E7A"/>
+                </a:solidFill>
+                <a:effectLst/>
+                <a:latin typeface="Consolas" panose="020B0609020204030204" pitchFamily="49" charset="0"/>
+                <a:cs typeface="Consolas" panose="020B0609020204030204" pitchFamily="49" charset="0"/>
+              </a:rPr>
+              <a:t>"version"</a:t>
+            </a:r>
+            <a:r>
+              <a:rPr kumimoji="0" lang="en-US" altLang="en-US" sz="1000" b="0" i="0" u="none" strike="noStrike" cap="none" normalizeH="0" baseline="0" dirty="0" smtClean="0">
+                <a:ln>
+                  <a:noFill/>
+                </a:ln>
+                <a:solidFill>
+                  <a:srgbClr val="000000"/>
+                </a:solidFill>
+                <a:effectLst/>
+                <a:latin typeface="Consolas" panose="020B0609020204030204" pitchFamily="49" charset="0"/>
+                <a:cs typeface="Consolas" panose="020B0609020204030204" pitchFamily="49" charset="0"/>
+              </a:rPr>
+              <a:t>: </a:t>
+            </a:r>
+            <a:r>
+              <a:rPr kumimoji="0" lang="en-US" altLang="en-US" sz="1000" b="1" i="0" u="none" strike="noStrike" cap="none" normalizeH="0" baseline="0" dirty="0" smtClean="0">
+                <a:ln>
+                  <a:noFill/>
+                </a:ln>
+                <a:solidFill>
+                  <a:srgbClr val="008000"/>
+                </a:solidFill>
+                <a:effectLst/>
+                <a:latin typeface="Consolas" panose="020B0609020204030204" pitchFamily="49" charset="0"/>
+                <a:cs typeface="Consolas" panose="020B0609020204030204" pitchFamily="49" charset="0"/>
+              </a:rPr>
+              <a:t>"2c"</a:t>
+            </a:r>
+            <a:br>
+              <a:rPr kumimoji="0" lang="en-US" altLang="en-US" sz="1000" b="1" i="0" u="none" strike="noStrike" cap="none" normalizeH="0" baseline="0" dirty="0" smtClean="0">
+                <a:ln>
+                  <a:noFill/>
+                </a:ln>
+                <a:solidFill>
+                  <a:srgbClr val="008000"/>
+                </a:solidFill>
+                <a:effectLst/>
+                <a:latin typeface="Consolas" panose="020B0609020204030204" pitchFamily="49" charset="0"/>
+                <a:cs typeface="Consolas" panose="020B0609020204030204" pitchFamily="49" charset="0"/>
+              </a:rPr>
+            </a:br>
+            <a:r>
+              <a:rPr kumimoji="0" lang="en-US" altLang="en-US" sz="1000" b="0" i="0" u="none" strike="noStrike" cap="none" normalizeH="0" baseline="0" dirty="0" smtClean="0">
+                <a:ln>
+                  <a:noFill/>
+                </a:ln>
+                <a:solidFill>
+                  <a:srgbClr val="000000"/>
+                </a:solidFill>
+                <a:effectLst/>
+                <a:latin typeface="Consolas" panose="020B0609020204030204" pitchFamily="49" charset="0"/>
+                <a:cs typeface="Consolas" panose="020B0609020204030204" pitchFamily="49" charset="0"/>
+              </a:rPr>
+              <a:t>},</a:t>
+            </a:r>
+            <a:br>
+              <a:rPr kumimoji="0" lang="en-US" altLang="en-US" sz="1000" b="0" i="0" u="none" strike="noStrike" cap="none" normalizeH="0" baseline="0" dirty="0" smtClean="0">
+                <a:ln>
+                  <a:noFill/>
+                </a:ln>
+                <a:solidFill>
+                  <a:srgbClr val="000000"/>
+                </a:solidFill>
+                <a:effectLst/>
+                <a:latin typeface="Consolas" panose="020B0609020204030204" pitchFamily="49" charset="0"/>
+                <a:cs typeface="Consolas" panose="020B0609020204030204" pitchFamily="49" charset="0"/>
+              </a:rPr>
+            </a:br>
+            <a:r>
+              <a:rPr kumimoji="0" lang="en-US" altLang="en-US" sz="1000" b="1" i="0" u="none" strike="noStrike" cap="none" normalizeH="0" baseline="0" dirty="0" smtClean="0">
+                <a:ln>
+                  <a:noFill/>
+                </a:ln>
+                <a:solidFill>
+                  <a:srgbClr val="660E7A"/>
+                </a:solidFill>
+                <a:effectLst/>
+                <a:latin typeface="Consolas" panose="020B0609020204030204" pitchFamily="49" charset="0"/>
+                <a:cs typeface="Consolas" panose="020B0609020204030204" pitchFamily="49" charset="0"/>
+              </a:rPr>
+              <a:t>"OIDs"</a:t>
+            </a:r>
+            <a:r>
+              <a:rPr kumimoji="0" lang="en-US" altLang="en-US" sz="1000" b="0" i="0" u="none" strike="noStrike" cap="none" normalizeH="0" baseline="0" dirty="0" smtClean="0">
+                <a:ln>
+                  <a:noFill/>
+                </a:ln>
+                <a:solidFill>
+                  <a:srgbClr val="000000"/>
+                </a:solidFill>
+                <a:effectLst/>
+                <a:latin typeface="Consolas" panose="020B0609020204030204" pitchFamily="49" charset="0"/>
+                <a:cs typeface="Consolas" panose="020B0609020204030204" pitchFamily="49" charset="0"/>
+              </a:rPr>
+              <a:t>: [</a:t>
+            </a:r>
+            <a:br>
+              <a:rPr kumimoji="0" lang="en-US" altLang="en-US" sz="1000" b="0" i="0" u="none" strike="noStrike" cap="none" normalizeH="0" baseline="0" dirty="0" smtClean="0">
+                <a:ln>
+                  <a:noFill/>
+                </a:ln>
+                <a:solidFill>
+                  <a:srgbClr val="000000"/>
+                </a:solidFill>
+                <a:effectLst/>
+                <a:latin typeface="Consolas" panose="020B0609020204030204" pitchFamily="49" charset="0"/>
+                <a:cs typeface="Consolas" panose="020B0609020204030204" pitchFamily="49" charset="0"/>
+              </a:rPr>
+            </a:br>
+            <a:r>
+              <a:rPr kumimoji="0" lang="en-US" altLang="en-US" sz="1000" b="0" i="0" u="none" strike="noStrike" cap="none" normalizeH="0" baseline="0" dirty="0" smtClean="0">
+                <a:ln>
+                  <a:noFill/>
+                </a:ln>
+                <a:solidFill>
+                  <a:srgbClr val="000000"/>
+                </a:solidFill>
+                <a:effectLst/>
+                <a:latin typeface="Consolas" panose="020B0609020204030204" pitchFamily="49" charset="0"/>
+                <a:cs typeface="Consolas" panose="020B0609020204030204" pitchFamily="49" charset="0"/>
+              </a:rPr>
+              <a:t>  {</a:t>
+            </a:r>
+            <a:br>
+              <a:rPr kumimoji="0" lang="en-US" altLang="en-US" sz="1000" b="0" i="0" u="none" strike="noStrike" cap="none" normalizeH="0" baseline="0" dirty="0" smtClean="0">
+                <a:ln>
+                  <a:noFill/>
+                </a:ln>
+                <a:solidFill>
+                  <a:srgbClr val="000000"/>
+                </a:solidFill>
+                <a:effectLst/>
+                <a:latin typeface="Consolas" panose="020B0609020204030204" pitchFamily="49" charset="0"/>
+                <a:cs typeface="Consolas" panose="020B0609020204030204" pitchFamily="49" charset="0"/>
+              </a:rPr>
+            </a:br>
+            <a:r>
+              <a:rPr kumimoji="0" lang="en-US" altLang="en-US" sz="1000" b="0" i="0" u="none" strike="noStrike" cap="none" normalizeH="0" baseline="0" dirty="0" smtClean="0">
+                <a:ln>
+                  <a:noFill/>
+                </a:ln>
+                <a:solidFill>
+                  <a:srgbClr val="000000"/>
+                </a:solidFill>
+                <a:effectLst/>
+                <a:latin typeface="Consolas" panose="020B0609020204030204" pitchFamily="49" charset="0"/>
+                <a:cs typeface="Consolas" panose="020B0609020204030204" pitchFamily="49" charset="0"/>
+              </a:rPr>
+              <a:t>    </a:t>
+            </a:r>
+            <a:r>
+              <a:rPr kumimoji="0" lang="en-US" altLang="en-US" sz="1000" b="1" i="0" u="none" strike="noStrike" cap="none" normalizeH="0" baseline="0" dirty="0" smtClean="0">
+                <a:ln>
+                  <a:noFill/>
+                </a:ln>
+                <a:solidFill>
+                  <a:srgbClr val="660E7A"/>
+                </a:solidFill>
+                <a:effectLst/>
+                <a:latin typeface="Consolas" panose="020B0609020204030204" pitchFamily="49" charset="0"/>
+                <a:cs typeface="Consolas" panose="020B0609020204030204" pitchFamily="49" charset="0"/>
+              </a:rPr>
+              <a:t>"method"</a:t>
+            </a:r>
+            <a:r>
+              <a:rPr kumimoji="0" lang="en-US" altLang="en-US" sz="1000" b="0" i="0" u="none" strike="noStrike" cap="none" normalizeH="0" baseline="0" dirty="0" smtClean="0">
+                <a:ln>
+                  <a:noFill/>
+                </a:ln>
+                <a:solidFill>
+                  <a:srgbClr val="000000"/>
+                </a:solidFill>
+                <a:effectLst/>
+                <a:latin typeface="Consolas" panose="020B0609020204030204" pitchFamily="49" charset="0"/>
+                <a:cs typeface="Consolas" panose="020B0609020204030204" pitchFamily="49" charset="0"/>
+              </a:rPr>
+              <a:t>: </a:t>
+            </a:r>
+            <a:r>
+              <a:rPr kumimoji="0" lang="en-US" altLang="en-US" sz="1000" b="1" i="0" u="none" strike="noStrike" cap="none" normalizeH="0" baseline="0" dirty="0" smtClean="0">
+                <a:ln>
+                  <a:noFill/>
+                </a:ln>
+                <a:solidFill>
+                  <a:srgbClr val="008000"/>
+                </a:solidFill>
+                <a:effectLst/>
+                <a:latin typeface="Consolas" panose="020B0609020204030204" pitchFamily="49" charset="0"/>
+                <a:cs typeface="Consolas" panose="020B0609020204030204" pitchFamily="49" charset="0"/>
+              </a:rPr>
+              <a:t>"get"</a:t>
+            </a:r>
+            <a:r>
+              <a:rPr kumimoji="0" lang="en-US" altLang="en-US" sz="1000" b="0" i="0" u="none" strike="noStrike" cap="none" normalizeH="0" baseline="0" dirty="0" smtClean="0">
+                <a:ln>
+                  <a:noFill/>
+                </a:ln>
+                <a:solidFill>
+                  <a:srgbClr val="000000"/>
+                </a:solidFill>
+                <a:effectLst/>
+                <a:latin typeface="Consolas" panose="020B0609020204030204" pitchFamily="49" charset="0"/>
+                <a:cs typeface="Consolas" panose="020B0609020204030204" pitchFamily="49" charset="0"/>
+              </a:rPr>
+              <a:t>,</a:t>
+            </a:r>
+            <a:br>
+              <a:rPr kumimoji="0" lang="en-US" altLang="en-US" sz="1000" b="0" i="0" u="none" strike="noStrike" cap="none" normalizeH="0" baseline="0" dirty="0" smtClean="0">
+                <a:ln>
+                  <a:noFill/>
+                </a:ln>
+                <a:solidFill>
+                  <a:srgbClr val="000000"/>
+                </a:solidFill>
+                <a:effectLst/>
+                <a:latin typeface="Consolas" panose="020B0609020204030204" pitchFamily="49" charset="0"/>
+                <a:cs typeface="Consolas" panose="020B0609020204030204" pitchFamily="49" charset="0"/>
+              </a:rPr>
+            </a:br>
+            <a:r>
+              <a:rPr kumimoji="0" lang="en-US" altLang="en-US" sz="1000" b="0" i="0" u="none" strike="noStrike" cap="none" normalizeH="0" baseline="0" dirty="0" smtClean="0">
+                <a:ln>
+                  <a:noFill/>
+                </a:ln>
+                <a:solidFill>
+                  <a:srgbClr val="000000"/>
+                </a:solidFill>
+                <a:effectLst/>
+                <a:latin typeface="Consolas" panose="020B0609020204030204" pitchFamily="49" charset="0"/>
+                <a:cs typeface="Consolas" panose="020B0609020204030204" pitchFamily="49" charset="0"/>
+              </a:rPr>
+              <a:t>    </a:t>
+            </a:r>
+            <a:r>
+              <a:rPr kumimoji="0" lang="en-US" altLang="en-US" sz="1000" b="1" i="0" u="none" strike="noStrike" cap="none" normalizeH="0" baseline="0" dirty="0" smtClean="0">
+                <a:ln>
+                  <a:noFill/>
+                </a:ln>
+                <a:solidFill>
+                  <a:srgbClr val="660E7A"/>
+                </a:solidFill>
+                <a:effectLst/>
+                <a:latin typeface="Consolas" panose="020B0609020204030204" pitchFamily="49" charset="0"/>
+                <a:cs typeface="Consolas" panose="020B0609020204030204" pitchFamily="49" charset="0"/>
+              </a:rPr>
+              <a:t>"name"</a:t>
+            </a:r>
+            <a:r>
+              <a:rPr kumimoji="0" lang="en-US" altLang="en-US" sz="1000" b="0" i="0" u="none" strike="noStrike" cap="none" normalizeH="0" baseline="0" dirty="0" smtClean="0">
+                <a:ln>
+                  <a:noFill/>
+                </a:ln>
+                <a:solidFill>
+                  <a:srgbClr val="000000"/>
+                </a:solidFill>
+                <a:effectLst/>
+                <a:latin typeface="Consolas" panose="020B0609020204030204" pitchFamily="49" charset="0"/>
+                <a:cs typeface="Consolas" panose="020B0609020204030204" pitchFamily="49" charset="0"/>
+              </a:rPr>
+              <a:t>: </a:t>
+            </a:r>
+            <a:r>
+              <a:rPr kumimoji="0" lang="en-US" altLang="en-US" sz="1000" b="1" i="0" u="none" strike="noStrike" cap="none" normalizeH="0" baseline="0" dirty="0" smtClean="0">
+                <a:ln>
+                  <a:noFill/>
+                </a:ln>
+                <a:solidFill>
+                  <a:srgbClr val="008000"/>
+                </a:solidFill>
+                <a:effectLst/>
+                <a:latin typeface="Consolas" panose="020B0609020204030204" pitchFamily="49" charset="0"/>
+                <a:cs typeface="Consolas" panose="020B0609020204030204" pitchFamily="49" charset="0"/>
+              </a:rPr>
+              <a:t>"Physical memory utilization"</a:t>
+            </a:r>
+            <a:r>
+              <a:rPr kumimoji="0" lang="en-US" altLang="en-US" sz="1000" b="0" i="0" u="none" strike="noStrike" cap="none" normalizeH="0" baseline="0" dirty="0" smtClean="0">
+                <a:ln>
+                  <a:noFill/>
+                </a:ln>
+                <a:solidFill>
+                  <a:srgbClr val="000000"/>
+                </a:solidFill>
+                <a:effectLst/>
+                <a:latin typeface="Consolas" panose="020B0609020204030204" pitchFamily="49" charset="0"/>
+                <a:cs typeface="Consolas" panose="020B0609020204030204" pitchFamily="49" charset="0"/>
+              </a:rPr>
+              <a:t>,</a:t>
+            </a:r>
+            <a:br>
+              <a:rPr kumimoji="0" lang="en-US" altLang="en-US" sz="1000" b="0" i="0" u="none" strike="noStrike" cap="none" normalizeH="0" baseline="0" dirty="0" smtClean="0">
+                <a:ln>
+                  <a:noFill/>
+                </a:ln>
+                <a:solidFill>
+                  <a:srgbClr val="000000"/>
+                </a:solidFill>
+                <a:effectLst/>
+                <a:latin typeface="Consolas" panose="020B0609020204030204" pitchFamily="49" charset="0"/>
+                <a:cs typeface="Consolas" panose="020B0609020204030204" pitchFamily="49" charset="0"/>
+              </a:rPr>
+            </a:br>
+            <a:r>
+              <a:rPr kumimoji="0" lang="en-US" altLang="en-US" sz="1000" b="0" i="0" u="none" strike="noStrike" cap="none" normalizeH="0" baseline="0" dirty="0" smtClean="0">
+                <a:ln>
+                  <a:noFill/>
+                </a:ln>
+                <a:solidFill>
+                  <a:srgbClr val="000000"/>
+                </a:solidFill>
+                <a:effectLst/>
+                <a:latin typeface="Consolas" panose="020B0609020204030204" pitchFamily="49" charset="0"/>
+                <a:cs typeface="Consolas" panose="020B0609020204030204" pitchFamily="49" charset="0"/>
+              </a:rPr>
+              <a:t>    </a:t>
+            </a:r>
+            <a:r>
+              <a:rPr kumimoji="0" lang="en-US" altLang="en-US" sz="1000" b="1" i="0" u="none" strike="noStrike" cap="none" normalizeH="0" baseline="0" dirty="0" smtClean="0">
+                <a:ln>
+                  <a:noFill/>
+                </a:ln>
+                <a:solidFill>
+                  <a:srgbClr val="660E7A"/>
+                </a:solidFill>
+                <a:effectLst/>
+                <a:latin typeface="Consolas" panose="020B0609020204030204" pitchFamily="49" charset="0"/>
+                <a:cs typeface="Consolas" panose="020B0609020204030204" pitchFamily="49" charset="0"/>
+              </a:rPr>
+              <a:t>"formula"</a:t>
+            </a:r>
+            <a:r>
+              <a:rPr kumimoji="0" lang="en-US" altLang="en-US" sz="1000" b="0" i="0" u="none" strike="noStrike" cap="none" normalizeH="0" baseline="0" dirty="0" smtClean="0">
+                <a:ln>
+                  <a:noFill/>
+                </a:ln>
+                <a:solidFill>
+                  <a:srgbClr val="000000"/>
+                </a:solidFill>
+                <a:effectLst/>
+                <a:latin typeface="Consolas" panose="020B0609020204030204" pitchFamily="49" charset="0"/>
+                <a:cs typeface="Consolas" panose="020B0609020204030204" pitchFamily="49" charset="0"/>
+              </a:rPr>
+              <a:t>: </a:t>
+            </a:r>
+            <a:r>
+              <a:rPr kumimoji="0" lang="en-US" altLang="en-US" sz="1000" b="1" i="0" u="none" strike="noStrike" cap="none" normalizeH="0" baseline="0" dirty="0" smtClean="0">
+                <a:ln>
+                  <a:noFill/>
+                </a:ln>
+                <a:solidFill>
+                  <a:srgbClr val="008000"/>
+                </a:solidFill>
+                <a:effectLst/>
+                <a:latin typeface="Consolas" panose="020B0609020204030204" pitchFamily="49" charset="0"/>
+                <a:cs typeface="Consolas" panose="020B0609020204030204" pitchFamily="49" charset="0"/>
+              </a:rPr>
+              <a:t>"[.1.3.6.1.2.1.25.2.3.1.6.4]/[.1.3.6.1.2.1.25.2.3.1.5.4]*100"</a:t>
+            </a:r>
+            <a:r>
+              <a:rPr kumimoji="0" lang="en-US" altLang="en-US" sz="1000" b="0" i="0" u="none" strike="noStrike" cap="none" normalizeH="0" baseline="0" dirty="0" smtClean="0">
+                <a:ln>
+                  <a:noFill/>
+                </a:ln>
+                <a:solidFill>
+                  <a:srgbClr val="000000"/>
+                </a:solidFill>
+                <a:effectLst/>
+                <a:latin typeface="Consolas" panose="020B0609020204030204" pitchFamily="49" charset="0"/>
+                <a:cs typeface="Consolas" panose="020B0609020204030204" pitchFamily="49" charset="0"/>
+              </a:rPr>
+              <a:t>,</a:t>
+            </a:r>
+            <a:br>
+              <a:rPr kumimoji="0" lang="en-US" altLang="en-US" sz="1000" b="0" i="0" u="none" strike="noStrike" cap="none" normalizeH="0" baseline="0" dirty="0" smtClean="0">
+                <a:ln>
+                  <a:noFill/>
+                </a:ln>
+                <a:solidFill>
+                  <a:srgbClr val="000000"/>
+                </a:solidFill>
+                <a:effectLst/>
+                <a:latin typeface="Consolas" panose="020B0609020204030204" pitchFamily="49" charset="0"/>
+                <a:cs typeface="Consolas" panose="020B0609020204030204" pitchFamily="49" charset="0"/>
+              </a:rPr>
+            </a:br>
+            <a:r>
+              <a:rPr kumimoji="0" lang="en-US" altLang="en-US" sz="1000" b="0" i="0" u="none" strike="noStrike" cap="none" normalizeH="0" baseline="0" dirty="0" smtClean="0">
+                <a:ln>
+                  <a:noFill/>
+                </a:ln>
+                <a:solidFill>
+                  <a:srgbClr val="000000"/>
+                </a:solidFill>
+                <a:effectLst/>
+                <a:latin typeface="Consolas" panose="020B0609020204030204" pitchFamily="49" charset="0"/>
+                <a:cs typeface="Consolas" panose="020B0609020204030204" pitchFamily="49" charset="0"/>
+              </a:rPr>
+              <a:t>    </a:t>
+            </a:r>
+            <a:r>
+              <a:rPr kumimoji="0" lang="en-US" altLang="en-US" sz="1000" b="1" i="0" u="none" strike="noStrike" cap="none" normalizeH="0" baseline="0" dirty="0" smtClean="0">
+                <a:ln>
+                  <a:noFill/>
+                </a:ln>
+                <a:solidFill>
+                  <a:srgbClr val="660E7A"/>
+                </a:solidFill>
+                <a:effectLst/>
+                <a:latin typeface="Consolas" panose="020B0609020204030204" pitchFamily="49" charset="0"/>
+                <a:cs typeface="Consolas" panose="020B0609020204030204" pitchFamily="49" charset="0"/>
+              </a:rPr>
+              <a:t>"unit"</a:t>
+            </a:r>
+            <a:r>
+              <a:rPr kumimoji="0" lang="en-US" altLang="en-US" sz="1000" b="0" i="0" u="none" strike="noStrike" cap="none" normalizeH="0" baseline="0" dirty="0" smtClean="0">
+                <a:ln>
+                  <a:noFill/>
+                </a:ln>
+                <a:solidFill>
+                  <a:srgbClr val="000000"/>
+                </a:solidFill>
+                <a:effectLst/>
+                <a:latin typeface="Consolas" panose="020B0609020204030204" pitchFamily="49" charset="0"/>
+                <a:cs typeface="Consolas" panose="020B0609020204030204" pitchFamily="49" charset="0"/>
+              </a:rPr>
+              <a:t>:</a:t>
+            </a:r>
+            <a:r>
+              <a:rPr kumimoji="0" lang="en-US" altLang="en-US" sz="1000" b="1" i="0" u="none" strike="noStrike" cap="none" normalizeH="0" baseline="0" dirty="0" smtClean="0">
+                <a:ln>
+                  <a:noFill/>
+                </a:ln>
+                <a:solidFill>
+                  <a:srgbClr val="008000"/>
+                </a:solidFill>
+                <a:effectLst/>
+                <a:latin typeface="Consolas" panose="020B0609020204030204" pitchFamily="49" charset="0"/>
+                <a:cs typeface="Consolas" panose="020B0609020204030204" pitchFamily="49" charset="0"/>
+              </a:rPr>
+              <a:t>"%"</a:t>
+            </a:r>
+            <a:r>
+              <a:rPr kumimoji="0" lang="en-US" altLang="en-US" sz="1000" b="0" i="0" u="none" strike="noStrike" cap="none" normalizeH="0" baseline="0" dirty="0" smtClean="0">
+                <a:ln>
+                  <a:noFill/>
+                </a:ln>
+                <a:solidFill>
+                  <a:srgbClr val="000000"/>
+                </a:solidFill>
+                <a:effectLst/>
+                <a:latin typeface="Consolas" panose="020B0609020204030204" pitchFamily="49" charset="0"/>
+                <a:cs typeface="Consolas" panose="020B0609020204030204" pitchFamily="49" charset="0"/>
+              </a:rPr>
+              <a:t>,</a:t>
+            </a:r>
+            <a:br>
+              <a:rPr kumimoji="0" lang="en-US" altLang="en-US" sz="1000" b="0" i="0" u="none" strike="noStrike" cap="none" normalizeH="0" baseline="0" dirty="0" smtClean="0">
+                <a:ln>
+                  <a:noFill/>
+                </a:ln>
+                <a:solidFill>
+                  <a:srgbClr val="000000"/>
+                </a:solidFill>
+                <a:effectLst/>
+                <a:latin typeface="Consolas" panose="020B0609020204030204" pitchFamily="49" charset="0"/>
+                <a:cs typeface="Consolas" panose="020B0609020204030204" pitchFamily="49" charset="0"/>
+              </a:rPr>
+            </a:br>
+            <a:r>
+              <a:rPr kumimoji="0" lang="en-US" altLang="en-US" sz="1000" b="0" i="0" u="none" strike="noStrike" cap="none" normalizeH="0" baseline="0" dirty="0" smtClean="0">
+                <a:ln>
+                  <a:noFill/>
+                </a:ln>
+                <a:solidFill>
+                  <a:srgbClr val="000000"/>
+                </a:solidFill>
+                <a:effectLst/>
+                <a:latin typeface="Consolas" panose="020B0609020204030204" pitchFamily="49" charset="0"/>
+                <a:cs typeface="Consolas" panose="020B0609020204030204" pitchFamily="49" charset="0"/>
+              </a:rPr>
+              <a:t>    </a:t>
+            </a:r>
+            <a:r>
+              <a:rPr kumimoji="0" lang="en-US" altLang="en-US" sz="1000" b="1" i="0" u="none" strike="noStrike" cap="none" normalizeH="0" baseline="0" dirty="0" smtClean="0">
+                <a:ln>
+                  <a:noFill/>
+                </a:ln>
+                <a:solidFill>
+                  <a:srgbClr val="660E7A"/>
+                </a:solidFill>
+                <a:effectLst/>
+                <a:latin typeface="Consolas" panose="020B0609020204030204" pitchFamily="49" charset="0"/>
+                <a:cs typeface="Consolas" panose="020B0609020204030204" pitchFamily="49" charset="0"/>
+              </a:rPr>
+              <a:t>"interval"</a:t>
+            </a:r>
+            <a:r>
+              <a:rPr kumimoji="0" lang="en-US" altLang="en-US" sz="1000" b="0" i="0" u="none" strike="noStrike" cap="none" normalizeH="0" baseline="0" dirty="0" smtClean="0">
+                <a:ln>
+                  <a:noFill/>
+                </a:ln>
+                <a:solidFill>
+                  <a:srgbClr val="000000"/>
+                </a:solidFill>
+                <a:effectLst/>
+                <a:latin typeface="Consolas" panose="020B0609020204030204" pitchFamily="49" charset="0"/>
+                <a:cs typeface="Consolas" panose="020B0609020204030204" pitchFamily="49" charset="0"/>
+              </a:rPr>
+              <a:t>: </a:t>
+            </a:r>
+            <a:r>
+              <a:rPr kumimoji="0" lang="en-US" altLang="en-US" sz="1000" b="0" i="0" u="none" strike="noStrike" cap="none" normalizeH="0" baseline="0" dirty="0" smtClean="0">
+                <a:ln>
+                  <a:noFill/>
+                </a:ln>
+                <a:solidFill>
+                  <a:srgbClr val="0000FF"/>
+                </a:solidFill>
+                <a:effectLst/>
+                <a:latin typeface="Consolas" panose="020B0609020204030204" pitchFamily="49" charset="0"/>
+                <a:cs typeface="Consolas" panose="020B0609020204030204" pitchFamily="49" charset="0"/>
+              </a:rPr>
+              <a:t>300</a:t>
+            </a:r>
+            <a:br>
+              <a:rPr kumimoji="0" lang="en-US" altLang="en-US" sz="1000" b="0" i="0" u="none" strike="noStrike" cap="none" normalizeH="0" baseline="0" dirty="0" smtClean="0">
+                <a:ln>
+                  <a:noFill/>
+                </a:ln>
+                <a:solidFill>
+                  <a:srgbClr val="0000FF"/>
+                </a:solidFill>
+                <a:effectLst/>
+                <a:latin typeface="Consolas" panose="020B0609020204030204" pitchFamily="49" charset="0"/>
+                <a:cs typeface="Consolas" panose="020B0609020204030204" pitchFamily="49" charset="0"/>
+              </a:rPr>
+            </a:br>
+            <a:r>
+              <a:rPr kumimoji="0" lang="en-US" altLang="en-US" sz="1000" b="0" i="0" u="none" strike="noStrike" cap="none" normalizeH="0" baseline="0" dirty="0" smtClean="0">
+                <a:ln>
+                  <a:noFill/>
+                </a:ln>
+                <a:solidFill>
+                  <a:srgbClr val="0000FF"/>
+                </a:solidFill>
+                <a:effectLst/>
+                <a:latin typeface="Consolas" panose="020B0609020204030204" pitchFamily="49" charset="0"/>
+                <a:cs typeface="Consolas" panose="020B0609020204030204" pitchFamily="49" charset="0"/>
+              </a:rPr>
+              <a:t>  </a:t>
+            </a:r>
+            <a:r>
+              <a:rPr kumimoji="0" lang="en-US" altLang="en-US" sz="1000" b="0" i="0" u="none" strike="noStrike" cap="none" normalizeH="0" baseline="0" dirty="0" smtClean="0">
+                <a:ln>
+                  <a:noFill/>
+                </a:ln>
+                <a:solidFill>
+                  <a:srgbClr val="000000"/>
+                </a:solidFill>
+                <a:effectLst/>
+                <a:latin typeface="Consolas" panose="020B0609020204030204" pitchFamily="49" charset="0"/>
+                <a:cs typeface="Consolas" panose="020B0609020204030204" pitchFamily="49" charset="0"/>
+              </a:rPr>
+              <a:t>},</a:t>
+            </a:r>
+            <a:br>
+              <a:rPr kumimoji="0" lang="en-US" altLang="en-US" sz="1000" b="0" i="0" u="none" strike="noStrike" cap="none" normalizeH="0" baseline="0" dirty="0" smtClean="0">
+                <a:ln>
+                  <a:noFill/>
+                </a:ln>
+                <a:solidFill>
+                  <a:srgbClr val="000000"/>
+                </a:solidFill>
+                <a:effectLst/>
+                <a:latin typeface="Consolas" panose="020B0609020204030204" pitchFamily="49" charset="0"/>
+                <a:cs typeface="Consolas" panose="020B0609020204030204" pitchFamily="49" charset="0"/>
+              </a:rPr>
+            </a:br>
+            <a:r>
+              <a:rPr kumimoji="0" lang="en-US" altLang="en-US" sz="1000" b="0" i="0" u="none" strike="noStrike" cap="none" normalizeH="0" baseline="0" dirty="0" smtClean="0">
+                <a:ln>
+                  <a:noFill/>
+                </a:ln>
+                <a:solidFill>
+                  <a:srgbClr val="000000"/>
+                </a:solidFill>
+                <a:effectLst/>
+                <a:latin typeface="Consolas" panose="020B0609020204030204" pitchFamily="49" charset="0"/>
+                <a:cs typeface="Consolas" panose="020B0609020204030204" pitchFamily="49" charset="0"/>
+              </a:rPr>
+              <a:t>  {</a:t>
+            </a:r>
+            <a:br>
+              <a:rPr kumimoji="0" lang="en-US" altLang="en-US" sz="1000" b="0" i="0" u="none" strike="noStrike" cap="none" normalizeH="0" baseline="0" dirty="0" smtClean="0">
+                <a:ln>
+                  <a:noFill/>
+                </a:ln>
+                <a:solidFill>
+                  <a:srgbClr val="000000"/>
+                </a:solidFill>
+                <a:effectLst/>
+                <a:latin typeface="Consolas" panose="020B0609020204030204" pitchFamily="49" charset="0"/>
+                <a:cs typeface="Consolas" panose="020B0609020204030204" pitchFamily="49" charset="0"/>
+              </a:rPr>
+            </a:br>
+            <a:r>
+              <a:rPr kumimoji="0" lang="en-US" altLang="en-US" sz="1000" b="0" i="0" u="none" strike="noStrike" cap="none" normalizeH="0" baseline="0" dirty="0" smtClean="0">
+                <a:ln>
+                  <a:noFill/>
+                </a:ln>
+                <a:solidFill>
+                  <a:srgbClr val="000000"/>
+                </a:solidFill>
+                <a:effectLst/>
+                <a:latin typeface="Consolas" panose="020B0609020204030204" pitchFamily="49" charset="0"/>
+                <a:cs typeface="Consolas" panose="020B0609020204030204" pitchFamily="49" charset="0"/>
+              </a:rPr>
+              <a:t>    </a:t>
+            </a:r>
+            <a:r>
+              <a:rPr kumimoji="0" lang="en-US" altLang="en-US" sz="1000" b="1" i="0" u="none" strike="noStrike" cap="none" normalizeH="0" baseline="0" dirty="0" smtClean="0">
+                <a:ln>
+                  <a:noFill/>
+                </a:ln>
+                <a:solidFill>
+                  <a:srgbClr val="660E7A"/>
+                </a:solidFill>
+                <a:effectLst/>
+                <a:latin typeface="Consolas" panose="020B0609020204030204" pitchFamily="49" charset="0"/>
+                <a:cs typeface="Consolas" panose="020B0609020204030204" pitchFamily="49" charset="0"/>
+              </a:rPr>
+              <a:t>"method"</a:t>
+            </a:r>
+            <a:r>
+              <a:rPr kumimoji="0" lang="en-US" altLang="en-US" sz="1000" b="0" i="0" u="none" strike="noStrike" cap="none" normalizeH="0" baseline="0" dirty="0" smtClean="0">
+                <a:ln>
+                  <a:noFill/>
+                </a:ln>
+                <a:solidFill>
+                  <a:srgbClr val="000000"/>
+                </a:solidFill>
+                <a:effectLst/>
+                <a:latin typeface="Consolas" panose="020B0609020204030204" pitchFamily="49" charset="0"/>
+                <a:cs typeface="Consolas" panose="020B0609020204030204" pitchFamily="49" charset="0"/>
+              </a:rPr>
+              <a:t>: </a:t>
+            </a:r>
+            <a:r>
+              <a:rPr kumimoji="0" lang="en-US" altLang="en-US" sz="1000" b="1" i="0" u="none" strike="noStrike" cap="none" normalizeH="0" baseline="0" dirty="0" smtClean="0">
+                <a:ln>
+                  <a:noFill/>
+                </a:ln>
+                <a:solidFill>
+                  <a:srgbClr val="008000"/>
+                </a:solidFill>
+                <a:effectLst/>
+                <a:latin typeface="Consolas" panose="020B0609020204030204" pitchFamily="49" charset="0"/>
+                <a:cs typeface="Consolas" panose="020B0609020204030204" pitchFamily="49" charset="0"/>
+              </a:rPr>
+              <a:t>"walk"</a:t>
+            </a:r>
+            <a:r>
+              <a:rPr kumimoji="0" lang="en-US" altLang="en-US" sz="1000" b="0" i="0" u="none" strike="noStrike" cap="none" normalizeH="0" baseline="0" dirty="0" smtClean="0">
+                <a:ln>
+                  <a:noFill/>
+                </a:ln>
+                <a:solidFill>
+                  <a:srgbClr val="000000"/>
+                </a:solidFill>
+                <a:effectLst/>
+                <a:latin typeface="Consolas" panose="020B0609020204030204" pitchFamily="49" charset="0"/>
+                <a:cs typeface="Consolas" panose="020B0609020204030204" pitchFamily="49" charset="0"/>
+              </a:rPr>
+              <a:t>,</a:t>
+            </a:r>
+            <a:br>
+              <a:rPr kumimoji="0" lang="en-US" altLang="en-US" sz="1000" b="0" i="0" u="none" strike="noStrike" cap="none" normalizeH="0" baseline="0" dirty="0" smtClean="0">
+                <a:ln>
+                  <a:noFill/>
+                </a:ln>
+                <a:solidFill>
+                  <a:srgbClr val="000000"/>
+                </a:solidFill>
+                <a:effectLst/>
+                <a:latin typeface="Consolas" panose="020B0609020204030204" pitchFamily="49" charset="0"/>
+                <a:cs typeface="Consolas" panose="020B0609020204030204" pitchFamily="49" charset="0"/>
+              </a:rPr>
+            </a:br>
+            <a:r>
+              <a:rPr kumimoji="0" lang="en-US" altLang="en-US" sz="1000" b="0" i="0" u="none" strike="noStrike" cap="none" normalizeH="0" baseline="0" dirty="0" smtClean="0">
+                <a:ln>
+                  <a:noFill/>
+                </a:ln>
+                <a:solidFill>
+                  <a:srgbClr val="000000"/>
+                </a:solidFill>
+                <a:effectLst/>
+                <a:latin typeface="Consolas" panose="020B0609020204030204" pitchFamily="49" charset="0"/>
+                <a:cs typeface="Consolas" panose="020B0609020204030204" pitchFamily="49" charset="0"/>
+              </a:rPr>
+              <a:t>    </a:t>
+            </a:r>
+            <a:r>
+              <a:rPr kumimoji="0" lang="en-US" altLang="en-US" sz="1000" b="1" i="0" u="none" strike="noStrike" cap="none" normalizeH="0" baseline="0" dirty="0" smtClean="0">
+                <a:ln>
+                  <a:noFill/>
+                </a:ln>
+                <a:solidFill>
+                  <a:srgbClr val="660E7A"/>
+                </a:solidFill>
+                <a:effectLst/>
+                <a:latin typeface="Consolas" panose="020B0609020204030204" pitchFamily="49" charset="0"/>
+                <a:cs typeface="Consolas" panose="020B0609020204030204" pitchFamily="49" charset="0"/>
+              </a:rPr>
+              <a:t>"aggregation"</a:t>
+            </a:r>
+            <a:r>
+              <a:rPr kumimoji="0" lang="en-US" altLang="en-US" sz="1000" b="0" i="0" u="none" strike="noStrike" cap="none" normalizeH="0" baseline="0" dirty="0" smtClean="0">
+                <a:ln>
+                  <a:noFill/>
+                </a:ln>
+                <a:solidFill>
+                  <a:srgbClr val="000000"/>
+                </a:solidFill>
+                <a:effectLst/>
+                <a:latin typeface="Consolas" panose="020B0609020204030204" pitchFamily="49" charset="0"/>
+                <a:cs typeface="Consolas" panose="020B0609020204030204" pitchFamily="49" charset="0"/>
+              </a:rPr>
+              <a:t>: </a:t>
+            </a:r>
+            <a:r>
+              <a:rPr kumimoji="0" lang="en-US" altLang="en-US" sz="1000" b="1" i="0" u="none" strike="noStrike" cap="none" normalizeH="0" baseline="0" dirty="0" smtClean="0">
+                <a:ln>
+                  <a:noFill/>
+                </a:ln>
+                <a:solidFill>
+                  <a:srgbClr val="008000"/>
+                </a:solidFill>
+                <a:effectLst/>
+                <a:latin typeface="Consolas" panose="020B0609020204030204" pitchFamily="49" charset="0"/>
+                <a:cs typeface="Consolas" panose="020B0609020204030204" pitchFamily="49" charset="0"/>
+              </a:rPr>
+              <a:t>"</a:t>
+            </a:r>
+            <a:r>
+              <a:rPr kumimoji="0" lang="en-US" altLang="en-US" sz="1000" b="1" i="0" u="none" strike="noStrike" cap="none" normalizeH="0" baseline="0" dirty="0" err="1" smtClean="0">
+                <a:ln>
+                  <a:noFill/>
+                </a:ln>
+                <a:solidFill>
+                  <a:srgbClr val="008000"/>
+                </a:solidFill>
+                <a:effectLst/>
+                <a:latin typeface="Consolas" panose="020B0609020204030204" pitchFamily="49" charset="0"/>
+                <a:cs typeface="Consolas" panose="020B0609020204030204" pitchFamily="49" charset="0"/>
+              </a:rPr>
+              <a:t>avg</a:t>
+            </a:r>
+            <a:r>
+              <a:rPr kumimoji="0" lang="en-US" altLang="en-US" sz="1000" b="1" i="0" u="none" strike="noStrike" cap="none" normalizeH="0" baseline="0" dirty="0" smtClean="0">
+                <a:ln>
+                  <a:noFill/>
+                </a:ln>
+                <a:solidFill>
+                  <a:srgbClr val="008000"/>
+                </a:solidFill>
+                <a:effectLst/>
+                <a:latin typeface="Consolas" panose="020B0609020204030204" pitchFamily="49" charset="0"/>
+                <a:cs typeface="Consolas" panose="020B0609020204030204" pitchFamily="49" charset="0"/>
+              </a:rPr>
+              <a:t>"</a:t>
+            </a:r>
+            <a:r>
+              <a:rPr kumimoji="0" lang="en-US" altLang="en-US" sz="1000" b="0" i="0" u="none" strike="noStrike" cap="none" normalizeH="0" baseline="0" dirty="0" smtClean="0">
+                <a:ln>
+                  <a:noFill/>
+                </a:ln>
+                <a:solidFill>
+                  <a:srgbClr val="000000"/>
+                </a:solidFill>
+                <a:effectLst/>
+                <a:latin typeface="Consolas" panose="020B0609020204030204" pitchFamily="49" charset="0"/>
+                <a:cs typeface="Consolas" panose="020B0609020204030204" pitchFamily="49" charset="0"/>
+              </a:rPr>
+              <a:t>,</a:t>
+            </a:r>
+            <a:br>
+              <a:rPr kumimoji="0" lang="en-US" altLang="en-US" sz="1000" b="0" i="0" u="none" strike="noStrike" cap="none" normalizeH="0" baseline="0" dirty="0" smtClean="0">
+                <a:ln>
+                  <a:noFill/>
+                </a:ln>
+                <a:solidFill>
+                  <a:srgbClr val="000000"/>
+                </a:solidFill>
+                <a:effectLst/>
+                <a:latin typeface="Consolas" panose="020B0609020204030204" pitchFamily="49" charset="0"/>
+                <a:cs typeface="Consolas" panose="020B0609020204030204" pitchFamily="49" charset="0"/>
+              </a:rPr>
+            </a:br>
+            <a:r>
+              <a:rPr kumimoji="0" lang="en-US" altLang="en-US" sz="1000" b="0" i="0" u="none" strike="noStrike" cap="none" normalizeH="0" baseline="0" dirty="0" smtClean="0">
+                <a:ln>
+                  <a:noFill/>
+                </a:ln>
+                <a:solidFill>
+                  <a:srgbClr val="000000"/>
+                </a:solidFill>
+                <a:effectLst/>
+                <a:latin typeface="Consolas" panose="020B0609020204030204" pitchFamily="49" charset="0"/>
+                <a:cs typeface="Consolas" panose="020B0609020204030204" pitchFamily="49" charset="0"/>
+              </a:rPr>
+              <a:t>    </a:t>
+            </a:r>
+            <a:r>
+              <a:rPr kumimoji="0" lang="en-US" altLang="en-US" sz="1000" b="1" i="0" u="none" strike="noStrike" cap="none" normalizeH="0" baseline="0" dirty="0" smtClean="0">
+                <a:ln>
+                  <a:noFill/>
+                </a:ln>
+                <a:solidFill>
+                  <a:srgbClr val="660E7A"/>
+                </a:solidFill>
+                <a:effectLst/>
+                <a:latin typeface="Consolas" panose="020B0609020204030204" pitchFamily="49" charset="0"/>
+                <a:cs typeface="Consolas" panose="020B0609020204030204" pitchFamily="49" charset="0"/>
+              </a:rPr>
+              <a:t>"name"</a:t>
+            </a:r>
+            <a:r>
+              <a:rPr kumimoji="0" lang="en-US" altLang="en-US" sz="1000" b="0" i="0" u="none" strike="noStrike" cap="none" normalizeH="0" baseline="0" dirty="0" smtClean="0">
+                <a:ln>
+                  <a:noFill/>
+                </a:ln>
+                <a:solidFill>
+                  <a:srgbClr val="000000"/>
+                </a:solidFill>
+                <a:effectLst/>
+                <a:latin typeface="Consolas" panose="020B0609020204030204" pitchFamily="49" charset="0"/>
+                <a:cs typeface="Consolas" panose="020B0609020204030204" pitchFamily="49" charset="0"/>
+              </a:rPr>
+              <a:t>: </a:t>
+            </a:r>
+            <a:r>
+              <a:rPr kumimoji="0" lang="en-US" altLang="en-US" sz="1000" b="1" i="0" u="none" strike="noStrike" cap="none" normalizeH="0" baseline="0" dirty="0" smtClean="0">
+                <a:ln>
+                  <a:noFill/>
+                </a:ln>
+                <a:solidFill>
+                  <a:srgbClr val="008000"/>
+                </a:solidFill>
+                <a:effectLst/>
+                <a:latin typeface="Consolas" panose="020B0609020204030204" pitchFamily="49" charset="0"/>
+                <a:cs typeface="Consolas" panose="020B0609020204030204" pitchFamily="49" charset="0"/>
+              </a:rPr>
+              <a:t>"</a:t>
+            </a:r>
+            <a:r>
+              <a:rPr kumimoji="0" lang="en-US" altLang="en-US" sz="1000" b="1" i="0" u="none" strike="noStrike" cap="none" normalizeH="0" baseline="0" dirty="0" err="1" smtClean="0">
+                <a:ln>
+                  <a:noFill/>
+                </a:ln>
+                <a:solidFill>
+                  <a:srgbClr val="008000"/>
+                </a:solidFill>
+                <a:effectLst/>
+                <a:latin typeface="Consolas" panose="020B0609020204030204" pitchFamily="49" charset="0"/>
+                <a:cs typeface="Consolas" panose="020B0609020204030204" pitchFamily="49" charset="0"/>
+              </a:rPr>
+              <a:t>Avg</a:t>
+            </a:r>
+            <a:r>
+              <a:rPr kumimoji="0" lang="en-US" altLang="en-US" sz="1000" b="1" i="0" u="none" strike="noStrike" cap="none" normalizeH="0" baseline="0" dirty="0" smtClean="0">
+                <a:ln>
+                  <a:noFill/>
+                </a:ln>
+                <a:solidFill>
+                  <a:srgbClr val="008000"/>
+                </a:solidFill>
+                <a:effectLst/>
+                <a:latin typeface="Consolas" panose="020B0609020204030204" pitchFamily="49" charset="0"/>
+                <a:cs typeface="Consolas" panose="020B0609020204030204" pitchFamily="49" charset="0"/>
+              </a:rPr>
+              <a:t> CPU Utilization"</a:t>
+            </a:r>
+            <a:r>
+              <a:rPr kumimoji="0" lang="en-US" altLang="en-US" sz="1000" b="0" i="0" u="none" strike="noStrike" cap="none" normalizeH="0" baseline="0" dirty="0" smtClean="0">
+                <a:ln>
+                  <a:noFill/>
+                </a:ln>
+                <a:solidFill>
+                  <a:srgbClr val="000000"/>
+                </a:solidFill>
+                <a:effectLst/>
+                <a:latin typeface="Consolas" panose="020B0609020204030204" pitchFamily="49" charset="0"/>
+                <a:cs typeface="Consolas" panose="020B0609020204030204" pitchFamily="49" charset="0"/>
+              </a:rPr>
+              <a:t>,</a:t>
+            </a:r>
+            <a:br>
+              <a:rPr kumimoji="0" lang="en-US" altLang="en-US" sz="1000" b="0" i="0" u="none" strike="noStrike" cap="none" normalizeH="0" baseline="0" dirty="0" smtClean="0">
+                <a:ln>
+                  <a:noFill/>
+                </a:ln>
+                <a:solidFill>
+                  <a:srgbClr val="000000"/>
+                </a:solidFill>
+                <a:effectLst/>
+                <a:latin typeface="Consolas" panose="020B0609020204030204" pitchFamily="49" charset="0"/>
+                <a:cs typeface="Consolas" panose="020B0609020204030204" pitchFamily="49" charset="0"/>
+              </a:rPr>
+            </a:br>
+            <a:r>
+              <a:rPr kumimoji="0" lang="en-US" altLang="en-US" sz="1000" b="0" i="0" u="none" strike="noStrike" cap="none" normalizeH="0" baseline="0" dirty="0" smtClean="0">
+                <a:ln>
+                  <a:noFill/>
+                </a:ln>
+                <a:solidFill>
+                  <a:srgbClr val="000000"/>
+                </a:solidFill>
+                <a:effectLst/>
+                <a:latin typeface="Consolas" panose="020B0609020204030204" pitchFamily="49" charset="0"/>
+                <a:cs typeface="Consolas" panose="020B0609020204030204" pitchFamily="49" charset="0"/>
+              </a:rPr>
+              <a:t>    </a:t>
+            </a:r>
+            <a:r>
+              <a:rPr kumimoji="0" lang="en-US" altLang="en-US" sz="1000" b="1" i="0" u="none" strike="noStrike" cap="none" normalizeH="0" baseline="0" dirty="0" smtClean="0">
+                <a:ln>
+                  <a:noFill/>
+                </a:ln>
+                <a:solidFill>
+                  <a:srgbClr val="660E7A"/>
+                </a:solidFill>
+                <a:effectLst/>
+                <a:latin typeface="Consolas" panose="020B0609020204030204" pitchFamily="49" charset="0"/>
+                <a:cs typeface="Consolas" panose="020B0609020204030204" pitchFamily="49" charset="0"/>
+              </a:rPr>
+              <a:t>"formula"</a:t>
+            </a:r>
+            <a:r>
+              <a:rPr kumimoji="0" lang="en-US" altLang="en-US" sz="1000" b="0" i="0" u="none" strike="noStrike" cap="none" normalizeH="0" baseline="0" dirty="0" smtClean="0">
+                <a:ln>
+                  <a:noFill/>
+                </a:ln>
+                <a:solidFill>
+                  <a:srgbClr val="000000"/>
+                </a:solidFill>
+                <a:effectLst/>
+                <a:latin typeface="Consolas" panose="020B0609020204030204" pitchFamily="49" charset="0"/>
+                <a:cs typeface="Consolas" panose="020B0609020204030204" pitchFamily="49" charset="0"/>
+              </a:rPr>
+              <a:t>: </a:t>
+            </a:r>
+            <a:r>
+              <a:rPr kumimoji="0" lang="en-US" altLang="en-US" sz="1000" b="1" i="0" u="none" strike="noStrike" cap="none" normalizeH="0" baseline="0" dirty="0" smtClean="0">
+                <a:ln>
+                  <a:noFill/>
+                </a:ln>
+                <a:solidFill>
+                  <a:srgbClr val="008000"/>
+                </a:solidFill>
+                <a:effectLst/>
+                <a:latin typeface="Consolas" panose="020B0609020204030204" pitchFamily="49" charset="0"/>
+                <a:cs typeface="Consolas" panose="020B0609020204030204" pitchFamily="49" charset="0"/>
+              </a:rPr>
+              <a:t>"[.1.3.6.1.2.1.25.3.3.1.2]"</a:t>
+            </a:r>
+            <a:r>
+              <a:rPr kumimoji="0" lang="en-US" altLang="en-US" sz="1000" b="0" i="0" u="none" strike="noStrike" cap="none" normalizeH="0" baseline="0" dirty="0" smtClean="0">
+                <a:ln>
+                  <a:noFill/>
+                </a:ln>
+                <a:solidFill>
+                  <a:srgbClr val="000000"/>
+                </a:solidFill>
+                <a:effectLst/>
+                <a:latin typeface="Consolas" panose="020B0609020204030204" pitchFamily="49" charset="0"/>
+                <a:cs typeface="Consolas" panose="020B0609020204030204" pitchFamily="49" charset="0"/>
+              </a:rPr>
+              <a:t>,</a:t>
+            </a:r>
+            <a:br>
+              <a:rPr kumimoji="0" lang="en-US" altLang="en-US" sz="1000" b="0" i="0" u="none" strike="noStrike" cap="none" normalizeH="0" baseline="0" dirty="0" smtClean="0">
+                <a:ln>
+                  <a:noFill/>
+                </a:ln>
+                <a:solidFill>
+                  <a:srgbClr val="000000"/>
+                </a:solidFill>
+                <a:effectLst/>
+                <a:latin typeface="Consolas" panose="020B0609020204030204" pitchFamily="49" charset="0"/>
+                <a:cs typeface="Consolas" panose="020B0609020204030204" pitchFamily="49" charset="0"/>
+              </a:rPr>
+            </a:br>
+            <a:r>
+              <a:rPr kumimoji="0" lang="en-US" altLang="en-US" sz="1000" b="0" i="0" u="none" strike="noStrike" cap="none" normalizeH="0" baseline="0" dirty="0" smtClean="0">
+                <a:ln>
+                  <a:noFill/>
+                </a:ln>
+                <a:solidFill>
+                  <a:srgbClr val="000000"/>
+                </a:solidFill>
+                <a:effectLst/>
+                <a:latin typeface="Consolas" panose="020B0609020204030204" pitchFamily="49" charset="0"/>
+                <a:cs typeface="Consolas" panose="020B0609020204030204" pitchFamily="49" charset="0"/>
+              </a:rPr>
+              <a:t>    </a:t>
+            </a:r>
+            <a:r>
+              <a:rPr kumimoji="0" lang="en-US" altLang="en-US" sz="1000" b="1" i="0" u="none" strike="noStrike" cap="none" normalizeH="0" baseline="0" dirty="0" smtClean="0">
+                <a:ln>
+                  <a:noFill/>
+                </a:ln>
+                <a:solidFill>
+                  <a:srgbClr val="660E7A"/>
+                </a:solidFill>
+                <a:effectLst/>
+                <a:latin typeface="Consolas" panose="020B0609020204030204" pitchFamily="49" charset="0"/>
+                <a:cs typeface="Consolas" panose="020B0609020204030204" pitchFamily="49" charset="0"/>
+              </a:rPr>
+              <a:t>"</a:t>
+            </a:r>
+            <a:r>
+              <a:rPr kumimoji="0" lang="en-US" altLang="en-US" sz="1000" b="1" i="0" u="none" strike="noStrike" cap="none" normalizeH="0" baseline="0" dirty="0" err="1" smtClean="0">
+                <a:ln>
+                  <a:noFill/>
+                </a:ln>
+                <a:solidFill>
+                  <a:srgbClr val="660E7A"/>
+                </a:solidFill>
+                <a:effectLst/>
+                <a:latin typeface="Consolas" panose="020B0609020204030204" pitchFamily="49" charset="0"/>
+                <a:cs typeface="Consolas" panose="020B0609020204030204" pitchFamily="49" charset="0"/>
+              </a:rPr>
+              <a:t>description"</a:t>
+            </a:r>
+            <a:r>
+              <a:rPr kumimoji="0" lang="en-US" altLang="en-US" sz="1000" b="0" i="0" u="none" strike="noStrike" cap="none" normalizeH="0" baseline="0" dirty="0" err="1" smtClean="0">
+                <a:ln>
+                  <a:noFill/>
+                </a:ln>
+                <a:solidFill>
+                  <a:srgbClr val="000000"/>
+                </a:solidFill>
+                <a:effectLst/>
+                <a:latin typeface="Consolas" panose="020B0609020204030204" pitchFamily="49" charset="0"/>
+                <a:cs typeface="Consolas" panose="020B0609020204030204" pitchFamily="49" charset="0"/>
+              </a:rPr>
+              <a:t>:</a:t>
+            </a:r>
+            <a:r>
+              <a:rPr kumimoji="0" lang="en-US" altLang="en-US" sz="1000" b="1" i="0" u="none" strike="noStrike" cap="none" normalizeH="0" baseline="0" dirty="0" err="1" smtClean="0">
+                <a:ln>
+                  <a:noFill/>
+                </a:ln>
+                <a:solidFill>
+                  <a:srgbClr val="008000"/>
+                </a:solidFill>
+                <a:effectLst/>
+                <a:latin typeface="Consolas" panose="020B0609020204030204" pitchFamily="49" charset="0"/>
+                <a:cs typeface="Consolas" panose="020B0609020204030204" pitchFamily="49" charset="0"/>
+              </a:rPr>
+              <a:t>"Average</a:t>
+            </a:r>
+            <a:r>
+              <a:rPr kumimoji="0" lang="en-US" altLang="en-US" sz="1000" b="1" i="0" u="none" strike="noStrike" cap="none" normalizeH="0" baseline="0" dirty="0" smtClean="0">
+                <a:ln>
+                  <a:noFill/>
+                </a:ln>
+                <a:solidFill>
+                  <a:srgbClr val="008000"/>
+                </a:solidFill>
+                <a:effectLst/>
+                <a:latin typeface="Consolas" panose="020B0609020204030204" pitchFamily="49" charset="0"/>
+                <a:cs typeface="Consolas" panose="020B0609020204030204" pitchFamily="49" charset="0"/>
+              </a:rPr>
+              <a:t> CPU Utilization in 5 minutes"</a:t>
+            </a:r>
+            <a:r>
+              <a:rPr kumimoji="0" lang="en-US" altLang="en-US" sz="1000" b="0" i="0" u="none" strike="noStrike" cap="none" normalizeH="0" baseline="0" dirty="0" smtClean="0">
+                <a:ln>
+                  <a:noFill/>
+                </a:ln>
+                <a:solidFill>
+                  <a:srgbClr val="000000"/>
+                </a:solidFill>
+                <a:effectLst/>
+                <a:latin typeface="Consolas" panose="020B0609020204030204" pitchFamily="49" charset="0"/>
+                <a:cs typeface="Consolas" panose="020B0609020204030204" pitchFamily="49" charset="0"/>
+              </a:rPr>
+              <a:t>,</a:t>
+            </a:r>
+            <a:br>
+              <a:rPr kumimoji="0" lang="en-US" altLang="en-US" sz="1000" b="0" i="0" u="none" strike="noStrike" cap="none" normalizeH="0" baseline="0" dirty="0" smtClean="0">
+                <a:ln>
+                  <a:noFill/>
+                </a:ln>
+                <a:solidFill>
+                  <a:srgbClr val="000000"/>
+                </a:solidFill>
+                <a:effectLst/>
+                <a:latin typeface="Consolas" panose="020B0609020204030204" pitchFamily="49" charset="0"/>
+                <a:cs typeface="Consolas" panose="020B0609020204030204" pitchFamily="49" charset="0"/>
+              </a:rPr>
+            </a:br>
+            <a:r>
+              <a:rPr kumimoji="0" lang="en-US" altLang="en-US" sz="1000" b="0" i="0" u="none" strike="noStrike" cap="none" normalizeH="0" baseline="0" dirty="0" smtClean="0">
+                <a:ln>
+                  <a:noFill/>
+                </a:ln>
+                <a:solidFill>
+                  <a:srgbClr val="000000"/>
+                </a:solidFill>
+                <a:effectLst/>
+                <a:latin typeface="Consolas" panose="020B0609020204030204" pitchFamily="49" charset="0"/>
+                <a:cs typeface="Consolas" panose="020B0609020204030204" pitchFamily="49" charset="0"/>
+              </a:rPr>
+              <a:t>    </a:t>
+            </a:r>
+            <a:r>
+              <a:rPr kumimoji="0" lang="en-US" altLang="en-US" sz="1000" b="1" i="0" u="none" strike="noStrike" cap="none" normalizeH="0" baseline="0" dirty="0" smtClean="0">
+                <a:ln>
+                  <a:noFill/>
+                </a:ln>
+                <a:solidFill>
+                  <a:srgbClr val="660E7A"/>
+                </a:solidFill>
+                <a:effectLst/>
+                <a:latin typeface="Consolas" panose="020B0609020204030204" pitchFamily="49" charset="0"/>
+                <a:cs typeface="Consolas" panose="020B0609020204030204" pitchFamily="49" charset="0"/>
+              </a:rPr>
+              <a:t>"unit"</a:t>
+            </a:r>
+            <a:r>
+              <a:rPr kumimoji="0" lang="en-US" altLang="en-US" sz="1000" b="0" i="0" u="none" strike="noStrike" cap="none" normalizeH="0" baseline="0" dirty="0" smtClean="0">
+                <a:ln>
+                  <a:noFill/>
+                </a:ln>
+                <a:solidFill>
+                  <a:srgbClr val="000000"/>
+                </a:solidFill>
+                <a:effectLst/>
+                <a:latin typeface="Consolas" panose="020B0609020204030204" pitchFamily="49" charset="0"/>
+                <a:cs typeface="Consolas" panose="020B0609020204030204" pitchFamily="49" charset="0"/>
+              </a:rPr>
+              <a:t>:</a:t>
+            </a:r>
+            <a:r>
+              <a:rPr kumimoji="0" lang="en-US" altLang="en-US" sz="1000" b="1" i="0" u="none" strike="noStrike" cap="none" normalizeH="0" baseline="0" dirty="0" smtClean="0">
+                <a:ln>
+                  <a:noFill/>
+                </a:ln>
+                <a:solidFill>
+                  <a:srgbClr val="008000"/>
+                </a:solidFill>
+                <a:effectLst/>
+                <a:latin typeface="Consolas" panose="020B0609020204030204" pitchFamily="49" charset="0"/>
+                <a:cs typeface="Consolas" panose="020B0609020204030204" pitchFamily="49" charset="0"/>
+              </a:rPr>
+              <a:t>"%"</a:t>
+            </a:r>
+            <a:r>
+              <a:rPr kumimoji="0" lang="en-US" altLang="en-US" sz="1000" b="0" i="0" u="none" strike="noStrike" cap="none" normalizeH="0" baseline="0" dirty="0" smtClean="0">
+                <a:ln>
+                  <a:noFill/>
+                </a:ln>
+                <a:solidFill>
+                  <a:srgbClr val="000000"/>
+                </a:solidFill>
+                <a:effectLst/>
+                <a:latin typeface="Consolas" panose="020B0609020204030204" pitchFamily="49" charset="0"/>
+                <a:cs typeface="Consolas" panose="020B0609020204030204" pitchFamily="49" charset="0"/>
+              </a:rPr>
+              <a:t>,</a:t>
+            </a:r>
+            <a:br>
+              <a:rPr kumimoji="0" lang="en-US" altLang="en-US" sz="1000" b="0" i="0" u="none" strike="noStrike" cap="none" normalizeH="0" baseline="0" dirty="0" smtClean="0">
+                <a:ln>
+                  <a:noFill/>
+                </a:ln>
+                <a:solidFill>
+                  <a:srgbClr val="000000"/>
+                </a:solidFill>
+                <a:effectLst/>
+                <a:latin typeface="Consolas" panose="020B0609020204030204" pitchFamily="49" charset="0"/>
+                <a:cs typeface="Consolas" panose="020B0609020204030204" pitchFamily="49" charset="0"/>
+              </a:rPr>
+            </a:br>
+            <a:r>
+              <a:rPr kumimoji="0" lang="en-US" altLang="en-US" sz="1000" b="0" i="0" u="none" strike="noStrike" cap="none" normalizeH="0" baseline="0" dirty="0" smtClean="0">
+                <a:ln>
+                  <a:noFill/>
+                </a:ln>
+                <a:solidFill>
+                  <a:srgbClr val="000000"/>
+                </a:solidFill>
+                <a:effectLst/>
+                <a:latin typeface="Consolas" panose="020B0609020204030204" pitchFamily="49" charset="0"/>
+                <a:cs typeface="Consolas" panose="020B0609020204030204" pitchFamily="49" charset="0"/>
+              </a:rPr>
+              <a:t>    </a:t>
+            </a:r>
+            <a:r>
+              <a:rPr kumimoji="0" lang="en-US" altLang="en-US" sz="1000" b="1" i="0" u="none" strike="noStrike" cap="none" normalizeH="0" baseline="0" dirty="0" smtClean="0">
+                <a:ln>
+                  <a:noFill/>
+                </a:ln>
+                <a:solidFill>
+                  <a:srgbClr val="660E7A"/>
+                </a:solidFill>
+                <a:effectLst/>
+                <a:latin typeface="Consolas" panose="020B0609020204030204" pitchFamily="49" charset="0"/>
+                <a:cs typeface="Consolas" panose="020B0609020204030204" pitchFamily="49" charset="0"/>
+              </a:rPr>
+              <a:t>"interval"</a:t>
+            </a:r>
+            <a:r>
+              <a:rPr kumimoji="0" lang="en-US" altLang="en-US" sz="1000" b="0" i="0" u="none" strike="noStrike" cap="none" normalizeH="0" baseline="0" dirty="0" smtClean="0">
+                <a:ln>
+                  <a:noFill/>
+                </a:ln>
+                <a:solidFill>
+                  <a:srgbClr val="000000"/>
+                </a:solidFill>
+                <a:effectLst/>
+                <a:latin typeface="Consolas" panose="020B0609020204030204" pitchFamily="49" charset="0"/>
+                <a:cs typeface="Consolas" panose="020B0609020204030204" pitchFamily="49" charset="0"/>
+              </a:rPr>
+              <a:t>: </a:t>
+            </a:r>
+            <a:r>
+              <a:rPr kumimoji="0" lang="en-US" altLang="en-US" sz="1000" b="0" i="0" u="none" strike="noStrike" cap="none" normalizeH="0" baseline="0" dirty="0" smtClean="0">
+                <a:ln>
+                  <a:noFill/>
+                </a:ln>
+                <a:solidFill>
+                  <a:srgbClr val="0000FF"/>
+                </a:solidFill>
+                <a:effectLst/>
+                <a:latin typeface="Consolas" panose="020B0609020204030204" pitchFamily="49" charset="0"/>
+                <a:cs typeface="Consolas" panose="020B0609020204030204" pitchFamily="49" charset="0"/>
+              </a:rPr>
+              <a:t>300</a:t>
+            </a:r>
+            <a:br>
+              <a:rPr kumimoji="0" lang="en-US" altLang="en-US" sz="1000" b="0" i="0" u="none" strike="noStrike" cap="none" normalizeH="0" baseline="0" dirty="0" smtClean="0">
+                <a:ln>
+                  <a:noFill/>
+                </a:ln>
+                <a:solidFill>
+                  <a:srgbClr val="0000FF"/>
+                </a:solidFill>
+                <a:effectLst/>
+                <a:latin typeface="Consolas" panose="020B0609020204030204" pitchFamily="49" charset="0"/>
+                <a:cs typeface="Consolas" panose="020B0609020204030204" pitchFamily="49" charset="0"/>
+              </a:rPr>
+            </a:br>
+            <a:r>
+              <a:rPr kumimoji="0" lang="en-US" altLang="en-US" sz="1000" b="0" i="0" u="none" strike="noStrike" cap="none" normalizeH="0" baseline="0" dirty="0" smtClean="0">
+                <a:ln>
+                  <a:noFill/>
+                </a:ln>
+                <a:solidFill>
+                  <a:srgbClr val="0000FF"/>
+                </a:solidFill>
+                <a:effectLst/>
+                <a:latin typeface="Consolas" panose="020B0609020204030204" pitchFamily="49" charset="0"/>
+                <a:cs typeface="Consolas" panose="020B0609020204030204" pitchFamily="49" charset="0"/>
+              </a:rPr>
+              <a:t>  </a:t>
+            </a:r>
+            <a:r>
+              <a:rPr kumimoji="0" lang="en-US" altLang="en-US" sz="1000" b="0" i="0" u="none" strike="noStrike" cap="none" normalizeH="0" baseline="0" dirty="0" smtClean="0">
+                <a:ln>
+                  <a:noFill/>
+                </a:ln>
+                <a:solidFill>
+                  <a:srgbClr val="000000"/>
+                </a:solidFill>
+                <a:effectLst/>
+                <a:latin typeface="Consolas" panose="020B0609020204030204" pitchFamily="49" charset="0"/>
+                <a:cs typeface="Consolas" panose="020B0609020204030204" pitchFamily="49" charset="0"/>
+              </a:rPr>
+              <a:t>},</a:t>
+            </a:r>
+            <a:endParaRPr kumimoji="0" lang="en-US" altLang="en-US" sz="1800" b="0" i="0" u="none" strike="noStrike" cap="none" normalizeH="0" baseline="0" dirty="0" smtClean="0">
+              <a:ln>
+                <a:noFill/>
+              </a:ln>
+              <a:solidFill>
+                <a:schemeClr val="tx1"/>
+              </a:solidFill>
+              <a:effectLst/>
+              <a:latin typeface="Arial" panose="020B0604020202020204" pitchFamily="34" charset="0"/>
+            </a:endParaRPr>
+          </a:p>
+        </p:txBody>
+      </p:sp>
+      <p:pic>
+        <p:nvPicPr>
+          <p:cNvPr id="7" name="Picture 6"/>
+          <p:cNvPicPr>
+            <a:picLocks noChangeAspect="1"/>
+          </p:cNvPicPr>
+          <p:nvPr/>
+        </p:nvPicPr>
+        <p:blipFill>
+          <a:blip r:embed="rId2"/>
+          <a:stretch>
+            <a:fillRect/>
+          </a:stretch>
+        </p:blipFill>
+        <p:spPr>
+          <a:xfrm>
+            <a:off x="1828800" y="3581400"/>
+            <a:ext cx="3810000" cy="2463800"/>
+          </a:xfrm>
+          <a:prstGeom prst="rect">
+            <a:avLst/>
+          </a:prstGeom>
+        </p:spPr>
+      </p:pic>
+    </p:spTree>
+    <p:extLst>
+      <p:ext uri="{BB962C8B-B14F-4D97-AF65-F5344CB8AC3E}">
+        <p14:creationId xmlns:p14="http://schemas.microsoft.com/office/powerpoint/2010/main" val="3037109251"/>
+      </p:ext>
+    </p:extLst>
+  </p:cSld>
+  <p:clrMapOvr>
+    <a:masterClrMapping/>
+  </p:clrMapOvr>
+  <mc:AlternateContent xmlns:mc="http://schemas.openxmlformats.org/markup-compatibility/2006" xmlns:p14="http://schemas.microsoft.com/office/powerpoint/2010/main">
+    <mc:Choice Requires="p14">
+      <p:transition spd="med" p14:dur="700">
+        <p:fade/>
+      </p:transition>
+    </mc:Choice>
+    <mc:Fallback xmlns="">
+      <p:transition spd="med">
+        <p:fade/>
+      </p:transition>
+    </mc:Fallback>
+  </mc:AlternateContent>
+  <p:timing>
+    <p:tnLst>
+      <p:par>
+        <p:cTn id="1" dur="indefinite" restart="never" nodeType="tmRoot"/>
+      </p:par>
+    </p:tnLst>
+  </p:timing>
+</p:sld>
+</file>
+
+<file path=ppt/slides/slide17.xml><?xml version="1.0" encoding="utf-8"?>
+<p:sld xmlns:a="http://schemas.openxmlformats.org/drawingml/2006/main" xmlns:r="http://schemas.openxmlformats.org/officeDocument/2006/relationships" xmlns:p="http://schemas.openxmlformats.org/presentationml/2006/main">
+  <p:cSld>
+    <p:spTree>
+      <p:nvGrpSpPr>
+        <p:cNvPr id="1" name=""/>
+        <p:cNvGrpSpPr/>
+        <p:nvPr/>
+      </p:nvGrpSpPr>
+      <p:grpSpPr>
+        <a:xfrm>
+          <a:off x="0" y="0"/>
+          <a:ext cx="0" cy="0"/>
+          <a:chOff x="0" y="0"/>
+          <a:chExt cx="0" cy="0"/>
+        </a:xfrm>
+      </p:grpSpPr>
+      <p:sp>
+        <p:nvSpPr>
+          <p:cNvPr id="2" name="Title 1"/>
+          <p:cNvSpPr>
+            <a:spLocks noGrp="1"/>
+          </p:cNvSpPr>
+          <p:nvPr>
+            <p:ph type="title"/>
+          </p:nvPr>
+        </p:nvSpPr>
+        <p:spPr/>
+        <p:txBody>
+          <a:bodyPr/>
+          <a:lstStyle/>
+          <a:p>
+            <a:r>
+              <a:rPr lang="en-US" dirty="0" smtClean="0"/>
+              <a:t>NFVD API log collector</a:t>
+            </a:r>
+            <a:endParaRPr lang="en-US" dirty="0"/>
+          </a:p>
+        </p:txBody>
+      </p:sp>
+      <p:sp>
+        <p:nvSpPr>
+          <p:cNvPr id="3" name="Content Placeholder 2"/>
+          <p:cNvSpPr>
+            <a:spLocks noGrp="1"/>
+          </p:cNvSpPr>
+          <p:nvPr>
+            <p:ph idx="1"/>
+          </p:nvPr>
+        </p:nvSpPr>
+        <p:spPr/>
+        <p:txBody>
+          <a:bodyPr/>
+          <a:lstStyle/>
+          <a:p>
+            <a:endParaRPr lang="en-US" dirty="0"/>
+          </a:p>
+        </p:txBody>
+      </p:sp>
+      <p:sp>
+        <p:nvSpPr>
+          <p:cNvPr id="4" name="Slide Number Placeholder 3"/>
+          <p:cNvSpPr>
+            <a:spLocks noGrp="1"/>
+          </p:cNvSpPr>
+          <p:nvPr>
+            <p:ph type="sldNum" sz="quarter" idx="12"/>
+          </p:nvPr>
+        </p:nvSpPr>
+        <p:spPr/>
+        <p:txBody>
+          <a:bodyPr/>
+          <a:lstStyle/>
+          <a:p>
+            <a:fld id="{B016F8AB-BCEA-4347-8BA6-BE776009BC89}" type="slidenum">
+              <a:rPr lang="en-US" smtClean="0"/>
+              <a:pPr/>
+              <a:t>17</a:t>
+            </a:fld>
+            <a:endParaRPr lang="en-US"/>
+          </a:p>
+        </p:txBody>
+      </p:sp>
+    </p:spTree>
+    <p:extLst>
+      <p:ext uri="{BB962C8B-B14F-4D97-AF65-F5344CB8AC3E}">
+        <p14:creationId xmlns:p14="http://schemas.microsoft.com/office/powerpoint/2010/main" val="2738073921"/>
+      </p:ext>
+    </p:extLst>
+  </p:cSld>
+  <p:clrMapOvr>
+    <a:masterClrMapping/>
+  </p:clrMapOvr>
+  <mc:AlternateContent xmlns:mc="http://schemas.openxmlformats.org/markup-compatibility/2006" xmlns:p14="http://schemas.microsoft.com/office/powerpoint/2010/main">
+    <mc:Choice Requires="p14">
+      <p:transition spd="med" p14:dur="700">
+        <p:fade/>
+      </p:transition>
+    </mc:Choice>
+    <mc:Fallback xmlns="">
+      <p:transition spd="med">
+        <p:fade/>
+      </p:transition>
+    </mc:Fallback>
+  </mc:AlternateContent>
+</p:sld>
+</file>
+
+<file path=ppt/slides/slide18.xml><?xml version="1.0" encoding="utf-8"?>
 <p:sld xmlns:a="http://schemas.openxmlformats.org/drawingml/2006/main" xmlns:r="http://schemas.openxmlformats.org/officeDocument/2006/relationships" xmlns:p="http://schemas.openxmlformats.org/presentationml/2006/main">
   <p:cSld>
     <p:spTree>
@@ -40933,7 +43887,7 @@
             <a:fld id="{B016F8AB-BCEA-4347-8BA6-BE776009BC89}" type="slidenum">
               <a:rPr lang="en-US" smtClean="0"/>
               <a:pPr/>
-              <a:t>12</a:t>
+              <a:t>18</a:t>
             </a:fld>
             <a:endParaRPr lang="en-US"/>
           </a:p>
@@ -40971,7 +43925,7 @@
 </p:sld>
 </file>
 
-<file path=ppt/slides/slide13.xml><?xml version="1.0" encoding="utf-8"?>
+<file path=ppt/slides/slide19.xml><?xml version="1.0" encoding="utf-8"?>
 <p:sld xmlns:a="http://schemas.openxmlformats.org/drawingml/2006/main" xmlns:r="http://schemas.openxmlformats.org/officeDocument/2006/relationships" xmlns:p="http://schemas.openxmlformats.org/presentationml/2006/main">
   <p:cSld>
     <p:spTree>
@@ -41343,7 +44297,7 @@
             <a:fld id="{B016F8AB-BCEA-4347-8BA6-BE776009BC89}" type="slidenum">
               <a:rPr lang="en-US" smtClean="0"/>
               <a:pPr/>
-              <a:t>13</a:t>
+              <a:t>19</a:t>
             </a:fld>
             <a:endParaRPr lang="en-US"/>
           </a:p>
@@ -42067,7 +45021,249 @@
 </p:sld>
 </file>
 
-<file path=ppt/slides/slide14.xml><?xml version="1.0" encoding="utf-8"?>
+<file path=ppt/slides/slide2.xml><?xml version="1.0" encoding="utf-8"?>
+<p:sld xmlns:a="http://schemas.openxmlformats.org/drawingml/2006/main" xmlns:r="http://schemas.openxmlformats.org/officeDocument/2006/relationships" xmlns:p="http://schemas.openxmlformats.org/presentationml/2006/main">
+  <p:cSld>
+    <p:spTree>
+      <p:nvGrpSpPr>
+        <p:cNvPr id="1" name=""/>
+        <p:cNvGrpSpPr/>
+        <p:nvPr/>
+      </p:nvGrpSpPr>
+      <p:grpSpPr>
+        <a:xfrm>
+          <a:off x="0" y="0"/>
+          <a:ext cx="0" cy="0"/>
+          <a:chOff x="0" y="0"/>
+          <a:chExt cx="0" cy="0"/>
+        </a:xfrm>
+      </p:grpSpPr>
+      <p:sp>
+        <p:nvSpPr>
+          <p:cNvPr id="3" name="Title 2"/>
+          <p:cNvSpPr>
+            <a:spLocks noGrp="1"/>
+          </p:cNvSpPr>
+          <p:nvPr>
+            <p:ph type="title"/>
+          </p:nvPr>
+        </p:nvSpPr>
+        <p:spPr/>
+        <p:txBody>
+          <a:bodyPr/>
+          <a:lstStyle/>
+          <a:p>
+            <a:r>
+              <a:rPr lang="en-US" dirty="0" smtClean="0"/>
+              <a:t>General Ideas</a:t>
+            </a:r>
+            <a:endParaRPr lang="en-US" dirty="0"/>
+          </a:p>
+        </p:txBody>
+      </p:sp>
+      <p:sp>
+        <p:nvSpPr>
+          <p:cNvPr id="2" name="Content Placeholder 1"/>
+          <p:cNvSpPr>
+            <a:spLocks noGrp="1"/>
+          </p:cNvSpPr>
+          <p:nvPr>
+            <p:ph idx="1"/>
+          </p:nvPr>
+        </p:nvSpPr>
+        <p:spPr>
+          <a:xfrm>
+            <a:off x="609600" y="1524000"/>
+            <a:ext cx="10969784" cy="4267200"/>
+          </a:xfrm>
+        </p:spPr>
+        <p:txBody>
+          <a:bodyPr>
+            <a:normAutofit/>
+          </a:bodyPr>
+          <a:lstStyle/>
+          <a:p>
+            <a:r>
+              <a:rPr lang="en-US" sz="1600" dirty="0" smtClean="0"/>
+              <a:t>This is a light </a:t>
+            </a:r>
+            <a:r>
+              <a:rPr lang="en-US" sz="1600" dirty="0"/>
+              <a:t>but </a:t>
+            </a:r>
+            <a:r>
+              <a:rPr lang="en-US" sz="1600" dirty="0" smtClean="0"/>
+              <a:t>extendible solution of performance management.</a:t>
+            </a:r>
+          </a:p>
+          <a:p>
+            <a:r>
+              <a:rPr lang="en-US" sz="1600" dirty="0" smtClean="0"/>
+              <a:t>In the solution, there are 3 main parts</a:t>
+            </a:r>
+          </a:p>
+          <a:p>
+            <a:pPr marL="571500" lvl="1" indent="-342900">
+              <a:buFont typeface="+mj-lt"/>
+              <a:buAutoNum type="alphaLcParenR"/>
+            </a:pPr>
+            <a:r>
+              <a:rPr lang="en-US" sz="1400" dirty="0" smtClean="0"/>
+              <a:t> OSSP Server (data collection) </a:t>
+            </a:r>
+          </a:p>
+          <a:p>
+            <a:pPr marL="571500" lvl="1" indent="-342900">
+              <a:buFont typeface="+mj-lt"/>
+              <a:buAutoNum type="alphaLcParenR"/>
+            </a:pPr>
+            <a:r>
+              <a:rPr lang="en-US" sz="1400" dirty="0" smtClean="0"/>
+              <a:t> OSSP console (control GUI in UOC)</a:t>
+            </a:r>
+          </a:p>
+          <a:p>
+            <a:pPr marL="571500" lvl="1" indent="-342900">
+              <a:buFont typeface="+mj-lt"/>
+              <a:buAutoNum type="alphaLcParenR"/>
+            </a:pPr>
+            <a:r>
+              <a:rPr lang="en-US" sz="1400" dirty="0"/>
+              <a:t> </a:t>
+            </a:r>
+            <a:r>
+              <a:rPr lang="en-US" sz="1400" dirty="0" smtClean="0"/>
+              <a:t>OSSP report packs (performance reports and dashboards in UOC or other report platforms).</a:t>
+            </a:r>
+          </a:p>
+          <a:p>
+            <a:r>
+              <a:rPr lang="en-US" sz="1600" dirty="0" smtClean="0"/>
+              <a:t>The solution bases on Neo4J database, which provides high performance on massive data.</a:t>
+            </a:r>
+          </a:p>
+          <a:p>
+            <a:r>
+              <a:rPr lang="en-US" sz="1600" dirty="0" smtClean="0"/>
+              <a:t>In the prototype all modules are developed in JavaScript (NodeJS &amp; AngularJS), while customized collectors can be developed in JAVA  or Scala.</a:t>
+            </a:r>
+          </a:p>
+          <a:p>
+            <a:r>
+              <a:rPr lang="en-US" sz="1600" dirty="0"/>
+              <a:t>The control GUI is develop on HPE UOC framework.</a:t>
+            </a:r>
+          </a:p>
+          <a:p>
+            <a:r>
+              <a:rPr lang="en-US" sz="1600" dirty="0" smtClean="0"/>
+              <a:t>Most function modules work independently, they all provide REST APIs for CONTROL and MONITOR.</a:t>
+            </a:r>
+          </a:p>
+          <a:p>
+            <a:r>
+              <a:rPr lang="en-US" sz="1600" dirty="0" smtClean="0"/>
+              <a:t>Collector able to collect performance data ( and log files) from NE, EMS, Application via different protocols.</a:t>
+            </a:r>
+          </a:p>
+          <a:p>
+            <a:r>
+              <a:rPr lang="en-US" sz="1600" dirty="0" smtClean="0"/>
+              <a:t>* Only </a:t>
+            </a:r>
+            <a:r>
+              <a:rPr lang="en-US" sz="1600" dirty="0"/>
+              <a:t>raw counters are stored in the Neo4J, all calculations are runtime. </a:t>
+            </a:r>
+          </a:p>
+          <a:p>
+            <a:endParaRPr lang="en-US" sz="1600" dirty="0" smtClean="0"/>
+          </a:p>
+          <a:p>
+            <a:pPr marL="0" indent="0">
+              <a:buNone/>
+            </a:pPr>
+            <a:endParaRPr lang="en-US" sz="1600" dirty="0" smtClean="0"/>
+          </a:p>
+          <a:p>
+            <a:endParaRPr lang="en-US" sz="1600" dirty="0" smtClean="0"/>
+          </a:p>
+          <a:p>
+            <a:endParaRPr lang="en-US" sz="1600" dirty="0"/>
+          </a:p>
+          <a:p>
+            <a:pPr lvl="1"/>
+            <a:endParaRPr lang="en-US" sz="1400" dirty="0" smtClean="0"/>
+          </a:p>
+          <a:p>
+            <a:endParaRPr lang="en-US" sz="1600" dirty="0" smtClean="0"/>
+          </a:p>
+          <a:p>
+            <a:endParaRPr lang="en-US" sz="1600" dirty="0"/>
+          </a:p>
+        </p:txBody>
+      </p:sp>
+      <p:sp>
+        <p:nvSpPr>
+          <p:cNvPr id="4" name="Slide Number Placeholder 3"/>
+          <p:cNvSpPr>
+            <a:spLocks noGrp="1"/>
+          </p:cNvSpPr>
+          <p:nvPr>
+            <p:ph type="sldNum" sz="quarter" idx="12"/>
+          </p:nvPr>
+        </p:nvSpPr>
+        <p:spPr>
+          <a:xfrm>
+            <a:off x="11049000" y="6430868"/>
+            <a:ext cx="533399" cy="232147"/>
+          </a:xfrm>
+        </p:spPr>
+        <p:txBody>
+          <a:bodyPr/>
+          <a:lstStyle/>
+          <a:p>
+            <a:fld id="{B016F8AB-BCEA-4347-8BA6-BE776009BC89}" type="slidenum">
+              <a:rPr lang="en-US" smtClean="0"/>
+              <a:t>2</a:t>
+            </a:fld>
+            <a:endParaRPr lang="en-US"/>
+          </a:p>
+        </p:txBody>
+      </p:sp>
+    </p:spTree>
+    <p:extLst>
+      <p:ext uri="{BB962C8B-B14F-4D97-AF65-F5344CB8AC3E}">
+        <p14:creationId xmlns:p14="http://schemas.microsoft.com/office/powerpoint/2010/main" val="3706688682"/>
+      </p:ext>
+    </p:extLst>
+  </p:cSld>
+  <p:clrMapOvr>
+    <a:masterClrMapping/>
+  </p:clrMapOvr>
+  <mc:AlternateContent xmlns:mc="http://schemas.openxmlformats.org/markup-compatibility/2006" xmlns:p14="http://schemas.microsoft.com/office/powerpoint/2010/main">
+    <mc:Choice Requires="p14">
+      <p:transition spd="med" p14:dur="700">
+        <p:fade/>
+      </p:transition>
+    </mc:Choice>
+    <mc:Fallback xmlns="">
+      <p:transition spd="med">
+        <p:fade/>
+      </p:transition>
+    </mc:Fallback>
+  </mc:AlternateContent>
+  <p:timing>
+    <p:tnLst>
+      <p:par>
+        <p:cTn id="1" dur="indefinite" restart="never" nodeType="tmRoot"/>
+      </p:par>
+    </p:tnLst>
+  </p:timing>
+</p:sld>
+</file>
+
+<file path=ppt/slides/slide20.xml><?xml version="1.0" encoding="utf-8"?>
 <p:sld xmlns:a="http://schemas.openxmlformats.org/drawingml/2006/main" xmlns:r="http://schemas.openxmlformats.org/officeDocument/2006/relationships" xmlns:p="http://schemas.openxmlformats.org/presentationml/2006/main">
   <p:cSld>
     <p:spTree>
@@ -42125,7 +45321,7 @@
             <a:fld id="{B016F8AB-BCEA-4347-8BA6-BE776009BC89}" type="slidenum">
               <a:rPr lang="en-US" smtClean="0"/>
               <a:pPr/>
-              <a:t>14</a:t>
+              <a:t>20</a:t>
             </a:fld>
             <a:endParaRPr lang="en-US"/>
           </a:p>
@@ -42187,7 +45383,7 @@
 </p:sld>
 </file>
 
-<file path=ppt/slides/slide15.xml><?xml version="1.0" encoding="utf-8"?>
+<file path=ppt/slides/slide21.xml><?xml version="1.0" encoding="utf-8"?>
 <p:sld xmlns:a="http://schemas.openxmlformats.org/drawingml/2006/main" xmlns:r="http://schemas.openxmlformats.org/officeDocument/2006/relationships" xmlns:p="http://schemas.openxmlformats.org/presentationml/2006/main">
   <p:cSld>
     <p:spTree>
@@ -42373,7 +45569,7 @@
             <a:fld id="{B016F8AB-BCEA-4347-8BA6-BE776009BC89}" type="slidenum">
               <a:rPr lang="en-US" smtClean="0"/>
               <a:pPr/>
-              <a:t>15</a:t>
+              <a:t>21</a:t>
             </a:fld>
             <a:endParaRPr lang="en-US"/>
           </a:p>
@@ -42404,7 +45600,7 @@
 </p:sld>
 </file>
 
-<file path=ppt/slides/slide16.xml><?xml version="1.0" encoding="utf-8"?>
+<file path=ppt/slides/slide22.xml><?xml version="1.0" encoding="utf-8"?>
 <p:sld xmlns:a="http://schemas.openxmlformats.org/drawingml/2006/main" xmlns:r="http://schemas.openxmlformats.org/officeDocument/2006/relationships" xmlns:p="http://schemas.openxmlformats.org/presentationml/2006/main">
   <p:cSld>
     <p:spTree>
@@ -42438,1994 +45634,6 @@
           <a:p>
             <a:r>
               <a:rPr lang="en-US" dirty="0" smtClean="0"/>
-              <a:t>SNMP Collector</a:t>
-            </a:r>
-            <a:endParaRPr lang="en-US" dirty="0"/>
-          </a:p>
-        </p:txBody>
-      </p:sp>
-      <p:sp>
-        <p:nvSpPr>
-          <p:cNvPr id="3" name="Content Placeholder 2"/>
-          <p:cNvSpPr>
-            <a:spLocks noGrp="1"/>
-          </p:cNvSpPr>
-          <p:nvPr>
-            <p:ph idx="1"/>
-          </p:nvPr>
-        </p:nvSpPr>
-        <p:spPr/>
-        <p:txBody>
-          <a:bodyPr/>
-          <a:lstStyle/>
-          <a:p>
-            <a:r>
-              <a:rPr lang="en-US" dirty="0" smtClean="0"/>
-              <a:t>SNMP can collect data by snmpget or </a:t>
-            </a:r>
-            <a:r>
-              <a:rPr lang="en-US" dirty="0" err="1" smtClean="0"/>
-              <a:t>snmpwalk</a:t>
-            </a:r>
-            <a:r>
-              <a:rPr lang="en-US" dirty="0" smtClean="0"/>
-              <a:t>.</a:t>
-            </a:r>
-          </a:p>
-          <a:p>
-            <a:r>
-              <a:rPr lang="en-US" dirty="0" smtClean="0"/>
-              <a:t>The SNMP collector has a configuration file which define the host and collection OIDs.</a:t>
-            </a:r>
-          </a:p>
-          <a:p>
-            <a:r>
-              <a:rPr lang="en-US" dirty="0" smtClean="0"/>
-              <a:t> Different with CSV collector:</a:t>
-            </a:r>
-          </a:p>
-          <a:p>
-            <a:pPr lvl="1"/>
-            <a:r>
-              <a:rPr lang="en-US" dirty="0" smtClean="0"/>
-              <a:t>The SNMP collector will register the KPIs in by itself</a:t>
-            </a:r>
-          </a:p>
-          <a:p>
-            <a:pPr lvl="1"/>
-            <a:r>
-              <a:rPr lang="en-US" dirty="0" smtClean="0"/>
-              <a:t>The KPI could be calculated or aggregated before ingestion.</a:t>
-            </a:r>
-            <a:endParaRPr lang="en-US" dirty="0"/>
-          </a:p>
-        </p:txBody>
-      </p:sp>
-      <p:sp>
-        <p:nvSpPr>
-          <p:cNvPr id="4" name="Slide Number Placeholder 3"/>
-          <p:cNvSpPr>
-            <a:spLocks noGrp="1"/>
-          </p:cNvSpPr>
-          <p:nvPr>
-            <p:ph type="sldNum" sz="quarter" idx="12"/>
-          </p:nvPr>
-        </p:nvSpPr>
-        <p:spPr/>
-        <p:txBody>
-          <a:bodyPr/>
-          <a:lstStyle/>
-          <a:p>
-            <a:fld id="{B016F8AB-BCEA-4347-8BA6-BE776009BC89}" type="slidenum">
-              <a:rPr lang="en-US" smtClean="0"/>
-              <a:pPr/>
-              <a:t>16</a:t>
-            </a:fld>
-            <a:endParaRPr lang="en-US"/>
-          </a:p>
-        </p:txBody>
-      </p:sp>
-      <p:sp>
-        <p:nvSpPr>
-          <p:cNvPr id="5" name="Rectangle 1"/>
-          <p:cNvSpPr>
-            <a:spLocks noChangeArrowheads="1"/>
-          </p:cNvSpPr>
-          <p:nvPr/>
-        </p:nvSpPr>
-        <p:spPr bwMode="auto">
-          <a:xfrm>
-            <a:off x="7962899" y="2183551"/>
-            <a:ext cx="3352800" cy="4247317"/>
-          </a:xfrm>
-          <a:prstGeom prst="rect">
-            <a:avLst/>
-          </a:prstGeom>
-          <a:ln/>
-        </p:spPr>
-        <p:style>
-          <a:lnRef idx="2">
-            <a:schemeClr val="accent1"/>
-          </a:lnRef>
-          <a:fillRef idx="1">
-            <a:schemeClr val="lt1"/>
-          </a:fillRef>
-          <a:effectRef idx="0">
-            <a:schemeClr val="accent1"/>
-          </a:effectRef>
-          <a:fontRef idx="minor">
-            <a:schemeClr val="dk1"/>
-          </a:fontRef>
-        </p:style>
-        <p:txBody>
-          <a:bodyPr vert="horz" wrap="square" lIns="91440" tIns="45720" rIns="91440" bIns="45720" numCol="1" anchor="ctr" anchorCtr="0" compatLnSpc="1">
-            <a:prstTxWarp prst="textNoShape">
-              <a:avLst/>
-            </a:prstTxWarp>
-            <a:spAutoFit/>
-          </a:bodyPr>
-          <a:lstStyle/>
-          <a:p>
-            <a:pPr marL="0" marR="0" lvl="0" indent="0" algn="l" defTabSz="914400" rtl="0" eaLnBrk="0" fontAlgn="base" latinLnBrk="0" hangingPunct="0">
-              <a:lnSpc>
-                <a:spcPct val="100000"/>
-              </a:lnSpc>
-              <a:spcBef>
-                <a:spcPct val="0"/>
-              </a:spcBef>
-              <a:spcAft>
-                <a:spcPct val="0"/>
-              </a:spcAft>
-              <a:buClrTx/>
-              <a:buSzTx/>
-              <a:buFontTx/>
-              <a:buNone/>
-              <a:tabLst/>
-            </a:pPr>
-            <a:r>
-              <a:rPr kumimoji="0" lang="en-US" altLang="en-US" sz="1000" b="1" i="0" u="none" strike="noStrike" cap="none" normalizeH="0" baseline="0" dirty="0" smtClean="0">
-                <a:ln>
-                  <a:noFill/>
-                </a:ln>
-                <a:solidFill>
-                  <a:srgbClr val="660E7A"/>
-                </a:solidFill>
-                <a:effectLst/>
-                <a:latin typeface="Consolas" panose="020B0609020204030204" pitchFamily="49" charset="0"/>
-                <a:cs typeface="Consolas" panose="020B0609020204030204" pitchFamily="49" charset="0"/>
-              </a:rPr>
-              <a:t>"</a:t>
-            </a:r>
-            <a:r>
-              <a:rPr kumimoji="0" lang="en-US" altLang="en-US" sz="1000" b="1" i="0" u="none" strike="noStrike" cap="none" normalizeH="0" baseline="0" dirty="0" err="1" smtClean="0">
-                <a:ln>
-                  <a:noFill/>
-                </a:ln>
-                <a:solidFill>
-                  <a:srgbClr val="660E7A"/>
-                </a:solidFill>
-                <a:effectLst/>
-                <a:latin typeface="Consolas" panose="020B0609020204030204" pitchFamily="49" charset="0"/>
-                <a:cs typeface="Consolas" panose="020B0609020204030204" pitchFamily="49" charset="0"/>
-              </a:rPr>
-              <a:t>device_info</a:t>
-            </a:r>
-            <a:r>
-              <a:rPr kumimoji="0" lang="en-US" altLang="en-US" sz="1000" b="1" i="0" u="none" strike="noStrike" cap="none" normalizeH="0" baseline="0" dirty="0" smtClean="0">
-                <a:ln>
-                  <a:noFill/>
-                </a:ln>
-                <a:solidFill>
-                  <a:srgbClr val="660E7A"/>
-                </a:solidFill>
-                <a:effectLst/>
-                <a:latin typeface="Consolas" panose="020B0609020204030204" pitchFamily="49" charset="0"/>
-                <a:cs typeface="Consolas" panose="020B0609020204030204" pitchFamily="49" charset="0"/>
-              </a:rPr>
-              <a:t>"</a:t>
-            </a:r>
-            <a:r>
-              <a:rPr kumimoji="0" lang="en-US" altLang="en-US" sz="1000" b="0" i="0" u="none" strike="noStrike" cap="none" normalizeH="0" baseline="0" dirty="0" smtClean="0">
-                <a:ln>
-                  <a:noFill/>
-                </a:ln>
-                <a:solidFill>
-                  <a:srgbClr val="000000"/>
-                </a:solidFill>
-                <a:effectLst/>
-                <a:latin typeface="Consolas" panose="020B0609020204030204" pitchFamily="49" charset="0"/>
-                <a:cs typeface="Consolas" panose="020B0609020204030204" pitchFamily="49" charset="0"/>
-              </a:rPr>
-              <a:t>: {</a:t>
-            </a:r>
-            <a:br>
-              <a:rPr kumimoji="0" lang="en-US" altLang="en-US" sz="1000" b="0" i="0" u="none" strike="noStrike" cap="none" normalizeH="0" baseline="0" dirty="0" smtClean="0">
-                <a:ln>
-                  <a:noFill/>
-                </a:ln>
-                <a:solidFill>
-                  <a:srgbClr val="000000"/>
-                </a:solidFill>
-                <a:effectLst/>
-                <a:latin typeface="Consolas" panose="020B0609020204030204" pitchFamily="49" charset="0"/>
-                <a:cs typeface="Consolas" panose="020B0609020204030204" pitchFamily="49" charset="0"/>
-              </a:rPr>
-            </a:br>
-            <a:r>
-              <a:rPr kumimoji="0" lang="en-US" altLang="en-US" sz="1000" b="0" i="0" u="none" strike="noStrike" cap="none" normalizeH="0" baseline="0" dirty="0" smtClean="0">
-                <a:ln>
-                  <a:noFill/>
-                </a:ln>
-                <a:solidFill>
-                  <a:srgbClr val="000000"/>
-                </a:solidFill>
-                <a:effectLst/>
-                <a:latin typeface="Consolas" panose="020B0609020204030204" pitchFamily="49" charset="0"/>
-                <a:cs typeface="Consolas" panose="020B0609020204030204" pitchFamily="49" charset="0"/>
-              </a:rPr>
-              <a:t>  </a:t>
-            </a:r>
-            <a:r>
-              <a:rPr kumimoji="0" lang="en-US" altLang="en-US" sz="1000" b="1" i="0" u="none" strike="noStrike" cap="none" normalizeH="0" baseline="0" dirty="0" smtClean="0">
-                <a:ln>
-                  <a:noFill/>
-                </a:ln>
-                <a:solidFill>
-                  <a:srgbClr val="660E7A"/>
-                </a:solidFill>
-                <a:effectLst/>
-                <a:latin typeface="Consolas" panose="020B0609020204030204" pitchFamily="49" charset="0"/>
-                <a:cs typeface="Consolas" panose="020B0609020204030204" pitchFamily="49" charset="0"/>
-              </a:rPr>
-              <a:t>"type"</a:t>
-            </a:r>
-            <a:r>
-              <a:rPr kumimoji="0" lang="en-US" altLang="en-US" sz="1000" b="0" i="0" u="none" strike="noStrike" cap="none" normalizeH="0" baseline="0" dirty="0" smtClean="0">
-                <a:ln>
-                  <a:noFill/>
-                </a:ln>
-                <a:solidFill>
-                  <a:srgbClr val="000000"/>
-                </a:solidFill>
-                <a:effectLst/>
-                <a:latin typeface="Consolas" panose="020B0609020204030204" pitchFamily="49" charset="0"/>
-                <a:cs typeface="Consolas" panose="020B0609020204030204" pitchFamily="49" charset="0"/>
-              </a:rPr>
-              <a:t>: </a:t>
-            </a:r>
-            <a:r>
-              <a:rPr kumimoji="0" lang="en-US" altLang="en-US" sz="1000" b="1" i="0" u="none" strike="noStrike" cap="none" normalizeH="0" baseline="0" dirty="0" smtClean="0">
-                <a:ln>
-                  <a:noFill/>
-                </a:ln>
-                <a:solidFill>
-                  <a:srgbClr val="008000"/>
-                </a:solidFill>
-                <a:effectLst/>
-                <a:latin typeface="Consolas" panose="020B0609020204030204" pitchFamily="49" charset="0"/>
-                <a:cs typeface="Consolas" panose="020B0609020204030204" pitchFamily="49" charset="0"/>
-              </a:rPr>
-              <a:t>"</a:t>
-            </a:r>
-            <a:r>
-              <a:rPr kumimoji="0" lang="en-US" altLang="en-US" sz="1000" b="1" i="0" u="none" strike="noStrike" cap="none" normalizeH="0" baseline="0" dirty="0" err="1" smtClean="0">
-                <a:ln>
-                  <a:noFill/>
-                </a:ln>
-                <a:solidFill>
-                  <a:srgbClr val="008000"/>
-                </a:solidFill>
-                <a:effectLst/>
-                <a:latin typeface="Consolas" panose="020B0609020204030204" pitchFamily="49" charset="0"/>
-                <a:cs typeface="Consolas" panose="020B0609020204030204" pitchFamily="49" charset="0"/>
-              </a:rPr>
-              <a:t>Windows_Host</a:t>
-            </a:r>
-            <a:r>
-              <a:rPr kumimoji="0" lang="en-US" altLang="en-US" sz="1000" b="1" i="0" u="none" strike="noStrike" cap="none" normalizeH="0" baseline="0" dirty="0" smtClean="0">
-                <a:ln>
-                  <a:noFill/>
-                </a:ln>
-                <a:solidFill>
-                  <a:srgbClr val="008000"/>
-                </a:solidFill>
-                <a:effectLst/>
-                <a:latin typeface="Consolas" panose="020B0609020204030204" pitchFamily="49" charset="0"/>
-                <a:cs typeface="Consolas" panose="020B0609020204030204" pitchFamily="49" charset="0"/>
-              </a:rPr>
-              <a:t>"</a:t>
-            </a:r>
-            <a:r>
-              <a:rPr kumimoji="0" lang="en-US" altLang="en-US" sz="1000" b="0" i="0" u="none" strike="noStrike" cap="none" normalizeH="0" baseline="0" dirty="0" smtClean="0">
-                <a:ln>
-                  <a:noFill/>
-                </a:ln>
-                <a:solidFill>
-                  <a:srgbClr val="000000"/>
-                </a:solidFill>
-                <a:effectLst/>
-                <a:latin typeface="Consolas" panose="020B0609020204030204" pitchFamily="49" charset="0"/>
-                <a:cs typeface="Consolas" panose="020B0609020204030204" pitchFamily="49" charset="0"/>
-              </a:rPr>
-              <a:t>,</a:t>
-            </a:r>
-            <a:br>
-              <a:rPr kumimoji="0" lang="en-US" altLang="en-US" sz="1000" b="0" i="0" u="none" strike="noStrike" cap="none" normalizeH="0" baseline="0" dirty="0" smtClean="0">
-                <a:ln>
-                  <a:noFill/>
-                </a:ln>
-                <a:solidFill>
-                  <a:srgbClr val="000000"/>
-                </a:solidFill>
-                <a:effectLst/>
-                <a:latin typeface="Consolas" panose="020B0609020204030204" pitchFamily="49" charset="0"/>
-                <a:cs typeface="Consolas" panose="020B0609020204030204" pitchFamily="49" charset="0"/>
-              </a:rPr>
-            </a:br>
-            <a:r>
-              <a:rPr kumimoji="0" lang="en-US" altLang="en-US" sz="1000" b="0" i="0" u="none" strike="noStrike" cap="none" normalizeH="0" baseline="0" dirty="0" smtClean="0">
-                <a:ln>
-                  <a:noFill/>
-                </a:ln>
-                <a:solidFill>
-                  <a:srgbClr val="000000"/>
-                </a:solidFill>
-                <a:effectLst/>
-                <a:latin typeface="Consolas" panose="020B0609020204030204" pitchFamily="49" charset="0"/>
-                <a:cs typeface="Consolas" panose="020B0609020204030204" pitchFamily="49" charset="0"/>
-              </a:rPr>
-              <a:t>  </a:t>
-            </a:r>
-            <a:r>
-              <a:rPr kumimoji="0" lang="en-US" altLang="en-US" sz="1000" b="1" i="0" u="none" strike="noStrike" cap="none" normalizeH="0" baseline="0" dirty="0" smtClean="0">
-                <a:ln>
-                  <a:noFill/>
-                </a:ln>
-                <a:solidFill>
-                  <a:srgbClr val="660E7A"/>
-                </a:solidFill>
-                <a:effectLst/>
-                <a:latin typeface="Consolas" panose="020B0609020204030204" pitchFamily="49" charset="0"/>
-                <a:cs typeface="Consolas" panose="020B0609020204030204" pitchFamily="49" charset="0"/>
-              </a:rPr>
-              <a:t>"name"</a:t>
-            </a:r>
-            <a:r>
-              <a:rPr kumimoji="0" lang="en-US" altLang="en-US" sz="1000" b="0" i="0" u="none" strike="noStrike" cap="none" normalizeH="0" baseline="0" dirty="0" smtClean="0">
-                <a:ln>
-                  <a:noFill/>
-                </a:ln>
-                <a:solidFill>
-                  <a:srgbClr val="000000"/>
-                </a:solidFill>
-                <a:effectLst/>
-                <a:latin typeface="Consolas" panose="020B0609020204030204" pitchFamily="49" charset="0"/>
-                <a:cs typeface="Consolas" panose="020B0609020204030204" pitchFamily="49" charset="0"/>
-              </a:rPr>
-              <a:t>: </a:t>
-            </a:r>
-            <a:r>
-              <a:rPr kumimoji="0" lang="en-US" altLang="en-US" sz="1000" b="1" i="0" u="none" strike="noStrike" cap="none" normalizeH="0" baseline="0" dirty="0" smtClean="0">
-                <a:ln>
-                  <a:noFill/>
-                </a:ln>
-                <a:solidFill>
-                  <a:srgbClr val="008000"/>
-                </a:solidFill>
-                <a:effectLst/>
-                <a:latin typeface="Consolas" panose="020B0609020204030204" pitchFamily="49" charset="0"/>
-                <a:cs typeface="Consolas" panose="020B0609020204030204" pitchFamily="49" charset="0"/>
-              </a:rPr>
-              <a:t>"localhost"</a:t>
-            </a:r>
-            <a:r>
-              <a:rPr kumimoji="0" lang="en-US" altLang="en-US" sz="1000" b="0" i="0" u="none" strike="noStrike" cap="none" normalizeH="0" baseline="0" dirty="0" smtClean="0">
-                <a:ln>
-                  <a:noFill/>
-                </a:ln>
-                <a:solidFill>
-                  <a:srgbClr val="000000"/>
-                </a:solidFill>
-                <a:effectLst/>
-                <a:latin typeface="Consolas" panose="020B0609020204030204" pitchFamily="49" charset="0"/>
-                <a:cs typeface="Consolas" panose="020B0609020204030204" pitchFamily="49" charset="0"/>
-              </a:rPr>
-              <a:t>,</a:t>
-            </a:r>
-            <a:br>
-              <a:rPr kumimoji="0" lang="en-US" altLang="en-US" sz="1000" b="0" i="0" u="none" strike="noStrike" cap="none" normalizeH="0" baseline="0" dirty="0" smtClean="0">
-                <a:ln>
-                  <a:noFill/>
-                </a:ln>
-                <a:solidFill>
-                  <a:srgbClr val="000000"/>
-                </a:solidFill>
-                <a:effectLst/>
-                <a:latin typeface="Consolas" panose="020B0609020204030204" pitchFamily="49" charset="0"/>
-                <a:cs typeface="Consolas" panose="020B0609020204030204" pitchFamily="49" charset="0"/>
-              </a:rPr>
-            </a:br>
-            <a:r>
-              <a:rPr kumimoji="0" lang="en-US" altLang="en-US" sz="1000" b="0" i="0" u="none" strike="noStrike" cap="none" normalizeH="0" baseline="0" dirty="0" smtClean="0">
-                <a:ln>
-                  <a:noFill/>
-                </a:ln>
-                <a:solidFill>
-                  <a:srgbClr val="000000"/>
-                </a:solidFill>
-                <a:effectLst/>
-                <a:latin typeface="Consolas" panose="020B0609020204030204" pitchFamily="49" charset="0"/>
-                <a:cs typeface="Consolas" panose="020B0609020204030204" pitchFamily="49" charset="0"/>
-              </a:rPr>
-              <a:t>  </a:t>
-            </a:r>
-            <a:r>
-              <a:rPr kumimoji="0" lang="en-US" altLang="en-US" sz="1000" b="1" i="0" u="none" strike="noStrike" cap="none" normalizeH="0" baseline="0" dirty="0" smtClean="0">
-                <a:ln>
-                  <a:noFill/>
-                </a:ln>
-                <a:solidFill>
-                  <a:srgbClr val="660E7A"/>
-                </a:solidFill>
-                <a:effectLst/>
-                <a:latin typeface="Consolas" panose="020B0609020204030204" pitchFamily="49" charset="0"/>
-                <a:cs typeface="Consolas" panose="020B0609020204030204" pitchFamily="49" charset="0"/>
-              </a:rPr>
-              <a:t>"IP"</a:t>
-            </a:r>
-            <a:r>
-              <a:rPr kumimoji="0" lang="en-US" altLang="en-US" sz="1000" b="0" i="0" u="none" strike="noStrike" cap="none" normalizeH="0" baseline="0" dirty="0" smtClean="0">
-                <a:ln>
-                  <a:noFill/>
-                </a:ln>
-                <a:solidFill>
-                  <a:srgbClr val="000000"/>
-                </a:solidFill>
-                <a:effectLst/>
-                <a:latin typeface="Consolas" panose="020B0609020204030204" pitchFamily="49" charset="0"/>
-                <a:cs typeface="Consolas" panose="020B0609020204030204" pitchFamily="49" charset="0"/>
-              </a:rPr>
-              <a:t>: </a:t>
-            </a:r>
-            <a:r>
-              <a:rPr kumimoji="0" lang="en-US" altLang="en-US" sz="1000" b="1" i="0" u="none" strike="noStrike" cap="none" normalizeH="0" baseline="0" dirty="0" smtClean="0">
-                <a:ln>
-                  <a:noFill/>
-                </a:ln>
-                <a:solidFill>
-                  <a:srgbClr val="008000"/>
-                </a:solidFill>
-                <a:effectLst/>
-                <a:latin typeface="Consolas" panose="020B0609020204030204" pitchFamily="49" charset="0"/>
-                <a:cs typeface="Consolas" panose="020B0609020204030204" pitchFamily="49" charset="0"/>
-              </a:rPr>
-              <a:t>"127.0.0.1"</a:t>
-            </a:r>
-            <a:r>
-              <a:rPr kumimoji="0" lang="en-US" altLang="en-US" sz="1000" b="0" i="0" u="none" strike="noStrike" cap="none" normalizeH="0" baseline="0" dirty="0" smtClean="0">
-                <a:ln>
-                  <a:noFill/>
-                </a:ln>
-                <a:solidFill>
-                  <a:srgbClr val="000000"/>
-                </a:solidFill>
-                <a:effectLst/>
-                <a:latin typeface="Consolas" panose="020B0609020204030204" pitchFamily="49" charset="0"/>
-                <a:cs typeface="Consolas" panose="020B0609020204030204" pitchFamily="49" charset="0"/>
-              </a:rPr>
-              <a:t>,</a:t>
-            </a:r>
-            <a:br>
-              <a:rPr kumimoji="0" lang="en-US" altLang="en-US" sz="1000" b="0" i="0" u="none" strike="noStrike" cap="none" normalizeH="0" baseline="0" dirty="0" smtClean="0">
-                <a:ln>
-                  <a:noFill/>
-                </a:ln>
-                <a:solidFill>
-                  <a:srgbClr val="000000"/>
-                </a:solidFill>
-                <a:effectLst/>
-                <a:latin typeface="Consolas" panose="020B0609020204030204" pitchFamily="49" charset="0"/>
-                <a:cs typeface="Consolas" panose="020B0609020204030204" pitchFamily="49" charset="0"/>
-              </a:rPr>
-            </a:br>
-            <a:r>
-              <a:rPr kumimoji="0" lang="en-US" altLang="en-US" sz="1000" b="0" i="0" u="none" strike="noStrike" cap="none" normalizeH="0" baseline="0" dirty="0" smtClean="0">
-                <a:ln>
-                  <a:noFill/>
-                </a:ln>
-                <a:solidFill>
-                  <a:srgbClr val="000000"/>
-                </a:solidFill>
-                <a:effectLst/>
-                <a:latin typeface="Consolas" panose="020B0609020204030204" pitchFamily="49" charset="0"/>
-                <a:cs typeface="Consolas" panose="020B0609020204030204" pitchFamily="49" charset="0"/>
-              </a:rPr>
-              <a:t>  </a:t>
-            </a:r>
-            <a:r>
-              <a:rPr kumimoji="0" lang="en-US" altLang="en-US" sz="1000" b="1" i="0" u="none" strike="noStrike" cap="none" normalizeH="0" baseline="0" dirty="0" smtClean="0">
-                <a:ln>
-                  <a:noFill/>
-                </a:ln>
-                <a:solidFill>
-                  <a:srgbClr val="660E7A"/>
-                </a:solidFill>
-                <a:effectLst/>
-                <a:latin typeface="Consolas" panose="020B0609020204030204" pitchFamily="49" charset="0"/>
-                <a:cs typeface="Consolas" panose="020B0609020204030204" pitchFamily="49" charset="0"/>
-              </a:rPr>
-              <a:t>"community"</a:t>
-            </a:r>
-            <a:r>
-              <a:rPr kumimoji="0" lang="en-US" altLang="en-US" sz="1000" b="0" i="0" u="none" strike="noStrike" cap="none" normalizeH="0" baseline="0" dirty="0" smtClean="0">
-                <a:ln>
-                  <a:noFill/>
-                </a:ln>
-                <a:solidFill>
-                  <a:srgbClr val="000000"/>
-                </a:solidFill>
-                <a:effectLst/>
-                <a:latin typeface="Consolas" panose="020B0609020204030204" pitchFamily="49" charset="0"/>
-                <a:cs typeface="Consolas" panose="020B0609020204030204" pitchFamily="49" charset="0"/>
-              </a:rPr>
-              <a:t>: </a:t>
-            </a:r>
-            <a:r>
-              <a:rPr kumimoji="0" lang="en-US" altLang="en-US" sz="1000" b="1" i="0" u="none" strike="noStrike" cap="none" normalizeH="0" baseline="0" dirty="0" smtClean="0">
-                <a:ln>
-                  <a:noFill/>
-                </a:ln>
-                <a:solidFill>
-                  <a:srgbClr val="008000"/>
-                </a:solidFill>
-                <a:effectLst/>
-                <a:latin typeface="Consolas" panose="020B0609020204030204" pitchFamily="49" charset="0"/>
-                <a:cs typeface="Consolas" panose="020B0609020204030204" pitchFamily="49" charset="0"/>
-              </a:rPr>
-              <a:t>"public"</a:t>
-            </a:r>
-            <a:r>
-              <a:rPr kumimoji="0" lang="en-US" altLang="en-US" sz="1000" b="0" i="0" u="none" strike="noStrike" cap="none" normalizeH="0" baseline="0" dirty="0" smtClean="0">
-                <a:ln>
-                  <a:noFill/>
-                </a:ln>
-                <a:solidFill>
-                  <a:srgbClr val="000000"/>
-                </a:solidFill>
-                <a:effectLst/>
-                <a:latin typeface="Consolas" panose="020B0609020204030204" pitchFamily="49" charset="0"/>
-                <a:cs typeface="Consolas" panose="020B0609020204030204" pitchFamily="49" charset="0"/>
-              </a:rPr>
-              <a:t>,</a:t>
-            </a:r>
-            <a:br>
-              <a:rPr kumimoji="0" lang="en-US" altLang="en-US" sz="1000" b="0" i="0" u="none" strike="noStrike" cap="none" normalizeH="0" baseline="0" dirty="0" smtClean="0">
-                <a:ln>
-                  <a:noFill/>
-                </a:ln>
-                <a:solidFill>
-                  <a:srgbClr val="000000"/>
-                </a:solidFill>
-                <a:effectLst/>
-                <a:latin typeface="Consolas" panose="020B0609020204030204" pitchFamily="49" charset="0"/>
-                <a:cs typeface="Consolas" panose="020B0609020204030204" pitchFamily="49" charset="0"/>
-              </a:rPr>
-            </a:br>
-            <a:r>
-              <a:rPr kumimoji="0" lang="en-US" altLang="en-US" sz="1000" b="0" i="0" u="none" strike="noStrike" cap="none" normalizeH="0" baseline="0" dirty="0" smtClean="0">
-                <a:ln>
-                  <a:noFill/>
-                </a:ln>
-                <a:solidFill>
-                  <a:srgbClr val="000000"/>
-                </a:solidFill>
-                <a:effectLst/>
-                <a:latin typeface="Consolas" panose="020B0609020204030204" pitchFamily="49" charset="0"/>
-                <a:cs typeface="Consolas" panose="020B0609020204030204" pitchFamily="49" charset="0"/>
-              </a:rPr>
-              <a:t>  </a:t>
-            </a:r>
-            <a:r>
-              <a:rPr kumimoji="0" lang="en-US" altLang="en-US" sz="1000" b="1" i="0" u="none" strike="noStrike" cap="none" normalizeH="0" baseline="0" dirty="0" smtClean="0">
-                <a:ln>
-                  <a:noFill/>
-                </a:ln>
-                <a:solidFill>
-                  <a:srgbClr val="660E7A"/>
-                </a:solidFill>
-                <a:effectLst/>
-                <a:latin typeface="Consolas" panose="020B0609020204030204" pitchFamily="49" charset="0"/>
-                <a:cs typeface="Consolas" panose="020B0609020204030204" pitchFamily="49" charset="0"/>
-              </a:rPr>
-              <a:t>"version"</a:t>
-            </a:r>
-            <a:r>
-              <a:rPr kumimoji="0" lang="en-US" altLang="en-US" sz="1000" b="0" i="0" u="none" strike="noStrike" cap="none" normalizeH="0" baseline="0" dirty="0" smtClean="0">
-                <a:ln>
-                  <a:noFill/>
-                </a:ln>
-                <a:solidFill>
-                  <a:srgbClr val="000000"/>
-                </a:solidFill>
-                <a:effectLst/>
-                <a:latin typeface="Consolas" panose="020B0609020204030204" pitchFamily="49" charset="0"/>
-                <a:cs typeface="Consolas" panose="020B0609020204030204" pitchFamily="49" charset="0"/>
-              </a:rPr>
-              <a:t>: </a:t>
-            </a:r>
-            <a:r>
-              <a:rPr kumimoji="0" lang="en-US" altLang="en-US" sz="1000" b="1" i="0" u="none" strike="noStrike" cap="none" normalizeH="0" baseline="0" dirty="0" smtClean="0">
-                <a:ln>
-                  <a:noFill/>
-                </a:ln>
-                <a:solidFill>
-                  <a:srgbClr val="008000"/>
-                </a:solidFill>
-                <a:effectLst/>
-                <a:latin typeface="Consolas" panose="020B0609020204030204" pitchFamily="49" charset="0"/>
-                <a:cs typeface="Consolas" panose="020B0609020204030204" pitchFamily="49" charset="0"/>
-              </a:rPr>
-              <a:t>"2c"</a:t>
-            </a:r>
-            <a:br>
-              <a:rPr kumimoji="0" lang="en-US" altLang="en-US" sz="1000" b="1" i="0" u="none" strike="noStrike" cap="none" normalizeH="0" baseline="0" dirty="0" smtClean="0">
-                <a:ln>
-                  <a:noFill/>
-                </a:ln>
-                <a:solidFill>
-                  <a:srgbClr val="008000"/>
-                </a:solidFill>
-                <a:effectLst/>
-                <a:latin typeface="Consolas" panose="020B0609020204030204" pitchFamily="49" charset="0"/>
-                <a:cs typeface="Consolas" panose="020B0609020204030204" pitchFamily="49" charset="0"/>
-              </a:rPr>
-            </a:br>
-            <a:r>
-              <a:rPr kumimoji="0" lang="en-US" altLang="en-US" sz="1000" b="0" i="0" u="none" strike="noStrike" cap="none" normalizeH="0" baseline="0" dirty="0" smtClean="0">
-                <a:ln>
-                  <a:noFill/>
-                </a:ln>
-                <a:solidFill>
-                  <a:srgbClr val="000000"/>
-                </a:solidFill>
-                <a:effectLst/>
-                <a:latin typeface="Consolas" panose="020B0609020204030204" pitchFamily="49" charset="0"/>
-                <a:cs typeface="Consolas" panose="020B0609020204030204" pitchFamily="49" charset="0"/>
-              </a:rPr>
-              <a:t>},</a:t>
-            </a:r>
-            <a:br>
-              <a:rPr kumimoji="0" lang="en-US" altLang="en-US" sz="1000" b="0" i="0" u="none" strike="noStrike" cap="none" normalizeH="0" baseline="0" dirty="0" smtClean="0">
-                <a:ln>
-                  <a:noFill/>
-                </a:ln>
-                <a:solidFill>
-                  <a:srgbClr val="000000"/>
-                </a:solidFill>
-                <a:effectLst/>
-                <a:latin typeface="Consolas" panose="020B0609020204030204" pitchFamily="49" charset="0"/>
-                <a:cs typeface="Consolas" panose="020B0609020204030204" pitchFamily="49" charset="0"/>
-              </a:rPr>
-            </a:br>
-            <a:r>
-              <a:rPr kumimoji="0" lang="en-US" altLang="en-US" sz="1000" b="1" i="0" u="none" strike="noStrike" cap="none" normalizeH="0" baseline="0" dirty="0" smtClean="0">
-                <a:ln>
-                  <a:noFill/>
-                </a:ln>
-                <a:solidFill>
-                  <a:srgbClr val="660E7A"/>
-                </a:solidFill>
-                <a:effectLst/>
-                <a:latin typeface="Consolas" panose="020B0609020204030204" pitchFamily="49" charset="0"/>
-                <a:cs typeface="Consolas" panose="020B0609020204030204" pitchFamily="49" charset="0"/>
-              </a:rPr>
-              <a:t>"OIDs"</a:t>
-            </a:r>
-            <a:r>
-              <a:rPr kumimoji="0" lang="en-US" altLang="en-US" sz="1000" b="0" i="0" u="none" strike="noStrike" cap="none" normalizeH="0" baseline="0" dirty="0" smtClean="0">
-                <a:ln>
-                  <a:noFill/>
-                </a:ln>
-                <a:solidFill>
-                  <a:srgbClr val="000000"/>
-                </a:solidFill>
-                <a:effectLst/>
-                <a:latin typeface="Consolas" panose="020B0609020204030204" pitchFamily="49" charset="0"/>
-                <a:cs typeface="Consolas" panose="020B0609020204030204" pitchFamily="49" charset="0"/>
-              </a:rPr>
-              <a:t>: [</a:t>
-            </a:r>
-            <a:br>
-              <a:rPr kumimoji="0" lang="en-US" altLang="en-US" sz="1000" b="0" i="0" u="none" strike="noStrike" cap="none" normalizeH="0" baseline="0" dirty="0" smtClean="0">
-                <a:ln>
-                  <a:noFill/>
-                </a:ln>
-                <a:solidFill>
-                  <a:srgbClr val="000000"/>
-                </a:solidFill>
-                <a:effectLst/>
-                <a:latin typeface="Consolas" panose="020B0609020204030204" pitchFamily="49" charset="0"/>
-                <a:cs typeface="Consolas" panose="020B0609020204030204" pitchFamily="49" charset="0"/>
-              </a:rPr>
-            </a:br>
-            <a:r>
-              <a:rPr kumimoji="0" lang="en-US" altLang="en-US" sz="1000" b="0" i="0" u="none" strike="noStrike" cap="none" normalizeH="0" baseline="0" dirty="0" smtClean="0">
-                <a:ln>
-                  <a:noFill/>
-                </a:ln>
-                <a:solidFill>
-                  <a:srgbClr val="000000"/>
-                </a:solidFill>
-                <a:effectLst/>
-                <a:latin typeface="Consolas" panose="020B0609020204030204" pitchFamily="49" charset="0"/>
-                <a:cs typeface="Consolas" panose="020B0609020204030204" pitchFamily="49" charset="0"/>
-              </a:rPr>
-              <a:t>  {</a:t>
-            </a:r>
-            <a:br>
-              <a:rPr kumimoji="0" lang="en-US" altLang="en-US" sz="1000" b="0" i="0" u="none" strike="noStrike" cap="none" normalizeH="0" baseline="0" dirty="0" smtClean="0">
-                <a:ln>
-                  <a:noFill/>
-                </a:ln>
-                <a:solidFill>
-                  <a:srgbClr val="000000"/>
-                </a:solidFill>
-                <a:effectLst/>
-                <a:latin typeface="Consolas" panose="020B0609020204030204" pitchFamily="49" charset="0"/>
-                <a:cs typeface="Consolas" panose="020B0609020204030204" pitchFamily="49" charset="0"/>
-              </a:rPr>
-            </a:br>
-            <a:r>
-              <a:rPr kumimoji="0" lang="en-US" altLang="en-US" sz="1000" b="0" i="0" u="none" strike="noStrike" cap="none" normalizeH="0" baseline="0" dirty="0" smtClean="0">
-                <a:ln>
-                  <a:noFill/>
-                </a:ln>
-                <a:solidFill>
-                  <a:srgbClr val="000000"/>
-                </a:solidFill>
-                <a:effectLst/>
-                <a:latin typeface="Consolas" panose="020B0609020204030204" pitchFamily="49" charset="0"/>
-                <a:cs typeface="Consolas" panose="020B0609020204030204" pitchFamily="49" charset="0"/>
-              </a:rPr>
-              <a:t>    </a:t>
-            </a:r>
-            <a:r>
-              <a:rPr kumimoji="0" lang="en-US" altLang="en-US" sz="1000" b="1" i="0" u="none" strike="noStrike" cap="none" normalizeH="0" baseline="0" dirty="0" smtClean="0">
-                <a:ln>
-                  <a:noFill/>
-                </a:ln>
-                <a:solidFill>
-                  <a:srgbClr val="660E7A"/>
-                </a:solidFill>
-                <a:effectLst/>
-                <a:latin typeface="Consolas" panose="020B0609020204030204" pitchFamily="49" charset="0"/>
-                <a:cs typeface="Consolas" panose="020B0609020204030204" pitchFamily="49" charset="0"/>
-              </a:rPr>
-              <a:t>"method"</a:t>
-            </a:r>
-            <a:r>
-              <a:rPr kumimoji="0" lang="en-US" altLang="en-US" sz="1000" b="0" i="0" u="none" strike="noStrike" cap="none" normalizeH="0" baseline="0" dirty="0" smtClean="0">
-                <a:ln>
-                  <a:noFill/>
-                </a:ln>
-                <a:solidFill>
-                  <a:srgbClr val="000000"/>
-                </a:solidFill>
-                <a:effectLst/>
-                <a:latin typeface="Consolas" panose="020B0609020204030204" pitchFamily="49" charset="0"/>
-                <a:cs typeface="Consolas" panose="020B0609020204030204" pitchFamily="49" charset="0"/>
-              </a:rPr>
-              <a:t>: </a:t>
-            </a:r>
-            <a:r>
-              <a:rPr kumimoji="0" lang="en-US" altLang="en-US" sz="1000" b="1" i="0" u="none" strike="noStrike" cap="none" normalizeH="0" baseline="0" dirty="0" smtClean="0">
-                <a:ln>
-                  <a:noFill/>
-                </a:ln>
-                <a:solidFill>
-                  <a:srgbClr val="008000"/>
-                </a:solidFill>
-                <a:effectLst/>
-                <a:latin typeface="Consolas" panose="020B0609020204030204" pitchFamily="49" charset="0"/>
-                <a:cs typeface="Consolas" panose="020B0609020204030204" pitchFamily="49" charset="0"/>
-              </a:rPr>
-              <a:t>"get"</a:t>
-            </a:r>
-            <a:r>
-              <a:rPr kumimoji="0" lang="en-US" altLang="en-US" sz="1000" b="0" i="0" u="none" strike="noStrike" cap="none" normalizeH="0" baseline="0" dirty="0" smtClean="0">
-                <a:ln>
-                  <a:noFill/>
-                </a:ln>
-                <a:solidFill>
-                  <a:srgbClr val="000000"/>
-                </a:solidFill>
-                <a:effectLst/>
-                <a:latin typeface="Consolas" panose="020B0609020204030204" pitchFamily="49" charset="0"/>
-                <a:cs typeface="Consolas" panose="020B0609020204030204" pitchFamily="49" charset="0"/>
-              </a:rPr>
-              <a:t>,</a:t>
-            </a:r>
-            <a:br>
-              <a:rPr kumimoji="0" lang="en-US" altLang="en-US" sz="1000" b="0" i="0" u="none" strike="noStrike" cap="none" normalizeH="0" baseline="0" dirty="0" smtClean="0">
-                <a:ln>
-                  <a:noFill/>
-                </a:ln>
-                <a:solidFill>
-                  <a:srgbClr val="000000"/>
-                </a:solidFill>
-                <a:effectLst/>
-                <a:latin typeface="Consolas" panose="020B0609020204030204" pitchFamily="49" charset="0"/>
-                <a:cs typeface="Consolas" panose="020B0609020204030204" pitchFamily="49" charset="0"/>
-              </a:rPr>
-            </a:br>
-            <a:r>
-              <a:rPr kumimoji="0" lang="en-US" altLang="en-US" sz="1000" b="0" i="0" u="none" strike="noStrike" cap="none" normalizeH="0" baseline="0" dirty="0" smtClean="0">
-                <a:ln>
-                  <a:noFill/>
-                </a:ln>
-                <a:solidFill>
-                  <a:srgbClr val="000000"/>
-                </a:solidFill>
-                <a:effectLst/>
-                <a:latin typeface="Consolas" panose="020B0609020204030204" pitchFamily="49" charset="0"/>
-                <a:cs typeface="Consolas" panose="020B0609020204030204" pitchFamily="49" charset="0"/>
-              </a:rPr>
-              <a:t>    </a:t>
-            </a:r>
-            <a:r>
-              <a:rPr kumimoji="0" lang="en-US" altLang="en-US" sz="1000" b="1" i="0" u="none" strike="noStrike" cap="none" normalizeH="0" baseline="0" dirty="0" smtClean="0">
-                <a:ln>
-                  <a:noFill/>
-                </a:ln>
-                <a:solidFill>
-                  <a:srgbClr val="660E7A"/>
-                </a:solidFill>
-                <a:effectLst/>
-                <a:latin typeface="Consolas" panose="020B0609020204030204" pitchFamily="49" charset="0"/>
-                <a:cs typeface="Consolas" panose="020B0609020204030204" pitchFamily="49" charset="0"/>
-              </a:rPr>
-              <a:t>"name"</a:t>
-            </a:r>
-            <a:r>
-              <a:rPr kumimoji="0" lang="en-US" altLang="en-US" sz="1000" b="0" i="0" u="none" strike="noStrike" cap="none" normalizeH="0" baseline="0" dirty="0" smtClean="0">
-                <a:ln>
-                  <a:noFill/>
-                </a:ln>
-                <a:solidFill>
-                  <a:srgbClr val="000000"/>
-                </a:solidFill>
-                <a:effectLst/>
-                <a:latin typeface="Consolas" panose="020B0609020204030204" pitchFamily="49" charset="0"/>
-                <a:cs typeface="Consolas" panose="020B0609020204030204" pitchFamily="49" charset="0"/>
-              </a:rPr>
-              <a:t>: </a:t>
-            </a:r>
-            <a:r>
-              <a:rPr kumimoji="0" lang="en-US" altLang="en-US" sz="1000" b="1" i="0" u="none" strike="noStrike" cap="none" normalizeH="0" baseline="0" dirty="0" smtClean="0">
-                <a:ln>
-                  <a:noFill/>
-                </a:ln>
-                <a:solidFill>
-                  <a:srgbClr val="008000"/>
-                </a:solidFill>
-                <a:effectLst/>
-                <a:latin typeface="Consolas" panose="020B0609020204030204" pitchFamily="49" charset="0"/>
-                <a:cs typeface="Consolas" panose="020B0609020204030204" pitchFamily="49" charset="0"/>
-              </a:rPr>
-              <a:t>"Physical memory utilization"</a:t>
-            </a:r>
-            <a:r>
-              <a:rPr kumimoji="0" lang="en-US" altLang="en-US" sz="1000" b="0" i="0" u="none" strike="noStrike" cap="none" normalizeH="0" baseline="0" dirty="0" smtClean="0">
-                <a:ln>
-                  <a:noFill/>
-                </a:ln>
-                <a:solidFill>
-                  <a:srgbClr val="000000"/>
-                </a:solidFill>
-                <a:effectLst/>
-                <a:latin typeface="Consolas" panose="020B0609020204030204" pitchFamily="49" charset="0"/>
-                <a:cs typeface="Consolas" panose="020B0609020204030204" pitchFamily="49" charset="0"/>
-              </a:rPr>
-              <a:t>,</a:t>
-            </a:r>
-            <a:br>
-              <a:rPr kumimoji="0" lang="en-US" altLang="en-US" sz="1000" b="0" i="0" u="none" strike="noStrike" cap="none" normalizeH="0" baseline="0" dirty="0" smtClean="0">
-                <a:ln>
-                  <a:noFill/>
-                </a:ln>
-                <a:solidFill>
-                  <a:srgbClr val="000000"/>
-                </a:solidFill>
-                <a:effectLst/>
-                <a:latin typeface="Consolas" panose="020B0609020204030204" pitchFamily="49" charset="0"/>
-                <a:cs typeface="Consolas" panose="020B0609020204030204" pitchFamily="49" charset="0"/>
-              </a:rPr>
-            </a:br>
-            <a:r>
-              <a:rPr kumimoji="0" lang="en-US" altLang="en-US" sz="1000" b="0" i="0" u="none" strike="noStrike" cap="none" normalizeH="0" baseline="0" dirty="0" smtClean="0">
-                <a:ln>
-                  <a:noFill/>
-                </a:ln>
-                <a:solidFill>
-                  <a:srgbClr val="000000"/>
-                </a:solidFill>
-                <a:effectLst/>
-                <a:latin typeface="Consolas" panose="020B0609020204030204" pitchFamily="49" charset="0"/>
-                <a:cs typeface="Consolas" panose="020B0609020204030204" pitchFamily="49" charset="0"/>
-              </a:rPr>
-              <a:t>    </a:t>
-            </a:r>
-            <a:r>
-              <a:rPr kumimoji="0" lang="en-US" altLang="en-US" sz="1000" b="1" i="0" u="none" strike="noStrike" cap="none" normalizeH="0" baseline="0" dirty="0" smtClean="0">
-                <a:ln>
-                  <a:noFill/>
-                </a:ln>
-                <a:solidFill>
-                  <a:srgbClr val="660E7A"/>
-                </a:solidFill>
-                <a:effectLst/>
-                <a:latin typeface="Consolas" panose="020B0609020204030204" pitchFamily="49" charset="0"/>
-                <a:cs typeface="Consolas" panose="020B0609020204030204" pitchFamily="49" charset="0"/>
-              </a:rPr>
-              <a:t>"formula"</a:t>
-            </a:r>
-            <a:r>
-              <a:rPr kumimoji="0" lang="en-US" altLang="en-US" sz="1000" b="0" i="0" u="none" strike="noStrike" cap="none" normalizeH="0" baseline="0" dirty="0" smtClean="0">
-                <a:ln>
-                  <a:noFill/>
-                </a:ln>
-                <a:solidFill>
-                  <a:srgbClr val="000000"/>
-                </a:solidFill>
-                <a:effectLst/>
-                <a:latin typeface="Consolas" panose="020B0609020204030204" pitchFamily="49" charset="0"/>
-                <a:cs typeface="Consolas" panose="020B0609020204030204" pitchFamily="49" charset="0"/>
-              </a:rPr>
-              <a:t>: </a:t>
-            </a:r>
-            <a:r>
-              <a:rPr kumimoji="0" lang="en-US" altLang="en-US" sz="1000" b="1" i="0" u="none" strike="noStrike" cap="none" normalizeH="0" baseline="0" dirty="0" smtClean="0">
-                <a:ln>
-                  <a:noFill/>
-                </a:ln>
-                <a:solidFill>
-                  <a:srgbClr val="008000"/>
-                </a:solidFill>
-                <a:effectLst/>
-                <a:latin typeface="Consolas" panose="020B0609020204030204" pitchFamily="49" charset="0"/>
-                <a:cs typeface="Consolas" panose="020B0609020204030204" pitchFamily="49" charset="0"/>
-              </a:rPr>
-              <a:t>"[.1.3.6.1.2.1.25.2.3.1.6.4]/[.1.3.6.1.2.1.25.2.3.1.5.4]*100"</a:t>
-            </a:r>
-            <a:r>
-              <a:rPr kumimoji="0" lang="en-US" altLang="en-US" sz="1000" b="0" i="0" u="none" strike="noStrike" cap="none" normalizeH="0" baseline="0" dirty="0" smtClean="0">
-                <a:ln>
-                  <a:noFill/>
-                </a:ln>
-                <a:solidFill>
-                  <a:srgbClr val="000000"/>
-                </a:solidFill>
-                <a:effectLst/>
-                <a:latin typeface="Consolas" panose="020B0609020204030204" pitchFamily="49" charset="0"/>
-                <a:cs typeface="Consolas" panose="020B0609020204030204" pitchFamily="49" charset="0"/>
-              </a:rPr>
-              <a:t>,</a:t>
-            </a:r>
-            <a:br>
-              <a:rPr kumimoji="0" lang="en-US" altLang="en-US" sz="1000" b="0" i="0" u="none" strike="noStrike" cap="none" normalizeH="0" baseline="0" dirty="0" smtClean="0">
-                <a:ln>
-                  <a:noFill/>
-                </a:ln>
-                <a:solidFill>
-                  <a:srgbClr val="000000"/>
-                </a:solidFill>
-                <a:effectLst/>
-                <a:latin typeface="Consolas" panose="020B0609020204030204" pitchFamily="49" charset="0"/>
-                <a:cs typeface="Consolas" panose="020B0609020204030204" pitchFamily="49" charset="0"/>
-              </a:rPr>
-            </a:br>
-            <a:r>
-              <a:rPr kumimoji="0" lang="en-US" altLang="en-US" sz="1000" b="0" i="0" u="none" strike="noStrike" cap="none" normalizeH="0" baseline="0" dirty="0" smtClean="0">
-                <a:ln>
-                  <a:noFill/>
-                </a:ln>
-                <a:solidFill>
-                  <a:srgbClr val="000000"/>
-                </a:solidFill>
-                <a:effectLst/>
-                <a:latin typeface="Consolas" panose="020B0609020204030204" pitchFamily="49" charset="0"/>
-                <a:cs typeface="Consolas" panose="020B0609020204030204" pitchFamily="49" charset="0"/>
-              </a:rPr>
-              <a:t>    </a:t>
-            </a:r>
-            <a:r>
-              <a:rPr kumimoji="0" lang="en-US" altLang="en-US" sz="1000" b="1" i="0" u="none" strike="noStrike" cap="none" normalizeH="0" baseline="0" dirty="0" smtClean="0">
-                <a:ln>
-                  <a:noFill/>
-                </a:ln>
-                <a:solidFill>
-                  <a:srgbClr val="660E7A"/>
-                </a:solidFill>
-                <a:effectLst/>
-                <a:latin typeface="Consolas" panose="020B0609020204030204" pitchFamily="49" charset="0"/>
-                <a:cs typeface="Consolas" panose="020B0609020204030204" pitchFamily="49" charset="0"/>
-              </a:rPr>
-              <a:t>"unit"</a:t>
-            </a:r>
-            <a:r>
-              <a:rPr kumimoji="0" lang="en-US" altLang="en-US" sz="1000" b="0" i="0" u="none" strike="noStrike" cap="none" normalizeH="0" baseline="0" dirty="0" smtClean="0">
-                <a:ln>
-                  <a:noFill/>
-                </a:ln>
-                <a:solidFill>
-                  <a:srgbClr val="000000"/>
-                </a:solidFill>
-                <a:effectLst/>
-                <a:latin typeface="Consolas" panose="020B0609020204030204" pitchFamily="49" charset="0"/>
-                <a:cs typeface="Consolas" panose="020B0609020204030204" pitchFamily="49" charset="0"/>
-              </a:rPr>
-              <a:t>:</a:t>
-            </a:r>
-            <a:r>
-              <a:rPr kumimoji="0" lang="en-US" altLang="en-US" sz="1000" b="1" i="0" u="none" strike="noStrike" cap="none" normalizeH="0" baseline="0" dirty="0" smtClean="0">
-                <a:ln>
-                  <a:noFill/>
-                </a:ln>
-                <a:solidFill>
-                  <a:srgbClr val="008000"/>
-                </a:solidFill>
-                <a:effectLst/>
-                <a:latin typeface="Consolas" panose="020B0609020204030204" pitchFamily="49" charset="0"/>
-                <a:cs typeface="Consolas" panose="020B0609020204030204" pitchFamily="49" charset="0"/>
-              </a:rPr>
-              <a:t>"%"</a:t>
-            </a:r>
-            <a:r>
-              <a:rPr kumimoji="0" lang="en-US" altLang="en-US" sz="1000" b="0" i="0" u="none" strike="noStrike" cap="none" normalizeH="0" baseline="0" dirty="0" smtClean="0">
-                <a:ln>
-                  <a:noFill/>
-                </a:ln>
-                <a:solidFill>
-                  <a:srgbClr val="000000"/>
-                </a:solidFill>
-                <a:effectLst/>
-                <a:latin typeface="Consolas" panose="020B0609020204030204" pitchFamily="49" charset="0"/>
-                <a:cs typeface="Consolas" panose="020B0609020204030204" pitchFamily="49" charset="0"/>
-              </a:rPr>
-              <a:t>,</a:t>
-            </a:r>
-            <a:br>
-              <a:rPr kumimoji="0" lang="en-US" altLang="en-US" sz="1000" b="0" i="0" u="none" strike="noStrike" cap="none" normalizeH="0" baseline="0" dirty="0" smtClean="0">
-                <a:ln>
-                  <a:noFill/>
-                </a:ln>
-                <a:solidFill>
-                  <a:srgbClr val="000000"/>
-                </a:solidFill>
-                <a:effectLst/>
-                <a:latin typeface="Consolas" panose="020B0609020204030204" pitchFamily="49" charset="0"/>
-                <a:cs typeface="Consolas" panose="020B0609020204030204" pitchFamily="49" charset="0"/>
-              </a:rPr>
-            </a:br>
-            <a:r>
-              <a:rPr kumimoji="0" lang="en-US" altLang="en-US" sz="1000" b="0" i="0" u="none" strike="noStrike" cap="none" normalizeH="0" baseline="0" dirty="0" smtClean="0">
-                <a:ln>
-                  <a:noFill/>
-                </a:ln>
-                <a:solidFill>
-                  <a:srgbClr val="000000"/>
-                </a:solidFill>
-                <a:effectLst/>
-                <a:latin typeface="Consolas" panose="020B0609020204030204" pitchFamily="49" charset="0"/>
-                <a:cs typeface="Consolas" panose="020B0609020204030204" pitchFamily="49" charset="0"/>
-              </a:rPr>
-              <a:t>    </a:t>
-            </a:r>
-            <a:r>
-              <a:rPr kumimoji="0" lang="en-US" altLang="en-US" sz="1000" b="1" i="0" u="none" strike="noStrike" cap="none" normalizeH="0" baseline="0" dirty="0" smtClean="0">
-                <a:ln>
-                  <a:noFill/>
-                </a:ln>
-                <a:solidFill>
-                  <a:srgbClr val="660E7A"/>
-                </a:solidFill>
-                <a:effectLst/>
-                <a:latin typeface="Consolas" panose="020B0609020204030204" pitchFamily="49" charset="0"/>
-                <a:cs typeface="Consolas" panose="020B0609020204030204" pitchFamily="49" charset="0"/>
-              </a:rPr>
-              <a:t>"interval"</a:t>
-            </a:r>
-            <a:r>
-              <a:rPr kumimoji="0" lang="en-US" altLang="en-US" sz="1000" b="0" i="0" u="none" strike="noStrike" cap="none" normalizeH="0" baseline="0" dirty="0" smtClean="0">
-                <a:ln>
-                  <a:noFill/>
-                </a:ln>
-                <a:solidFill>
-                  <a:srgbClr val="000000"/>
-                </a:solidFill>
-                <a:effectLst/>
-                <a:latin typeface="Consolas" panose="020B0609020204030204" pitchFamily="49" charset="0"/>
-                <a:cs typeface="Consolas" panose="020B0609020204030204" pitchFamily="49" charset="0"/>
-              </a:rPr>
-              <a:t>: </a:t>
-            </a:r>
-            <a:r>
-              <a:rPr kumimoji="0" lang="en-US" altLang="en-US" sz="1000" b="0" i="0" u="none" strike="noStrike" cap="none" normalizeH="0" baseline="0" dirty="0" smtClean="0">
-                <a:ln>
-                  <a:noFill/>
-                </a:ln>
-                <a:solidFill>
-                  <a:srgbClr val="0000FF"/>
-                </a:solidFill>
-                <a:effectLst/>
-                <a:latin typeface="Consolas" panose="020B0609020204030204" pitchFamily="49" charset="0"/>
-                <a:cs typeface="Consolas" panose="020B0609020204030204" pitchFamily="49" charset="0"/>
-              </a:rPr>
-              <a:t>300</a:t>
-            </a:r>
-            <a:br>
-              <a:rPr kumimoji="0" lang="en-US" altLang="en-US" sz="1000" b="0" i="0" u="none" strike="noStrike" cap="none" normalizeH="0" baseline="0" dirty="0" smtClean="0">
-                <a:ln>
-                  <a:noFill/>
-                </a:ln>
-                <a:solidFill>
-                  <a:srgbClr val="0000FF"/>
-                </a:solidFill>
-                <a:effectLst/>
-                <a:latin typeface="Consolas" panose="020B0609020204030204" pitchFamily="49" charset="0"/>
-                <a:cs typeface="Consolas" panose="020B0609020204030204" pitchFamily="49" charset="0"/>
-              </a:rPr>
-            </a:br>
-            <a:r>
-              <a:rPr kumimoji="0" lang="en-US" altLang="en-US" sz="1000" b="0" i="0" u="none" strike="noStrike" cap="none" normalizeH="0" baseline="0" dirty="0" smtClean="0">
-                <a:ln>
-                  <a:noFill/>
-                </a:ln>
-                <a:solidFill>
-                  <a:srgbClr val="0000FF"/>
-                </a:solidFill>
-                <a:effectLst/>
-                <a:latin typeface="Consolas" panose="020B0609020204030204" pitchFamily="49" charset="0"/>
-                <a:cs typeface="Consolas" panose="020B0609020204030204" pitchFamily="49" charset="0"/>
-              </a:rPr>
-              <a:t>  </a:t>
-            </a:r>
-            <a:r>
-              <a:rPr kumimoji="0" lang="en-US" altLang="en-US" sz="1000" b="0" i="0" u="none" strike="noStrike" cap="none" normalizeH="0" baseline="0" dirty="0" smtClean="0">
-                <a:ln>
-                  <a:noFill/>
-                </a:ln>
-                <a:solidFill>
-                  <a:srgbClr val="000000"/>
-                </a:solidFill>
-                <a:effectLst/>
-                <a:latin typeface="Consolas" panose="020B0609020204030204" pitchFamily="49" charset="0"/>
-                <a:cs typeface="Consolas" panose="020B0609020204030204" pitchFamily="49" charset="0"/>
-              </a:rPr>
-              <a:t>},</a:t>
-            </a:r>
-            <a:br>
-              <a:rPr kumimoji="0" lang="en-US" altLang="en-US" sz="1000" b="0" i="0" u="none" strike="noStrike" cap="none" normalizeH="0" baseline="0" dirty="0" smtClean="0">
-                <a:ln>
-                  <a:noFill/>
-                </a:ln>
-                <a:solidFill>
-                  <a:srgbClr val="000000"/>
-                </a:solidFill>
-                <a:effectLst/>
-                <a:latin typeface="Consolas" panose="020B0609020204030204" pitchFamily="49" charset="0"/>
-                <a:cs typeface="Consolas" panose="020B0609020204030204" pitchFamily="49" charset="0"/>
-              </a:rPr>
-            </a:br>
-            <a:r>
-              <a:rPr kumimoji="0" lang="en-US" altLang="en-US" sz="1000" b="0" i="0" u="none" strike="noStrike" cap="none" normalizeH="0" baseline="0" dirty="0" smtClean="0">
-                <a:ln>
-                  <a:noFill/>
-                </a:ln>
-                <a:solidFill>
-                  <a:srgbClr val="000000"/>
-                </a:solidFill>
-                <a:effectLst/>
-                <a:latin typeface="Consolas" panose="020B0609020204030204" pitchFamily="49" charset="0"/>
-                <a:cs typeface="Consolas" panose="020B0609020204030204" pitchFamily="49" charset="0"/>
-              </a:rPr>
-              <a:t>  {</a:t>
-            </a:r>
-            <a:br>
-              <a:rPr kumimoji="0" lang="en-US" altLang="en-US" sz="1000" b="0" i="0" u="none" strike="noStrike" cap="none" normalizeH="0" baseline="0" dirty="0" smtClean="0">
-                <a:ln>
-                  <a:noFill/>
-                </a:ln>
-                <a:solidFill>
-                  <a:srgbClr val="000000"/>
-                </a:solidFill>
-                <a:effectLst/>
-                <a:latin typeface="Consolas" panose="020B0609020204030204" pitchFamily="49" charset="0"/>
-                <a:cs typeface="Consolas" panose="020B0609020204030204" pitchFamily="49" charset="0"/>
-              </a:rPr>
-            </a:br>
-            <a:r>
-              <a:rPr kumimoji="0" lang="en-US" altLang="en-US" sz="1000" b="0" i="0" u="none" strike="noStrike" cap="none" normalizeH="0" baseline="0" dirty="0" smtClean="0">
-                <a:ln>
-                  <a:noFill/>
-                </a:ln>
-                <a:solidFill>
-                  <a:srgbClr val="000000"/>
-                </a:solidFill>
-                <a:effectLst/>
-                <a:latin typeface="Consolas" panose="020B0609020204030204" pitchFamily="49" charset="0"/>
-                <a:cs typeface="Consolas" panose="020B0609020204030204" pitchFamily="49" charset="0"/>
-              </a:rPr>
-              <a:t>    </a:t>
-            </a:r>
-            <a:r>
-              <a:rPr kumimoji="0" lang="en-US" altLang="en-US" sz="1000" b="1" i="0" u="none" strike="noStrike" cap="none" normalizeH="0" baseline="0" dirty="0" smtClean="0">
-                <a:ln>
-                  <a:noFill/>
-                </a:ln>
-                <a:solidFill>
-                  <a:srgbClr val="660E7A"/>
-                </a:solidFill>
-                <a:effectLst/>
-                <a:latin typeface="Consolas" panose="020B0609020204030204" pitchFamily="49" charset="0"/>
-                <a:cs typeface="Consolas" panose="020B0609020204030204" pitchFamily="49" charset="0"/>
-              </a:rPr>
-              <a:t>"method"</a:t>
-            </a:r>
-            <a:r>
-              <a:rPr kumimoji="0" lang="en-US" altLang="en-US" sz="1000" b="0" i="0" u="none" strike="noStrike" cap="none" normalizeH="0" baseline="0" dirty="0" smtClean="0">
-                <a:ln>
-                  <a:noFill/>
-                </a:ln>
-                <a:solidFill>
-                  <a:srgbClr val="000000"/>
-                </a:solidFill>
-                <a:effectLst/>
-                <a:latin typeface="Consolas" panose="020B0609020204030204" pitchFamily="49" charset="0"/>
-                <a:cs typeface="Consolas" panose="020B0609020204030204" pitchFamily="49" charset="0"/>
-              </a:rPr>
-              <a:t>: </a:t>
-            </a:r>
-            <a:r>
-              <a:rPr kumimoji="0" lang="en-US" altLang="en-US" sz="1000" b="1" i="0" u="none" strike="noStrike" cap="none" normalizeH="0" baseline="0" dirty="0" smtClean="0">
-                <a:ln>
-                  <a:noFill/>
-                </a:ln>
-                <a:solidFill>
-                  <a:srgbClr val="008000"/>
-                </a:solidFill>
-                <a:effectLst/>
-                <a:latin typeface="Consolas" panose="020B0609020204030204" pitchFamily="49" charset="0"/>
-                <a:cs typeface="Consolas" panose="020B0609020204030204" pitchFamily="49" charset="0"/>
-              </a:rPr>
-              <a:t>"walk"</a:t>
-            </a:r>
-            <a:r>
-              <a:rPr kumimoji="0" lang="en-US" altLang="en-US" sz="1000" b="0" i="0" u="none" strike="noStrike" cap="none" normalizeH="0" baseline="0" dirty="0" smtClean="0">
-                <a:ln>
-                  <a:noFill/>
-                </a:ln>
-                <a:solidFill>
-                  <a:srgbClr val="000000"/>
-                </a:solidFill>
-                <a:effectLst/>
-                <a:latin typeface="Consolas" panose="020B0609020204030204" pitchFamily="49" charset="0"/>
-                <a:cs typeface="Consolas" panose="020B0609020204030204" pitchFamily="49" charset="0"/>
-              </a:rPr>
-              <a:t>,</a:t>
-            </a:r>
-            <a:br>
-              <a:rPr kumimoji="0" lang="en-US" altLang="en-US" sz="1000" b="0" i="0" u="none" strike="noStrike" cap="none" normalizeH="0" baseline="0" dirty="0" smtClean="0">
-                <a:ln>
-                  <a:noFill/>
-                </a:ln>
-                <a:solidFill>
-                  <a:srgbClr val="000000"/>
-                </a:solidFill>
-                <a:effectLst/>
-                <a:latin typeface="Consolas" panose="020B0609020204030204" pitchFamily="49" charset="0"/>
-                <a:cs typeface="Consolas" panose="020B0609020204030204" pitchFamily="49" charset="0"/>
-              </a:rPr>
-            </a:br>
-            <a:r>
-              <a:rPr kumimoji="0" lang="en-US" altLang="en-US" sz="1000" b="0" i="0" u="none" strike="noStrike" cap="none" normalizeH="0" baseline="0" dirty="0" smtClean="0">
-                <a:ln>
-                  <a:noFill/>
-                </a:ln>
-                <a:solidFill>
-                  <a:srgbClr val="000000"/>
-                </a:solidFill>
-                <a:effectLst/>
-                <a:latin typeface="Consolas" panose="020B0609020204030204" pitchFamily="49" charset="0"/>
-                <a:cs typeface="Consolas" panose="020B0609020204030204" pitchFamily="49" charset="0"/>
-              </a:rPr>
-              <a:t>    </a:t>
-            </a:r>
-            <a:r>
-              <a:rPr kumimoji="0" lang="en-US" altLang="en-US" sz="1000" b="1" i="0" u="none" strike="noStrike" cap="none" normalizeH="0" baseline="0" dirty="0" smtClean="0">
-                <a:ln>
-                  <a:noFill/>
-                </a:ln>
-                <a:solidFill>
-                  <a:srgbClr val="660E7A"/>
-                </a:solidFill>
-                <a:effectLst/>
-                <a:latin typeface="Consolas" panose="020B0609020204030204" pitchFamily="49" charset="0"/>
-                <a:cs typeface="Consolas" panose="020B0609020204030204" pitchFamily="49" charset="0"/>
-              </a:rPr>
-              <a:t>"aggregation"</a:t>
-            </a:r>
-            <a:r>
-              <a:rPr kumimoji="0" lang="en-US" altLang="en-US" sz="1000" b="0" i="0" u="none" strike="noStrike" cap="none" normalizeH="0" baseline="0" dirty="0" smtClean="0">
-                <a:ln>
-                  <a:noFill/>
-                </a:ln>
-                <a:solidFill>
-                  <a:srgbClr val="000000"/>
-                </a:solidFill>
-                <a:effectLst/>
-                <a:latin typeface="Consolas" panose="020B0609020204030204" pitchFamily="49" charset="0"/>
-                <a:cs typeface="Consolas" panose="020B0609020204030204" pitchFamily="49" charset="0"/>
-              </a:rPr>
-              <a:t>: </a:t>
-            </a:r>
-            <a:r>
-              <a:rPr kumimoji="0" lang="en-US" altLang="en-US" sz="1000" b="1" i="0" u="none" strike="noStrike" cap="none" normalizeH="0" baseline="0" dirty="0" smtClean="0">
-                <a:ln>
-                  <a:noFill/>
-                </a:ln>
-                <a:solidFill>
-                  <a:srgbClr val="008000"/>
-                </a:solidFill>
-                <a:effectLst/>
-                <a:latin typeface="Consolas" panose="020B0609020204030204" pitchFamily="49" charset="0"/>
-                <a:cs typeface="Consolas" panose="020B0609020204030204" pitchFamily="49" charset="0"/>
-              </a:rPr>
-              <a:t>"</a:t>
-            </a:r>
-            <a:r>
-              <a:rPr kumimoji="0" lang="en-US" altLang="en-US" sz="1000" b="1" i="0" u="none" strike="noStrike" cap="none" normalizeH="0" baseline="0" dirty="0" err="1" smtClean="0">
-                <a:ln>
-                  <a:noFill/>
-                </a:ln>
-                <a:solidFill>
-                  <a:srgbClr val="008000"/>
-                </a:solidFill>
-                <a:effectLst/>
-                <a:latin typeface="Consolas" panose="020B0609020204030204" pitchFamily="49" charset="0"/>
-                <a:cs typeface="Consolas" panose="020B0609020204030204" pitchFamily="49" charset="0"/>
-              </a:rPr>
-              <a:t>avg</a:t>
-            </a:r>
-            <a:r>
-              <a:rPr kumimoji="0" lang="en-US" altLang="en-US" sz="1000" b="1" i="0" u="none" strike="noStrike" cap="none" normalizeH="0" baseline="0" dirty="0" smtClean="0">
-                <a:ln>
-                  <a:noFill/>
-                </a:ln>
-                <a:solidFill>
-                  <a:srgbClr val="008000"/>
-                </a:solidFill>
-                <a:effectLst/>
-                <a:latin typeface="Consolas" panose="020B0609020204030204" pitchFamily="49" charset="0"/>
-                <a:cs typeface="Consolas" panose="020B0609020204030204" pitchFamily="49" charset="0"/>
-              </a:rPr>
-              <a:t>"</a:t>
-            </a:r>
-            <a:r>
-              <a:rPr kumimoji="0" lang="en-US" altLang="en-US" sz="1000" b="0" i="0" u="none" strike="noStrike" cap="none" normalizeH="0" baseline="0" dirty="0" smtClean="0">
-                <a:ln>
-                  <a:noFill/>
-                </a:ln>
-                <a:solidFill>
-                  <a:srgbClr val="000000"/>
-                </a:solidFill>
-                <a:effectLst/>
-                <a:latin typeface="Consolas" panose="020B0609020204030204" pitchFamily="49" charset="0"/>
-                <a:cs typeface="Consolas" panose="020B0609020204030204" pitchFamily="49" charset="0"/>
-              </a:rPr>
-              <a:t>,</a:t>
-            </a:r>
-            <a:br>
-              <a:rPr kumimoji="0" lang="en-US" altLang="en-US" sz="1000" b="0" i="0" u="none" strike="noStrike" cap="none" normalizeH="0" baseline="0" dirty="0" smtClean="0">
-                <a:ln>
-                  <a:noFill/>
-                </a:ln>
-                <a:solidFill>
-                  <a:srgbClr val="000000"/>
-                </a:solidFill>
-                <a:effectLst/>
-                <a:latin typeface="Consolas" panose="020B0609020204030204" pitchFamily="49" charset="0"/>
-                <a:cs typeface="Consolas" panose="020B0609020204030204" pitchFamily="49" charset="0"/>
-              </a:rPr>
-            </a:br>
-            <a:r>
-              <a:rPr kumimoji="0" lang="en-US" altLang="en-US" sz="1000" b="0" i="0" u="none" strike="noStrike" cap="none" normalizeH="0" baseline="0" dirty="0" smtClean="0">
-                <a:ln>
-                  <a:noFill/>
-                </a:ln>
-                <a:solidFill>
-                  <a:srgbClr val="000000"/>
-                </a:solidFill>
-                <a:effectLst/>
-                <a:latin typeface="Consolas" panose="020B0609020204030204" pitchFamily="49" charset="0"/>
-                <a:cs typeface="Consolas" panose="020B0609020204030204" pitchFamily="49" charset="0"/>
-              </a:rPr>
-              <a:t>    </a:t>
-            </a:r>
-            <a:r>
-              <a:rPr kumimoji="0" lang="en-US" altLang="en-US" sz="1000" b="1" i="0" u="none" strike="noStrike" cap="none" normalizeH="0" baseline="0" dirty="0" smtClean="0">
-                <a:ln>
-                  <a:noFill/>
-                </a:ln>
-                <a:solidFill>
-                  <a:srgbClr val="660E7A"/>
-                </a:solidFill>
-                <a:effectLst/>
-                <a:latin typeface="Consolas" panose="020B0609020204030204" pitchFamily="49" charset="0"/>
-                <a:cs typeface="Consolas" panose="020B0609020204030204" pitchFamily="49" charset="0"/>
-              </a:rPr>
-              <a:t>"name"</a:t>
-            </a:r>
-            <a:r>
-              <a:rPr kumimoji="0" lang="en-US" altLang="en-US" sz="1000" b="0" i="0" u="none" strike="noStrike" cap="none" normalizeH="0" baseline="0" dirty="0" smtClean="0">
-                <a:ln>
-                  <a:noFill/>
-                </a:ln>
-                <a:solidFill>
-                  <a:srgbClr val="000000"/>
-                </a:solidFill>
-                <a:effectLst/>
-                <a:latin typeface="Consolas" panose="020B0609020204030204" pitchFamily="49" charset="0"/>
-                <a:cs typeface="Consolas" panose="020B0609020204030204" pitchFamily="49" charset="0"/>
-              </a:rPr>
-              <a:t>: </a:t>
-            </a:r>
-            <a:r>
-              <a:rPr kumimoji="0" lang="en-US" altLang="en-US" sz="1000" b="1" i="0" u="none" strike="noStrike" cap="none" normalizeH="0" baseline="0" dirty="0" smtClean="0">
-                <a:ln>
-                  <a:noFill/>
-                </a:ln>
-                <a:solidFill>
-                  <a:srgbClr val="008000"/>
-                </a:solidFill>
-                <a:effectLst/>
-                <a:latin typeface="Consolas" panose="020B0609020204030204" pitchFamily="49" charset="0"/>
-                <a:cs typeface="Consolas" panose="020B0609020204030204" pitchFamily="49" charset="0"/>
-              </a:rPr>
-              <a:t>"</a:t>
-            </a:r>
-            <a:r>
-              <a:rPr kumimoji="0" lang="en-US" altLang="en-US" sz="1000" b="1" i="0" u="none" strike="noStrike" cap="none" normalizeH="0" baseline="0" dirty="0" err="1" smtClean="0">
-                <a:ln>
-                  <a:noFill/>
-                </a:ln>
-                <a:solidFill>
-                  <a:srgbClr val="008000"/>
-                </a:solidFill>
-                <a:effectLst/>
-                <a:latin typeface="Consolas" panose="020B0609020204030204" pitchFamily="49" charset="0"/>
-                <a:cs typeface="Consolas" panose="020B0609020204030204" pitchFamily="49" charset="0"/>
-              </a:rPr>
-              <a:t>Avg</a:t>
-            </a:r>
-            <a:r>
-              <a:rPr kumimoji="0" lang="en-US" altLang="en-US" sz="1000" b="1" i="0" u="none" strike="noStrike" cap="none" normalizeH="0" baseline="0" dirty="0" smtClean="0">
-                <a:ln>
-                  <a:noFill/>
-                </a:ln>
-                <a:solidFill>
-                  <a:srgbClr val="008000"/>
-                </a:solidFill>
-                <a:effectLst/>
-                <a:latin typeface="Consolas" panose="020B0609020204030204" pitchFamily="49" charset="0"/>
-                <a:cs typeface="Consolas" panose="020B0609020204030204" pitchFamily="49" charset="0"/>
-              </a:rPr>
-              <a:t> CPU Utilization"</a:t>
-            </a:r>
-            <a:r>
-              <a:rPr kumimoji="0" lang="en-US" altLang="en-US" sz="1000" b="0" i="0" u="none" strike="noStrike" cap="none" normalizeH="0" baseline="0" dirty="0" smtClean="0">
-                <a:ln>
-                  <a:noFill/>
-                </a:ln>
-                <a:solidFill>
-                  <a:srgbClr val="000000"/>
-                </a:solidFill>
-                <a:effectLst/>
-                <a:latin typeface="Consolas" panose="020B0609020204030204" pitchFamily="49" charset="0"/>
-                <a:cs typeface="Consolas" panose="020B0609020204030204" pitchFamily="49" charset="0"/>
-              </a:rPr>
-              <a:t>,</a:t>
-            </a:r>
-            <a:br>
-              <a:rPr kumimoji="0" lang="en-US" altLang="en-US" sz="1000" b="0" i="0" u="none" strike="noStrike" cap="none" normalizeH="0" baseline="0" dirty="0" smtClean="0">
-                <a:ln>
-                  <a:noFill/>
-                </a:ln>
-                <a:solidFill>
-                  <a:srgbClr val="000000"/>
-                </a:solidFill>
-                <a:effectLst/>
-                <a:latin typeface="Consolas" panose="020B0609020204030204" pitchFamily="49" charset="0"/>
-                <a:cs typeface="Consolas" panose="020B0609020204030204" pitchFamily="49" charset="0"/>
-              </a:rPr>
-            </a:br>
-            <a:r>
-              <a:rPr kumimoji="0" lang="en-US" altLang="en-US" sz="1000" b="0" i="0" u="none" strike="noStrike" cap="none" normalizeH="0" baseline="0" dirty="0" smtClean="0">
-                <a:ln>
-                  <a:noFill/>
-                </a:ln>
-                <a:solidFill>
-                  <a:srgbClr val="000000"/>
-                </a:solidFill>
-                <a:effectLst/>
-                <a:latin typeface="Consolas" panose="020B0609020204030204" pitchFamily="49" charset="0"/>
-                <a:cs typeface="Consolas" panose="020B0609020204030204" pitchFamily="49" charset="0"/>
-              </a:rPr>
-              <a:t>    </a:t>
-            </a:r>
-            <a:r>
-              <a:rPr kumimoji="0" lang="en-US" altLang="en-US" sz="1000" b="1" i="0" u="none" strike="noStrike" cap="none" normalizeH="0" baseline="0" dirty="0" smtClean="0">
-                <a:ln>
-                  <a:noFill/>
-                </a:ln>
-                <a:solidFill>
-                  <a:srgbClr val="660E7A"/>
-                </a:solidFill>
-                <a:effectLst/>
-                <a:latin typeface="Consolas" panose="020B0609020204030204" pitchFamily="49" charset="0"/>
-                <a:cs typeface="Consolas" panose="020B0609020204030204" pitchFamily="49" charset="0"/>
-              </a:rPr>
-              <a:t>"formula"</a:t>
-            </a:r>
-            <a:r>
-              <a:rPr kumimoji="0" lang="en-US" altLang="en-US" sz="1000" b="0" i="0" u="none" strike="noStrike" cap="none" normalizeH="0" baseline="0" dirty="0" smtClean="0">
-                <a:ln>
-                  <a:noFill/>
-                </a:ln>
-                <a:solidFill>
-                  <a:srgbClr val="000000"/>
-                </a:solidFill>
-                <a:effectLst/>
-                <a:latin typeface="Consolas" panose="020B0609020204030204" pitchFamily="49" charset="0"/>
-                <a:cs typeface="Consolas" panose="020B0609020204030204" pitchFamily="49" charset="0"/>
-              </a:rPr>
-              <a:t>: </a:t>
-            </a:r>
-            <a:r>
-              <a:rPr kumimoji="0" lang="en-US" altLang="en-US" sz="1000" b="1" i="0" u="none" strike="noStrike" cap="none" normalizeH="0" baseline="0" dirty="0" smtClean="0">
-                <a:ln>
-                  <a:noFill/>
-                </a:ln>
-                <a:solidFill>
-                  <a:srgbClr val="008000"/>
-                </a:solidFill>
-                <a:effectLst/>
-                <a:latin typeface="Consolas" panose="020B0609020204030204" pitchFamily="49" charset="0"/>
-                <a:cs typeface="Consolas" panose="020B0609020204030204" pitchFamily="49" charset="0"/>
-              </a:rPr>
-              <a:t>"[.1.3.6.1.2.1.25.3.3.1.2]"</a:t>
-            </a:r>
-            <a:r>
-              <a:rPr kumimoji="0" lang="en-US" altLang="en-US" sz="1000" b="0" i="0" u="none" strike="noStrike" cap="none" normalizeH="0" baseline="0" dirty="0" smtClean="0">
-                <a:ln>
-                  <a:noFill/>
-                </a:ln>
-                <a:solidFill>
-                  <a:srgbClr val="000000"/>
-                </a:solidFill>
-                <a:effectLst/>
-                <a:latin typeface="Consolas" panose="020B0609020204030204" pitchFamily="49" charset="0"/>
-                <a:cs typeface="Consolas" panose="020B0609020204030204" pitchFamily="49" charset="0"/>
-              </a:rPr>
-              <a:t>,</a:t>
-            </a:r>
-            <a:br>
-              <a:rPr kumimoji="0" lang="en-US" altLang="en-US" sz="1000" b="0" i="0" u="none" strike="noStrike" cap="none" normalizeH="0" baseline="0" dirty="0" smtClean="0">
-                <a:ln>
-                  <a:noFill/>
-                </a:ln>
-                <a:solidFill>
-                  <a:srgbClr val="000000"/>
-                </a:solidFill>
-                <a:effectLst/>
-                <a:latin typeface="Consolas" panose="020B0609020204030204" pitchFamily="49" charset="0"/>
-                <a:cs typeface="Consolas" panose="020B0609020204030204" pitchFamily="49" charset="0"/>
-              </a:rPr>
-            </a:br>
-            <a:r>
-              <a:rPr kumimoji="0" lang="en-US" altLang="en-US" sz="1000" b="0" i="0" u="none" strike="noStrike" cap="none" normalizeH="0" baseline="0" dirty="0" smtClean="0">
-                <a:ln>
-                  <a:noFill/>
-                </a:ln>
-                <a:solidFill>
-                  <a:srgbClr val="000000"/>
-                </a:solidFill>
-                <a:effectLst/>
-                <a:latin typeface="Consolas" panose="020B0609020204030204" pitchFamily="49" charset="0"/>
-                <a:cs typeface="Consolas" panose="020B0609020204030204" pitchFamily="49" charset="0"/>
-              </a:rPr>
-              <a:t>    </a:t>
-            </a:r>
-            <a:r>
-              <a:rPr kumimoji="0" lang="en-US" altLang="en-US" sz="1000" b="1" i="0" u="none" strike="noStrike" cap="none" normalizeH="0" baseline="0" dirty="0" smtClean="0">
-                <a:ln>
-                  <a:noFill/>
-                </a:ln>
-                <a:solidFill>
-                  <a:srgbClr val="660E7A"/>
-                </a:solidFill>
-                <a:effectLst/>
-                <a:latin typeface="Consolas" panose="020B0609020204030204" pitchFamily="49" charset="0"/>
-                <a:cs typeface="Consolas" panose="020B0609020204030204" pitchFamily="49" charset="0"/>
-              </a:rPr>
-              <a:t>"</a:t>
-            </a:r>
-            <a:r>
-              <a:rPr kumimoji="0" lang="en-US" altLang="en-US" sz="1000" b="1" i="0" u="none" strike="noStrike" cap="none" normalizeH="0" baseline="0" dirty="0" err="1" smtClean="0">
-                <a:ln>
-                  <a:noFill/>
-                </a:ln>
-                <a:solidFill>
-                  <a:srgbClr val="660E7A"/>
-                </a:solidFill>
-                <a:effectLst/>
-                <a:latin typeface="Consolas" panose="020B0609020204030204" pitchFamily="49" charset="0"/>
-                <a:cs typeface="Consolas" panose="020B0609020204030204" pitchFamily="49" charset="0"/>
-              </a:rPr>
-              <a:t>description"</a:t>
-            </a:r>
-            <a:r>
-              <a:rPr kumimoji="0" lang="en-US" altLang="en-US" sz="1000" b="0" i="0" u="none" strike="noStrike" cap="none" normalizeH="0" baseline="0" dirty="0" err="1" smtClean="0">
-                <a:ln>
-                  <a:noFill/>
-                </a:ln>
-                <a:solidFill>
-                  <a:srgbClr val="000000"/>
-                </a:solidFill>
-                <a:effectLst/>
-                <a:latin typeface="Consolas" panose="020B0609020204030204" pitchFamily="49" charset="0"/>
-                <a:cs typeface="Consolas" panose="020B0609020204030204" pitchFamily="49" charset="0"/>
-              </a:rPr>
-              <a:t>:</a:t>
-            </a:r>
-            <a:r>
-              <a:rPr kumimoji="0" lang="en-US" altLang="en-US" sz="1000" b="1" i="0" u="none" strike="noStrike" cap="none" normalizeH="0" baseline="0" dirty="0" err="1" smtClean="0">
-                <a:ln>
-                  <a:noFill/>
-                </a:ln>
-                <a:solidFill>
-                  <a:srgbClr val="008000"/>
-                </a:solidFill>
-                <a:effectLst/>
-                <a:latin typeface="Consolas" panose="020B0609020204030204" pitchFamily="49" charset="0"/>
-                <a:cs typeface="Consolas" panose="020B0609020204030204" pitchFamily="49" charset="0"/>
-              </a:rPr>
-              <a:t>"Average</a:t>
-            </a:r>
-            <a:r>
-              <a:rPr kumimoji="0" lang="en-US" altLang="en-US" sz="1000" b="1" i="0" u="none" strike="noStrike" cap="none" normalizeH="0" baseline="0" dirty="0" smtClean="0">
-                <a:ln>
-                  <a:noFill/>
-                </a:ln>
-                <a:solidFill>
-                  <a:srgbClr val="008000"/>
-                </a:solidFill>
-                <a:effectLst/>
-                <a:latin typeface="Consolas" panose="020B0609020204030204" pitchFamily="49" charset="0"/>
-                <a:cs typeface="Consolas" panose="020B0609020204030204" pitchFamily="49" charset="0"/>
-              </a:rPr>
-              <a:t> CPU Utilization in 5 minutes"</a:t>
-            </a:r>
-            <a:r>
-              <a:rPr kumimoji="0" lang="en-US" altLang="en-US" sz="1000" b="0" i="0" u="none" strike="noStrike" cap="none" normalizeH="0" baseline="0" dirty="0" smtClean="0">
-                <a:ln>
-                  <a:noFill/>
-                </a:ln>
-                <a:solidFill>
-                  <a:srgbClr val="000000"/>
-                </a:solidFill>
-                <a:effectLst/>
-                <a:latin typeface="Consolas" panose="020B0609020204030204" pitchFamily="49" charset="0"/>
-                <a:cs typeface="Consolas" panose="020B0609020204030204" pitchFamily="49" charset="0"/>
-              </a:rPr>
-              <a:t>,</a:t>
-            </a:r>
-            <a:br>
-              <a:rPr kumimoji="0" lang="en-US" altLang="en-US" sz="1000" b="0" i="0" u="none" strike="noStrike" cap="none" normalizeH="0" baseline="0" dirty="0" smtClean="0">
-                <a:ln>
-                  <a:noFill/>
-                </a:ln>
-                <a:solidFill>
-                  <a:srgbClr val="000000"/>
-                </a:solidFill>
-                <a:effectLst/>
-                <a:latin typeface="Consolas" panose="020B0609020204030204" pitchFamily="49" charset="0"/>
-                <a:cs typeface="Consolas" panose="020B0609020204030204" pitchFamily="49" charset="0"/>
-              </a:rPr>
-            </a:br>
-            <a:r>
-              <a:rPr kumimoji="0" lang="en-US" altLang="en-US" sz="1000" b="0" i="0" u="none" strike="noStrike" cap="none" normalizeH="0" baseline="0" dirty="0" smtClean="0">
-                <a:ln>
-                  <a:noFill/>
-                </a:ln>
-                <a:solidFill>
-                  <a:srgbClr val="000000"/>
-                </a:solidFill>
-                <a:effectLst/>
-                <a:latin typeface="Consolas" panose="020B0609020204030204" pitchFamily="49" charset="0"/>
-                <a:cs typeface="Consolas" panose="020B0609020204030204" pitchFamily="49" charset="0"/>
-              </a:rPr>
-              <a:t>    </a:t>
-            </a:r>
-            <a:r>
-              <a:rPr kumimoji="0" lang="en-US" altLang="en-US" sz="1000" b="1" i="0" u="none" strike="noStrike" cap="none" normalizeH="0" baseline="0" dirty="0" smtClean="0">
-                <a:ln>
-                  <a:noFill/>
-                </a:ln>
-                <a:solidFill>
-                  <a:srgbClr val="660E7A"/>
-                </a:solidFill>
-                <a:effectLst/>
-                <a:latin typeface="Consolas" panose="020B0609020204030204" pitchFamily="49" charset="0"/>
-                <a:cs typeface="Consolas" panose="020B0609020204030204" pitchFamily="49" charset="0"/>
-              </a:rPr>
-              <a:t>"unit"</a:t>
-            </a:r>
-            <a:r>
-              <a:rPr kumimoji="0" lang="en-US" altLang="en-US" sz="1000" b="0" i="0" u="none" strike="noStrike" cap="none" normalizeH="0" baseline="0" dirty="0" smtClean="0">
-                <a:ln>
-                  <a:noFill/>
-                </a:ln>
-                <a:solidFill>
-                  <a:srgbClr val="000000"/>
-                </a:solidFill>
-                <a:effectLst/>
-                <a:latin typeface="Consolas" panose="020B0609020204030204" pitchFamily="49" charset="0"/>
-                <a:cs typeface="Consolas" panose="020B0609020204030204" pitchFamily="49" charset="0"/>
-              </a:rPr>
-              <a:t>:</a:t>
-            </a:r>
-            <a:r>
-              <a:rPr kumimoji="0" lang="en-US" altLang="en-US" sz="1000" b="1" i="0" u="none" strike="noStrike" cap="none" normalizeH="0" baseline="0" dirty="0" smtClean="0">
-                <a:ln>
-                  <a:noFill/>
-                </a:ln>
-                <a:solidFill>
-                  <a:srgbClr val="008000"/>
-                </a:solidFill>
-                <a:effectLst/>
-                <a:latin typeface="Consolas" panose="020B0609020204030204" pitchFamily="49" charset="0"/>
-                <a:cs typeface="Consolas" panose="020B0609020204030204" pitchFamily="49" charset="0"/>
-              </a:rPr>
-              <a:t>"%"</a:t>
-            </a:r>
-            <a:r>
-              <a:rPr kumimoji="0" lang="en-US" altLang="en-US" sz="1000" b="0" i="0" u="none" strike="noStrike" cap="none" normalizeH="0" baseline="0" dirty="0" smtClean="0">
-                <a:ln>
-                  <a:noFill/>
-                </a:ln>
-                <a:solidFill>
-                  <a:srgbClr val="000000"/>
-                </a:solidFill>
-                <a:effectLst/>
-                <a:latin typeface="Consolas" panose="020B0609020204030204" pitchFamily="49" charset="0"/>
-                <a:cs typeface="Consolas" panose="020B0609020204030204" pitchFamily="49" charset="0"/>
-              </a:rPr>
-              <a:t>,</a:t>
-            </a:r>
-            <a:br>
-              <a:rPr kumimoji="0" lang="en-US" altLang="en-US" sz="1000" b="0" i="0" u="none" strike="noStrike" cap="none" normalizeH="0" baseline="0" dirty="0" smtClean="0">
-                <a:ln>
-                  <a:noFill/>
-                </a:ln>
-                <a:solidFill>
-                  <a:srgbClr val="000000"/>
-                </a:solidFill>
-                <a:effectLst/>
-                <a:latin typeface="Consolas" panose="020B0609020204030204" pitchFamily="49" charset="0"/>
-                <a:cs typeface="Consolas" panose="020B0609020204030204" pitchFamily="49" charset="0"/>
-              </a:rPr>
-            </a:br>
-            <a:r>
-              <a:rPr kumimoji="0" lang="en-US" altLang="en-US" sz="1000" b="0" i="0" u="none" strike="noStrike" cap="none" normalizeH="0" baseline="0" dirty="0" smtClean="0">
-                <a:ln>
-                  <a:noFill/>
-                </a:ln>
-                <a:solidFill>
-                  <a:srgbClr val="000000"/>
-                </a:solidFill>
-                <a:effectLst/>
-                <a:latin typeface="Consolas" panose="020B0609020204030204" pitchFamily="49" charset="0"/>
-                <a:cs typeface="Consolas" panose="020B0609020204030204" pitchFamily="49" charset="0"/>
-              </a:rPr>
-              <a:t>    </a:t>
-            </a:r>
-            <a:r>
-              <a:rPr kumimoji="0" lang="en-US" altLang="en-US" sz="1000" b="1" i="0" u="none" strike="noStrike" cap="none" normalizeH="0" baseline="0" dirty="0" smtClean="0">
-                <a:ln>
-                  <a:noFill/>
-                </a:ln>
-                <a:solidFill>
-                  <a:srgbClr val="660E7A"/>
-                </a:solidFill>
-                <a:effectLst/>
-                <a:latin typeface="Consolas" panose="020B0609020204030204" pitchFamily="49" charset="0"/>
-                <a:cs typeface="Consolas" panose="020B0609020204030204" pitchFamily="49" charset="0"/>
-              </a:rPr>
-              <a:t>"interval"</a:t>
-            </a:r>
-            <a:r>
-              <a:rPr kumimoji="0" lang="en-US" altLang="en-US" sz="1000" b="0" i="0" u="none" strike="noStrike" cap="none" normalizeH="0" baseline="0" dirty="0" smtClean="0">
-                <a:ln>
-                  <a:noFill/>
-                </a:ln>
-                <a:solidFill>
-                  <a:srgbClr val="000000"/>
-                </a:solidFill>
-                <a:effectLst/>
-                <a:latin typeface="Consolas" panose="020B0609020204030204" pitchFamily="49" charset="0"/>
-                <a:cs typeface="Consolas" panose="020B0609020204030204" pitchFamily="49" charset="0"/>
-              </a:rPr>
-              <a:t>: </a:t>
-            </a:r>
-            <a:r>
-              <a:rPr kumimoji="0" lang="en-US" altLang="en-US" sz="1000" b="0" i="0" u="none" strike="noStrike" cap="none" normalizeH="0" baseline="0" dirty="0" smtClean="0">
-                <a:ln>
-                  <a:noFill/>
-                </a:ln>
-                <a:solidFill>
-                  <a:srgbClr val="0000FF"/>
-                </a:solidFill>
-                <a:effectLst/>
-                <a:latin typeface="Consolas" panose="020B0609020204030204" pitchFamily="49" charset="0"/>
-                <a:cs typeface="Consolas" panose="020B0609020204030204" pitchFamily="49" charset="0"/>
-              </a:rPr>
-              <a:t>300</a:t>
-            </a:r>
-            <a:br>
-              <a:rPr kumimoji="0" lang="en-US" altLang="en-US" sz="1000" b="0" i="0" u="none" strike="noStrike" cap="none" normalizeH="0" baseline="0" dirty="0" smtClean="0">
-                <a:ln>
-                  <a:noFill/>
-                </a:ln>
-                <a:solidFill>
-                  <a:srgbClr val="0000FF"/>
-                </a:solidFill>
-                <a:effectLst/>
-                <a:latin typeface="Consolas" panose="020B0609020204030204" pitchFamily="49" charset="0"/>
-                <a:cs typeface="Consolas" panose="020B0609020204030204" pitchFamily="49" charset="0"/>
-              </a:rPr>
-            </a:br>
-            <a:r>
-              <a:rPr kumimoji="0" lang="en-US" altLang="en-US" sz="1000" b="0" i="0" u="none" strike="noStrike" cap="none" normalizeH="0" baseline="0" dirty="0" smtClean="0">
-                <a:ln>
-                  <a:noFill/>
-                </a:ln>
-                <a:solidFill>
-                  <a:srgbClr val="0000FF"/>
-                </a:solidFill>
-                <a:effectLst/>
-                <a:latin typeface="Consolas" panose="020B0609020204030204" pitchFamily="49" charset="0"/>
-                <a:cs typeface="Consolas" panose="020B0609020204030204" pitchFamily="49" charset="0"/>
-              </a:rPr>
-              <a:t>  </a:t>
-            </a:r>
-            <a:r>
-              <a:rPr kumimoji="0" lang="en-US" altLang="en-US" sz="1000" b="0" i="0" u="none" strike="noStrike" cap="none" normalizeH="0" baseline="0" dirty="0" smtClean="0">
-                <a:ln>
-                  <a:noFill/>
-                </a:ln>
-                <a:solidFill>
-                  <a:srgbClr val="000000"/>
-                </a:solidFill>
-                <a:effectLst/>
-                <a:latin typeface="Consolas" panose="020B0609020204030204" pitchFamily="49" charset="0"/>
-                <a:cs typeface="Consolas" panose="020B0609020204030204" pitchFamily="49" charset="0"/>
-              </a:rPr>
-              <a:t>},</a:t>
-            </a:r>
-            <a:endParaRPr kumimoji="0" lang="en-US" altLang="en-US" sz="1800" b="0" i="0" u="none" strike="noStrike" cap="none" normalizeH="0" baseline="0" dirty="0" smtClean="0">
-              <a:ln>
-                <a:noFill/>
-              </a:ln>
-              <a:solidFill>
-                <a:schemeClr val="tx1"/>
-              </a:solidFill>
-              <a:effectLst/>
-              <a:latin typeface="Arial" panose="020B0604020202020204" pitchFamily="34" charset="0"/>
-            </a:endParaRPr>
-          </a:p>
-        </p:txBody>
-      </p:sp>
-      <p:pic>
-        <p:nvPicPr>
-          <p:cNvPr id="7" name="Picture 6"/>
-          <p:cNvPicPr>
-            <a:picLocks noChangeAspect="1"/>
-          </p:cNvPicPr>
-          <p:nvPr/>
-        </p:nvPicPr>
-        <p:blipFill>
-          <a:blip r:embed="rId2"/>
-          <a:stretch>
-            <a:fillRect/>
-          </a:stretch>
-        </p:blipFill>
-        <p:spPr>
-          <a:xfrm>
-            <a:off x="1828800" y="3581400"/>
-            <a:ext cx="3810000" cy="2463800"/>
-          </a:xfrm>
-          <a:prstGeom prst="rect">
-            <a:avLst/>
-          </a:prstGeom>
-        </p:spPr>
-      </p:pic>
-    </p:spTree>
-    <p:extLst>
-      <p:ext uri="{BB962C8B-B14F-4D97-AF65-F5344CB8AC3E}">
-        <p14:creationId xmlns:p14="http://schemas.microsoft.com/office/powerpoint/2010/main" val="3037109251"/>
-      </p:ext>
-    </p:extLst>
-  </p:cSld>
-  <p:clrMapOvr>
-    <a:masterClrMapping/>
-  </p:clrMapOvr>
-  <mc:AlternateContent xmlns:mc="http://schemas.openxmlformats.org/markup-compatibility/2006" xmlns:p14="http://schemas.microsoft.com/office/powerpoint/2010/main">
-    <mc:Choice Requires="p14">
-      <p:transition spd="med" p14:dur="700">
-        <p:fade/>
-      </p:transition>
-    </mc:Choice>
-    <mc:Fallback xmlns="">
-      <p:transition spd="med">
-        <p:fade/>
-      </p:transition>
-    </mc:Fallback>
-  </mc:AlternateContent>
-  <p:timing>
-    <p:tnLst>
-      <p:par>
-        <p:cTn id="1" dur="indefinite" restart="never" nodeType="tmRoot"/>
-      </p:par>
-    </p:tnLst>
-  </p:timing>
-</p:sld>
-</file>
-
-<file path=ppt/slides/slide17.xml><?xml version="1.0" encoding="utf-8"?>
-<p:sld xmlns:a="http://schemas.openxmlformats.org/drawingml/2006/main" xmlns:r="http://schemas.openxmlformats.org/officeDocument/2006/relationships" xmlns:p="http://schemas.openxmlformats.org/presentationml/2006/main">
-  <p:cSld>
-    <p:spTree>
-      <p:nvGrpSpPr>
-        <p:cNvPr id="1" name=""/>
-        <p:cNvGrpSpPr/>
-        <p:nvPr/>
-      </p:nvGrpSpPr>
-      <p:grpSpPr>
-        <a:xfrm>
-          <a:off x="0" y="0"/>
-          <a:ext cx="0" cy="0"/>
-          <a:chOff x="0" y="0"/>
-          <a:chExt cx="0" cy="0"/>
-        </a:xfrm>
-      </p:grpSpPr>
-      <p:sp>
-        <p:nvSpPr>
-          <p:cNvPr id="2" name="Title 1"/>
-          <p:cNvSpPr>
-            <a:spLocks noGrp="1"/>
-          </p:cNvSpPr>
-          <p:nvPr>
-            <p:ph type="title"/>
-          </p:nvPr>
-        </p:nvSpPr>
-        <p:spPr/>
-        <p:txBody>
-          <a:bodyPr/>
-          <a:lstStyle/>
-          <a:p>
-            <a:r>
-              <a:rPr lang="en-US" dirty="0" smtClean="0"/>
               <a:t>MPM with NFVD</a:t>
             </a:r>
             <a:endParaRPr lang="en-US" dirty="0"/>
@@ -44502,7 +45710,7 @@
             <a:fld id="{B016F8AB-BCEA-4347-8BA6-BE776009BC89}" type="slidenum">
               <a:rPr lang="en-US" smtClean="0"/>
               <a:pPr/>
-              <a:t>17</a:t>
+              <a:t>22</a:t>
             </a:fld>
             <a:endParaRPr lang="en-US"/>
           </a:p>
@@ -44557,7 +45765,7 @@
 </p:sld>
 </file>
 
-<file path=ppt/slides/slide18.xml><?xml version="1.0" encoding="utf-8"?>
+<file path=ppt/slides/slide23.xml><?xml version="1.0" encoding="utf-8"?>
 <p:sld xmlns:a="http://schemas.openxmlformats.org/drawingml/2006/main" xmlns:r="http://schemas.openxmlformats.org/officeDocument/2006/relationships" xmlns:p="http://schemas.openxmlformats.org/presentationml/2006/main">
   <p:cSld>
     <p:spTree>
@@ -44687,7 +45895,7 @@
             <a:fld id="{B016F8AB-BCEA-4347-8BA6-BE776009BC89}" type="slidenum">
               <a:rPr lang="en-US" smtClean="0"/>
               <a:pPr/>
-              <a:t>18</a:t>
+              <a:t>23</a:t>
             </a:fld>
             <a:endParaRPr lang="en-US"/>
           </a:p>
@@ -44718,7 +45926,7 @@
 </p:sld>
 </file>
 
-<file path=ppt/slides/slide2.xml><?xml version="1.0" encoding="utf-8"?>
+<file path=ppt/slides/slide24.xml><?xml version="1.0" encoding="utf-8"?>
 <p:sld xmlns:a="http://schemas.openxmlformats.org/drawingml/2006/main" xmlns:r="http://schemas.openxmlformats.org/officeDocument/2006/relationships" xmlns:p="http://schemas.openxmlformats.org/presentationml/2006/main">
   <p:cSld>
     <p:spTree>
@@ -44737,7 +45945,7 @@
       </p:grpSpPr>
       <p:sp>
         <p:nvSpPr>
-          <p:cNvPr id="3" name="Title 2"/>
+          <p:cNvPr id="2" name="Title 1"/>
           <p:cNvSpPr>
             <a:spLocks noGrp="1"/>
           </p:cNvSpPr>
@@ -44752,7 +45960,7 @@
           <a:p>
             <a:r>
               <a:rPr lang="en-US" dirty="0" smtClean="0"/>
-              <a:t>General Ideas</a:t>
+              <a:t>more</a:t>
             </a:r>
             <a:endParaRPr lang="en-US" dirty="0"/>
           </a:p>
@@ -44760,7 +45968,7 @@
       </p:sp>
       <p:sp>
         <p:nvSpPr>
-          <p:cNvPr id="2" name="Content Placeholder 1"/>
+          <p:cNvPr id="3" name="Content Placeholder 2"/>
           <p:cNvSpPr>
             <a:spLocks noGrp="1"/>
           </p:cNvSpPr>
@@ -44768,65 +45976,32 @@
             <p:ph idx="1"/>
           </p:nvPr>
         </p:nvSpPr>
-        <p:spPr>
-          <a:xfrm>
-            <a:off x="609600" y="1066800"/>
-            <a:ext cx="10969784" cy="5105400"/>
-          </a:xfrm>
-        </p:spPr>
+        <p:spPr/>
         <p:txBody>
-          <a:bodyPr>
-            <a:normAutofit lnSpcReduction="10000"/>
-          </a:bodyPr>
+          <a:bodyPr/>
           <a:lstStyle/>
           <a:p>
             <a:r>
+              <a:rPr lang="en-US" sz="1600" dirty="0"/>
+              <a:t>Due to limit of V8(</a:t>
+            </a:r>
+            <a:r>
+              <a:rPr lang="en-US" sz="1600" dirty="0" err="1"/>
+              <a:t>NodeJS</a:t>
+            </a:r>
+            <a:r>
+              <a:rPr lang="en-US" sz="1600" dirty="0"/>
+              <a:t>) to deal with huge data, it has to split the collector into several collectors work parallel, these collector can run in a distribution environment</a:t>
+            </a:r>
+          </a:p>
+          <a:p>
+            <a:r>
               <a:rPr lang="en-US" sz="1600" dirty="0" smtClean="0"/>
-              <a:t>This is a light </a:t>
+              <a:t>Jobs </a:t>
             </a:r>
             <a:r>
               <a:rPr lang="en-US" sz="1600" dirty="0"/>
-              <a:t>but </a:t>
-            </a:r>
-            <a:r>
-              <a:rPr lang="en-US" sz="1600" dirty="0" smtClean="0"/>
-              <a:t>extendible solution of performance management.</a:t>
-            </a:r>
-          </a:p>
-          <a:p>
-            <a:r>
-              <a:rPr lang="en-US" sz="1600" dirty="0" smtClean="0"/>
-              <a:t>The solution bases on Neo4J database, which provides high performance on massive data and used by other HPE product like UCA.</a:t>
-            </a:r>
-          </a:p>
-          <a:p>
-            <a:r>
-              <a:rPr lang="en-US" sz="1600" dirty="0" smtClean="0"/>
-              <a:t>In the prototype all modules are developed in JavaScript (NodeJS &amp; AngularJS), while for customized collectors, they can developed in JAVA  or Scala.</a:t>
-            </a:r>
-          </a:p>
-          <a:p>
-            <a:r>
-              <a:rPr lang="en-US" sz="1600" dirty="0" smtClean="0"/>
-              <a:t>Most function modules work independently, they all provide REST APIs for CONTROL and MONIOR</a:t>
-            </a:r>
-          </a:p>
-          <a:p>
-            <a:r>
-              <a:rPr lang="en-US" sz="1600" dirty="0" smtClean="0"/>
-              <a:t>Due to limit of V8(NodeJS) to deal with huge data, it has to split the collector into several collectors work parallel, these collector can run in a distribution environment</a:t>
-            </a:r>
-          </a:p>
-          <a:p>
-            <a:r>
-              <a:rPr lang="en-US" sz="1600" dirty="0" smtClean="0"/>
-              <a:t>Only raw counters are stored in the Neo4J, all calculations are runtime. (depends on the performance of Neo4J) </a:t>
-            </a:r>
-          </a:p>
-          <a:p>
-            <a:r>
-              <a:rPr lang="en-US" sz="1600" dirty="0" smtClean="0"/>
-              <a:t>Jobs are executed by scheduler. The jobs are:</a:t>
+              <a:t>are executed by scheduler. The jobs are:</a:t>
             </a:r>
           </a:p>
           <a:p>
@@ -44835,7 +46010,7 @@
               <a:buChar char="Ø"/>
             </a:pPr>
             <a:r>
-              <a:rPr lang="en-US" sz="1400" dirty="0" smtClean="0"/>
+              <a:rPr lang="en-US" sz="1400" dirty="0"/>
               <a:t>Calculate/Get KPIs  have thresholds</a:t>
             </a:r>
           </a:p>
@@ -44845,7 +46020,7 @@
               <a:buChar char="Ø"/>
             </a:pPr>
             <a:r>
-              <a:rPr lang="en-US" sz="1400" dirty="0" smtClean="0"/>
+              <a:rPr lang="en-US" sz="1400" dirty="0"/>
               <a:t>Trigger the actions if thresholds are broken</a:t>
             </a:r>
           </a:p>
@@ -44855,43 +46030,22 @@
               <a:buChar char="Ø"/>
             </a:pPr>
             <a:r>
-              <a:rPr lang="en-US" sz="1400" dirty="0" smtClean="0"/>
+              <a:rPr lang="en-US" sz="1400" dirty="0"/>
               <a:t>Data retention</a:t>
             </a:r>
           </a:p>
           <a:p>
             <a:r>
-              <a:rPr lang="en-US" sz="1600" dirty="0" smtClean="0"/>
+              <a:rPr lang="en-US" sz="1600" dirty="0"/>
               <a:t>Retention, it’s could calculate the history KPI values (for all types of KPI) into an achieve DB.</a:t>
             </a:r>
           </a:p>
           <a:p>
             <a:r>
-              <a:rPr lang="en-US" sz="1600" dirty="0" smtClean="0"/>
-              <a:t>The GUI is develop on HPE UOC framework.</a:t>
-            </a:r>
-          </a:p>
-          <a:p>
-            <a:r>
-              <a:rPr lang="en-US" sz="1600" dirty="0" smtClean="0"/>
-              <a:t>Report Packs are not developed in the prototype. UOC or other tools like Pentaho can be used to develop reports. KPI engine will provide APIs to query KPI values.</a:t>
-            </a:r>
-          </a:p>
-          <a:p>
-            <a:endParaRPr lang="en-US" sz="1600" dirty="0" smtClean="0"/>
-          </a:p>
-          <a:p>
-            <a:endParaRPr lang="en-US" sz="1600" dirty="0"/>
-          </a:p>
-          <a:p>
-            <a:pPr lvl="1"/>
-            <a:endParaRPr lang="en-US" sz="1400" dirty="0" smtClean="0"/>
-          </a:p>
-          <a:p>
-            <a:endParaRPr lang="en-US" sz="1600" dirty="0" smtClean="0"/>
-          </a:p>
-          <a:p>
-            <a:endParaRPr lang="en-US" sz="1600" dirty="0"/>
+              <a:rPr lang="en-US" sz="1600" dirty="0"/>
+              <a:t>Report Packs are not developed in the prototype. UOC or other tools like Pentaho can be used to develop reports. KPI engine will provide APIs to query KPI values</a:t>
+            </a:r>
+            <a:endParaRPr lang="en-US" b="1" dirty="0"/>
           </a:p>
         </p:txBody>
       </p:sp>
@@ -44905,19 +46059,15 @@
             <p:ph type="sldNum" sz="quarter" idx="12"/>
           </p:nvPr>
         </p:nvSpPr>
-        <p:spPr>
-          <a:xfrm>
-            <a:off x="11049000" y="6430868"/>
-            <a:ext cx="533399" cy="232147"/>
-          </a:xfrm>
-        </p:spPr>
+        <p:spPr/>
         <p:txBody>
           <a:bodyPr/>
           <a:lstStyle/>
           <a:p>
             <a:fld id="{B016F8AB-BCEA-4347-8BA6-BE776009BC89}" type="slidenum">
               <a:rPr lang="en-US" smtClean="0"/>
-              <a:t>2</a:t>
+              <a:pPr/>
+              <a:t>24</a:t>
             </a:fld>
             <a:endParaRPr lang="en-US"/>
           </a:p>
@@ -44926,7 +46076,7 @@
     </p:spTree>
     <p:extLst>
       <p:ext uri="{BB962C8B-B14F-4D97-AF65-F5344CB8AC3E}">
-        <p14:creationId xmlns:p14="http://schemas.microsoft.com/office/powerpoint/2010/main" val="3706688682"/>
+        <p14:creationId xmlns:p14="http://schemas.microsoft.com/office/powerpoint/2010/main" val="3820887748"/>
       </p:ext>
     </p:extLst>
   </p:cSld>
@@ -44945,13 +46095,6 @@
       </p:transition>
     </mc:Fallback>
   </mc:AlternateContent>
-  <p:timing>
-    <p:tnLst>
-      <p:par>
-        <p:cTn id="1" dur="indefinite" restart="never" nodeType="tmRoot"/>
-      </p:par>
-    </p:tnLst>
-  </p:timing>
 </p:sld>
 </file>
 
@@ -48667,8 +49810,94 @@
           <a:p>
             <a:r>
               <a:rPr lang="en-US" dirty="0" smtClean="0"/>
-              <a:t>Design Model </a:t>
-            </a:r>
+              <a:t>Modelling</a:t>
+            </a:r>
+            <a:endParaRPr lang="en-US" dirty="0"/>
+          </a:p>
+        </p:txBody>
+      </p:sp>
+      <p:sp>
+        <p:nvSpPr>
+          <p:cNvPr id="3" name="Content Placeholder 2"/>
+          <p:cNvSpPr>
+            <a:spLocks noGrp="1"/>
+          </p:cNvSpPr>
+          <p:nvPr>
+            <p:ph idx="1"/>
+          </p:nvPr>
+        </p:nvSpPr>
+        <p:spPr>
+          <a:xfrm>
+            <a:off x="609441" y="1253936"/>
+            <a:ext cx="10969784" cy="4918264"/>
+          </a:xfrm>
+        </p:spPr>
+        <p:txBody>
+          <a:bodyPr>
+            <a:normAutofit fontScale="92500" lnSpcReduction="10000"/>
+          </a:bodyPr>
+          <a:lstStyle/>
+          <a:p>
+            <a:r>
+              <a:rPr lang="en-US" dirty="0" smtClean="0"/>
+              <a:t>To define the model is the first step to use this system.  All counters or KPIs must belong to an OBJECT. Model contains objects and relationships. The calculation, propagation, aggregation are based on the model.</a:t>
+            </a:r>
+          </a:p>
+          <a:p>
+            <a:r>
+              <a:rPr lang="en-US" dirty="0" smtClean="0"/>
+              <a:t>The models are group by domains. For example, 2G RAN, IT …  In the system domain ID is unique and the id of object in one domain is unique.</a:t>
+            </a:r>
+          </a:p>
+          <a:p>
+            <a:r>
+              <a:rPr lang="en-US" dirty="0" smtClean="0"/>
+              <a:t>To build the model the best way is provide a visualize portal, like NFVD template designer. </a:t>
+            </a:r>
+            <a:endParaRPr lang="en-US" dirty="0"/>
+          </a:p>
+          <a:p>
+            <a:r>
+              <a:rPr lang="en-US" dirty="0" smtClean="0"/>
+              <a:t>The second way is to define the model in a JSON file and use a collector to inject it into the DB.</a:t>
+            </a:r>
+          </a:p>
+          <a:p>
+            <a:endParaRPr lang="en-US" dirty="0"/>
+          </a:p>
+          <a:p>
+            <a:endParaRPr lang="en-US" dirty="0" smtClean="0"/>
+          </a:p>
+          <a:p>
+            <a:endParaRPr lang="en-US" dirty="0"/>
+          </a:p>
+          <a:p>
+            <a:endParaRPr lang="en-US" dirty="0" smtClean="0"/>
+          </a:p>
+          <a:p>
+            <a:endParaRPr lang="en-US" dirty="0" smtClean="0"/>
+          </a:p>
+          <a:p>
+            <a:endParaRPr lang="en-US" dirty="0"/>
+          </a:p>
+          <a:p>
+            <a:r>
+              <a:rPr lang="en-US" dirty="0" smtClean="0"/>
+              <a:t>To update a model, especially to remove an object is ‘dangerous’ in an online system</a:t>
+            </a:r>
+            <a:r>
+              <a:rPr lang="en-US" dirty="0" smtClean="0"/>
+              <a:t>.</a:t>
+            </a:r>
+          </a:p>
+          <a:p>
+            <a:r>
+              <a:rPr lang="en-US" dirty="0" smtClean="0"/>
+              <a:t>Granularity is a special object</a:t>
+            </a:r>
+            <a:endParaRPr lang="en-US" dirty="0" smtClean="0"/>
+          </a:p>
+          <a:p>
             <a:endParaRPr lang="en-US" dirty="0"/>
           </a:p>
         </p:txBody>
@@ -48692,6 +49921,1657 @@
               <a:rPr lang="en-US" smtClean="0"/>
               <a:pPr/>
               <a:t>6</a:t>
+            </a:fld>
+            <a:endParaRPr lang="en-US"/>
+          </a:p>
+        </p:txBody>
+      </p:sp>
+      <p:sp>
+        <p:nvSpPr>
+          <p:cNvPr id="5" name="Rectangle 1"/>
+          <p:cNvSpPr>
+            <a:spLocks noChangeArrowheads="1"/>
+          </p:cNvSpPr>
+          <p:nvPr/>
+        </p:nvSpPr>
+        <p:spPr bwMode="auto">
+          <a:xfrm>
+            <a:off x="924978" y="3124200"/>
+            <a:ext cx="4724400" cy="1938992"/>
+          </a:xfrm>
+          <a:prstGeom prst="rect">
+            <a:avLst/>
+          </a:prstGeom>
+          <a:solidFill>
+            <a:srgbClr val="FFFFFF"/>
+          </a:solidFill>
+          <a:ln>
+            <a:noFill/>
+          </a:ln>
+          <a:effectLst/>
+          <a:extLst>
+            <a:ext uri="{91240B29-F687-4F45-9708-019B960494DF}">
+              <a14:hiddenLine xmlns:a14="http://schemas.microsoft.com/office/drawing/2010/main" w="9525">
+                <a:solidFill>
+                  <a:schemeClr val="tx1"/>
+                </a:solidFill>
+                <a:miter lim="800000"/>
+                <a:headEnd/>
+                <a:tailEnd/>
+              </a14:hiddenLine>
+            </a:ext>
+            <a:ext uri="{AF507438-7753-43E0-B8FC-AC1667EBCBE1}">
+              <a14:hiddenEffects xmlns:a14="http://schemas.microsoft.com/office/drawing/2010/main">
+                <a:effectLst>
+                  <a:outerShdw dist="35921" dir="2700000" algn="ctr" rotWithShape="0">
+                    <a:schemeClr val="bg2"/>
+                  </a:outerShdw>
+                </a:effectLst>
+              </a14:hiddenEffects>
+            </a:ext>
+          </a:extLst>
+        </p:spPr>
+        <p:txBody>
+          <a:bodyPr vert="horz" wrap="square" lIns="91440" tIns="45720" rIns="91440" bIns="45720" numCol="1" anchor="ctr" anchorCtr="0" compatLnSpc="1">
+            <a:prstTxWarp prst="textNoShape">
+              <a:avLst/>
+            </a:prstTxWarp>
+            <a:spAutoFit/>
+          </a:bodyPr>
+          <a:lstStyle/>
+          <a:p>
+            <a:pPr marL="0" marR="0" lvl="0" indent="0" algn="l" defTabSz="914400" rtl="0" eaLnBrk="0" fontAlgn="base" latinLnBrk="0" hangingPunct="0">
+              <a:lnSpc>
+                <a:spcPct val="100000"/>
+              </a:lnSpc>
+              <a:spcBef>
+                <a:spcPct val="0"/>
+              </a:spcBef>
+              <a:spcAft>
+                <a:spcPct val="0"/>
+              </a:spcAft>
+              <a:buClrTx/>
+              <a:buSzTx/>
+              <a:buFontTx/>
+              <a:buNone/>
+              <a:tabLst/>
+            </a:pPr>
+            <a:r>
+              <a:rPr kumimoji="0" lang="en-US" altLang="en-US" sz="1000" b="0" i="0" u="none" strike="noStrike" cap="none" normalizeH="0" baseline="0" dirty="0" smtClean="0">
+                <a:ln>
+                  <a:noFill/>
+                </a:ln>
+                <a:solidFill>
+                  <a:srgbClr val="000000"/>
+                </a:solidFill>
+                <a:effectLst/>
+                <a:latin typeface="Consolas" panose="020B0609020204030204" pitchFamily="49" charset="0"/>
+                <a:cs typeface="Consolas" panose="020B0609020204030204" pitchFamily="49" charset="0"/>
+              </a:rPr>
+              <a:t>{</a:t>
+            </a:r>
+            <a:br>
+              <a:rPr kumimoji="0" lang="en-US" altLang="en-US" sz="1000" b="0" i="0" u="none" strike="noStrike" cap="none" normalizeH="0" baseline="0" dirty="0" smtClean="0">
+                <a:ln>
+                  <a:noFill/>
+                </a:ln>
+                <a:solidFill>
+                  <a:srgbClr val="000000"/>
+                </a:solidFill>
+                <a:effectLst/>
+                <a:latin typeface="Consolas" panose="020B0609020204030204" pitchFamily="49" charset="0"/>
+                <a:cs typeface="Consolas" panose="020B0609020204030204" pitchFamily="49" charset="0"/>
+              </a:rPr>
+            </a:br>
+            <a:r>
+              <a:rPr kumimoji="0" lang="en-US" altLang="en-US" sz="1000" b="0" i="0" u="none" strike="noStrike" cap="none" normalizeH="0" baseline="0" dirty="0" smtClean="0">
+                <a:ln>
+                  <a:noFill/>
+                </a:ln>
+                <a:solidFill>
+                  <a:srgbClr val="000000"/>
+                </a:solidFill>
+                <a:effectLst/>
+                <a:latin typeface="Consolas" panose="020B0609020204030204" pitchFamily="49" charset="0"/>
+                <a:cs typeface="Consolas" panose="020B0609020204030204" pitchFamily="49" charset="0"/>
+              </a:rPr>
+              <a:t>  </a:t>
+            </a:r>
+            <a:r>
+              <a:rPr kumimoji="0" lang="en-US" altLang="en-US" sz="1000" b="1" i="0" u="none" strike="noStrike" cap="none" normalizeH="0" baseline="0" dirty="0" smtClean="0">
+                <a:ln>
+                  <a:noFill/>
+                </a:ln>
+                <a:solidFill>
+                  <a:srgbClr val="660E7A"/>
+                </a:solidFill>
+                <a:effectLst/>
+                <a:latin typeface="Consolas" panose="020B0609020204030204" pitchFamily="49" charset="0"/>
+                <a:cs typeface="Consolas" panose="020B0609020204030204" pitchFamily="49" charset="0"/>
+              </a:rPr>
+              <a:t>"domain"</a:t>
+            </a:r>
+            <a:r>
+              <a:rPr kumimoji="0" lang="en-US" altLang="en-US" sz="1000" b="0" i="0" u="none" strike="noStrike" cap="none" normalizeH="0" baseline="0" dirty="0" smtClean="0">
+                <a:ln>
+                  <a:noFill/>
+                </a:ln>
+                <a:solidFill>
+                  <a:srgbClr val="000000"/>
+                </a:solidFill>
+                <a:effectLst/>
+                <a:latin typeface="Consolas" panose="020B0609020204030204" pitchFamily="49" charset="0"/>
+                <a:cs typeface="Consolas" panose="020B0609020204030204" pitchFamily="49" charset="0"/>
+              </a:rPr>
+              <a:t>:</a:t>
+            </a:r>
+            <a:r>
+              <a:rPr kumimoji="0" lang="en-US" altLang="en-US" sz="1000" b="1" i="0" u="none" strike="noStrike" cap="none" normalizeH="0" baseline="0" dirty="0" smtClean="0">
+                <a:ln>
+                  <a:noFill/>
+                </a:ln>
+                <a:solidFill>
+                  <a:srgbClr val="008000"/>
+                </a:solidFill>
+                <a:effectLst/>
+                <a:latin typeface="Consolas" panose="020B0609020204030204" pitchFamily="49" charset="0"/>
+                <a:cs typeface="Consolas" panose="020B0609020204030204" pitchFamily="49" charset="0"/>
+              </a:rPr>
+              <a:t>"2GRAN"</a:t>
+            </a:r>
+            <a:r>
+              <a:rPr kumimoji="0" lang="en-US" altLang="en-US" sz="1000" b="0" i="0" u="none" strike="noStrike" cap="none" normalizeH="0" baseline="0" dirty="0" smtClean="0">
+                <a:ln>
+                  <a:noFill/>
+                </a:ln>
+                <a:solidFill>
+                  <a:srgbClr val="000000"/>
+                </a:solidFill>
+                <a:effectLst/>
+                <a:latin typeface="Consolas" panose="020B0609020204030204" pitchFamily="49" charset="0"/>
+                <a:cs typeface="Consolas" panose="020B0609020204030204" pitchFamily="49" charset="0"/>
+              </a:rPr>
+              <a:t>,</a:t>
+            </a:r>
+            <a:br>
+              <a:rPr kumimoji="0" lang="en-US" altLang="en-US" sz="1000" b="0" i="0" u="none" strike="noStrike" cap="none" normalizeH="0" baseline="0" dirty="0" smtClean="0">
+                <a:ln>
+                  <a:noFill/>
+                </a:ln>
+                <a:solidFill>
+                  <a:srgbClr val="000000"/>
+                </a:solidFill>
+                <a:effectLst/>
+                <a:latin typeface="Consolas" panose="020B0609020204030204" pitchFamily="49" charset="0"/>
+                <a:cs typeface="Consolas" panose="020B0609020204030204" pitchFamily="49" charset="0"/>
+              </a:rPr>
+            </a:br>
+            <a:r>
+              <a:rPr kumimoji="0" lang="en-US" altLang="en-US" sz="1000" b="0" i="0" u="none" strike="noStrike" cap="none" normalizeH="0" baseline="0" dirty="0" smtClean="0">
+                <a:ln>
+                  <a:noFill/>
+                </a:ln>
+                <a:solidFill>
+                  <a:srgbClr val="000000"/>
+                </a:solidFill>
+                <a:effectLst/>
+                <a:latin typeface="Consolas" panose="020B0609020204030204" pitchFamily="49" charset="0"/>
+                <a:cs typeface="Consolas" panose="020B0609020204030204" pitchFamily="49" charset="0"/>
+              </a:rPr>
+              <a:t>  </a:t>
+            </a:r>
+            <a:r>
+              <a:rPr kumimoji="0" lang="en-US" altLang="en-US" sz="1000" b="1" i="0" u="none" strike="noStrike" cap="none" normalizeH="0" baseline="0" dirty="0" smtClean="0">
+                <a:ln>
+                  <a:noFill/>
+                </a:ln>
+                <a:solidFill>
+                  <a:srgbClr val="660E7A"/>
+                </a:solidFill>
+                <a:effectLst/>
+                <a:latin typeface="Consolas" panose="020B0609020204030204" pitchFamily="49" charset="0"/>
+                <a:cs typeface="Consolas" panose="020B0609020204030204" pitchFamily="49" charset="0"/>
+              </a:rPr>
+              <a:t>"elements"</a:t>
+            </a:r>
+            <a:r>
+              <a:rPr kumimoji="0" lang="en-US" altLang="en-US" sz="1000" b="0" i="0" u="none" strike="noStrike" cap="none" normalizeH="0" baseline="0" dirty="0" smtClean="0">
+                <a:ln>
+                  <a:noFill/>
+                </a:ln>
+                <a:solidFill>
+                  <a:srgbClr val="000000"/>
+                </a:solidFill>
+                <a:effectLst/>
+                <a:latin typeface="Consolas" panose="020B0609020204030204" pitchFamily="49" charset="0"/>
+                <a:cs typeface="Consolas" panose="020B0609020204030204" pitchFamily="49" charset="0"/>
+              </a:rPr>
+              <a:t>:[</a:t>
+            </a:r>
+            <a:br>
+              <a:rPr kumimoji="0" lang="en-US" altLang="en-US" sz="1000" b="0" i="0" u="none" strike="noStrike" cap="none" normalizeH="0" baseline="0" dirty="0" smtClean="0">
+                <a:ln>
+                  <a:noFill/>
+                </a:ln>
+                <a:solidFill>
+                  <a:srgbClr val="000000"/>
+                </a:solidFill>
+                <a:effectLst/>
+                <a:latin typeface="Consolas" panose="020B0609020204030204" pitchFamily="49" charset="0"/>
+                <a:cs typeface="Consolas" panose="020B0609020204030204" pitchFamily="49" charset="0"/>
+              </a:rPr>
+            </a:br>
+            <a:r>
+              <a:rPr kumimoji="0" lang="en-US" altLang="en-US" sz="1000" b="0" i="0" u="none" strike="noStrike" cap="none" normalizeH="0" baseline="0" dirty="0" smtClean="0">
+                <a:ln>
+                  <a:noFill/>
+                </a:ln>
+                <a:solidFill>
+                  <a:srgbClr val="000000"/>
+                </a:solidFill>
+                <a:effectLst/>
+                <a:latin typeface="Consolas" panose="020B0609020204030204" pitchFamily="49" charset="0"/>
+                <a:cs typeface="Consolas" panose="020B0609020204030204" pitchFamily="49" charset="0"/>
+              </a:rPr>
+              <a:t>    {</a:t>
+            </a:r>
+            <a:r>
+              <a:rPr kumimoji="0" lang="en-US" altLang="en-US" sz="1000" b="1" i="0" u="none" strike="noStrike" cap="none" normalizeH="0" baseline="0" dirty="0" smtClean="0">
+                <a:ln>
+                  <a:noFill/>
+                </a:ln>
+                <a:solidFill>
+                  <a:srgbClr val="660E7A"/>
+                </a:solidFill>
+                <a:effectLst/>
+                <a:latin typeface="Consolas" panose="020B0609020204030204" pitchFamily="49" charset="0"/>
+                <a:cs typeface="Consolas" panose="020B0609020204030204" pitchFamily="49" charset="0"/>
+              </a:rPr>
+              <a:t>"id"</a:t>
+            </a:r>
+            <a:r>
+              <a:rPr kumimoji="0" lang="en-US" altLang="en-US" sz="1000" b="0" i="0" u="none" strike="noStrike" cap="none" normalizeH="0" baseline="0" dirty="0" smtClean="0">
+                <a:ln>
+                  <a:noFill/>
+                </a:ln>
+                <a:solidFill>
+                  <a:srgbClr val="000000"/>
+                </a:solidFill>
+                <a:effectLst/>
+                <a:latin typeface="Consolas" panose="020B0609020204030204" pitchFamily="49" charset="0"/>
+                <a:cs typeface="Consolas" panose="020B0609020204030204" pitchFamily="49" charset="0"/>
+              </a:rPr>
+              <a:t>:</a:t>
+            </a:r>
+            <a:r>
+              <a:rPr kumimoji="0" lang="en-US" altLang="en-US" sz="1000" b="1" i="0" u="none" strike="noStrike" cap="none" normalizeH="0" baseline="0" dirty="0" smtClean="0">
+                <a:ln>
+                  <a:noFill/>
+                </a:ln>
+                <a:solidFill>
+                  <a:srgbClr val="008000"/>
+                </a:solidFill>
+                <a:effectLst/>
+                <a:latin typeface="Consolas" panose="020B0609020204030204" pitchFamily="49" charset="0"/>
+                <a:cs typeface="Consolas" panose="020B0609020204030204" pitchFamily="49" charset="0"/>
+              </a:rPr>
+              <a:t>"GRAN"</a:t>
+            </a:r>
+            <a:r>
+              <a:rPr kumimoji="0" lang="en-US" altLang="en-US" sz="1000" b="0" i="0" u="none" strike="noStrike" cap="none" normalizeH="0" baseline="0" dirty="0" smtClean="0">
+                <a:ln>
+                  <a:noFill/>
+                </a:ln>
+                <a:solidFill>
+                  <a:srgbClr val="000000"/>
+                </a:solidFill>
+                <a:effectLst/>
+                <a:latin typeface="Consolas" panose="020B0609020204030204" pitchFamily="49" charset="0"/>
+                <a:cs typeface="Consolas" panose="020B0609020204030204" pitchFamily="49" charset="0"/>
+              </a:rPr>
+              <a:t>,</a:t>
+            </a:r>
+            <a:r>
+              <a:rPr kumimoji="0" lang="en-US" altLang="en-US" sz="1000" b="1" i="0" u="none" strike="noStrike" cap="none" normalizeH="0" baseline="0" dirty="0" smtClean="0">
+                <a:ln>
+                  <a:noFill/>
+                </a:ln>
+                <a:solidFill>
+                  <a:srgbClr val="660E7A"/>
+                </a:solidFill>
+                <a:effectLst/>
+                <a:latin typeface="Consolas" panose="020B0609020204030204" pitchFamily="49" charset="0"/>
+                <a:cs typeface="Consolas" panose="020B0609020204030204" pitchFamily="49" charset="0"/>
+              </a:rPr>
+              <a:t>"name"</a:t>
+            </a:r>
+            <a:r>
+              <a:rPr kumimoji="0" lang="en-US" altLang="en-US" sz="1000" b="0" i="0" u="none" strike="noStrike" cap="none" normalizeH="0" baseline="0" dirty="0" smtClean="0">
+                <a:ln>
+                  <a:noFill/>
+                </a:ln>
+                <a:solidFill>
+                  <a:srgbClr val="000000"/>
+                </a:solidFill>
+                <a:effectLst/>
+                <a:latin typeface="Consolas" panose="020B0609020204030204" pitchFamily="49" charset="0"/>
+                <a:cs typeface="Consolas" panose="020B0609020204030204" pitchFamily="49" charset="0"/>
+              </a:rPr>
+              <a:t>:</a:t>
+            </a:r>
+            <a:r>
+              <a:rPr kumimoji="0" lang="en-US" altLang="en-US" sz="1000" b="1" i="0" u="none" strike="noStrike" cap="none" normalizeH="0" baseline="0" dirty="0" smtClean="0">
+                <a:ln>
+                  <a:noFill/>
+                </a:ln>
+                <a:solidFill>
+                  <a:srgbClr val="008000"/>
+                </a:solidFill>
+                <a:effectLst/>
+                <a:latin typeface="Consolas" panose="020B0609020204030204" pitchFamily="49" charset="0"/>
+                <a:cs typeface="Consolas" panose="020B0609020204030204" pitchFamily="49" charset="0"/>
+              </a:rPr>
+              <a:t>"GRAN"</a:t>
+            </a:r>
+            <a:r>
+              <a:rPr kumimoji="0" lang="en-US" altLang="en-US" sz="1000" b="0" i="0" u="none" strike="noStrike" cap="none" normalizeH="0" baseline="0" dirty="0" smtClean="0">
+                <a:ln>
+                  <a:noFill/>
+                </a:ln>
+                <a:solidFill>
+                  <a:srgbClr val="000000"/>
+                </a:solidFill>
+                <a:effectLst/>
+                <a:latin typeface="Consolas" panose="020B0609020204030204" pitchFamily="49" charset="0"/>
+                <a:cs typeface="Consolas" panose="020B0609020204030204" pitchFamily="49" charset="0"/>
+              </a:rPr>
+              <a:t>,</a:t>
+            </a:r>
+            <a:r>
+              <a:rPr kumimoji="0" lang="en-US" altLang="en-US" sz="1000" b="1" i="0" u="none" strike="noStrike" cap="none" normalizeH="0" baseline="0" dirty="0" smtClean="0">
+                <a:ln>
+                  <a:noFill/>
+                </a:ln>
+                <a:solidFill>
+                  <a:srgbClr val="660E7A"/>
+                </a:solidFill>
+                <a:effectLst/>
+                <a:latin typeface="Consolas" panose="020B0609020204030204" pitchFamily="49" charset="0"/>
+                <a:cs typeface="Consolas" panose="020B0609020204030204" pitchFamily="49" charset="0"/>
+              </a:rPr>
+              <a:t>"</a:t>
+            </a:r>
+            <a:r>
+              <a:rPr kumimoji="0" lang="en-US" altLang="en-US" sz="1000" b="1" i="0" u="none" strike="noStrike" cap="none" normalizeH="0" baseline="0" dirty="0" err="1" smtClean="0">
+                <a:ln>
+                  <a:noFill/>
+                </a:ln>
+                <a:solidFill>
+                  <a:srgbClr val="660E7A"/>
+                </a:solidFill>
+                <a:effectLst/>
+                <a:latin typeface="Consolas" panose="020B0609020204030204" pitchFamily="49" charset="0"/>
+                <a:cs typeface="Consolas" panose="020B0609020204030204" pitchFamily="49" charset="0"/>
+              </a:rPr>
+              <a:t>desc</a:t>
+            </a:r>
+            <a:r>
+              <a:rPr kumimoji="0" lang="en-US" altLang="en-US" sz="1000" b="1" i="0" u="none" strike="noStrike" cap="none" normalizeH="0" baseline="0" dirty="0" smtClean="0">
+                <a:ln>
+                  <a:noFill/>
+                </a:ln>
+                <a:solidFill>
+                  <a:srgbClr val="660E7A"/>
+                </a:solidFill>
+                <a:effectLst/>
+                <a:latin typeface="Consolas" panose="020B0609020204030204" pitchFamily="49" charset="0"/>
+                <a:cs typeface="Consolas" panose="020B0609020204030204" pitchFamily="49" charset="0"/>
+              </a:rPr>
+              <a:t>"</a:t>
+            </a:r>
+            <a:r>
+              <a:rPr kumimoji="0" lang="en-US" altLang="en-US" sz="1000" b="0" i="0" u="none" strike="noStrike" cap="none" normalizeH="0" baseline="0" dirty="0" smtClean="0">
+                <a:ln>
+                  <a:noFill/>
+                </a:ln>
+                <a:solidFill>
+                  <a:srgbClr val="000000"/>
+                </a:solidFill>
+                <a:effectLst/>
+                <a:latin typeface="Consolas" panose="020B0609020204030204" pitchFamily="49" charset="0"/>
+                <a:cs typeface="Consolas" panose="020B0609020204030204" pitchFamily="49" charset="0"/>
+              </a:rPr>
+              <a:t>:</a:t>
+            </a:r>
+            <a:r>
+              <a:rPr kumimoji="0" lang="en-US" altLang="en-US" sz="1000" b="1" i="0" u="none" strike="noStrike" cap="none" normalizeH="0" baseline="0" dirty="0" smtClean="0">
+                <a:ln>
+                  <a:noFill/>
+                </a:ln>
+                <a:solidFill>
+                  <a:srgbClr val="008000"/>
+                </a:solidFill>
+                <a:effectLst/>
+                <a:latin typeface="Consolas" panose="020B0609020204030204" pitchFamily="49" charset="0"/>
+                <a:cs typeface="Consolas" panose="020B0609020204030204" pitchFamily="49" charset="0"/>
+              </a:rPr>
+              <a:t>""</a:t>
+            </a:r>
+            <a:r>
+              <a:rPr kumimoji="0" lang="en-US" altLang="en-US" sz="1000" b="0" i="0" u="none" strike="noStrike" cap="none" normalizeH="0" baseline="0" dirty="0" smtClean="0">
+                <a:ln>
+                  <a:noFill/>
+                </a:ln>
+                <a:solidFill>
+                  <a:srgbClr val="000000"/>
+                </a:solidFill>
+                <a:effectLst/>
+                <a:latin typeface="Consolas" panose="020B0609020204030204" pitchFamily="49" charset="0"/>
+                <a:cs typeface="Consolas" panose="020B0609020204030204" pitchFamily="49" charset="0"/>
+              </a:rPr>
+              <a:t>},</a:t>
+            </a:r>
+            <a:br>
+              <a:rPr kumimoji="0" lang="en-US" altLang="en-US" sz="1000" b="0" i="0" u="none" strike="noStrike" cap="none" normalizeH="0" baseline="0" dirty="0" smtClean="0">
+                <a:ln>
+                  <a:noFill/>
+                </a:ln>
+                <a:solidFill>
+                  <a:srgbClr val="000000"/>
+                </a:solidFill>
+                <a:effectLst/>
+                <a:latin typeface="Consolas" panose="020B0609020204030204" pitchFamily="49" charset="0"/>
+                <a:cs typeface="Consolas" panose="020B0609020204030204" pitchFamily="49" charset="0"/>
+              </a:rPr>
+            </a:br>
+            <a:r>
+              <a:rPr kumimoji="0" lang="en-US" altLang="en-US" sz="1000" b="0" i="0" u="none" strike="noStrike" cap="none" normalizeH="0" baseline="0" dirty="0" smtClean="0">
+                <a:ln>
+                  <a:noFill/>
+                </a:ln>
+                <a:solidFill>
+                  <a:srgbClr val="000000"/>
+                </a:solidFill>
+                <a:effectLst/>
+                <a:latin typeface="Consolas" panose="020B0609020204030204" pitchFamily="49" charset="0"/>
+                <a:cs typeface="Consolas" panose="020B0609020204030204" pitchFamily="49" charset="0"/>
+              </a:rPr>
+              <a:t>    {</a:t>
+            </a:r>
+            <a:r>
+              <a:rPr kumimoji="0" lang="en-US" altLang="en-US" sz="1000" b="1" i="0" u="none" strike="noStrike" cap="none" normalizeH="0" baseline="0" dirty="0" smtClean="0">
+                <a:ln>
+                  <a:noFill/>
+                </a:ln>
+                <a:solidFill>
+                  <a:srgbClr val="660E7A"/>
+                </a:solidFill>
+                <a:effectLst/>
+                <a:latin typeface="Consolas" panose="020B0609020204030204" pitchFamily="49" charset="0"/>
+                <a:cs typeface="Consolas" panose="020B0609020204030204" pitchFamily="49" charset="0"/>
+              </a:rPr>
+              <a:t>"id"</a:t>
+            </a:r>
+            <a:r>
+              <a:rPr kumimoji="0" lang="en-US" altLang="en-US" sz="1000" b="0" i="0" u="none" strike="noStrike" cap="none" normalizeH="0" baseline="0" dirty="0" smtClean="0">
+                <a:ln>
+                  <a:noFill/>
+                </a:ln>
+                <a:solidFill>
+                  <a:srgbClr val="000000"/>
+                </a:solidFill>
+                <a:effectLst/>
+                <a:latin typeface="Consolas" panose="020B0609020204030204" pitchFamily="49" charset="0"/>
+                <a:cs typeface="Consolas" panose="020B0609020204030204" pitchFamily="49" charset="0"/>
+              </a:rPr>
+              <a:t>:</a:t>
+            </a:r>
+            <a:r>
+              <a:rPr kumimoji="0" lang="en-US" altLang="en-US" sz="1000" b="1" i="0" u="none" strike="noStrike" cap="none" normalizeH="0" baseline="0" dirty="0" smtClean="0">
+                <a:ln>
+                  <a:noFill/>
+                </a:ln>
+                <a:solidFill>
+                  <a:srgbClr val="008000"/>
+                </a:solidFill>
+                <a:effectLst/>
+                <a:latin typeface="Consolas" panose="020B0609020204030204" pitchFamily="49" charset="0"/>
+                <a:cs typeface="Consolas" panose="020B0609020204030204" pitchFamily="49" charset="0"/>
+              </a:rPr>
+              <a:t>"BSC"</a:t>
+            </a:r>
+            <a:r>
+              <a:rPr kumimoji="0" lang="en-US" altLang="en-US" sz="1000" b="0" i="0" u="none" strike="noStrike" cap="none" normalizeH="0" baseline="0" dirty="0" smtClean="0">
+                <a:ln>
+                  <a:noFill/>
+                </a:ln>
+                <a:solidFill>
+                  <a:srgbClr val="000000"/>
+                </a:solidFill>
+                <a:effectLst/>
+                <a:latin typeface="Consolas" panose="020B0609020204030204" pitchFamily="49" charset="0"/>
+                <a:cs typeface="Consolas" panose="020B0609020204030204" pitchFamily="49" charset="0"/>
+              </a:rPr>
+              <a:t>,</a:t>
+            </a:r>
+            <a:r>
+              <a:rPr kumimoji="0" lang="en-US" altLang="en-US" sz="1000" b="1" i="0" u="none" strike="noStrike" cap="none" normalizeH="0" baseline="0" dirty="0" smtClean="0">
+                <a:ln>
+                  <a:noFill/>
+                </a:ln>
+                <a:solidFill>
+                  <a:srgbClr val="660E7A"/>
+                </a:solidFill>
+                <a:effectLst/>
+                <a:latin typeface="Consolas" panose="020B0609020204030204" pitchFamily="49" charset="0"/>
+                <a:cs typeface="Consolas" panose="020B0609020204030204" pitchFamily="49" charset="0"/>
+              </a:rPr>
+              <a:t>"name"</a:t>
+            </a:r>
+            <a:r>
+              <a:rPr kumimoji="0" lang="en-US" altLang="en-US" sz="1000" b="0" i="0" u="none" strike="noStrike" cap="none" normalizeH="0" baseline="0" dirty="0" smtClean="0">
+                <a:ln>
+                  <a:noFill/>
+                </a:ln>
+                <a:solidFill>
+                  <a:srgbClr val="000000"/>
+                </a:solidFill>
+                <a:effectLst/>
+                <a:latin typeface="Consolas" panose="020B0609020204030204" pitchFamily="49" charset="0"/>
+                <a:cs typeface="Consolas" panose="020B0609020204030204" pitchFamily="49" charset="0"/>
+              </a:rPr>
+              <a:t>:</a:t>
+            </a:r>
+            <a:r>
+              <a:rPr kumimoji="0" lang="en-US" altLang="en-US" sz="1000" b="1" i="0" u="none" strike="noStrike" cap="none" normalizeH="0" baseline="0" dirty="0" smtClean="0">
+                <a:ln>
+                  <a:noFill/>
+                </a:ln>
+                <a:solidFill>
+                  <a:srgbClr val="008000"/>
+                </a:solidFill>
+                <a:effectLst/>
+                <a:latin typeface="Consolas" panose="020B0609020204030204" pitchFamily="49" charset="0"/>
+                <a:cs typeface="Consolas" panose="020B0609020204030204" pitchFamily="49" charset="0"/>
+              </a:rPr>
+              <a:t>"BSC"</a:t>
+            </a:r>
+            <a:r>
+              <a:rPr kumimoji="0" lang="en-US" altLang="en-US" sz="1000" b="0" i="0" u="none" strike="noStrike" cap="none" normalizeH="0" baseline="0" dirty="0" smtClean="0">
+                <a:ln>
+                  <a:noFill/>
+                </a:ln>
+                <a:solidFill>
+                  <a:srgbClr val="000000"/>
+                </a:solidFill>
+                <a:effectLst/>
+                <a:latin typeface="Consolas" panose="020B0609020204030204" pitchFamily="49" charset="0"/>
+                <a:cs typeface="Consolas" panose="020B0609020204030204" pitchFamily="49" charset="0"/>
+              </a:rPr>
+              <a:t>,</a:t>
+            </a:r>
+            <a:r>
+              <a:rPr kumimoji="0" lang="en-US" altLang="en-US" sz="1000" b="1" i="0" u="none" strike="noStrike" cap="none" normalizeH="0" baseline="0" dirty="0" smtClean="0">
+                <a:ln>
+                  <a:noFill/>
+                </a:ln>
+                <a:solidFill>
+                  <a:srgbClr val="660E7A"/>
+                </a:solidFill>
+                <a:effectLst/>
+                <a:latin typeface="Consolas" panose="020B0609020204030204" pitchFamily="49" charset="0"/>
+                <a:cs typeface="Consolas" panose="020B0609020204030204" pitchFamily="49" charset="0"/>
+              </a:rPr>
+              <a:t>"</a:t>
+            </a:r>
+            <a:r>
+              <a:rPr kumimoji="0" lang="en-US" altLang="en-US" sz="1000" b="1" i="0" u="none" strike="noStrike" cap="none" normalizeH="0" baseline="0" dirty="0" err="1" smtClean="0">
+                <a:ln>
+                  <a:noFill/>
+                </a:ln>
+                <a:solidFill>
+                  <a:srgbClr val="660E7A"/>
+                </a:solidFill>
+                <a:effectLst/>
+                <a:latin typeface="Consolas" panose="020B0609020204030204" pitchFamily="49" charset="0"/>
+                <a:cs typeface="Consolas" panose="020B0609020204030204" pitchFamily="49" charset="0"/>
+              </a:rPr>
+              <a:t>desc</a:t>
+            </a:r>
+            <a:r>
+              <a:rPr kumimoji="0" lang="en-US" altLang="en-US" sz="1000" b="1" i="0" u="none" strike="noStrike" cap="none" normalizeH="0" baseline="0" dirty="0" smtClean="0">
+                <a:ln>
+                  <a:noFill/>
+                </a:ln>
+                <a:solidFill>
+                  <a:srgbClr val="660E7A"/>
+                </a:solidFill>
+                <a:effectLst/>
+                <a:latin typeface="Consolas" panose="020B0609020204030204" pitchFamily="49" charset="0"/>
+                <a:cs typeface="Consolas" panose="020B0609020204030204" pitchFamily="49" charset="0"/>
+              </a:rPr>
+              <a:t>"</a:t>
+            </a:r>
+            <a:r>
+              <a:rPr kumimoji="0" lang="en-US" altLang="en-US" sz="1000" b="0" i="0" u="none" strike="noStrike" cap="none" normalizeH="0" baseline="0" dirty="0" smtClean="0">
+                <a:ln>
+                  <a:noFill/>
+                </a:ln>
+                <a:solidFill>
+                  <a:srgbClr val="000000"/>
+                </a:solidFill>
+                <a:effectLst/>
+                <a:latin typeface="Consolas" panose="020B0609020204030204" pitchFamily="49" charset="0"/>
+                <a:cs typeface="Consolas" panose="020B0609020204030204" pitchFamily="49" charset="0"/>
+              </a:rPr>
+              <a:t>:</a:t>
+            </a:r>
+            <a:r>
+              <a:rPr kumimoji="0" lang="en-US" altLang="en-US" sz="1000" b="1" i="0" u="none" strike="noStrike" cap="none" normalizeH="0" baseline="0" dirty="0" smtClean="0">
+                <a:ln>
+                  <a:noFill/>
+                </a:ln>
+                <a:solidFill>
+                  <a:srgbClr val="008000"/>
+                </a:solidFill>
+                <a:effectLst/>
+                <a:latin typeface="Consolas" panose="020B0609020204030204" pitchFamily="49" charset="0"/>
+                <a:cs typeface="Consolas" panose="020B0609020204030204" pitchFamily="49" charset="0"/>
+              </a:rPr>
+              <a:t>""</a:t>
+            </a:r>
+            <a:r>
+              <a:rPr kumimoji="0" lang="en-US" altLang="en-US" sz="1000" b="0" i="0" u="none" strike="noStrike" cap="none" normalizeH="0" baseline="0" dirty="0" smtClean="0">
+                <a:ln>
+                  <a:noFill/>
+                </a:ln>
+                <a:solidFill>
+                  <a:srgbClr val="000000"/>
+                </a:solidFill>
+                <a:effectLst/>
+                <a:latin typeface="Consolas" panose="020B0609020204030204" pitchFamily="49" charset="0"/>
+                <a:cs typeface="Consolas" panose="020B0609020204030204" pitchFamily="49" charset="0"/>
+              </a:rPr>
+              <a:t>},</a:t>
+            </a:r>
+            <a:br>
+              <a:rPr kumimoji="0" lang="en-US" altLang="en-US" sz="1000" b="0" i="0" u="none" strike="noStrike" cap="none" normalizeH="0" baseline="0" dirty="0" smtClean="0">
+                <a:ln>
+                  <a:noFill/>
+                </a:ln>
+                <a:solidFill>
+                  <a:srgbClr val="000000"/>
+                </a:solidFill>
+                <a:effectLst/>
+                <a:latin typeface="Consolas" panose="020B0609020204030204" pitchFamily="49" charset="0"/>
+                <a:cs typeface="Consolas" panose="020B0609020204030204" pitchFamily="49" charset="0"/>
+              </a:rPr>
+            </a:br>
+            <a:r>
+              <a:rPr kumimoji="0" lang="en-US" altLang="en-US" sz="1000" b="0" i="0" u="none" strike="noStrike" cap="none" normalizeH="0" baseline="0" dirty="0" smtClean="0">
+                <a:ln>
+                  <a:noFill/>
+                </a:ln>
+                <a:solidFill>
+                  <a:srgbClr val="000000"/>
+                </a:solidFill>
+                <a:effectLst/>
+                <a:latin typeface="Consolas" panose="020B0609020204030204" pitchFamily="49" charset="0"/>
+                <a:cs typeface="Consolas" panose="020B0609020204030204" pitchFamily="49" charset="0"/>
+              </a:rPr>
+              <a:t>    {</a:t>
+            </a:r>
+            <a:r>
+              <a:rPr kumimoji="0" lang="en-US" altLang="en-US" sz="1000" b="1" i="0" u="none" strike="noStrike" cap="none" normalizeH="0" baseline="0" dirty="0" smtClean="0">
+                <a:ln>
+                  <a:noFill/>
+                </a:ln>
+                <a:solidFill>
+                  <a:srgbClr val="660E7A"/>
+                </a:solidFill>
+                <a:effectLst/>
+                <a:latin typeface="Consolas" panose="020B0609020204030204" pitchFamily="49" charset="0"/>
+                <a:cs typeface="Consolas" panose="020B0609020204030204" pitchFamily="49" charset="0"/>
+              </a:rPr>
+              <a:t>"id"</a:t>
+            </a:r>
+            <a:r>
+              <a:rPr kumimoji="0" lang="en-US" altLang="en-US" sz="1000" b="0" i="0" u="none" strike="noStrike" cap="none" normalizeH="0" baseline="0" dirty="0" smtClean="0">
+                <a:ln>
+                  <a:noFill/>
+                </a:ln>
+                <a:solidFill>
+                  <a:srgbClr val="000000"/>
+                </a:solidFill>
+                <a:effectLst/>
+                <a:latin typeface="Consolas" panose="020B0609020204030204" pitchFamily="49" charset="0"/>
+                <a:cs typeface="Consolas" panose="020B0609020204030204" pitchFamily="49" charset="0"/>
+              </a:rPr>
+              <a:t>:</a:t>
+            </a:r>
+            <a:r>
+              <a:rPr kumimoji="0" lang="en-US" altLang="en-US" sz="1000" b="1" i="0" u="none" strike="noStrike" cap="none" normalizeH="0" baseline="0" dirty="0" smtClean="0">
+                <a:ln>
+                  <a:noFill/>
+                </a:ln>
+                <a:solidFill>
+                  <a:srgbClr val="008000"/>
+                </a:solidFill>
+                <a:effectLst/>
+                <a:latin typeface="Consolas" panose="020B0609020204030204" pitchFamily="49" charset="0"/>
+                <a:cs typeface="Consolas" panose="020B0609020204030204" pitchFamily="49" charset="0"/>
+              </a:rPr>
+              <a:t>"BTS"</a:t>
+            </a:r>
+            <a:r>
+              <a:rPr kumimoji="0" lang="en-US" altLang="en-US" sz="1000" b="0" i="0" u="none" strike="noStrike" cap="none" normalizeH="0" baseline="0" dirty="0" smtClean="0">
+                <a:ln>
+                  <a:noFill/>
+                </a:ln>
+                <a:solidFill>
+                  <a:srgbClr val="000000"/>
+                </a:solidFill>
+                <a:effectLst/>
+                <a:latin typeface="Consolas" panose="020B0609020204030204" pitchFamily="49" charset="0"/>
+                <a:cs typeface="Consolas" panose="020B0609020204030204" pitchFamily="49" charset="0"/>
+              </a:rPr>
+              <a:t>,</a:t>
+            </a:r>
+            <a:r>
+              <a:rPr kumimoji="0" lang="en-US" altLang="en-US" sz="1000" b="1" i="0" u="none" strike="noStrike" cap="none" normalizeH="0" baseline="0" dirty="0" smtClean="0">
+                <a:ln>
+                  <a:noFill/>
+                </a:ln>
+                <a:solidFill>
+                  <a:srgbClr val="660E7A"/>
+                </a:solidFill>
+                <a:effectLst/>
+                <a:latin typeface="Consolas" panose="020B0609020204030204" pitchFamily="49" charset="0"/>
+                <a:cs typeface="Consolas" panose="020B0609020204030204" pitchFamily="49" charset="0"/>
+              </a:rPr>
+              <a:t>"name"</a:t>
+            </a:r>
+            <a:r>
+              <a:rPr kumimoji="0" lang="en-US" altLang="en-US" sz="1000" b="0" i="0" u="none" strike="noStrike" cap="none" normalizeH="0" baseline="0" dirty="0" smtClean="0">
+                <a:ln>
+                  <a:noFill/>
+                </a:ln>
+                <a:solidFill>
+                  <a:srgbClr val="000000"/>
+                </a:solidFill>
+                <a:effectLst/>
+                <a:latin typeface="Consolas" panose="020B0609020204030204" pitchFamily="49" charset="0"/>
+                <a:cs typeface="Consolas" panose="020B0609020204030204" pitchFamily="49" charset="0"/>
+              </a:rPr>
+              <a:t>:</a:t>
+            </a:r>
+            <a:r>
+              <a:rPr kumimoji="0" lang="en-US" altLang="en-US" sz="1000" b="1" i="0" u="none" strike="noStrike" cap="none" normalizeH="0" baseline="0" dirty="0" smtClean="0">
+                <a:ln>
+                  <a:noFill/>
+                </a:ln>
+                <a:solidFill>
+                  <a:srgbClr val="008000"/>
+                </a:solidFill>
+                <a:effectLst/>
+                <a:latin typeface="Consolas" panose="020B0609020204030204" pitchFamily="49" charset="0"/>
+                <a:cs typeface="Consolas" panose="020B0609020204030204" pitchFamily="49" charset="0"/>
+              </a:rPr>
+              <a:t>"BTS"</a:t>
+            </a:r>
+            <a:r>
+              <a:rPr kumimoji="0" lang="en-US" altLang="en-US" sz="1000" b="0" i="0" u="none" strike="noStrike" cap="none" normalizeH="0" baseline="0" dirty="0" smtClean="0">
+                <a:ln>
+                  <a:noFill/>
+                </a:ln>
+                <a:solidFill>
+                  <a:srgbClr val="000000"/>
+                </a:solidFill>
+                <a:effectLst/>
+                <a:latin typeface="Consolas" panose="020B0609020204030204" pitchFamily="49" charset="0"/>
+                <a:cs typeface="Consolas" panose="020B0609020204030204" pitchFamily="49" charset="0"/>
+              </a:rPr>
+              <a:t>,</a:t>
+            </a:r>
+            <a:r>
+              <a:rPr kumimoji="0" lang="en-US" altLang="en-US" sz="1000" b="1" i="0" u="none" strike="noStrike" cap="none" normalizeH="0" baseline="0" dirty="0" smtClean="0">
+                <a:ln>
+                  <a:noFill/>
+                </a:ln>
+                <a:solidFill>
+                  <a:srgbClr val="660E7A"/>
+                </a:solidFill>
+                <a:effectLst/>
+                <a:latin typeface="Consolas" panose="020B0609020204030204" pitchFamily="49" charset="0"/>
+                <a:cs typeface="Consolas" panose="020B0609020204030204" pitchFamily="49" charset="0"/>
+              </a:rPr>
+              <a:t>"</a:t>
+            </a:r>
+            <a:r>
+              <a:rPr kumimoji="0" lang="en-US" altLang="en-US" sz="1000" b="1" i="0" u="none" strike="noStrike" cap="none" normalizeH="0" baseline="0" dirty="0" err="1" smtClean="0">
+                <a:ln>
+                  <a:noFill/>
+                </a:ln>
+                <a:solidFill>
+                  <a:srgbClr val="660E7A"/>
+                </a:solidFill>
+                <a:effectLst/>
+                <a:latin typeface="Consolas" panose="020B0609020204030204" pitchFamily="49" charset="0"/>
+                <a:cs typeface="Consolas" panose="020B0609020204030204" pitchFamily="49" charset="0"/>
+              </a:rPr>
+              <a:t>desc</a:t>
+            </a:r>
+            <a:r>
+              <a:rPr kumimoji="0" lang="en-US" altLang="en-US" sz="1000" b="1" i="0" u="none" strike="noStrike" cap="none" normalizeH="0" baseline="0" dirty="0" smtClean="0">
+                <a:ln>
+                  <a:noFill/>
+                </a:ln>
+                <a:solidFill>
+                  <a:srgbClr val="660E7A"/>
+                </a:solidFill>
+                <a:effectLst/>
+                <a:latin typeface="Consolas" panose="020B0609020204030204" pitchFamily="49" charset="0"/>
+                <a:cs typeface="Consolas" panose="020B0609020204030204" pitchFamily="49" charset="0"/>
+              </a:rPr>
+              <a:t>"</a:t>
+            </a:r>
+            <a:r>
+              <a:rPr kumimoji="0" lang="en-US" altLang="en-US" sz="1000" b="0" i="0" u="none" strike="noStrike" cap="none" normalizeH="0" baseline="0" dirty="0" smtClean="0">
+                <a:ln>
+                  <a:noFill/>
+                </a:ln>
+                <a:solidFill>
+                  <a:srgbClr val="000000"/>
+                </a:solidFill>
+                <a:effectLst/>
+                <a:latin typeface="Consolas" panose="020B0609020204030204" pitchFamily="49" charset="0"/>
+                <a:cs typeface="Consolas" panose="020B0609020204030204" pitchFamily="49" charset="0"/>
+              </a:rPr>
+              <a:t>:</a:t>
+            </a:r>
+            <a:r>
+              <a:rPr kumimoji="0" lang="en-US" altLang="en-US" sz="1000" b="1" i="0" u="none" strike="noStrike" cap="none" normalizeH="0" baseline="0" dirty="0" smtClean="0">
+                <a:ln>
+                  <a:noFill/>
+                </a:ln>
+                <a:solidFill>
+                  <a:srgbClr val="008000"/>
+                </a:solidFill>
+                <a:effectLst/>
+                <a:latin typeface="Consolas" panose="020B0609020204030204" pitchFamily="49" charset="0"/>
+                <a:cs typeface="Consolas" panose="020B0609020204030204" pitchFamily="49" charset="0"/>
+              </a:rPr>
+              <a:t>""</a:t>
+            </a:r>
+            <a:r>
+              <a:rPr kumimoji="0" lang="en-US" altLang="en-US" sz="1000" b="0" i="0" u="none" strike="noStrike" cap="none" normalizeH="0" baseline="0" dirty="0" smtClean="0">
+                <a:ln>
+                  <a:noFill/>
+                </a:ln>
+                <a:solidFill>
+                  <a:srgbClr val="000000"/>
+                </a:solidFill>
+                <a:effectLst/>
+                <a:latin typeface="Consolas" panose="020B0609020204030204" pitchFamily="49" charset="0"/>
+                <a:cs typeface="Consolas" panose="020B0609020204030204" pitchFamily="49" charset="0"/>
+              </a:rPr>
+              <a:t>}</a:t>
+            </a:r>
+            <a:br>
+              <a:rPr kumimoji="0" lang="en-US" altLang="en-US" sz="1000" b="0" i="0" u="none" strike="noStrike" cap="none" normalizeH="0" baseline="0" dirty="0" smtClean="0">
+                <a:ln>
+                  <a:noFill/>
+                </a:ln>
+                <a:solidFill>
+                  <a:srgbClr val="000000"/>
+                </a:solidFill>
+                <a:effectLst/>
+                <a:latin typeface="Consolas" panose="020B0609020204030204" pitchFamily="49" charset="0"/>
+                <a:cs typeface="Consolas" panose="020B0609020204030204" pitchFamily="49" charset="0"/>
+              </a:rPr>
+            </a:br>
+            <a:r>
+              <a:rPr kumimoji="0" lang="en-US" altLang="en-US" sz="1000" b="0" i="0" u="none" strike="noStrike" cap="none" normalizeH="0" baseline="0" dirty="0" smtClean="0">
+                <a:ln>
+                  <a:noFill/>
+                </a:ln>
+                <a:solidFill>
+                  <a:srgbClr val="000000"/>
+                </a:solidFill>
+                <a:effectLst/>
+                <a:latin typeface="Consolas" panose="020B0609020204030204" pitchFamily="49" charset="0"/>
+                <a:cs typeface="Consolas" panose="020B0609020204030204" pitchFamily="49" charset="0"/>
+              </a:rPr>
+              <a:t>  ],</a:t>
+            </a:r>
+            <a:br>
+              <a:rPr kumimoji="0" lang="en-US" altLang="en-US" sz="1000" b="0" i="0" u="none" strike="noStrike" cap="none" normalizeH="0" baseline="0" dirty="0" smtClean="0">
+                <a:ln>
+                  <a:noFill/>
+                </a:ln>
+                <a:solidFill>
+                  <a:srgbClr val="000000"/>
+                </a:solidFill>
+                <a:effectLst/>
+                <a:latin typeface="Consolas" panose="020B0609020204030204" pitchFamily="49" charset="0"/>
+                <a:cs typeface="Consolas" panose="020B0609020204030204" pitchFamily="49" charset="0"/>
+              </a:rPr>
+            </a:br>
+            <a:r>
+              <a:rPr kumimoji="0" lang="en-US" altLang="en-US" sz="1000" b="0" i="0" u="none" strike="noStrike" cap="none" normalizeH="0" baseline="0" dirty="0" smtClean="0">
+                <a:ln>
+                  <a:noFill/>
+                </a:ln>
+                <a:solidFill>
+                  <a:srgbClr val="000000"/>
+                </a:solidFill>
+                <a:effectLst/>
+                <a:latin typeface="Consolas" panose="020B0609020204030204" pitchFamily="49" charset="0"/>
+                <a:cs typeface="Consolas" panose="020B0609020204030204" pitchFamily="49" charset="0"/>
+              </a:rPr>
+              <a:t>  </a:t>
+            </a:r>
+            <a:r>
+              <a:rPr kumimoji="0" lang="en-US" altLang="en-US" sz="1000" b="1" i="0" u="none" strike="noStrike" cap="none" normalizeH="0" baseline="0" dirty="0" smtClean="0">
+                <a:ln>
+                  <a:noFill/>
+                </a:ln>
+                <a:solidFill>
+                  <a:srgbClr val="660E7A"/>
+                </a:solidFill>
+                <a:effectLst/>
+                <a:latin typeface="Consolas" panose="020B0609020204030204" pitchFamily="49" charset="0"/>
+                <a:cs typeface="Consolas" panose="020B0609020204030204" pitchFamily="49" charset="0"/>
+              </a:rPr>
+              <a:t>"relationships"</a:t>
+            </a:r>
+            <a:r>
+              <a:rPr kumimoji="0" lang="en-US" altLang="en-US" sz="1000" b="0" i="0" u="none" strike="noStrike" cap="none" normalizeH="0" baseline="0" dirty="0" smtClean="0">
+                <a:ln>
+                  <a:noFill/>
+                </a:ln>
+                <a:solidFill>
+                  <a:srgbClr val="000000"/>
+                </a:solidFill>
+                <a:effectLst/>
+                <a:latin typeface="Consolas" panose="020B0609020204030204" pitchFamily="49" charset="0"/>
+                <a:cs typeface="Consolas" panose="020B0609020204030204" pitchFamily="49" charset="0"/>
+              </a:rPr>
+              <a:t>:[</a:t>
+            </a:r>
+            <a:br>
+              <a:rPr kumimoji="0" lang="en-US" altLang="en-US" sz="1000" b="0" i="0" u="none" strike="noStrike" cap="none" normalizeH="0" baseline="0" dirty="0" smtClean="0">
+                <a:ln>
+                  <a:noFill/>
+                </a:ln>
+                <a:solidFill>
+                  <a:srgbClr val="000000"/>
+                </a:solidFill>
+                <a:effectLst/>
+                <a:latin typeface="Consolas" panose="020B0609020204030204" pitchFamily="49" charset="0"/>
+                <a:cs typeface="Consolas" panose="020B0609020204030204" pitchFamily="49" charset="0"/>
+              </a:rPr>
+            </a:br>
+            <a:r>
+              <a:rPr kumimoji="0" lang="en-US" altLang="en-US" sz="1000" b="0" i="0" u="none" strike="noStrike" cap="none" normalizeH="0" baseline="0" dirty="0" smtClean="0">
+                <a:ln>
+                  <a:noFill/>
+                </a:ln>
+                <a:solidFill>
+                  <a:srgbClr val="000000"/>
+                </a:solidFill>
+                <a:effectLst/>
+                <a:latin typeface="Consolas" panose="020B0609020204030204" pitchFamily="49" charset="0"/>
+                <a:cs typeface="Consolas" panose="020B0609020204030204" pitchFamily="49" charset="0"/>
+              </a:rPr>
+              <a:t>    {</a:t>
+            </a:r>
+            <a:r>
+              <a:rPr kumimoji="0" lang="en-US" altLang="en-US" sz="1000" b="1" i="0" u="none" strike="noStrike" cap="none" normalizeH="0" baseline="0" dirty="0" smtClean="0">
+                <a:ln>
+                  <a:noFill/>
+                </a:ln>
+                <a:solidFill>
+                  <a:srgbClr val="660E7A"/>
+                </a:solidFill>
+                <a:effectLst/>
+                <a:latin typeface="Consolas" panose="020B0609020204030204" pitchFamily="49" charset="0"/>
+                <a:cs typeface="Consolas" panose="020B0609020204030204" pitchFamily="49" charset="0"/>
+              </a:rPr>
+              <a:t>"</a:t>
+            </a:r>
+            <a:r>
+              <a:rPr kumimoji="0" lang="en-US" altLang="en-US" sz="1000" b="1" i="0" u="none" strike="noStrike" cap="none" normalizeH="0" baseline="0" dirty="0" err="1" smtClean="0">
+                <a:ln>
+                  <a:noFill/>
+                </a:ln>
+                <a:solidFill>
+                  <a:srgbClr val="660E7A"/>
+                </a:solidFill>
+                <a:effectLst/>
+                <a:latin typeface="Consolas" panose="020B0609020204030204" pitchFamily="49" charset="0"/>
+                <a:cs typeface="Consolas" panose="020B0609020204030204" pitchFamily="49" charset="0"/>
+              </a:rPr>
+              <a:t>parent_id"</a:t>
+            </a:r>
+            <a:r>
+              <a:rPr kumimoji="0" lang="en-US" altLang="en-US" sz="1000" b="0" i="0" u="none" strike="noStrike" cap="none" normalizeH="0" baseline="0" dirty="0" err="1" smtClean="0">
+                <a:ln>
+                  <a:noFill/>
+                </a:ln>
+                <a:solidFill>
+                  <a:srgbClr val="000000"/>
+                </a:solidFill>
+                <a:effectLst/>
+                <a:latin typeface="Consolas" panose="020B0609020204030204" pitchFamily="49" charset="0"/>
+                <a:cs typeface="Consolas" panose="020B0609020204030204" pitchFamily="49" charset="0"/>
+              </a:rPr>
+              <a:t>:</a:t>
+            </a:r>
+            <a:r>
+              <a:rPr kumimoji="0" lang="en-US" altLang="en-US" sz="1000" b="1" i="0" u="none" strike="noStrike" cap="none" normalizeH="0" baseline="0" dirty="0" err="1" smtClean="0">
+                <a:ln>
+                  <a:noFill/>
+                </a:ln>
+                <a:solidFill>
+                  <a:srgbClr val="008000"/>
+                </a:solidFill>
+                <a:effectLst/>
+                <a:latin typeface="Consolas" panose="020B0609020204030204" pitchFamily="49" charset="0"/>
+                <a:cs typeface="Consolas" panose="020B0609020204030204" pitchFamily="49" charset="0"/>
+              </a:rPr>
+              <a:t>"GRAN"</a:t>
+            </a:r>
+            <a:r>
+              <a:rPr kumimoji="0" lang="en-US" altLang="en-US" sz="1000" b="0" i="0" u="none" strike="noStrike" cap="none" normalizeH="0" baseline="0" dirty="0" err="1" smtClean="0">
+                <a:ln>
+                  <a:noFill/>
+                </a:ln>
+                <a:solidFill>
+                  <a:srgbClr val="000000"/>
+                </a:solidFill>
+                <a:effectLst/>
+                <a:latin typeface="Consolas" panose="020B0609020204030204" pitchFamily="49" charset="0"/>
+                <a:cs typeface="Consolas" panose="020B0609020204030204" pitchFamily="49" charset="0"/>
+              </a:rPr>
+              <a:t>,</a:t>
+            </a:r>
+            <a:r>
+              <a:rPr kumimoji="0" lang="en-US" altLang="en-US" sz="1000" b="1" i="0" u="none" strike="noStrike" cap="none" normalizeH="0" baseline="0" dirty="0" err="1" smtClean="0">
+                <a:ln>
+                  <a:noFill/>
+                </a:ln>
+                <a:solidFill>
+                  <a:srgbClr val="660E7A"/>
+                </a:solidFill>
+                <a:effectLst/>
+                <a:latin typeface="Consolas" panose="020B0609020204030204" pitchFamily="49" charset="0"/>
+                <a:cs typeface="Consolas" panose="020B0609020204030204" pitchFamily="49" charset="0"/>
+              </a:rPr>
+              <a:t>"child_id"</a:t>
+            </a:r>
+            <a:r>
+              <a:rPr kumimoji="0" lang="en-US" altLang="en-US" sz="1000" b="0" i="0" u="none" strike="noStrike" cap="none" normalizeH="0" baseline="0" dirty="0" err="1" smtClean="0">
+                <a:ln>
+                  <a:noFill/>
+                </a:ln>
+                <a:solidFill>
+                  <a:srgbClr val="000000"/>
+                </a:solidFill>
+                <a:effectLst/>
+                <a:latin typeface="Consolas" panose="020B0609020204030204" pitchFamily="49" charset="0"/>
+                <a:cs typeface="Consolas" panose="020B0609020204030204" pitchFamily="49" charset="0"/>
+              </a:rPr>
+              <a:t>:</a:t>
+            </a:r>
+            <a:r>
+              <a:rPr kumimoji="0" lang="en-US" altLang="en-US" sz="1000" b="1" i="0" u="none" strike="noStrike" cap="none" normalizeH="0" baseline="0" dirty="0" err="1" smtClean="0">
+                <a:ln>
+                  <a:noFill/>
+                </a:ln>
+                <a:solidFill>
+                  <a:srgbClr val="008000"/>
+                </a:solidFill>
+                <a:effectLst/>
+                <a:latin typeface="Consolas" panose="020B0609020204030204" pitchFamily="49" charset="0"/>
+                <a:cs typeface="Consolas" panose="020B0609020204030204" pitchFamily="49" charset="0"/>
+              </a:rPr>
+              <a:t>"BSC"</a:t>
+            </a:r>
+            <a:r>
+              <a:rPr kumimoji="0" lang="en-US" altLang="en-US" sz="1000" b="0" i="0" u="none" strike="noStrike" cap="none" normalizeH="0" baseline="0" dirty="0" err="1" smtClean="0">
+                <a:ln>
+                  <a:noFill/>
+                </a:ln>
+                <a:solidFill>
+                  <a:srgbClr val="000000"/>
+                </a:solidFill>
+                <a:effectLst/>
+                <a:latin typeface="Consolas" panose="020B0609020204030204" pitchFamily="49" charset="0"/>
+                <a:cs typeface="Consolas" panose="020B0609020204030204" pitchFamily="49" charset="0"/>
+              </a:rPr>
+              <a:t>,</a:t>
+            </a:r>
+            <a:r>
+              <a:rPr kumimoji="0" lang="en-US" altLang="en-US" sz="1000" b="1" i="0" u="none" strike="noStrike" cap="none" normalizeH="0" baseline="0" dirty="0" err="1" smtClean="0">
+                <a:ln>
+                  <a:noFill/>
+                </a:ln>
+                <a:solidFill>
+                  <a:srgbClr val="660E7A"/>
+                </a:solidFill>
+                <a:effectLst/>
+                <a:latin typeface="Consolas" panose="020B0609020204030204" pitchFamily="49" charset="0"/>
+                <a:cs typeface="Consolas" panose="020B0609020204030204" pitchFamily="49" charset="0"/>
+              </a:rPr>
+              <a:t>"type"</a:t>
+            </a:r>
+            <a:r>
+              <a:rPr kumimoji="0" lang="en-US" altLang="en-US" sz="1000" b="0" i="0" u="none" strike="noStrike" cap="none" normalizeH="0" baseline="0" dirty="0" err="1" smtClean="0">
+                <a:ln>
+                  <a:noFill/>
+                </a:ln>
+                <a:solidFill>
+                  <a:srgbClr val="000000"/>
+                </a:solidFill>
+                <a:effectLst/>
+                <a:latin typeface="Consolas" panose="020B0609020204030204" pitchFamily="49" charset="0"/>
+                <a:cs typeface="Consolas" panose="020B0609020204030204" pitchFamily="49" charset="0"/>
+              </a:rPr>
+              <a:t>:</a:t>
+            </a:r>
+            <a:r>
+              <a:rPr kumimoji="0" lang="en-US" altLang="en-US" sz="1000" b="1" i="0" u="none" strike="noStrike" cap="none" normalizeH="0" baseline="0" dirty="0" err="1" smtClean="0">
+                <a:ln>
+                  <a:noFill/>
+                </a:ln>
+                <a:solidFill>
+                  <a:srgbClr val="008000"/>
+                </a:solidFill>
+                <a:effectLst/>
+                <a:latin typeface="Consolas" panose="020B0609020204030204" pitchFamily="49" charset="0"/>
+                <a:cs typeface="Consolas" panose="020B0609020204030204" pitchFamily="49" charset="0"/>
+              </a:rPr>
+              <a:t>"CONTAINS</a:t>
+            </a:r>
+            <a:r>
+              <a:rPr kumimoji="0" lang="en-US" altLang="en-US" sz="1000" b="1" i="0" u="none" strike="noStrike" cap="none" normalizeH="0" baseline="0" dirty="0" smtClean="0">
+                <a:ln>
+                  <a:noFill/>
+                </a:ln>
+                <a:solidFill>
+                  <a:srgbClr val="008000"/>
+                </a:solidFill>
+                <a:effectLst/>
+                <a:latin typeface="Consolas" panose="020B0609020204030204" pitchFamily="49" charset="0"/>
+                <a:cs typeface="Consolas" panose="020B0609020204030204" pitchFamily="49" charset="0"/>
+              </a:rPr>
+              <a:t>"</a:t>
+            </a:r>
+            <a:r>
+              <a:rPr kumimoji="0" lang="en-US" altLang="en-US" sz="1000" b="0" i="0" u="none" strike="noStrike" cap="none" normalizeH="0" baseline="0" dirty="0" smtClean="0">
+                <a:ln>
+                  <a:noFill/>
+                </a:ln>
+                <a:solidFill>
+                  <a:srgbClr val="000000"/>
+                </a:solidFill>
+                <a:effectLst/>
+                <a:latin typeface="Consolas" panose="020B0609020204030204" pitchFamily="49" charset="0"/>
+                <a:cs typeface="Consolas" panose="020B0609020204030204" pitchFamily="49" charset="0"/>
+              </a:rPr>
+              <a:t>},</a:t>
+            </a:r>
+            <a:br>
+              <a:rPr kumimoji="0" lang="en-US" altLang="en-US" sz="1000" b="0" i="0" u="none" strike="noStrike" cap="none" normalizeH="0" baseline="0" dirty="0" smtClean="0">
+                <a:ln>
+                  <a:noFill/>
+                </a:ln>
+                <a:solidFill>
+                  <a:srgbClr val="000000"/>
+                </a:solidFill>
+                <a:effectLst/>
+                <a:latin typeface="Consolas" panose="020B0609020204030204" pitchFamily="49" charset="0"/>
+                <a:cs typeface="Consolas" panose="020B0609020204030204" pitchFamily="49" charset="0"/>
+              </a:rPr>
+            </a:br>
+            <a:r>
+              <a:rPr kumimoji="0" lang="en-US" altLang="en-US" sz="1000" b="0" i="0" u="none" strike="noStrike" cap="none" normalizeH="0" baseline="0" dirty="0" smtClean="0">
+                <a:ln>
+                  <a:noFill/>
+                </a:ln>
+                <a:solidFill>
+                  <a:srgbClr val="000000"/>
+                </a:solidFill>
+                <a:effectLst/>
+                <a:latin typeface="Consolas" panose="020B0609020204030204" pitchFamily="49" charset="0"/>
+                <a:cs typeface="Consolas" panose="020B0609020204030204" pitchFamily="49" charset="0"/>
+              </a:rPr>
+              <a:t>    {</a:t>
+            </a:r>
+            <a:r>
+              <a:rPr kumimoji="0" lang="en-US" altLang="en-US" sz="1000" b="1" i="0" u="none" strike="noStrike" cap="none" normalizeH="0" baseline="0" dirty="0" smtClean="0">
+                <a:ln>
+                  <a:noFill/>
+                </a:ln>
+                <a:solidFill>
+                  <a:srgbClr val="660E7A"/>
+                </a:solidFill>
+                <a:effectLst/>
+                <a:latin typeface="Consolas" panose="020B0609020204030204" pitchFamily="49" charset="0"/>
+                <a:cs typeface="Consolas" panose="020B0609020204030204" pitchFamily="49" charset="0"/>
+              </a:rPr>
+              <a:t>"</a:t>
+            </a:r>
+            <a:r>
+              <a:rPr kumimoji="0" lang="en-US" altLang="en-US" sz="1000" b="1" i="0" u="none" strike="noStrike" cap="none" normalizeH="0" baseline="0" dirty="0" err="1" smtClean="0">
+                <a:ln>
+                  <a:noFill/>
+                </a:ln>
+                <a:solidFill>
+                  <a:srgbClr val="660E7A"/>
+                </a:solidFill>
+                <a:effectLst/>
+                <a:latin typeface="Consolas" panose="020B0609020204030204" pitchFamily="49" charset="0"/>
+                <a:cs typeface="Consolas" panose="020B0609020204030204" pitchFamily="49" charset="0"/>
+              </a:rPr>
+              <a:t>parent_id"</a:t>
+            </a:r>
+            <a:r>
+              <a:rPr kumimoji="0" lang="en-US" altLang="en-US" sz="1000" b="0" i="0" u="none" strike="noStrike" cap="none" normalizeH="0" baseline="0" dirty="0" err="1" smtClean="0">
+                <a:ln>
+                  <a:noFill/>
+                </a:ln>
+                <a:solidFill>
+                  <a:srgbClr val="000000"/>
+                </a:solidFill>
+                <a:effectLst/>
+                <a:latin typeface="Consolas" panose="020B0609020204030204" pitchFamily="49" charset="0"/>
+                <a:cs typeface="Consolas" panose="020B0609020204030204" pitchFamily="49" charset="0"/>
+              </a:rPr>
+              <a:t>:</a:t>
+            </a:r>
+            <a:r>
+              <a:rPr kumimoji="0" lang="en-US" altLang="en-US" sz="1000" b="1" i="0" u="none" strike="noStrike" cap="none" normalizeH="0" baseline="0" dirty="0" err="1" smtClean="0">
+                <a:ln>
+                  <a:noFill/>
+                </a:ln>
+                <a:solidFill>
+                  <a:srgbClr val="008000"/>
+                </a:solidFill>
+                <a:effectLst/>
+                <a:latin typeface="Consolas" panose="020B0609020204030204" pitchFamily="49" charset="0"/>
+                <a:cs typeface="Consolas" panose="020B0609020204030204" pitchFamily="49" charset="0"/>
+              </a:rPr>
+              <a:t>"BSC"</a:t>
+            </a:r>
+            <a:r>
+              <a:rPr kumimoji="0" lang="en-US" altLang="en-US" sz="1000" b="0" i="0" u="none" strike="noStrike" cap="none" normalizeH="0" baseline="0" dirty="0" err="1" smtClean="0">
+                <a:ln>
+                  <a:noFill/>
+                </a:ln>
+                <a:solidFill>
+                  <a:srgbClr val="000000"/>
+                </a:solidFill>
+                <a:effectLst/>
+                <a:latin typeface="Consolas" panose="020B0609020204030204" pitchFamily="49" charset="0"/>
+                <a:cs typeface="Consolas" panose="020B0609020204030204" pitchFamily="49" charset="0"/>
+              </a:rPr>
+              <a:t>,</a:t>
+            </a:r>
+            <a:r>
+              <a:rPr kumimoji="0" lang="en-US" altLang="en-US" sz="1000" b="1" i="0" u="none" strike="noStrike" cap="none" normalizeH="0" baseline="0" dirty="0" err="1" smtClean="0">
+                <a:ln>
+                  <a:noFill/>
+                </a:ln>
+                <a:solidFill>
+                  <a:srgbClr val="660E7A"/>
+                </a:solidFill>
+                <a:effectLst/>
+                <a:latin typeface="Consolas" panose="020B0609020204030204" pitchFamily="49" charset="0"/>
+                <a:cs typeface="Consolas" panose="020B0609020204030204" pitchFamily="49" charset="0"/>
+              </a:rPr>
+              <a:t>"child_id"</a:t>
+            </a:r>
+            <a:r>
+              <a:rPr kumimoji="0" lang="en-US" altLang="en-US" sz="1000" b="0" i="0" u="none" strike="noStrike" cap="none" normalizeH="0" baseline="0" dirty="0" err="1" smtClean="0">
+                <a:ln>
+                  <a:noFill/>
+                </a:ln>
+                <a:solidFill>
+                  <a:srgbClr val="000000"/>
+                </a:solidFill>
+                <a:effectLst/>
+                <a:latin typeface="Consolas" panose="020B0609020204030204" pitchFamily="49" charset="0"/>
+                <a:cs typeface="Consolas" panose="020B0609020204030204" pitchFamily="49" charset="0"/>
+              </a:rPr>
+              <a:t>:</a:t>
+            </a:r>
+            <a:r>
+              <a:rPr kumimoji="0" lang="en-US" altLang="en-US" sz="1000" b="1" i="0" u="none" strike="noStrike" cap="none" normalizeH="0" baseline="0" dirty="0" err="1" smtClean="0">
+                <a:ln>
+                  <a:noFill/>
+                </a:ln>
+                <a:solidFill>
+                  <a:srgbClr val="008000"/>
+                </a:solidFill>
+                <a:effectLst/>
+                <a:latin typeface="Consolas" panose="020B0609020204030204" pitchFamily="49" charset="0"/>
+                <a:cs typeface="Consolas" panose="020B0609020204030204" pitchFamily="49" charset="0"/>
+              </a:rPr>
+              <a:t>"BTS"</a:t>
+            </a:r>
+            <a:r>
+              <a:rPr kumimoji="0" lang="en-US" altLang="en-US" sz="1000" b="0" i="0" u="none" strike="noStrike" cap="none" normalizeH="0" baseline="0" dirty="0" err="1" smtClean="0">
+                <a:ln>
+                  <a:noFill/>
+                </a:ln>
+                <a:solidFill>
+                  <a:srgbClr val="000000"/>
+                </a:solidFill>
+                <a:effectLst/>
+                <a:latin typeface="Consolas" panose="020B0609020204030204" pitchFamily="49" charset="0"/>
+                <a:cs typeface="Consolas" panose="020B0609020204030204" pitchFamily="49" charset="0"/>
+              </a:rPr>
+              <a:t>,</a:t>
+            </a:r>
+            <a:r>
+              <a:rPr kumimoji="0" lang="en-US" altLang="en-US" sz="1000" b="1" i="0" u="none" strike="noStrike" cap="none" normalizeH="0" baseline="0" dirty="0" err="1" smtClean="0">
+                <a:ln>
+                  <a:noFill/>
+                </a:ln>
+                <a:solidFill>
+                  <a:srgbClr val="660E7A"/>
+                </a:solidFill>
+                <a:effectLst/>
+                <a:latin typeface="Consolas" panose="020B0609020204030204" pitchFamily="49" charset="0"/>
+                <a:cs typeface="Consolas" panose="020B0609020204030204" pitchFamily="49" charset="0"/>
+              </a:rPr>
+              <a:t>"type"</a:t>
+            </a:r>
+            <a:r>
+              <a:rPr kumimoji="0" lang="en-US" altLang="en-US" sz="1000" b="0" i="0" u="none" strike="noStrike" cap="none" normalizeH="0" baseline="0" dirty="0" err="1" smtClean="0">
+                <a:ln>
+                  <a:noFill/>
+                </a:ln>
+                <a:solidFill>
+                  <a:srgbClr val="000000"/>
+                </a:solidFill>
+                <a:effectLst/>
+                <a:latin typeface="Consolas" panose="020B0609020204030204" pitchFamily="49" charset="0"/>
+                <a:cs typeface="Consolas" panose="020B0609020204030204" pitchFamily="49" charset="0"/>
+              </a:rPr>
+              <a:t>:</a:t>
+            </a:r>
+            <a:r>
+              <a:rPr kumimoji="0" lang="en-US" altLang="en-US" sz="1000" b="1" i="0" u="none" strike="noStrike" cap="none" normalizeH="0" baseline="0" dirty="0" err="1" smtClean="0">
+                <a:ln>
+                  <a:noFill/>
+                </a:ln>
+                <a:solidFill>
+                  <a:srgbClr val="008000"/>
+                </a:solidFill>
+                <a:effectLst/>
+                <a:latin typeface="Consolas" panose="020B0609020204030204" pitchFamily="49" charset="0"/>
+                <a:cs typeface="Consolas" panose="020B0609020204030204" pitchFamily="49" charset="0"/>
+              </a:rPr>
+              <a:t>"CONTAINS</a:t>
+            </a:r>
+            <a:r>
+              <a:rPr kumimoji="0" lang="en-US" altLang="en-US" sz="1000" b="1" i="0" u="none" strike="noStrike" cap="none" normalizeH="0" baseline="0" dirty="0" smtClean="0">
+                <a:ln>
+                  <a:noFill/>
+                </a:ln>
+                <a:solidFill>
+                  <a:srgbClr val="008000"/>
+                </a:solidFill>
+                <a:effectLst/>
+                <a:latin typeface="Consolas" panose="020B0609020204030204" pitchFamily="49" charset="0"/>
+                <a:cs typeface="Consolas" panose="020B0609020204030204" pitchFamily="49" charset="0"/>
+              </a:rPr>
+              <a:t>"</a:t>
+            </a:r>
+            <a:r>
+              <a:rPr kumimoji="0" lang="en-US" altLang="en-US" sz="1000" b="0" i="0" u="none" strike="noStrike" cap="none" normalizeH="0" baseline="0" dirty="0" smtClean="0">
+                <a:ln>
+                  <a:noFill/>
+                </a:ln>
+                <a:solidFill>
+                  <a:srgbClr val="000000"/>
+                </a:solidFill>
+                <a:effectLst/>
+                <a:latin typeface="Consolas" panose="020B0609020204030204" pitchFamily="49" charset="0"/>
+                <a:cs typeface="Consolas" panose="020B0609020204030204" pitchFamily="49" charset="0"/>
+              </a:rPr>
+              <a:t>}</a:t>
+            </a:r>
+            <a:br>
+              <a:rPr kumimoji="0" lang="en-US" altLang="en-US" sz="1000" b="0" i="0" u="none" strike="noStrike" cap="none" normalizeH="0" baseline="0" dirty="0" smtClean="0">
+                <a:ln>
+                  <a:noFill/>
+                </a:ln>
+                <a:solidFill>
+                  <a:srgbClr val="000000"/>
+                </a:solidFill>
+                <a:effectLst/>
+                <a:latin typeface="Consolas" panose="020B0609020204030204" pitchFamily="49" charset="0"/>
+                <a:cs typeface="Consolas" panose="020B0609020204030204" pitchFamily="49" charset="0"/>
+              </a:rPr>
+            </a:br>
+            <a:r>
+              <a:rPr kumimoji="0" lang="en-US" altLang="en-US" sz="1000" b="0" i="0" u="none" strike="noStrike" cap="none" normalizeH="0" baseline="0" dirty="0" smtClean="0">
+                <a:ln>
+                  <a:noFill/>
+                </a:ln>
+                <a:solidFill>
+                  <a:srgbClr val="000000"/>
+                </a:solidFill>
+                <a:effectLst/>
+                <a:latin typeface="Consolas" panose="020B0609020204030204" pitchFamily="49" charset="0"/>
+                <a:cs typeface="Consolas" panose="020B0609020204030204" pitchFamily="49" charset="0"/>
+              </a:rPr>
+              <a:t>  ]</a:t>
+            </a:r>
+            <a:br>
+              <a:rPr kumimoji="0" lang="en-US" altLang="en-US" sz="1000" b="0" i="0" u="none" strike="noStrike" cap="none" normalizeH="0" baseline="0" dirty="0" smtClean="0">
+                <a:ln>
+                  <a:noFill/>
+                </a:ln>
+                <a:solidFill>
+                  <a:srgbClr val="000000"/>
+                </a:solidFill>
+                <a:effectLst/>
+                <a:latin typeface="Consolas" panose="020B0609020204030204" pitchFamily="49" charset="0"/>
+                <a:cs typeface="Consolas" panose="020B0609020204030204" pitchFamily="49" charset="0"/>
+              </a:rPr>
+            </a:br>
+            <a:r>
+              <a:rPr kumimoji="0" lang="en-US" altLang="en-US" sz="1000" b="0" i="0" u="none" strike="noStrike" cap="none" normalizeH="0" baseline="0" dirty="0" smtClean="0">
+                <a:ln>
+                  <a:noFill/>
+                </a:ln>
+                <a:solidFill>
+                  <a:srgbClr val="000000"/>
+                </a:solidFill>
+                <a:effectLst/>
+                <a:latin typeface="Consolas" panose="020B0609020204030204" pitchFamily="49" charset="0"/>
+                <a:cs typeface="Consolas" panose="020B0609020204030204" pitchFamily="49" charset="0"/>
+              </a:rPr>
+              <a:t>},</a:t>
+            </a:r>
+            <a:endParaRPr kumimoji="0" lang="en-US" altLang="en-US" sz="1800" b="0" i="0" u="none" strike="noStrike" cap="none" normalizeH="0" baseline="0" dirty="0" smtClean="0">
+              <a:ln>
+                <a:noFill/>
+              </a:ln>
+              <a:solidFill>
+                <a:schemeClr val="tx1"/>
+              </a:solidFill>
+              <a:effectLst/>
+              <a:latin typeface="Arial" panose="020B0604020202020204" pitchFamily="34" charset="0"/>
+            </a:endParaRPr>
+          </a:p>
+        </p:txBody>
+      </p:sp>
+      <p:pic>
+        <p:nvPicPr>
+          <p:cNvPr id="6" name="Picture 5"/>
+          <p:cNvPicPr>
+            <a:picLocks noChangeAspect="1"/>
+          </p:cNvPicPr>
+          <p:nvPr/>
+        </p:nvPicPr>
+        <p:blipFill>
+          <a:blip r:embed="rId2"/>
+          <a:stretch>
+            <a:fillRect/>
+          </a:stretch>
+        </p:blipFill>
+        <p:spPr>
+          <a:xfrm>
+            <a:off x="6400800" y="3124200"/>
+            <a:ext cx="3306580" cy="1896320"/>
+          </a:xfrm>
+          <a:prstGeom prst="rect">
+            <a:avLst/>
+          </a:prstGeom>
+        </p:spPr>
+      </p:pic>
+      <p:sp>
+        <p:nvSpPr>
+          <p:cNvPr id="7" name="Right Arrow 6"/>
+          <p:cNvSpPr/>
+          <p:nvPr/>
+        </p:nvSpPr>
+        <p:spPr bwMode="ltGray">
+          <a:xfrm>
+            <a:off x="5256928" y="3892040"/>
+            <a:ext cx="838200" cy="360639"/>
+          </a:xfrm>
+          <a:prstGeom prst="rightArrow">
+            <a:avLst/>
+          </a:prstGeom>
+          <a:solidFill>
+            <a:schemeClr val="accent1"/>
+          </a:solidFill>
+          <a:ln w="19050">
+            <a:solidFill>
+              <a:schemeClr val="accent1"/>
+            </a:solidFill>
+          </a:ln>
+        </p:spPr>
+        <p:style>
+          <a:lnRef idx="2">
+            <a:schemeClr val="accent1">
+              <a:shade val="50000"/>
+            </a:schemeClr>
+          </a:lnRef>
+          <a:fillRef idx="1">
+            <a:schemeClr val="accent1"/>
+          </a:fillRef>
+          <a:effectRef idx="0">
+            <a:schemeClr val="accent1"/>
+          </a:effectRef>
+          <a:fontRef idx="minor">
+            <a:schemeClr val="lt1"/>
+          </a:fontRef>
+        </p:style>
+        <p:txBody>
+          <a:bodyPr rtlCol="0" anchor="ctr"/>
+          <a:lstStyle/>
+          <a:p>
+            <a:pPr algn="ctr">
+              <a:lnSpc>
+                <a:spcPct val="90000"/>
+              </a:lnSpc>
+            </a:pPr>
+            <a:endParaRPr lang="en-US" dirty="0" err="1" smtClean="0"/>
+          </a:p>
+        </p:txBody>
+      </p:sp>
+    </p:spTree>
+    <p:extLst>
+      <p:ext uri="{BB962C8B-B14F-4D97-AF65-F5344CB8AC3E}">
+        <p14:creationId xmlns:p14="http://schemas.microsoft.com/office/powerpoint/2010/main" val="937416225"/>
+      </p:ext>
+    </p:extLst>
+  </p:cSld>
+  <p:clrMapOvr>
+    <a:masterClrMapping/>
+  </p:clrMapOvr>
+  <mc:AlternateContent xmlns:mc="http://schemas.openxmlformats.org/markup-compatibility/2006" xmlns:p14="http://schemas.microsoft.com/office/powerpoint/2010/main">
+    <mc:Choice Requires="p14">
+      <p:transition spd="med" p14:dur="700">
+        <p:fade/>
+      </p:transition>
+    </mc:Choice>
+    <mc:Fallback xmlns="">
+      <p:transition spd="med">
+        <p:fade/>
+      </p:transition>
+    </mc:Fallback>
+  </mc:AlternateContent>
+</p:sld>
+</file>
+
+<file path=ppt/slides/slide7.xml><?xml version="1.0" encoding="utf-8"?>
+<p:sld xmlns:a="http://schemas.openxmlformats.org/drawingml/2006/main" xmlns:r="http://schemas.openxmlformats.org/officeDocument/2006/relationships" xmlns:p="http://schemas.openxmlformats.org/presentationml/2006/main">
+  <p:cSld>
+    <p:spTree>
+      <p:nvGrpSpPr>
+        <p:cNvPr id="1" name=""/>
+        <p:cNvGrpSpPr/>
+        <p:nvPr/>
+      </p:nvGrpSpPr>
+      <p:grpSpPr>
+        <a:xfrm>
+          <a:off x="0" y="0"/>
+          <a:ext cx="0" cy="0"/>
+          <a:chOff x="0" y="0"/>
+          <a:chExt cx="0" cy="0"/>
+        </a:xfrm>
+      </p:grpSpPr>
+      <p:sp>
+        <p:nvSpPr>
+          <p:cNvPr id="2" name="Title 1"/>
+          <p:cNvSpPr>
+            <a:spLocks noGrp="1"/>
+          </p:cNvSpPr>
+          <p:nvPr>
+            <p:ph type="title"/>
+          </p:nvPr>
+        </p:nvSpPr>
+        <p:spPr/>
+        <p:txBody>
+          <a:bodyPr/>
+          <a:lstStyle/>
+          <a:p>
+            <a:r>
+              <a:rPr lang="en-US" dirty="0" smtClean="0"/>
+              <a:t>Design Model </a:t>
+            </a:r>
+            <a:endParaRPr lang="en-US" dirty="0"/>
+          </a:p>
+        </p:txBody>
+      </p:sp>
+      <p:sp>
+        <p:nvSpPr>
+          <p:cNvPr id="4" name="Slide Number Placeholder 3"/>
+          <p:cNvSpPr>
+            <a:spLocks noGrp="1"/>
+          </p:cNvSpPr>
+          <p:nvPr>
+            <p:ph type="sldNum" sz="quarter" idx="12"/>
+          </p:nvPr>
+        </p:nvSpPr>
+        <p:spPr/>
+        <p:txBody>
+          <a:bodyPr/>
+          <a:lstStyle/>
+          <a:p>
+            <a:fld id="{B016F8AB-BCEA-4347-8BA6-BE776009BC89}" type="slidenum">
+              <a:rPr lang="en-US" smtClean="0"/>
+              <a:pPr/>
+              <a:t>7</a:t>
             </a:fld>
             <a:endParaRPr lang="en-US"/>
           </a:p>
@@ -48896,17 +51776,7 @@
             </a:pPr>
             <a:r>
               <a:rPr lang="en-US" dirty="0" smtClean="0"/>
-              <a:t>Build a visualized designer to define the model of network based on RAPPID library. </a:t>
-            </a:r>
-            <a:endParaRPr lang="en-US" dirty="0"/>
-          </a:p>
-          <a:p>
-            <a:pPr marL="0" indent="0">
-              <a:buNone/>
-            </a:pPr>
-            <a:r>
-              <a:rPr lang="en-US" dirty="0" smtClean="0"/>
-              <a:t>Granularity objects are defined in the designer as well.</a:t>
+              <a:t>A visualized designer to define the model of network based on RAPPID library. </a:t>
             </a:r>
             <a:endParaRPr lang="en-US" dirty="0"/>
           </a:p>
@@ -49102,10 +51972,6 @@
               <a:buFont typeface="Arial" panose="020B0604020202020204" pitchFamily="34" charset="0"/>
               <a:buNone/>
             </a:pPr>
-            <a:r>
-              <a:rPr lang="en-US" dirty="0" smtClean="0"/>
-              <a:t>The monitored network shall have a model. The model consists of NE nodes and relationships.</a:t>
-            </a:r>
             <a:endParaRPr lang="en-US" dirty="0"/>
           </a:p>
         </p:txBody>
@@ -49114,275 +51980,6 @@
     <p:extLst>
       <p:ext uri="{BB962C8B-B14F-4D97-AF65-F5344CB8AC3E}">
         <p14:creationId xmlns:p14="http://schemas.microsoft.com/office/powerpoint/2010/main" val="2946371024"/>
-      </p:ext>
-    </p:extLst>
-  </p:cSld>
-  <p:clrMapOvr>
-    <a:masterClrMapping/>
-  </p:clrMapOvr>
-  <mc:AlternateContent xmlns:mc="http://schemas.openxmlformats.org/markup-compatibility/2006" xmlns:p14="http://schemas.microsoft.com/office/powerpoint/2010/main">
-    <mc:Choice Requires="p14">
-      <p:transition spd="med" p14:dur="700">
-        <p:fade/>
-      </p:transition>
-    </mc:Choice>
-    <mc:Fallback xmlns="">
-      <p:transition spd="med">
-        <p:fade/>
-      </p:transition>
-    </mc:Fallback>
-  </mc:AlternateContent>
-</p:sld>
-</file>
-
-<file path=ppt/slides/slide7.xml><?xml version="1.0" encoding="utf-8"?>
-<p:sld xmlns:a="http://schemas.openxmlformats.org/drawingml/2006/main" xmlns:r="http://schemas.openxmlformats.org/officeDocument/2006/relationships" xmlns:p="http://schemas.openxmlformats.org/presentationml/2006/main">
-  <p:cSld>
-    <p:spTree>
-      <p:nvGrpSpPr>
-        <p:cNvPr id="1" name=""/>
-        <p:cNvGrpSpPr/>
-        <p:nvPr/>
-      </p:nvGrpSpPr>
-      <p:grpSpPr>
-        <a:xfrm>
-          <a:off x="0" y="0"/>
-          <a:ext cx="0" cy="0"/>
-          <a:chOff x="0" y="0"/>
-          <a:chExt cx="0" cy="0"/>
-        </a:xfrm>
-      </p:grpSpPr>
-      <p:sp>
-        <p:nvSpPr>
-          <p:cNvPr id="2" name="Title 1"/>
-          <p:cNvSpPr>
-            <a:spLocks noGrp="1"/>
-          </p:cNvSpPr>
-          <p:nvPr>
-            <p:ph type="title"/>
-          </p:nvPr>
-        </p:nvSpPr>
-        <p:spPr/>
-        <p:txBody>
-          <a:bodyPr/>
-          <a:lstStyle/>
-          <a:p>
-            <a:r>
-              <a:rPr lang="en-US" dirty="0" smtClean="0"/>
-              <a:t>KPI Management</a:t>
-            </a:r>
-            <a:br>
-              <a:rPr lang="en-US" dirty="0" smtClean="0"/>
-            </a:br>
-            <a:r>
-              <a:rPr lang="en-US" dirty="0" smtClean="0"/>
-              <a:t>	-- </a:t>
-            </a:r>
-            <a:r>
-              <a:rPr lang="en-US" sz="2000" dirty="0" smtClean="0"/>
-              <a:t>create and manage KPI definitions</a:t>
-            </a:r>
-            <a:endParaRPr lang="en-US" dirty="0"/>
-          </a:p>
-        </p:txBody>
-      </p:sp>
-      <p:sp>
-        <p:nvSpPr>
-          <p:cNvPr id="3" name="Content Placeholder 2"/>
-          <p:cNvSpPr>
-            <a:spLocks noGrp="1"/>
-          </p:cNvSpPr>
-          <p:nvPr>
-            <p:ph idx="1"/>
-          </p:nvPr>
-        </p:nvSpPr>
-        <p:spPr>
-          <a:xfrm>
-            <a:off x="609600" y="1524000"/>
-            <a:ext cx="5486400" cy="4571999"/>
-          </a:xfrm>
-        </p:spPr>
-        <p:txBody>
-          <a:bodyPr>
-            <a:normAutofit/>
-          </a:bodyPr>
-          <a:lstStyle/>
-          <a:p>
-            <a:r>
-              <a:rPr lang="en-US" sz="1600" dirty="0" smtClean="0"/>
-              <a:t>Each KPI has a unique ID assigned by the system.</a:t>
-            </a:r>
-          </a:p>
-          <a:p>
-            <a:r>
-              <a:rPr lang="en-US" sz="1600" dirty="0" smtClean="0"/>
-              <a:t>There are 4 types of KPI</a:t>
-            </a:r>
-          </a:p>
-          <a:p>
-            <a:pPr lvl="1">
-              <a:buFont typeface="Wingdings" panose="05000000000000000000" pitchFamily="2" charset="2"/>
-              <a:buChar char="ü"/>
-            </a:pPr>
-            <a:r>
-              <a:rPr lang="en-US" sz="1400" dirty="0" smtClean="0"/>
-              <a:t>Raw: collect by the collectors.</a:t>
-            </a:r>
-          </a:p>
-          <a:p>
-            <a:pPr lvl="1">
-              <a:buFont typeface="Wingdings" panose="05000000000000000000" pitchFamily="2" charset="2"/>
-              <a:buChar char="ü"/>
-            </a:pPr>
-            <a:r>
-              <a:rPr lang="en-US" sz="1400" dirty="0" smtClean="0"/>
-              <a:t>Calculation: The KPI is calculated based on the KPIs of the same NE and have the same granularity.</a:t>
-            </a:r>
-          </a:p>
-          <a:p>
-            <a:pPr lvl="1">
-              <a:buFont typeface="Wingdings" panose="05000000000000000000" pitchFamily="2" charset="2"/>
-              <a:buChar char="ü"/>
-            </a:pPr>
-            <a:r>
-              <a:rPr lang="en-US" sz="1400" dirty="0" smtClean="0"/>
-              <a:t>Time Aggregation: The KPI is aggregated by the KPI of the same NE type but from smaller granularity.</a:t>
-            </a:r>
-          </a:p>
-          <a:p>
-            <a:pPr lvl="1">
-              <a:buFont typeface="Wingdings" panose="05000000000000000000" pitchFamily="2" charset="2"/>
-              <a:buChar char="ü"/>
-            </a:pPr>
-            <a:r>
-              <a:rPr lang="en-US" sz="1400" dirty="0" smtClean="0"/>
-              <a:t>Entity Aggregation: The KPI is aggregated by the KPI of the sub NE (defined in the model) and have same granularity.</a:t>
-            </a:r>
-          </a:p>
-          <a:p>
-            <a:pPr marL="228600" lvl="1" indent="0">
-              <a:buNone/>
-            </a:pPr>
-            <a:r>
-              <a:rPr lang="en-US" sz="1400" dirty="0" smtClean="0"/>
-              <a:t>These 4 types shall meet all the KPI requirements, but we still able to enhance it to simplify the types and support more complex formula and support more aggregation functions.</a:t>
-            </a:r>
-            <a:endParaRPr lang="en-US" sz="1400" dirty="0"/>
-          </a:p>
-          <a:p>
-            <a:pPr marL="228600" lvl="1" indent="0">
-              <a:buNone/>
-            </a:pPr>
-            <a:endParaRPr lang="en-US" sz="1400" dirty="0" smtClean="0"/>
-          </a:p>
-        </p:txBody>
-      </p:sp>
-      <p:sp>
-        <p:nvSpPr>
-          <p:cNvPr id="4" name="Slide Number Placeholder 3"/>
-          <p:cNvSpPr>
-            <a:spLocks noGrp="1"/>
-          </p:cNvSpPr>
-          <p:nvPr>
-            <p:ph type="sldNum" sz="quarter" idx="12"/>
-          </p:nvPr>
-        </p:nvSpPr>
-        <p:spPr/>
-        <p:txBody>
-          <a:bodyPr/>
-          <a:lstStyle/>
-          <a:p>
-            <a:fld id="{B016F8AB-BCEA-4347-8BA6-BE776009BC89}" type="slidenum">
-              <a:rPr lang="en-US" smtClean="0"/>
-              <a:pPr/>
-              <a:t>7</a:t>
-            </a:fld>
-            <a:endParaRPr lang="en-US"/>
-          </a:p>
-        </p:txBody>
-      </p:sp>
-      <p:pic>
-        <p:nvPicPr>
-          <p:cNvPr id="5" name="Picture 4"/>
-          <p:cNvPicPr>
-            <a:picLocks noChangeAspect="1"/>
-          </p:cNvPicPr>
-          <p:nvPr/>
-        </p:nvPicPr>
-        <p:blipFill>
-          <a:blip r:embed="rId2"/>
-          <a:stretch>
-            <a:fillRect/>
-          </a:stretch>
-        </p:blipFill>
-        <p:spPr>
-          <a:xfrm>
-            <a:off x="6096000" y="1752600"/>
-            <a:ext cx="5684964" cy="3537828"/>
-          </a:xfrm>
-          <a:prstGeom prst="rect">
-            <a:avLst/>
-          </a:prstGeom>
-          <a:solidFill>
-            <a:srgbClr val="FFFFFF">
-              <a:shade val="85000"/>
-            </a:srgbClr>
-          </a:solidFill>
-          <a:ln w="88900" cap="sq">
-            <a:solidFill>
-              <a:srgbClr val="FFFFFF"/>
-            </a:solidFill>
-            <a:miter lim="800000"/>
-          </a:ln>
-          <a:effectLst>
-            <a:outerShdw blurRad="55000" dist="18000" dir="5400000" algn="tl" rotWithShape="0">
-              <a:srgbClr val="000000">
-                <a:alpha val="40000"/>
-              </a:srgbClr>
-            </a:outerShdw>
-          </a:effectLst>
-          <a:scene3d>
-            <a:camera prst="orthographicFront"/>
-            <a:lightRig rig="twoPt" dir="t">
-              <a:rot lat="0" lon="0" rev="7200000"/>
-            </a:lightRig>
-          </a:scene3d>
-          <a:sp3d>
-            <a:bevelT w="25400" h="19050"/>
-            <a:contourClr>
-              <a:srgbClr val="FFFFFF"/>
-            </a:contourClr>
-          </a:sp3d>
-        </p:spPr>
-      </p:pic>
-      <p:pic>
-        <p:nvPicPr>
-          <p:cNvPr id="6" name="Picture 5"/>
-          <p:cNvPicPr>
-            <a:picLocks noChangeAspect="1"/>
-          </p:cNvPicPr>
-          <p:nvPr/>
-        </p:nvPicPr>
-        <p:blipFill>
-          <a:blip r:embed="rId3"/>
-          <a:stretch>
-            <a:fillRect/>
-          </a:stretch>
-        </p:blipFill>
-        <p:spPr>
-          <a:xfrm>
-            <a:off x="1905000" y="4784733"/>
-            <a:ext cx="3076315" cy="1011391"/>
-          </a:xfrm>
-          <a:prstGeom prst="rect">
-            <a:avLst/>
-          </a:prstGeom>
-        </p:spPr>
-      </p:pic>
-    </p:spTree>
-    <p:extLst>
-      <p:ext uri="{BB962C8B-B14F-4D97-AF65-F5344CB8AC3E}">
-        <p14:creationId xmlns:p14="http://schemas.microsoft.com/office/powerpoint/2010/main" val="768885437"/>
       </p:ext>
     </p:extLst>
   </p:cSld>
@@ -49438,7 +52035,30 @@
           <a:p>
             <a:r>
               <a:rPr lang="en-US" dirty="0" smtClean="0"/>
-              <a:t>KPI Definition in Database</a:t>
+              <a:t>Inventory Instances</a:t>
+            </a:r>
+            <a:endParaRPr lang="en-US" dirty="0"/>
+          </a:p>
+        </p:txBody>
+      </p:sp>
+      <p:sp>
+        <p:nvSpPr>
+          <p:cNvPr id="3" name="Content Placeholder 2"/>
+          <p:cNvSpPr>
+            <a:spLocks noGrp="1"/>
+          </p:cNvSpPr>
+          <p:nvPr>
+            <p:ph idx="1"/>
+          </p:nvPr>
+        </p:nvSpPr>
+        <p:spPr/>
+        <p:txBody>
+          <a:bodyPr/>
+          <a:lstStyle/>
+          <a:p>
+            <a:r>
+              <a:rPr lang="en-US" dirty="0" smtClean="0"/>
+              <a:t>After modelling, the collectors response to inject inventory to the DB and bind them to the predefined object.</a:t>
             </a:r>
             <a:endParaRPr lang="en-US" dirty="0"/>
           </a:p>
@@ -49468,175 +52088,10 @@
           </a:p>
         </p:txBody>
       </p:sp>
-      <p:pic>
-        <p:nvPicPr>
-          <p:cNvPr id="5" name="Picture 4"/>
-          <p:cNvPicPr>
-            <a:picLocks noChangeAspect="1"/>
-          </p:cNvPicPr>
-          <p:nvPr/>
-        </p:nvPicPr>
-        <p:blipFill>
-          <a:blip r:embed="rId2"/>
-          <a:stretch>
-            <a:fillRect/>
-          </a:stretch>
-        </p:blipFill>
-        <p:spPr>
-          <a:xfrm>
-            <a:off x="624681" y="1676400"/>
-            <a:ext cx="6809093" cy="2842972"/>
-          </a:xfrm>
-          <a:prstGeom prst="rect">
-            <a:avLst/>
-          </a:prstGeom>
-          <a:solidFill>
-            <a:srgbClr val="FFFFFF">
-              <a:shade val="85000"/>
-            </a:srgbClr>
-          </a:solidFill>
-          <a:ln w="88900" cap="sq">
-            <a:solidFill>
-              <a:srgbClr val="FFFFFF"/>
-            </a:solidFill>
-            <a:miter lim="800000"/>
-          </a:ln>
-          <a:effectLst>
-            <a:outerShdw blurRad="55000" dist="18000" dir="5400000" algn="tl" rotWithShape="0">
-              <a:srgbClr val="000000">
-                <a:alpha val="40000"/>
-              </a:srgbClr>
-            </a:outerShdw>
-          </a:effectLst>
-          <a:scene3d>
-            <a:camera prst="orthographicFront"/>
-            <a:lightRig rig="twoPt" dir="t">
-              <a:rot lat="0" lon="0" rev="7200000"/>
-            </a:lightRig>
-          </a:scene3d>
-          <a:sp3d>
-            <a:bevelT w="25400" h="19050"/>
-            <a:contourClr>
-              <a:srgbClr val="FFFFFF"/>
-            </a:contourClr>
-          </a:sp3d>
-        </p:spPr>
-      </p:pic>
-      <p:pic>
-        <p:nvPicPr>
-          <p:cNvPr id="6" name="Picture 5"/>
-          <p:cNvPicPr>
-            <a:picLocks noChangeAspect="1"/>
-          </p:cNvPicPr>
-          <p:nvPr/>
-        </p:nvPicPr>
-        <p:blipFill>
-          <a:blip r:embed="rId3"/>
-          <a:stretch>
-            <a:fillRect/>
-          </a:stretch>
-        </p:blipFill>
-        <p:spPr>
-          <a:xfrm>
-            <a:off x="6324600" y="2929682"/>
-            <a:ext cx="5380952" cy="3733333"/>
-          </a:xfrm>
-          <a:prstGeom prst="rect">
-            <a:avLst/>
-          </a:prstGeom>
-        </p:spPr>
-      </p:pic>
-      <p:sp>
-        <p:nvSpPr>
-          <p:cNvPr id="7" name="Curved Down Arrow 6"/>
-          <p:cNvSpPr/>
-          <p:nvPr/>
-        </p:nvSpPr>
-        <p:spPr bwMode="ltGray">
-          <a:xfrm rot="1939759">
-            <a:off x="6990676" y="2546820"/>
-            <a:ext cx="2286000" cy="588854"/>
-          </a:xfrm>
-          <a:prstGeom prst="curvedDownArrow">
-            <a:avLst/>
-          </a:prstGeom>
-          <a:solidFill>
-            <a:schemeClr val="accent1"/>
-          </a:solidFill>
-          <a:ln w="19050">
-            <a:solidFill>
-              <a:schemeClr val="accent1"/>
-            </a:solidFill>
-          </a:ln>
-        </p:spPr>
-        <p:style>
-          <a:lnRef idx="2">
-            <a:schemeClr val="accent1">
-              <a:shade val="50000"/>
-            </a:schemeClr>
-          </a:lnRef>
-          <a:fillRef idx="1">
-            <a:schemeClr val="accent1"/>
-          </a:fillRef>
-          <a:effectRef idx="0">
-            <a:schemeClr val="accent1"/>
-          </a:effectRef>
-          <a:fontRef idx="minor">
-            <a:schemeClr val="lt1"/>
-          </a:fontRef>
-        </p:style>
-        <p:txBody>
-          <a:bodyPr rtlCol="0" anchor="ctr"/>
-          <a:lstStyle/>
-          <a:p>
-            <a:pPr algn="ctr">
-              <a:lnSpc>
-                <a:spcPct val="90000"/>
-              </a:lnSpc>
-            </a:pPr>
-            <a:endParaRPr lang="en-US" dirty="0" err="1" smtClean="0">
-              <a:solidFill>
-                <a:schemeClr val="tx1"/>
-              </a:solidFill>
-            </a:endParaRPr>
-          </a:p>
-        </p:txBody>
-      </p:sp>
-      <p:sp>
-        <p:nvSpPr>
-          <p:cNvPr id="8" name="Content Placeholder 2"/>
-          <p:cNvSpPr>
-            <a:spLocks noGrp="1"/>
-          </p:cNvSpPr>
-          <p:nvPr>
-            <p:ph idx="1"/>
-          </p:nvPr>
-        </p:nvSpPr>
-        <p:spPr>
-          <a:xfrm>
-            <a:off x="609600" y="4844460"/>
-            <a:ext cx="5562441" cy="1131479"/>
-          </a:xfrm>
-        </p:spPr>
-        <p:txBody>
-          <a:bodyPr/>
-          <a:lstStyle/>
-          <a:p>
-            <a:pPr marL="0" indent="0">
-              <a:buNone/>
-            </a:pPr>
-            <a:r>
-              <a:rPr lang="en-US" dirty="0" smtClean="0"/>
-              <a:t>Each KPI_DEF node must connect to one NE template node and one Granularity definition node.</a:t>
-            </a:r>
-            <a:endParaRPr lang="en-US" dirty="0"/>
-          </a:p>
-        </p:txBody>
-      </p:sp>
     </p:spTree>
     <p:extLst>
       <p:ext uri="{BB962C8B-B14F-4D97-AF65-F5344CB8AC3E}">
-        <p14:creationId xmlns:p14="http://schemas.microsoft.com/office/powerpoint/2010/main" val="3043690924"/>
+        <p14:creationId xmlns:p14="http://schemas.microsoft.com/office/powerpoint/2010/main" val="1311595006"/>
       </p:ext>
     </p:extLst>
   </p:cSld>
@@ -49692,7 +52147,7 @@
           <a:p>
             <a:r>
               <a:rPr lang="en-US" dirty="0" smtClean="0"/>
-              <a:t>KPI Engine</a:t>
+              <a:t>KPI Definition</a:t>
             </a:r>
             <a:endParaRPr lang="en-US" dirty="0"/>
           </a:p>
@@ -49715,48 +52170,38 @@
           <a:p>
             <a:r>
               <a:rPr lang="en-US" dirty="0" smtClean="0"/>
-              <a:t>KPI Engine module is the most valuable module in the system which reflects most important design ideas.</a:t>
+              <a:t>KPI/Counter are defined and stored as KPI Definitions and KPI Instances.</a:t>
             </a:r>
           </a:p>
           <a:p>
             <a:r>
               <a:rPr lang="en-US" dirty="0" smtClean="0"/>
-              <a:t>One idea is only store RAW counters/KPIs in the DB, all other KPIs are calculate in runtime. It’s because of in PM collection, the collection and aggregation are running in schedule, while some raw data may comes later, so the aggregation data may not accurate, it’s difficult to update these data. While calculate in runtime is  the other side of devil which may encounter performance issue. So current design and prototype may not suit for the real time scenario with lots calculations.</a:t>
+              <a:t>All KPI definitions are bind to one model object.</a:t>
             </a:r>
           </a:p>
           <a:p>
             <a:r>
               <a:rPr lang="en-US" dirty="0" smtClean="0"/>
-              <a:t>A third part library is included to pares and calculate the Calculation KPI( also used by Threshold module and SNMP collector)</a:t>
+              <a:t>Each KPI definition has one unique ID, the ID is managed by the OSSP console module.</a:t>
             </a:r>
           </a:p>
           <a:p>
             <a:r>
               <a:rPr lang="en-US" dirty="0" smtClean="0"/>
-              <a:t>Only support follow aggregation method: sum, </a:t>
-            </a:r>
-            <a:r>
-              <a:rPr lang="en-US" dirty="0" err="1" smtClean="0"/>
-              <a:t>avg</a:t>
-            </a:r>
+              <a:t>Raw KPI definitions can be created in the GUI of OSSP console or by collectors.</a:t>
+            </a:r>
+          </a:p>
+          <a:p>
             <a:r>
               <a:rPr lang="en-US" dirty="0" smtClean="0"/>
-              <a:t>, max, min and count. (in SNMP  collector support these methods and one more: delta)</a:t>
+              <a:t>Calculation or aggregation(by NE object or Time)  KPIs are defined in the GUI of OSSP console.</a:t>
             </a:r>
           </a:p>
           <a:p>
             <a:r>
               <a:rPr lang="en-US" dirty="0" smtClean="0"/>
-              <a:t>The engine provide customized APIs to fetch </a:t>
-            </a:r>
-            <a:r>
-              <a:rPr lang="en-US" smtClean="0"/>
-              <a:t>KPI values</a:t>
-            </a:r>
-            <a:endParaRPr lang="en-US" dirty="0" smtClean="0"/>
-          </a:p>
-          <a:p>
-            <a:endParaRPr lang="en-US" dirty="0"/>
+              <a:t>KPI instances are created by the collectors, but the system only store raw counters/KPIs. The calculated/aggregated KPIs are not stored in the DB.</a:t>
+            </a:r>
           </a:p>
         </p:txBody>
       </p:sp>
@@ -49787,7 +52232,7 @@
     </p:spTree>
     <p:extLst>
       <p:ext uri="{BB962C8B-B14F-4D97-AF65-F5344CB8AC3E}">
-        <p14:creationId xmlns:p14="http://schemas.microsoft.com/office/powerpoint/2010/main" val="1506219333"/>
+        <p14:creationId xmlns:p14="http://schemas.microsoft.com/office/powerpoint/2010/main" val="244410206"/>
       </p:ext>
     </p:extLst>
   </p:cSld>

--- a/doc/OSSP V2.pptx
+++ b/doc/OSSP V2.pptx
@@ -283,7 +283,7 @@
           <a:p>
             <a:fld id="{3CA61830-C416-483F-955E-54203C65B711}" type="datetimeFigureOut">
               <a:rPr lang="en-US"/>
-              <a:t>2/5/2016</a:t>
+              <a:t>2/6/2016</a:t>
             </a:fld>
             <a:endParaRPr/>
           </a:p>
@@ -6133,7 +6133,7 @@
           <a:p>
             <a:fld id="{EFA54ACD-BEB7-4258-A5F3-653792456C00}" type="datetime4">
               <a:rPr lang="en-US" smtClean="0"/>
-              <a:t>February 5, 2016</a:t>
+              <a:t>February 6, 2016</a:t>
             </a:fld>
             <a:endParaRPr/>
           </a:p>
@@ -8629,7 +8629,7 @@
           <a:p>
             <a:fld id="{2399C1EB-F401-4F7B-BD9C-AAA165C9F3D7}" type="datetime4">
               <a:rPr lang="en-US" smtClean="0"/>
-              <a:t>February 5, 2016</a:t>
+              <a:t>February 6, 2016</a:t>
             </a:fld>
             <a:endParaRPr/>
           </a:p>
@@ -8822,7 +8822,7 @@
           <a:p>
             <a:fld id="{ECF1CC87-9C4B-4D13-B529-5EAF641302E2}" type="datetime4">
               <a:rPr lang="en-US" smtClean="0"/>
-              <a:t>February 5, 2016</a:t>
+              <a:t>February 6, 2016</a:t>
             </a:fld>
             <a:endParaRPr/>
           </a:p>
@@ -9124,7 +9124,7 @@
           <a:p>
             <a:fld id="{AEFA413A-E630-4377-B30C-3545E98CC867}" type="datetime4">
               <a:rPr lang="en-US" smtClean="0"/>
-              <a:t>February 5, 2016</a:t>
+              <a:t>February 6, 2016</a:t>
             </a:fld>
             <a:endParaRPr/>
           </a:p>
@@ -9512,7 +9512,7 @@
           <a:p>
             <a:fld id="{2D33DC54-2A66-493A-80B5-8303FBA5D0AD}" type="datetime4">
               <a:rPr lang="en-US" smtClean="0"/>
-              <a:t>February 5, 2016</a:t>
+              <a:t>February 6, 2016</a:t>
             </a:fld>
             <a:endParaRPr/>
           </a:p>
@@ -9656,7 +9656,7 @@
           <a:p>
             <a:fld id="{26B45FFC-9EEF-4E69-85F5-C8F54747804D}" type="datetime4">
               <a:rPr lang="en-US" smtClean="0"/>
-              <a:t>February 5, 2016</a:t>
+              <a:t>February 6, 2016</a:t>
             </a:fld>
             <a:endParaRPr/>
           </a:p>
@@ -9899,7 +9899,7 @@
           <a:p>
             <a:fld id="{684E3265-88A3-4C30-AE11-BFDF645909E9}" type="datetime4">
               <a:rPr lang="en-US" smtClean="0"/>
-              <a:t>February 5, 2016</a:t>
+              <a:t>February 6, 2016</a:t>
             </a:fld>
             <a:endParaRPr/>
           </a:p>
@@ -10017,7 +10017,7 @@
           <a:p>
             <a:fld id="{E9F763D2-AF56-4C60-80C7-7D8FC051005C}" type="datetime4">
               <a:rPr lang="en-US" smtClean="0"/>
-              <a:t>February 5, 2016</a:t>
+              <a:t>February 6, 2016</a:t>
             </a:fld>
             <a:endParaRPr/>
           </a:p>
@@ -10344,7 +10344,7 @@
           <a:p>
             <a:fld id="{905039DC-98B3-47E6-AD46-BA5B72AD8B4A}" type="datetime4">
               <a:rPr lang="en-US" smtClean="0"/>
-              <a:t>February 5, 2016</a:t>
+              <a:t>February 6, 2016</a:t>
             </a:fld>
             <a:endParaRPr/>
           </a:p>
@@ -10804,7 +10804,7 @@
           <a:p>
             <a:fld id="{A48AA38D-5CBD-4E44-A2EB-B3F38A5B8051}" type="datetime4">
               <a:rPr lang="en-US" smtClean="0"/>
-              <a:t>February 5, 2016</a:t>
+              <a:t>February 6, 2016</a:t>
             </a:fld>
             <a:endParaRPr/>
           </a:p>
@@ -13855,7 +13855,7 @@
           <a:p>
             <a:fld id="{8F030E74-B79E-47A7-AA1C-BA3D00CC0B4A}" type="datetime4">
               <a:rPr lang="en-US" smtClean="0"/>
-              <a:t>February 5, 2016</a:t>
+              <a:t>February 6, 2016</a:t>
             </a:fld>
             <a:endParaRPr/>
           </a:p>
@@ -14266,7 +14266,7 @@
           <a:p>
             <a:fld id="{00FDD7F1-9FB6-4CB9-BA1F-25B205B879F3}" type="datetime4">
               <a:rPr lang="en-US" smtClean="0"/>
-              <a:t>February 5, 2016</a:t>
+              <a:t>February 6, 2016</a:t>
             </a:fld>
             <a:endParaRPr/>
           </a:p>
@@ -14887,7 +14887,7 @@
           <a:p>
             <a:fld id="{027D5831-B468-414C-94B5-F04EB43FC0AE}" type="datetime4">
               <a:rPr lang="en-US" smtClean="0"/>
-              <a:t>February 5, 2016</a:t>
+              <a:t>February 6, 2016</a:t>
             </a:fld>
             <a:endParaRPr/>
           </a:p>
@@ -15606,7 +15606,7 @@
           <a:p>
             <a:fld id="{727A18C6-3F10-4266-96C9-5D014F3025B2}" type="datetime4">
               <a:rPr lang="en-US" smtClean="0"/>
-              <a:t>February 5, 2016</a:t>
+              <a:t>February 6, 2016</a:t>
             </a:fld>
             <a:endParaRPr/>
           </a:p>
@@ -15903,7 +15903,7 @@
           <a:p>
             <a:fld id="{A6CB1722-4B46-4353-B583-721651D61489}" type="datetime4">
               <a:rPr lang="en-US" smtClean="0"/>
-              <a:t>February 5, 2016</a:t>
+              <a:t>February 6, 2016</a:t>
             </a:fld>
             <a:endParaRPr/>
           </a:p>
@@ -16197,7 +16197,7 @@
           <a:p>
             <a:fld id="{8B8B1958-F972-48E2-B30C-3D9C71EE7ED1}" type="datetime4">
               <a:rPr lang="en-US" smtClean="0"/>
-              <a:t>February 5, 2016</a:t>
+              <a:t>February 6, 2016</a:t>
             </a:fld>
             <a:endParaRPr/>
           </a:p>
@@ -16470,7 +16470,7 @@
           <a:p>
             <a:fld id="{BF2CF142-9C82-4C83-9B6A-8077B879C1B8}" type="datetime4">
               <a:rPr lang="en-US" smtClean="0"/>
-              <a:t>February 5, 2016</a:t>
+              <a:t>February 6, 2016</a:t>
             </a:fld>
             <a:endParaRPr/>
           </a:p>
@@ -16757,7 +16757,7 @@
           <a:p>
             <a:fld id="{9C259EE5-F25B-4563-AE58-6B042DD986DA}" type="datetime4">
               <a:rPr lang="en-US" smtClean="0"/>
-              <a:t>February 5, 2016</a:t>
+              <a:t>February 6, 2016</a:t>
             </a:fld>
             <a:endParaRPr/>
           </a:p>
@@ -17175,7 +17175,7 @@
           <a:p>
             <a:fld id="{F4CAB0D1-A256-4DFA-8583-35D5EE4CD0DF}" type="datetime4">
               <a:rPr lang="en-US" smtClean="0"/>
-              <a:t>February 5, 2016</a:t>
+              <a:t>February 6, 2016</a:t>
             </a:fld>
             <a:endParaRPr/>
           </a:p>
@@ -17735,7 +17735,7 @@
           <a:p>
             <a:fld id="{B0BBCA58-86AD-4F40-BF66-913A1183EE47}" type="datetime4">
               <a:rPr lang="en-US" smtClean="0"/>
-              <a:t>February 5, 2016</a:t>
+              <a:t>February 6, 2016</a:t>
             </a:fld>
             <a:endParaRPr/>
           </a:p>
@@ -22841,7 +22841,7 @@
           <a:p>
             <a:fld id="{FB395617-A7D9-4AE8-82B6-3D0A191CDCBE}" type="datetime4">
               <a:rPr lang="en-US" smtClean="0"/>
-              <a:t>February 5, 2016</a:t>
+              <a:t>February 6, 2016</a:t>
             </a:fld>
             <a:endParaRPr/>
           </a:p>
@@ -25423,7 +25423,7 @@
           <a:p>
             <a:fld id="{77C6BA28-E443-46F5-AE73-D543F89EF748}" type="datetime4">
               <a:rPr lang="en-US" smtClean="0"/>
-              <a:t>February 5, 2016</a:t>
+              <a:t>February 6, 2016</a:t>
             </a:fld>
             <a:endParaRPr/>
           </a:p>
@@ -25621,7 +25621,7 @@
           <a:p>
             <a:fld id="{1452EE1A-1BE0-474E-808D-00D5A7797660}" type="datetime4">
               <a:rPr lang="en-US" smtClean="0"/>
-              <a:t>February 5, 2016</a:t>
+              <a:t>February 6, 2016</a:t>
             </a:fld>
             <a:endParaRPr/>
           </a:p>
@@ -25890,7 +25890,7 @@
           <a:p>
             <a:fld id="{1D654495-4BF5-4727-99D4-DFD1D0597350}" type="datetime4">
               <a:rPr lang="en-US" smtClean="0"/>
-              <a:t>February 5, 2016</a:t>
+              <a:t>February 6, 2016</a:t>
             </a:fld>
             <a:endParaRPr/>
           </a:p>
@@ -26220,7 +26220,7 @@
           <a:p>
             <a:fld id="{74A90477-F864-462B-BF44-00D67B14D858}" type="datetime4">
               <a:rPr lang="en-US" smtClean="0"/>
-              <a:t>February 5, 2016</a:t>
+              <a:t>February 6, 2016</a:t>
             </a:fld>
             <a:endParaRPr/>
           </a:p>
@@ -26474,7 +26474,7 @@
           <a:p>
             <a:fld id="{16E08157-2DC9-4745-A7A9-7046A8583708}" type="datetime4">
               <a:rPr lang="en-US" smtClean="0"/>
-              <a:t>February 5, 2016</a:t>
+              <a:t>February 6, 2016</a:t>
             </a:fld>
             <a:endParaRPr/>
           </a:p>
@@ -29154,7 +29154,7 @@
           <a:p>
             <a:fld id="{FDD7D378-E709-4062-9715-39E79557A063}" type="datetime4">
               <a:rPr lang="en-US" smtClean="0"/>
-              <a:t>February 5, 2016</a:t>
+              <a:t>February 6, 2016</a:t>
             </a:fld>
             <a:endParaRPr/>
           </a:p>
@@ -34070,7 +34070,7 @@
           <a:p>
             <a:fld id="{C07C5E14-300D-4720-B5FE-54C7D96D4160}" type="datetime4">
               <a:rPr lang="en-US" smtClean="0"/>
-              <a:t>February 5, 2016</a:t>
+              <a:t>February 6, 2016</a:t>
             </a:fld>
             <a:endParaRPr/>
           </a:p>
@@ -36762,7 +36762,7 @@
           <a:p>
             <a:fld id="{BC7BE07D-E945-4DDF-8452-20009392BF2F}" type="datetime4">
               <a:rPr lang="en-US" smtClean="0"/>
-              <a:t>February 5, 2016</a:t>
+              <a:t>February 6, 2016</a:t>
             </a:fld>
             <a:endParaRPr/>
           </a:p>
@@ -37245,7 +37245,7 @@
           <a:p>
             <a:fld id="{65FD8143-BFA3-46F8-9B90-B0E5CFAF7F7C}" type="datetime4">
               <a:rPr lang="en-US" smtClean="0"/>
-              <a:t>February 5, 2016</a:t>
+              <a:t>February 6, 2016</a:t>
             </a:fld>
             <a:endParaRPr/>
           </a:p>
@@ -40124,15 +40124,7 @@
           <a:p>
             <a:r>
               <a:rPr lang="en-US" dirty="0" smtClean="0"/>
-              <a:t>KPI </a:t>
-            </a:r>
-            <a:r>
-              <a:rPr lang="en-US" dirty="0" smtClean="0"/>
-              <a:t>Definition Management GUI</a:t>
-            </a:r>
-            <a:r>
-              <a:rPr lang="en-US" dirty="0" smtClean="0"/>
-              <a:t/>
+              <a:t>KPI Definition Management GUI</a:t>
             </a:r>
             <a:br>
               <a:rPr lang="en-US" dirty="0" smtClean="0"/>
@@ -40710,23 +40702,19 @@
           <a:p>
             <a:r>
               <a:rPr lang="en-US" dirty="0" smtClean="0"/>
-              <a:t> * The </a:t>
+              <a:t> * The engine provide customized APIs </a:t>
+            </a:r>
+            <a:r>
+              <a:rPr lang="en-US" smtClean="0"/>
+              <a:t>to </a:t>
+            </a:r>
+            <a:r>
+              <a:rPr lang="en-US" smtClean="0"/>
+              <a:t>query KPI </a:t>
             </a:r>
             <a:r>
               <a:rPr lang="en-US" dirty="0" smtClean="0"/>
-              <a:t>engine provide customized APIs to </a:t>
-            </a:r>
-            <a:r>
-              <a:rPr lang="en-US" dirty="0" err="1" smtClean="0"/>
-              <a:t>qeury</a:t>
-            </a:r>
-            <a:r>
-              <a:rPr lang="en-US" dirty="0" smtClean="0"/>
-              <a:t> </a:t>
-            </a:r>
-            <a:r>
-              <a:rPr lang="en-US" dirty="0" smtClean="0"/>
-              <a:t>KPI values</a:t>
+              <a:t>values</a:t>
             </a:r>
           </a:p>
           <a:p>
@@ -41071,6 +41059,17 @@
             </a:r>
           </a:p>
           <a:p>
+            <a:r>
+              <a:rPr lang="en-US" dirty="0" smtClean="0"/>
+              <a:t>Different type collectors can share one REST server, while same type collector must running in different </a:t>
+            </a:r>
+            <a:r>
+              <a:rPr lang="en-US" smtClean="0"/>
+              <a:t>REST servers</a:t>
+            </a:r>
+            <a:endParaRPr lang="en-US" dirty="0" smtClean="0"/>
+          </a:p>
+          <a:p>
             <a:endParaRPr lang="en-US" dirty="0" smtClean="0"/>
           </a:p>
           <a:p>
@@ -41184,37 +41183,19 @@
           <a:p>
             <a:r>
               <a:rPr lang="en-US" dirty="0" smtClean="0"/>
-              <a:t>The collector will monitor a configuration directory and consumes new </a:t>
-            </a:r>
+              <a:t>The collector will monitor a configuration directory and consumes new files in configured interval.</a:t>
+            </a:r>
+          </a:p>
+          <a:p>
             <a:r>
               <a:rPr lang="en-US" dirty="0" smtClean="0"/>
-              <a:t>files in configured interval.</a:t>
-            </a:r>
-            <a:endParaRPr lang="en-US" dirty="0" smtClean="0"/>
+              <a:t>The file must in a pre-define format. </a:t>
+            </a:r>
           </a:p>
           <a:p>
             <a:r>
               <a:rPr lang="en-US" dirty="0" smtClean="0"/>
-              <a:t>The file must in a </a:t>
-            </a:r>
-            <a:r>
-              <a:rPr lang="en-US" dirty="0" smtClean="0"/>
-              <a:t>pre-define </a:t>
-            </a:r>
-            <a:r>
-              <a:rPr lang="en-US" dirty="0" smtClean="0"/>
-              <a:t>format. </a:t>
-            </a:r>
-            <a:endParaRPr lang="en-US" dirty="0" smtClean="0"/>
-          </a:p>
-          <a:p>
-            <a:r>
-              <a:rPr lang="en-US" dirty="0" smtClean="0"/>
-              <a:t>The </a:t>
-            </a:r>
-            <a:r>
-              <a:rPr lang="en-US" dirty="0" smtClean="0"/>
-              <a:t>file must have headers.  </a:t>
+              <a:t>The file must have headers.  </a:t>
             </a:r>
           </a:p>
           <a:p>
@@ -49883,11 +49864,7 @@
           <a:p>
             <a:r>
               <a:rPr lang="en-US" dirty="0" smtClean="0"/>
-              <a:t>To update a model, especially to remove an object is ‘dangerous’ in an online system</a:t>
-            </a:r>
-            <a:r>
-              <a:rPr lang="en-US" dirty="0" smtClean="0"/>
-              <a:t>.</a:t>
+              <a:t>To update a model, especially to remove an object is ‘dangerous’ in an online system.</a:t>
             </a:r>
           </a:p>
           <a:p>
@@ -49895,7 +49872,6 @@
               <a:rPr lang="en-US" dirty="0" smtClean="0"/>
               <a:t>Granularity is a special object</a:t>
             </a:r>
-            <a:endParaRPr lang="en-US" dirty="0" smtClean="0"/>
           </a:p>
           <a:p>
             <a:endParaRPr lang="en-US" dirty="0"/>
@@ -52088,6 +52064,30 @@
           </a:p>
         </p:txBody>
       </p:sp>
+      <p:pic>
+        <p:nvPicPr>
+          <p:cNvPr id="6" name="Picture 5"/>
+          <p:cNvPicPr>
+            <a:picLocks noChangeAspect="1"/>
+          </p:cNvPicPr>
+          <p:nvPr/>
+        </p:nvPicPr>
+        <p:blipFill>
+          <a:blip r:embed="rId2"/>
+          <a:stretch>
+            <a:fillRect/>
+          </a:stretch>
+        </p:blipFill>
+        <p:spPr>
+          <a:xfrm>
+            <a:off x="3352800" y="2057400"/>
+            <a:ext cx="3810000" cy="3736448"/>
+          </a:xfrm>
+          <a:prstGeom prst="rect">
+            <a:avLst/>
+          </a:prstGeom>
+        </p:spPr>
+      </p:pic>
     </p:spTree>
     <p:extLst>
       <p:ext uri="{BB962C8B-B14F-4D97-AF65-F5344CB8AC3E}">

--- a/doc/OSSP V2.pptx
+++ b/doc/OSSP V2.pptx
@@ -40376,6 +40376,30 @@
           <a:chExt cx="0" cy="0"/>
         </a:xfrm>
       </p:grpSpPr>
+      <p:pic>
+        <p:nvPicPr>
+          <p:cNvPr id="3" name="Picture 2"/>
+          <p:cNvPicPr>
+            <a:picLocks noChangeAspect="1"/>
+          </p:cNvPicPr>
+          <p:nvPr/>
+        </p:nvPicPr>
+        <p:blipFill>
+          <a:blip r:embed="rId2"/>
+          <a:stretch>
+            <a:fillRect/>
+          </a:stretch>
+        </p:blipFill>
+        <p:spPr>
+          <a:xfrm>
+            <a:off x="6477000" y="3210481"/>
+            <a:ext cx="5351795" cy="3452534"/>
+          </a:xfrm>
+          <a:prstGeom prst="rect">
+            <a:avLst/>
+          </a:prstGeom>
+        </p:spPr>
+      </p:pic>
       <p:sp>
         <p:nvSpPr>
           <p:cNvPr id="2" name="Title 1"/>
@@ -40432,7 +40456,7 @@
           <p:nvPr/>
         </p:nvPicPr>
         <p:blipFill>
-          <a:blip r:embed="rId2"/>
+          <a:blip r:embed="rId3"/>
           <a:stretch>
             <a:fillRect/>
           </a:stretch>
@@ -40475,30 +40499,6 @@
               <a:srgbClr val="FFFFFF"/>
             </a:contourClr>
           </a:sp3d>
-        </p:spPr>
-      </p:pic>
-      <p:pic>
-        <p:nvPicPr>
-          <p:cNvPr id="6" name="Picture 5"/>
-          <p:cNvPicPr>
-            <a:picLocks noChangeAspect="1"/>
-          </p:cNvPicPr>
-          <p:nvPr/>
-        </p:nvPicPr>
-        <p:blipFill>
-          <a:blip r:embed="rId3"/>
-          <a:stretch>
-            <a:fillRect/>
-          </a:stretch>
-        </p:blipFill>
-        <p:spPr>
-          <a:xfrm>
-            <a:off x="6324600" y="2929682"/>
-            <a:ext cx="5380952" cy="3733333"/>
-          </a:xfrm>
-          <a:prstGeom prst="rect">
-            <a:avLst/>
-          </a:prstGeom>
         </p:spPr>
       </p:pic>
       <p:sp>
@@ -40702,14 +40702,10 @@
           <a:p>
             <a:r>
               <a:rPr lang="en-US" dirty="0" smtClean="0"/>
-              <a:t> * The engine provide customized APIs </a:t>
-            </a:r>
-            <a:r>
-              <a:rPr lang="en-US" smtClean="0"/>
-              <a:t>to </a:t>
-            </a:r>
-            <a:r>
-              <a:rPr lang="en-US" smtClean="0"/>
+              <a:t> * The engine provide customized APIs to </a:t>
+            </a:r>
+            <a:r>
+              <a:rPr lang="en-US" dirty="0" smtClean="0"/>
               <a:t>query KPI </a:t>
             </a:r>
             <a:r>

--- a/doc/OSSP V2.pptx
+++ b/doc/OSSP V2.pptx
@@ -283,7 +283,7 @@
           <a:p>
             <a:fld id="{3CA61830-C416-483F-955E-54203C65B711}" type="datetimeFigureOut">
               <a:rPr lang="en-US"/>
-              <a:t>2/6/2016</a:t>
+              <a:t>2/7/2016</a:t>
             </a:fld>
             <a:endParaRPr/>
           </a:p>
@@ -6133,7 +6133,7 @@
           <a:p>
             <a:fld id="{EFA54ACD-BEB7-4258-A5F3-653792456C00}" type="datetime4">
               <a:rPr lang="en-US" smtClean="0"/>
-              <a:t>February 6, 2016</a:t>
+              <a:t>February 7, 2016</a:t>
             </a:fld>
             <a:endParaRPr/>
           </a:p>
@@ -8629,7 +8629,7 @@
           <a:p>
             <a:fld id="{2399C1EB-F401-4F7B-BD9C-AAA165C9F3D7}" type="datetime4">
               <a:rPr lang="en-US" smtClean="0"/>
-              <a:t>February 6, 2016</a:t>
+              <a:t>February 7, 2016</a:t>
             </a:fld>
             <a:endParaRPr/>
           </a:p>
@@ -8822,7 +8822,7 @@
           <a:p>
             <a:fld id="{ECF1CC87-9C4B-4D13-B529-5EAF641302E2}" type="datetime4">
               <a:rPr lang="en-US" smtClean="0"/>
-              <a:t>February 6, 2016</a:t>
+              <a:t>February 7, 2016</a:t>
             </a:fld>
             <a:endParaRPr/>
           </a:p>
@@ -9124,7 +9124,7 @@
           <a:p>
             <a:fld id="{AEFA413A-E630-4377-B30C-3545E98CC867}" type="datetime4">
               <a:rPr lang="en-US" smtClean="0"/>
-              <a:t>February 6, 2016</a:t>
+              <a:t>February 7, 2016</a:t>
             </a:fld>
             <a:endParaRPr/>
           </a:p>
@@ -9512,7 +9512,7 @@
           <a:p>
             <a:fld id="{2D33DC54-2A66-493A-80B5-8303FBA5D0AD}" type="datetime4">
               <a:rPr lang="en-US" smtClean="0"/>
-              <a:t>February 6, 2016</a:t>
+              <a:t>February 7, 2016</a:t>
             </a:fld>
             <a:endParaRPr/>
           </a:p>
@@ -9656,7 +9656,7 @@
           <a:p>
             <a:fld id="{26B45FFC-9EEF-4E69-85F5-C8F54747804D}" type="datetime4">
               <a:rPr lang="en-US" smtClean="0"/>
-              <a:t>February 6, 2016</a:t>
+              <a:t>February 7, 2016</a:t>
             </a:fld>
             <a:endParaRPr/>
           </a:p>
@@ -9899,7 +9899,7 @@
           <a:p>
             <a:fld id="{684E3265-88A3-4C30-AE11-BFDF645909E9}" type="datetime4">
               <a:rPr lang="en-US" smtClean="0"/>
-              <a:t>February 6, 2016</a:t>
+              <a:t>February 7, 2016</a:t>
             </a:fld>
             <a:endParaRPr/>
           </a:p>
@@ -10017,7 +10017,7 @@
           <a:p>
             <a:fld id="{E9F763D2-AF56-4C60-80C7-7D8FC051005C}" type="datetime4">
               <a:rPr lang="en-US" smtClean="0"/>
-              <a:t>February 6, 2016</a:t>
+              <a:t>February 7, 2016</a:t>
             </a:fld>
             <a:endParaRPr/>
           </a:p>
@@ -10344,7 +10344,7 @@
           <a:p>
             <a:fld id="{905039DC-98B3-47E6-AD46-BA5B72AD8B4A}" type="datetime4">
               <a:rPr lang="en-US" smtClean="0"/>
-              <a:t>February 6, 2016</a:t>
+              <a:t>February 7, 2016</a:t>
             </a:fld>
             <a:endParaRPr/>
           </a:p>
@@ -10804,7 +10804,7 @@
           <a:p>
             <a:fld id="{A48AA38D-5CBD-4E44-A2EB-B3F38A5B8051}" type="datetime4">
               <a:rPr lang="en-US" smtClean="0"/>
-              <a:t>February 6, 2016</a:t>
+              <a:t>February 7, 2016</a:t>
             </a:fld>
             <a:endParaRPr/>
           </a:p>
@@ -13855,7 +13855,7 @@
           <a:p>
             <a:fld id="{8F030E74-B79E-47A7-AA1C-BA3D00CC0B4A}" type="datetime4">
               <a:rPr lang="en-US" smtClean="0"/>
-              <a:t>February 6, 2016</a:t>
+              <a:t>February 7, 2016</a:t>
             </a:fld>
             <a:endParaRPr/>
           </a:p>
@@ -14266,7 +14266,7 @@
           <a:p>
             <a:fld id="{00FDD7F1-9FB6-4CB9-BA1F-25B205B879F3}" type="datetime4">
               <a:rPr lang="en-US" smtClean="0"/>
-              <a:t>February 6, 2016</a:t>
+              <a:t>February 7, 2016</a:t>
             </a:fld>
             <a:endParaRPr/>
           </a:p>
@@ -14887,7 +14887,7 @@
           <a:p>
             <a:fld id="{027D5831-B468-414C-94B5-F04EB43FC0AE}" type="datetime4">
               <a:rPr lang="en-US" smtClean="0"/>
-              <a:t>February 6, 2016</a:t>
+              <a:t>February 7, 2016</a:t>
             </a:fld>
             <a:endParaRPr/>
           </a:p>
@@ -15606,7 +15606,7 @@
           <a:p>
             <a:fld id="{727A18C6-3F10-4266-96C9-5D014F3025B2}" type="datetime4">
               <a:rPr lang="en-US" smtClean="0"/>
-              <a:t>February 6, 2016</a:t>
+              <a:t>February 7, 2016</a:t>
             </a:fld>
             <a:endParaRPr/>
           </a:p>
@@ -15903,7 +15903,7 @@
           <a:p>
             <a:fld id="{A6CB1722-4B46-4353-B583-721651D61489}" type="datetime4">
               <a:rPr lang="en-US" smtClean="0"/>
-              <a:t>February 6, 2016</a:t>
+              <a:t>February 7, 2016</a:t>
             </a:fld>
             <a:endParaRPr/>
           </a:p>
@@ -16197,7 +16197,7 @@
           <a:p>
             <a:fld id="{8B8B1958-F972-48E2-B30C-3D9C71EE7ED1}" type="datetime4">
               <a:rPr lang="en-US" smtClean="0"/>
-              <a:t>February 6, 2016</a:t>
+              <a:t>February 7, 2016</a:t>
             </a:fld>
             <a:endParaRPr/>
           </a:p>
@@ -16470,7 +16470,7 @@
           <a:p>
             <a:fld id="{BF2CF142-9C82-4C83-9B6A-8077B879C1B8}" type="datetime4">
               <a:rPr lang="en-US" smtClean="0"/>
-              <a:t>February 6, 2016</a:t>
+              <a:t>February 7, 2016</a:t>
             </a:fld>
             <a:endParaRPr/>
           </a:p>
@@ -16757,7 +16757,7 @@
           <a:p>
             <a:fld id="{9C259EE5-F25B-4563-AE58-6B042DD986DA}" type="datetime4">
               <a:rPr lang="en-US" smtClean="0"/>
-              <a:t>February 6, 2016</a:t>
+              <a:t>February 7, 2016</a:t>
             </a:fld>
             <a:endParaRPr/>
           </a:p>
@@ -17175,7 +17175,7 @@
           <a:p>
             <a:fld id="{F4CAB0D1-A256-4DFA-8583-35D5EE4CD0DF}" type="datetime4">
               <a:rPr lang="en-US" smtClean="0"/>
-              <a:t>February 6, 2016</a:t>
+              <a:t>February 7, 2016</a:t>
             </a:fld>
             <a:endParaRPr/>
           </a:p>
@@ -17735,7 +17735,7 @@
           <a:p>
             <a:fld id="{B0BBCA58-86AD-4F40-BF66-913A1183EE47}" type="datetime4">
               <a:rPr lang="en-US" smtClean="0"/>
-              <a:t>February 6, 2016</a:t>
+              <a:t>February 7, 2016</a:t>
             </a:fld>
             <a:endParaRPr/>
           </a:p>
@@ -22841,7 +22841,7 @@
           <a:p>
             <a:fld id="{FB395617-A7D9-4AE8-82B6-3D0A191CDCBE}" type="datetime4">
               <a:rPr lang="en-US" smtClean="0"/>
-              <a:t>February 6, 2016</a:t>
+              <a:t>February 7, 2016</a:t>
             </a:fld>
             <a:endParaRPr/>
           </a:p>
@@ -25423,7 +25423,7 @@
           <a:p>
             <a:fld id="{77C6BA28-E443-46F5-AE73-D543F89EF748}" type="datetime4">
               <a:rPr lang="en-US" smtClean="0"/>
-              <a:t>February 6, 2016</a:t>
+              <a:t>February 7, 2016</a:t>
             </a:fld>
             <a:endParaRPr/>
           </a:p>
@@ -25621,7 +25621,7 @@
           <a:p>
             <a:fld id="{1452EE1A-1BE0-474E-808D-00D5A7797660}" type="datetime4">
               <a:rPr lang="en-US" smtClean="0"/>
-              <a:t>February 6, 2016</a:t>
+              <a:t>February 7, 2016</a:t>
             </a:fld>
             <a:endParaRPr/>
           </a:p>
@@ -25890,7 +25890,7 @@
           <a:p>
             <a:fld id="{1D654495-4BF5-4727-99D4-DFD1D0597350}" type="datetime4">
               <a:rPr lang="en-US" smtClean="0"/>
-              <a:t>February 6, 2016</a:t>
+              <a:t>February 7, 2016</a:t>
             </a:fld>
             <a:endParaRPr/>
           </a:p>
@@ -26220,7 +26220,7 @@
           <a:p>
             <a:fld id="{74A90477-F864-462B-BF44-00D67B14D858}" type="datetime4">
               <a:rPr lang="en-US" smtClean="0"/>
-              <a:t>February 6, 2016</a:t>
+              <a:t>February 7, 2016</a:t>
             </a:fld>
             <a:endParaRPr/>
           </a:p>
@@ -26474,7 +26474,7 @@
           <a:p>
             <a:fld id="{16E08157-2DC9-4745-A7A9-7046A8583708}" type="datetime4">
               <a:rPr lang="en-US" smtClean="0"/>
-              <a:t>February 6, 2016</a:t>
+              <a:t>February 7, 2016</a:t>
             </a:fld>
             <a:endParaRPr/>
           </a:p>
@@ -29154,7 +29154,7 @@
           <a:p>
             <a:fld id="{FDD7D378-E709-4062-9715-39E79557A063}" type="datetime4">
               <a:rPr lang="en-US" smtClean="0"/>
-              <a:t>February 6, 2016</a:t>
+              <a:t>February 7, 2016</a:t>
             </a:fld>
             <a:endParaRPr/>
           </a:p>
@@ -34070,7 +34070,7 @@
           <a:p>
             <a:fld id="{C07C5E14-300D-4720-B5FE-54C7D96D4160}" type="datetime4">
               <a:rPr lang="en-US" smtClean="0"/>
-              <a:t>February 6, 2016</a:t>
+              <a:t>February 7, 2016</a:t>
             </a:fld>
             <a:endParaRPr/>
           </a:p>
@@ -36762,7 +36762,7 @@
           <a:p>
             <a:fld id="{BC7BE07D-E945-4DDF-8452-20009392BF2F}" type="datetime4">
               <a:rPr lang="en-US" smtClean="0"/>
-              <a:t>February 6, 2016</a:t>
+              <a:t>February 7, 2016</a:t>
             </a:fld>
             <a:endParaRPr/>
           </a:p>
@@ -37245,7 +37245,7 @@
           <a:p>
             <a:fld id="{65FD8143-BFA3-46F8-9B90-B0E5CFAF7F7C}" type="datetime4">
               <a:rPr lang="en-US" smtClean="0"/>
-              <a:t>February 6, 2016</a:t>
+              <a:t>February 7, 2016</a:t>
             </a:fld>
             <a:endParaRPr/>
           </a:p>
@@ -40702,15 +40702,7 @@
           <a:p>
             <a:r>
               <a:rPr lang="en-US" dirty="0" smtClean="0"/>
-              <a:t> * The engine provide customized APIs to </a:t>
-            </a:r>
-            <a:r>
-              <a:rPr lang="en-US" dirty="0" smtClean="0"/>
-              <a:t>query KPI </a:t>
-            </a:r>
-            <a:r>
-              <a:rPr lang="en-US" dirty="0" smtClean="0"/>
-              <a:t>values</a:t>
+              <a:t> * The engine provide customized APIs to query KPI values</a:t>
             </a:r>
           </a:p>
           <a:p>
@@ -41209,8 +41201,19 @@
           <a:p>
             <a:r>
               <a:rPr lang="en-US" dirty="0" smtClean="0"/>
-              <a:t>Inventory data may come together with performance file or need another collector to collect from inventory system.</a:t>
-            </a:r>
+              <a:t>Inventory data may come together with performance file or need another collector to collect from inventory system</a:t>
+            </a:r>
+            <a:r>
+              <a:rPr lang="en-US" dirty="0" smtClean="0"/>
+              <a:t>.</a:t>
+            </a:r>
+          </a:p>
+          <a:p>
+            <a:r>
+              <a:rPr lang="en-US" dirty="0" smtClean="0"/>
+              <a:t>All KPI values have to be numeric.</a:t>
+            </a:r>
+            <a:endParaRPr lang="en-US" dirty="0" smtClean="0"/>
           </a:p>
           <a:p>
             <a:endParaRPr lang="en-US" dirty="0" smtClean="0"/>

--- a/doc/OSSP V2.pptx
+++ b/doc/OSSP V2.pptx
@@ -5,10 +5,10 @@
     <p:sldMasterId id="2147483648" r:id="rId1"/>
   </p:sldMasterIdLst>
   <p:notesMasterIdLst>
-    <p:notesMasterId r:id="rId26"/>
+    <p:notesMasterId r:id="rId27"/>
   </p:notesMasterIdLst>
   <p:handoutMasterIdLst>
-    <p:handoutMasterId r:id="rId27"/>
+    <p:handoutMasterId r:id="rId28"/>
   </p:handoutMasterIdLst>
   <p:sldIdLst>
     <p:sldId id="256" r:id="rId2"/>
@@ -27,19 +27,20 @@
     <p:sldId id="286" r:id="rId15"/>
     <p:sldId id="266" r:id="rId16"/>
     <p:sldId id="277" r:id="rId17"/>
-    <p:sldId id="287" r:id="rId18"/>
-    <p:sldId id="267" r:id="rId19"/>
-    <p:sldId id="268" r:id="rId20"/>
-    <p:sldId id="269" r:id="rId21"/>
-    <p:sldId id="279" r:id="rId22"/>
-    <p:sldId id="281" r:id="rId23"/>
-    <p:sldId id="275" r:id="rId24"/>
-    <p:sldId id="282" r:id="rId25"/>
+    <p:sldId id="289" r:id="rId18"/>
+    <p:sldId id="288" r:id="rId19"/>
+    <p:sldId id="267" r:id="rId20"/>
+    <p:sldId id="268" r:id="rId21"/>
+    <p:sldId id="269" r:id="rId22"/>
+    <p:sldId id="279" r:id="rId23"/>
+    <p:sldId id="281" r:id="rId24"/>
+    <p:sldId id="275" r:id="rId25"/>
+    <p:sldId id="282" r:id="rId26"/>
   </p:sldIdLst>
   <p:sldSz cx="12192000" cy="6858000"/>
   <p:notesSz cx="6858000" cy="9144000"/>
   <p:custDataLst>
-    <p:tags r:id="rId28"/>
+    <p:tags r:id="rId29"/>
   </p:custDataLst>
   <p:defaultTextStyle>
     <a:defPPr>
@@ -41211,11 +41212,20 @@
           <a:p>
             <a:r>
               <a:rPr lang="en-US" dirty="0" smtClean="0"/>
-              <a:t>All KPI values have to be numeric.</a:t>
-            </a:r>
-            <a:endParaRPr lang="en-US" dirty="0" smtClean="0"/>
-          </a:p>
-          <a:p>
+              <a:t>Nodes instances are injected using NEO4J merge while for the performance concerns</a:t>
+            </a:r>
+            <a:r>
+              <a:rPr lang="en-US" dirty="0" smtClean="0"/>
+              <a:t>, KPI instances are injected using NEE4J Create and the whole file will be committed</a:t>
+            </a:r>
+            <a:r>
+              <a:rPr lang="en-US" dirty="0"/>
+              <a:t> </a:t>
+            </a:r>
+            <a:r>
+              <a:rPr lang="en-US" dirty="0" smtClean="0"/>
+              <a:t>as a single transaction. The side effect of it is if there is one KPI instance is duplicated in the DB the whole KPIs in the file are rejected.</a:t>
+            </a:r>
             <a:endParaRPr lang="en-US" dirty="0" smtClean="0"/>
           </a:p>
           <a:p>
@@ -41726,14 +41736,25 @@
             <p:ph idx="1"/>
           </p:nvPr>
         </p:nvSpPr>
-        <p:spPr/>
+        <p:spPr>
+          <a:xfrm>
+            <a:off x="609600" y="1295400"/>
+            <a:ext cx="10969784" cy="4800599"/>
+          </a:xfrm>
+        </p:spPr>
         <p:txBody>
           <a:bodyPr/>
           <a:lstStyle/>
           <a:p>
             <a:r>
               <a:rPr lang="en-US" dirty="0" smtClean="0"/>
-              <a:t>SNMP can collect data by snmpget or </a:t>
+              <a:t>SNMP is one of most common protocol to collect performance data. OSSP provide a simple SNMP collector. To implement complex SNMP collection can use NMMI and an collector to collect data from it.</a:t>
+            </a:r>
+          </a:p>
+          <a:p>
+            <a:r>
+              <a:rPr lang="en-US" dirty="0" smtClean="0"/>
+              <a:t>The collector support snmpget and </a:t>
             </a:r>
             <a:r>
               <a:rPr lang="en-US" dirty="0" err="1" smtClean="0"/>
@@ -41760,14 +41781,11 @@
             <a:pPr lvl="1"/>
             <a:r>
               <a:rPr lang="en-US" dirty="0" smtClean="0"/>
-              <a:t>The SNMP collector will register the KPIs in by itself</a:t>
-            </a:r>
-          </a:p>
-          <a:p>
-            <a:pPr lvl="1"/>
+              <a:t>The </a:t>
+            </a:r>
             <a:r>
               <a:rPr lang="en-US" dirty="0" smtClean="0"/>
-              <a:t>The KPI could be calculated or aggregated before ingestion.</a:t>
+              <a:t>KPI could be calculated or aggregated before ingestion.</a:t>
             </a:r>
             <a:endParaRPr lang="en-US" dirty="0"/>
           </a:p>
@@ -41807,8 +41825,8 @@
         </p:nvSpPr>
         <p:spPr bwMode="auto">
           <a:xfrm>
-            <a:off x="7962899" y="2183551"/>
-            <a:ext cx="3352800" cy="4247317"/>
+            <a:off x="6774243" y="2611810"/>
+            <a:ext cx="4541456" cy="3939540"/>
           </a:xfrm>
           <a:prstGeom prst="rect">
             <a:avLst/>
@@ -43624,7 +43642,7 @@
         </p:blipFill>
         <p:spPr>
           <a:xfrm>
-            <a:off x="1828800" y="3581400"/>
+            <a:off x="1295400" y="3366607"/>
             <a:ext cx="3810000" cy="2463800"/>
           </a:xfrm>
           <a:prstGeom prst="rect">
@@ -43698,7 +43716,7 @@
           <a:p>
             <a:r>
               <a:rPr lang="en-US" dirty="0" smtClean="0"/>
-              <a:t>NFVD API log collector</a:t>
+              <a:t>NFVD GUI Log Collector</a:t>
             </a:r>
             <a:endParaRPr lang="en-US" dirty="0"/>
           </a:p>
@@ -43719,7 +43737,7 @@
           <a:bodyPr/>
           <a:lstStyle/>
           <a:p>
-            <a:endParaRPr lang="en-US" dirty="0"/>
+            <a:endParaRPr lang="en-US"/>
           </a:p>
         </p:txBody>
       </p:sp>
@@ -43750,7 +43768,7 @@
     </p:spTree>
     <p:extLst>
       <p:ext uri="{BB962C8B-B14F-4D97-AF65-F5344CB8AC3E}">
-        <p14:creationId xmlns:p14="http://schemas.microsoft.com/office/powerpoint/2010/main" val="2738073921"/>
+        <p14:creationId xmlns:p14="http://schemas.microsoft.com/office/powerpoint/2010/main" val="3959622213"/>
       </p:ext>
     </p:extLst>
   </p:cSld>
@@ -43806,6 +43824,1370 @@
           <a:p>
             <a:r>
               <a:rPr lang="en-US" dirty="0" smtClean="0"/>
+              <a:t>Collector Manager</a:t>
+            </a:r>
+            <a:endParaRPr lang="en-US" dirty="0"/>
+          </a:p>
+        </p:txBody>
+      </p:sp>
+      <p:sp>
+        <p:nvSpPr>
+          <p:cNvPr id="3" name="Content Placeholder 2"/>
+          <p:cNvSpPr>
+            <a:spLocks noGrp="1"/>
+          </p:cNvSpPr>
+          <p:nvPr>
+            <p:ph idx="1"/>
+          </p:nvPr>
+        </p:nvSpPr>
+        <p:spPr/>
+        <p:txBody>
+          <a:bodyPr/>
+          <a:lstStyle/>
+          <a:p>
+            <a:r>
+              <a:rPr lang="en-US" dirty="0" smtClean="0"/>
+              <a:t>All collectors defined in a configuration file of OSSP Console.</a:t>
+            </a:r>
+          </a:p>
+          <a:p>
+            <a:endParaRPr lang="en-US" dirty="0"/>
+          </a:p>
+          <a:p>
+            <a:endParaRPr lang="en-US" dirty="0" smtClean="0"/>
+          </a:p>
+          <a:p>
+            <a:endParaRPr lang="en-US" dirty="0"/>
+          </a:p>
+          <a:p>
+            <a:r>
+              <a:rPr lang="en-US" dirty="0" smtClean="0"/>
+              <a:t>In the OSSP Collector workspace, we can manage these collectors</a:t>
+            </a:r>
+            <a:endParaRPr lang="en-US" dirty="0"/>
+          </a:p>
+        </p:txBody>
+      </p:sp>
+      <p:sp>
+        <p:nvSpPr>
+          <p:cNvPr id="4" name="Slide Number Placeholder 3"/>
+          <p:cNvSpPr>
+            <a:spLocks noGrp="1"/>
+          </p:cNvSpPr>
+          <p:nvPr>
+            <p:ph type="sldNum" sz="quarter" idx="12"/>
+          </p:nvPr>
+        </p:nvSpPr>
+        <p:spPr/>
+        <p:txBody>
+          <a:bodyPr/>
+          <a:lstStyle/>
+          <a:p>
+            <a:fld id="{B016F8AB-BCEA-4347-8BA6-BE776009BC89}" type="slidenum">
+              <a:rPr lang="en-US" smtClean="0"/>
+              <a:pPr/>
+              <a:t>18</a:t>
+            </a:fld>
+            <a:endParaRPr lang="en-US"/>
+          </a:p>
+        </p:txBody>
+      </p:sp>
+      <p:sp>
+        <p:nvSpPr>
+          <p:cNvPr id="5" name="Rectangle 1"/>
+          <p:cNvSpPr>
+            <a:spLocks noChangeArrowheads="1"/>
+          </p:cNvSpPr>
+          <p:nvPr/>
+        </p:nvSpPr>
+        <p:spPr bwMode="auto">
+          <a:xfrm>
+            <a:off x="1447800" y="1905000"/>
+            <a:ext cx="8686800" cy="861774"/>
+          </a:xfrm>
+          <a:prstGeom prst="rect">
+            <a:avLst/>
+          </a:prstGeom>
+          <a:solidFill>
+            <a:srgbClr val="FFFFFF"/>
+          </a:solidFill>
+          <a:ln>
+            <a:noFill/>
+          </a:ln>
+          <a:effectLst/>
+          <a:extLst>
+            <a:ext uri="{91240B29-F687-4F45-9708-019B960494DF}">
+              <a14:hiddenLine xmlns:a14="http://schemas.microsoft.com/office/drawing/2010/main" w="9525">
+                <a:solidFill>
+                  <a:schemeClr val="tx1"/>
+                </a:solidFill>
+                <a:miter lim="800000"/>
+                <a:headEnd/>
+                <a:tailEnd/>
+              </a14:hiddenLine>
+            </a:ext>
+            <a:ext uri="{AF507438-7753-43E0-B8FC-AC1667EBCBE1}">
+              <a14:hiddenEffects xmlns:a14="http://schemas.microsoft.com/office/drawing/2010/main">
+                <a:effectLst>
+                  <a:outerShdw dist="35921" dir="2700000" algn="ctr" rotWithShape="0">
+                    <a:schemeClr val="bg2"/>
+                  </a:outerShdw>
+                </a:effectLst>
+              </a14:hiddenEffects>
+            </a:ext>
+          </a:extLst>
+        </p:spPr>
+        <p:txBody>
+          <a:bodyPr vert="horz" wrap="square" lIns="91440" tIns="45720" rIns="91440" bIns="45720" numCol="1" anchor="ctr" anchorCtr="0" compatLnSpc="1">
+            <a:prstTxWarp prst="textNoShape">
+              <a:avLst/>
+            </a:prstTxWarp>
+            <a:spAutoFit/>
+          </a:bodyPr>
+          <a:lstStyle/>
+          <a:p>
+            <a:pPr marL="0" marR="0" lvl="0" indent="0" algn="l" defTabSz="914400" rtl="0" eaLnBrk="0" fontAlgn="base" latinLnBrk="0" hangingPunct="0">
+              <a:lnSpc>
+                <a:spcPct val="100000"/>
+              </a:lnSpc>
+              <a:spcBef>
+                <a:spcPct val="0"/>
+              </a:spcBef>
+              <a:spcAft>
+                <a:spcPct val="0"/>
+              </a:spcAft>
+              <a:buClrTx/>
+              <a:buSzTx/>
+              <a:buFontTx/>
+              <a:buNone/>
+              <a:tabLst/>
+            </a:pPr>
+            <a:r>
+              <a:rPr kumimoji="0" lang="en-US" altLang="en-US" sz="1000" b="0" i="0" u="none" strike="noStrike" cap="none" normalizeH="0" baseline="0" dirty="0" smtClean="0">
+                <a:ln>
+                  <a:noFill/>
+                </a:ln>
+                <a:solidFill>
+                  <a:srgbClr val="000000"/>
+                </a:solidFill>
+                <a:effectLst/>
+                <a:latin typeface="Consolas" panose="020B0609020204030204" pitchFamily="49" charset="0"/>
+                <a:cs typeface="Consolas" panose="020B0609020204030204" pitchFamily="49" charset="0"/>
+              </a:rPr>
+              <a:t>[</a:t>
+            </a:r>
+            <a:br>
+              <a:rPr kumimoji="0" lang="en-US" altLang="en-US" sz="1000" b="0" i="0" u="none" strike="noStrike" cap="none" normalizeH="0" baseline="0" dirty="0" smtClean="0">
+                <a:ln>
+                  <a:noFill/>
+                </a:ln>
+                <a:solidFill>
+                  <a:srgbClr val="000000"/>
+                </a:solidFill>
+                <a:effectLst/>
+                <a:latin typeface="Consolas" panose="020B0609020204030204" pitchFamily="49" charset="0"/>
+                <a:cs typeface="Consolas" panose="020B0609020204030204" pitchFamily="49" charset="0"/>
+              </a:rPr>
+            </a:br>
+            <a:r>
+              <a:rPr kumimoji="0" lang="en-US" altLang="en-US" sz="1000" b="0" i="0" u="none" strike="noStrike" cap="none" normalizeH="0" baseline="0" dirty="0" smtClean="0">
+                <a:ln>
+                  <a:noFill/>
+                </a:ln>
+                <a:solidFill>
+                  <a:srgbClr val="000000"/>
+                </a:solidFill>
+                <a:effectLst/>
+                <a:latin typeface="Consolas" panose="020B0609020204030204" pitchFamily="49" charset="0"/>
+                <a:cs typeface="Consolas" panose="020B0609020204030204" pitchFamily="49" charset="0"/>
+              </a:rPr>
+              <a:t>	{</a:t>
+            </a:r>
+            <a:r>
+              <a:rPr kumimoji="0" lang="en-US" altLang="en-US" sz="1000" b="1" i="0" u="none" strike="noStrike" cap="none" normalizeH="0" baseline="0" dirty="0" smtClean="0">
+                <a:ln>
+                  <a:noFill/>
+                </a:ln>
+                <a:solidFill>
+                  <a:srgbClr val="660E7A"/>
+                </a:solidFill>
+                <a:effectLst/>
+                <a:latin typeface="Consolas" panose="020B0609020204030204" pitchFamily="49" charset="0"/>
+                <a:cs typeface="Consolas" panose="020B0609020204030204" pitchFamily="49" charset="0"/>
+              </a:rPr>
+              <a:t>"id"</a:t>
+            </a:r>
+            <a:r>
+              <a:rPr kumimoji="0" lang="en-US" altLang="en-US" sz="1000" b="0" i="0" u="none" strike="noStrike" cap="none" normalizeH="0" baseline="0" dirty="0" smtClean="0">
+                <a:ln>
+                  <a:noFill/>
+                </a:ln>
+                <a:solidFill>
+                  <a:srgbClr val="000000"/>
+                </a:solidFill>
+                <a:effectLst/>
+                <a:latin typeface="Consolas" panose="020B0609020204030204" pitchFamily="49" charset="0"/>
+                <a:cs typeface="Consolas" panose="020B0609020204030204" pitchFamily="49" charset="0"/>
+              </a:rPr>
+              <a:t>:</a:t>
+            </a:r>
+            <a:r>
+              <a:rPr kumimoji="0" lang="en-US" altLang="en-US" sz="1000" b="0" i="0" u="none" strike="noStrike" cap="none" normalizeH="0" baseline="0" dirty="0" smtClean="0">
+                <a:ln>
+                  <a:noFill/>
+                </a:ln>
+                <a:solidFill>
+                  <a:srgbClr val="0000FF"/>
+                </a:solidFill>
+                <a:effectLst/>
+                <a:latin typeface="Consolas" panose="020B0609020204030204" pitchFamily="49" charset="0"/>
+                <a:cs typeface="Consolas" panose="020B0609020204030204" pitchFamily="49" charset="0"/>
+              </a:rPr>
+              <a:t>0</a:t>
+            </a:r>
+            <a:r>
+              <a:rPr kumimoji="0" lang="en-US" altLang="en-US" sz="1000" b="0" i="0" u="none" strike="noStrike" cap="none" normalizeH="0" baseline="0" dirty="0" smtClean="0">
+                <a:ln>
+                  <a:noFill/>
+                </a:ln>
+                <a:solidFill>
+                  <a:srgbClr val="000000"/>
+                </a:solidFill>
+                <a:effectLst/>
+                <a:latin typeface="Consolas" panose="020B0609020204030204" pitchFamily="49" charset="0"/>
+                <a:cs typeface="Consolas" panose="020B0609020204030204" pitchFamily="49" charset="0"/>
+              </a:rPr>
+              <a:t>, </a:t>
+            </a:r>
+            <a:r>
+              <a:rPr kumimoji="0" lang="en-US" altLang="en-US" sz="1000" b="1" i="0" u="none" strike="noStrike" cap="none" normalizeH="0" baseline="0" dirty="0" smtClean="0">
+                <a:ln>
+                  <a:noFill/>
+                </a:ln>
+                <a:solidFill>
+                  <a:srgbClr val="660E7A"/>
+                </a:solidFill>
+                <a:effectLst/>
+                <a:latin typeface="Consolas" panose="020B0609020204030204" pitchFamily="49" charset="0"/>
+                <a:cs typeface="Consolas" panose="020B0609020204030204" pitchFamily="49" charset="0"/>
+              </a:rPr>
+              <a:t>"</a:t>
+            </a:r>
+            <a:r>
+              <a:rPr kumimoji="0" lang="en-US" altLang="en-US" sz="1000" b="1" i="0" u="none" strike="noStrike" cap="none" normalizeH="0" baseline="0" dirty="0" err="1" smtClean="0">
+                <a:ln>
+                  <a:noFill/>
+                </a:ln>
+                <a:solidFill>
+                  <a:srgbClr val="660E7A"/>
+                </a:solidFill>
+                <a:effectLst/>
+                <a:latin typeface="Consolas" panose="020B0609020204030204" pitchFamily="49" charset="0"/>
+                <a:cs typeface="Consolas" panose="020B0609020204030204" pitchFamily="49" charset="0"/>
+              </a:rPr>
+              <a:t>type"</a:t>
+            </a:r>
+            <a:r>
+              <a:rPr kumimoji="0" lang="en-US" altLang="en-US" sz="1000" b="0" i="0" u="none" strike="noStrike" cap="none" normalizeH="0" baseline="0" dirty="0" err="1" smtClean="0">
+                <a:ln>
+                  <a:noFill/>
+                </a:ln>
+                <a:solidFill>
+                  <a:srgbClr val="000000"/>
+                </a:solidFill>
+                <a:effectLst/>
+                <a:latin typeface="Consolas" panose="020B0609020204030204" pitchFamily="49" charset="0"/>
+                <a:cs typeface="Consolas" panose="020B0609020204030204" pitchFamily="49" charset="0"/>
+              </a:rPr>
+              <a:t>:</a:t>
+            </a:r>
+            <a:r>
+              <a:rPr kumimoji="0" lang="en-US" altLang="en-US" sz="1000" b="1" i="0" u="none" strike="noStrike" cap="none" normalizeH="0" baseline="0" dirty="0" err="1" smtClean="0">
+                <a:ln>
+                  <a:noFill/>
+                </a:ln>
+                <a:solidFill>
+                  <a:srgbClr val="008000"/>
+                </a:solidFill>
+                <a:effectLst/>
+                <a:latin typeface="Consolas" panose="020B0609020204030204" pitchFamily="49" charset="0"/>
+                <a:cs typeface="Consolas" panose="020B0609020204030204" pitchFamily="49" charset="0"/>
+              </a:rPr>
+              <a:t>"csv"</a:t>
+            </a:r>
+            <a:r>
+              <a:rPr kumimoji="0" lang="en-US" altLang="en-US" sz="1000" b="0" i="0" u="none" strike="noStrike" cap="none" normalizeH="0" baseline="0" dirty="0" err="1" smtClean="0">
+                <a:ln>
+                  <a:noFill/>
+                </a:ln>
+                <a:solidFill>
+                  <a:srgbClr val="000000"/>
+                </a:solidFill>
+                <a:effectLst/>
+                <a:latin typeface="Consolas" panose="020B0609020204030204" pitchFamily="49" charset="0"/>
+                <a:cs typeface="Consolas" panose="020B0609020204030204" pitchFamily="49" charset="0"/>
+              </a:rPr>
+              <a:t>,</a:t>
+            </a:r>
+            <a:r>
+              <a:rPr kumimoji="0" lang="en-US" altLang="en-US" sz="1000" b="1" i="0" u="none" strike="noStrike" cap="none" normalizeH="0" baseline="0" dirty="0" err="1" smtClean="0">
+                <a:ln>
+                  <a:noFill/>
+                </a:ln>
+                <a:solidFill>
+                  <a:srgbClr val="660E7A"/>
+                </a:solidFill>
+                <a:effectLst/>
+                <a:latin typeface="Consolas" panose="020B0609020204030204" pitchFamily="49" charset="0"/>
+                <a:cs typeface="Consolas" panose="020B0609020204030204" pitchFamily="49" charset="0"/>
+              </a:rPr>
+              <a:t>"name"</a:t>
+            </a:r>
+            <a:r>
+              <a:rPr kumimoji="0" lang="en-US" altLang="en-US" sz="1000" b="0" i="0" u="none" strike="noStrike" cap="none" normalizeH="0" baseline="0" dirty="0" err="1" smtClean="0">
+                <a:ln>
+                  <a:noFill/>
+                </a:ln>
+                <a:solidFill>
+                  <a:srgbClr val="000000"/>
+                </a:solidFill>
+                <a:effectLst/>
+                <a:latin typeface="Consolas" panose="020B0609020204030204" pitchFamily="49" charset="0"/>
+                <a:cs typeface="Consolas" panose="020B0609020204030204" pitchFamily="49" charset="0"/>
+              </a:rPr>
+              <a:t>:</a:t>
+            </a:r>
+            <a:r>
+              <a:rPr kumimoji="0" lang="en-US" altLang="en-US" sz="1000" b="1" i="0" u="none" strike="noStrike" cap="none" normalizeH="0" baseline="0" dirty="0" err="1" smtClean="0">
+                <a:ln>
+                  <a:noFill/>
+                </a:ln>
+                <a:solidFill>
+                  <a:srgbClr val="008000"/>
+                </a:solidFill>
+                <a:effectLst/>
+                <a:latin typeface="Consolas" panose="020B0609020204030204" pitchFamily="49" charset="0"/>
+                <a:cs typeface="Consolas" panose="020B0609020204030204" pitchFamily="49" charset="0"/>
+              </a:rPr>
+              <a:t>"Standard</a:t>
+            </a:r>
+            <a:r>
+              <a:rPr kumimoji="0" lang="en-US" altLang="en-US" sz="1000" b="1" i="0" u="none" strike="noStrike" cap="none" normalizeH="0" baseline="0" dirty="0" smtClean="0">
+                <a:ln>
+                  <a:noFill/>
+                </a:ln>
+                <a:solidFill>
+                  <a:srgbClr val="008000"/>
+                </a:solidFill>
+                <a:effectLst/>
+                <a:latin typeface="Consolas" panose="020B0609020204030204" pitchFamily="49" charset="0"/>
+                <a:cs typeface="Consolas" panose="020B0609020204030204" pitchFamily="49" charset="0"/>
+              </a:rPr>
+              <a:t> CSV Adaptor"</a:t>
+            </a:r>
+            <a:r>
+              <a:rPr kumimoji="0" lang="en-US" altLang="en-US" sz="1000" b="0" i="0" u="none" strike="noStrike" cap="none" normalizeH="0" baseline="0" dirty="0" smtClean="0">
+                <a:ln>
+                  <a:noFill/>
+                </a:ln>
+                <a:solidFill>
+                  <a:srgbClr val="000000"/>
+                </a:solidFill>
+                <a:effectLst/>
+                <a:latin typeface="Consolas" panose="020B0609020204030204" pitchFamily="49" charset="0"/>
+                <a:cs typeface="Consolas" panose="020B0609020204030204" pitchFamily="49" charset="0"/>
+              </a:rPr>
+              <a:t>,</a:t>
+            </a:r>
+            <a:r>
+              <a:rPr kumimoji="0" lang="en-US" altLang="en-US" sz="1000" b="1" i="0" u="none" strike="noStrike" cap="none" normalizeH="0" baseline="0" dirty="0" smtClean="0">
+                <a:ln>
+                  <a:noFill/>
+                </a:ln>
+                <a:solidFill>
+                  <a:srgbClr val="660E7A"/>
+                </a:solidFill>
+                <a:effectLst/>
+                <a:latin typeface="Consolas" panose="020B0609020204030204" pitchFamily="49" charset="0"/>
+                <a:cs typeface="Consolas" panose="020B0609020204030204" pitchFamily="49" charset="0"/>
+              </a:rPr>
+              <a:t>"</a:t>
+            </a:r>
+            <a:r>
+              <a:rPr kumimoji="0" lang="en-US" altLang="en-US" sz="1000" b="1" i="0" u="none" strike="noStrike" cap="none" normalizeH="0" baseline="0" dirty="0" err="1" smtClean="0">
+                <a:ln>
+                  <a:noFill/>
+                </a:ln>
+                <a:solidFill>
+                  <a:srgbClr val="660E7A"/>
+                </a:solidFill>
+                <a:effectLst/>
+                <a:latin typeface="Consolas" panose="020B0609020204030204" pitchFamily="49" charset="0"/>
+                <a:cs typeface="Consolas" panose="020B0609020204030204" pitchFamily="49" charset="0"/>
+              </a:rPr>
+              <a:t>desc</a:t>
+            </a:r>
+            <a:r>
+              <a:rPr kumimoji="0" lang="en-US" altLang="en-US" sz="1000" b="1" i="0" u="none" strike="noStrike" cap="none" normalizeH="0" baseline="0" dirty="0" smtClean="0">
+                <a:ln>
+                  <a:noFill/>
+                </a:ln>
+                <a:solidFill>
+                  <a:srgbClr val="660E7A"/>
+                </a:solidFill>
+                <a:effectLst/>
+                <a:latin typeface="Consolas" panose="020B0609020204030204" pitchFamily="49" charset="0"/>
+                <a:cs typeface="Consolas" panose="020B0609020204030204" pitchFamily="49" charset="0"/>
+              </a:rPr>
+              <a:t>"</a:t>
+            </a:r>
+            <a:r>
+              <a:rPr kumimoji="0" lang="en-US" altLang="en-US" sz="1000" b="0" i="0" u="none" strike="noStrike" cap="none" normalizeH="0" baseline="0" dirty="0" smtClean="0">
+                <a:ln>
+                  <a:noFill/>
+                </a:ln>
+                <a:solidFill>
+                  <a:srgbClr val="000000"/>
+                </a:solidFill>
+                <a:effectLst/>
+                <a:latin typeface="Consolas" panose="020B0609020204030204" pitchFamily="49" charset="0"/>
+                <a:cs typeface="Consolas" panose="020B0609020204030204" pitchFamily="49" charset="0"/>
+              </a:rPr>
+              <a:t>:</a:t>
+            </a:r>
+            <a:r>
+              <a:rPr kumimoji="0" lang="en-US" altLang="en-US" sz="1000" b="1" i="0" u="none" strike="noStrike" cap="none" normalizeH="0" baseline="0" dirty="0" smtClean="0">
+                <a:ln>
+                  <a:noFill/>
+                </a:ln>
+                <a:solidFill>
+                  <a:srgbClr val="008000"/>
+                </a:solidFill>
+                <a:effectLst/>
+                <a:latin typeface="Consolas" panose="020B0609020204030204" pitchFamily="49" charset="0"/>
+                <a:cs typeface="Consolas" panose="020B0609020204030204" pitchFamily="49" charset="0"/>
+              </a:rPr>
+              <a:t>"demo"</a:t>
+            </a:r>
+            <a:r>
+              <a:rPr kumimoji="0" lang="en-US" altLang="en-US" sz="1000" b="0" i="0" u="none" strike="noStrike" cap="none" normalizeH="0" baseline="0" dirty="0" smtClean="0">
+                <a:ln>
+                  <a:noFill/>
+                </a:ln>
+                <a:solidFill>
+                  <a:srgbClr val="000000"/>
+                </a:solidFill>
+                <a:effectLst/>
+                <a:latin typeface="Consolas" panose="020B0609020204030204" pitchFamily="49" charset="0"/>
+                <a:cs typeface="Consolas" panose="020B0609020204030204" pitchFamily="49" charset="0"/>
+              </a:rPr>
+              <a:t>, </a:t>
+            </a:r>
+            <a:r>
+              <a:rPr kumimoji="0" lang="en-US" altLang="en-US" sz="1000" b="1" i="0" u="none" strike="noStrike" cap="none" normalizeH="0" baseline="0" dirty="0" smtClean="0">
+                <a:ln>
+                  <a:noFill/>
+                </a:ln>
+                <a:solidFill>
+                  <a:srgbClr val="660E7A"/>
+                </a:solidFill>
+                <a:effectLst/>
+                <a:latin typeface="Consolas" panose="020B0609020204030204" pitchFamily="49" charset="0"/>
+                <a:cs typeface="Consolas" panose="020B0609020204030204" pitchFamily="49" charset="0"/>
+              </a:rPr>
+              <a:t>"url"</a:t>
+            </a:r>
+            <a:r>
+              <a:rPr kumimoji="0" lang="en-US" altLang="en-US" sz="1000" b="0" i="0" u="none" strike="noStrike" cap="none" normalizeH="0" baseline="0" dirty="0" smtClean="0">
+                <a:ln>
+                  <a:noFill/>
+                </a:ln>
+                <a:solidFill>
+                  <a:srgbClr val="000000"/>
+                </a:solidFill>
+                <a:effectLst/>
+                <a:latin typeface="Consolas" panose="020B0609020204030204" pitchFamily="49" charset="0"/>
+                <a:cs typeface="Consolas" panose="020B0609020204030204" pitchFamily="49" charset="0"/>
+              </a:rPr>
+              <a:t>:</a:t>
+            </a:r>
+            <a:r>
+              <a:rPr kumimoji="0" lang="en-US" altLang="en-US" sz="1000" b="1" i="0" u="none" strike="noStrike" cap="none" normalizeH="0" baseline="0" dirty="0" smtClean="0">
+                <a:ln>
+                  <a:noFill/>
+                </a:ln>
+                <a:solidFill>
+                  <a:srgbClr val="008000"/>
+                </a:solidFill>
+                <a:effectLst/>
+                <a:latin typeface="Consolas" panose="020B0609020204030204" pitchFamily="49" charset="0"/>
+                <a:cs typeface="Consolas" panose="020B0609020204030204" pitchFamily="49" charset="0"/>
+              </a:rPr>
+              <a:t>"localhost:3001"</a:t>
+            </a:r>
+            <a:r>
+              <a:rPr kumimoji="0" lang="en-US" altLang="en-US" sz="1000" b="0" i="0" u="none" strike="noStrike" cap="none" normalizeH="0" baseline="0" dirty="0" smtClean="0">
+                <a:ln>
+                  <a:noFill/>
+                </a:ln>
+                <a:solidFill>
+                  <a:srgbClr val="000000"/>
+                </a:solidFill>
+                <a:effectLst/>
+                <a:latin typeface="Consolas" panose="020B0609020204030204" pitchFamily="49" charset="0"/>
+                <a:cs typeface="Consolas" panose="020B0609020204030204" pitchFamily="49" charset="0"/>
+              </a:rPr>
+              <a:t>},</a:t>
+            </a:r>
+            <a:br>
+              <a:rPr kumimoji="0" lang="en-US" altLang="en-US" sz="1000" b="0" i="0" u="none" strike="noStrike" cap="none" normalizeH="0" baseline="0" dirty="0" smtClean="0">
+                <a:ln>
+                  <a:noFill/>
+                </a:ln>
+                <a:solidFill>
+                  <a:srgbClr val="000000"/>
+                </a:solidFill>
+                <a:effectLst/>
+                <a:latin typeface="Consolas" panose="020B0609020204030204" pitchFamily="49" charset="0"/>
+                <a:cs typeface="Consolas" panose="020B0609020204030204" pitchFamily="49" charset="0"/>
+              </a:rPr>
+            </a:br>
+            <a:r>
+              <a:rPr kumimoji="0" lang="en-US" altLang="en-US" sz="1000" b="0" i="0" u="none" strike="noStrike" cap="none" normalizeH="0" baseline="0" dirty="0" smtClean="0">
+                <a:ln>
+                  <a:noFill/>
+                </a:ln>
+                <a:solidFill>
+                  <a:srgbClr val="000000"/>
+                </a:solidFill>
+                <a:effectLst/>
+                <a:latin typeface="Consolas" panose="020B0609020204030204" pitchFamily="49" charset="0"/>
+                <a:cs typeface="Consolas" panose="020B0609020204030204" pitchFamily="49" charset="0"/>
+              </a:rPr>
+              <a:t>	{</a:t>
+            </a:r>
+            <a:r>
+              <a:rPr kumimoji="0" lang="en-US" altLang="en-US" sz="1000" b="1" i="0" u="none" strike="noStrike" cap="none" normalizeH="0" baseline="0" dirty="0" smtClean="0">
+                <a:ln>
+                  <a:noFill/>
+                </a:ln>
+                <a:solidFill>
+                  <a:srgbClr val="660E7A"/>
+                </a:solidFill>
+                <a:effectLst/>
+                <a:latin typeface="Consolas" panose="020B0609020204030204" pitchFamily="49" charset="0"/>
+                <a:cs typeface="Consolas" panose="020B0609020204030204" pitchFamily="49" charset="0"/>
+              </a:rPr>
+              <a:t>"id"</a:t>
+            </a:r>
+            <a:r>
+              <a:rPr kumimoji="0" lang="en-US" altLang="en-US" sz="1000" b="0" i="0" u="none" strike="noStrike" cap="none" normalizeH="0" baseline="0" dirty="0" smtClean="0">
+                <a:ln>
+                  <a:noFill/>
+                </a:ln>
+                <a:solidFill>
+                  <a:srgbClr val="000000"/>
+                </a:solidFill>
+                <a:effectLst/>
+                <a:latin typeface="Consolas" panose="020B0609020204030204" pitchFamily="49" charset="0"/>
+                <a:cs typeface="Consolas" panose="020B0609020204030204" pitchFamily="49" charset="0"/>
+              </a:rPr>
+              <a:t>:</a:t>
+            </a:r>
+            <a:r>
+              <a:rPr kumimoji="0" lang="en-US" altLang="en-US" sz="1000" b="0" i="0" u="none" strike="noStrike" cap="none" normalizeH="0" baseline="0" dirty="0" smtClean="0">
+                <a:ln>
+                  <a:noFill/>
+                </a:ln>
+                <a:solidFill>
+                  <a:srgbClr val="0000FF"/>
+                </a:solidFill>
+                <a:effectLst/>
+                <a:latin typeface="Consolas" panose="020B0609020204030204" pitchFamily="49" charset="0"/>
+                <a:cs typeface="Consolas" panose="020B0609020204030204" pitchFamily="49" charset="0"/>
+              </a:rPr>
+              <a:t>1</a:t>
+            </a:r>
+            <a:r>
+              <a:rPr kumimoji="0" lang="en-US" altLang="en-US" sz="1000" b="0" i="0" u="none" strike="noStrike" cap="none" normalizeH="0" baseline="0" dirty="0" smtClean="0">
+                <a:ln>
+                  <a:noFill/>
+                </a:ln>
+                <a:solidFill>
+                  <a:srgbClr val="000000"/>
+                </a:solidFill>
+                <a:effectLst/>
+                <a:latin typeface="Consolas" panose="020B0609020204030204" pitchFamily="49" charset="0"/>
+                <a:cs typeface="Consolas" panose="020B0609020204030204" pitchFamily="49" charset="0"/>
+              </a:rPr>
+              <a:t>, </a:t>
+            </a:r>
+            <a:r>
+              <a:rPr kumimoji="0" lang="en-US" altLang="en-US" sz="1000" b="1" i="0" u="none" strike="noStrike" cap="none" normalizeH="0" baseline="0" dirty="0" smtClean="0">
+                <a:ln>
+                  <a:noFill/>
+                </a:ln>
+                <a:solidFill>
+                  <a:srgbClr val="660E7A"/>
+                </a:solidFill>
+                <a:effectLst/>
+                <a:latin typeface="Consolas" panose="020B0609020204030204" pitchFamily="49" charset="0"/>
+                <a:cs typeface="Consolas" panose="020B0609020204030204" pitchFamily="49" charset="0"/>
+              </a:rPr>
+              <a:t>"</a:t>
+            </a:r>
+            <a:r>
+              <a:rPr kumimoji="0" lang="en-US" altLang="en-US" sz="1000" b="1" i="0" u="none" strike="noStrike" cap="none" normalizeH="0" baseline="0" dirty="0" err="1" smtClean="0">
+                <a:ln>
+                  <a:noFill/>
+                </a:ln>
+                <a:solidFill>
+                  <a:srgbClr val="660E7A"/>
+                </a:solidFill>
+                <a:effectLst/>
+                <a:latin typeface="Consolas" panose="020B0609020204030204" pitchFamily="49" charset="0"/>
+                <a:cs typeface="Consolas" panose="020B0609020204030204" pitchFamily="49" charset="0"/>
+              </a:rPr>
+              <a:t>type"</a:t>
+            </a:r>
+            <a:r>
+              <a:rPr kumimoji="0" lang="en-US" altLang="en-US" sz="1000" b="0" i="0" u="none" strike="noStrike" cap="none" normalizeH="0" baseline="0" dirty="0" err="1" smtClean="0">
+                <a:ln>
+                  <a:noFill/>
+                </a:ln>
+                <a:solidFill>
+                  <a:srgbClr val="000000"/>
+                </a:solidFill>
+                <a:effectLst/>
+                <a:latin typeface="Consolas" panose="020B0609020204030204" pitchFamily="49" charset="0"/>
+                <a:cs typeface="Consolas" panose="020B0609020204030204" pitchFamily="49" charset="0"/>
+              </a:rPr>
+              <a:t>:</a:t>
+            </a:r>
+            <a:r>
+              <a:rPr kumimoji="0" lang="en-US" altLang="en-US" sz="1000" b="1" i="0" u="none" strike="noStrike" cap="none" normalizeH="0" baseline="0" dirty="0" err="1" smtClean="0">
+                <a:ln>
+                  <a:noFill/>
+                </a:ln>
+                <a:solidFill>
+                  <a:srgbClr val="008000"/>
+                </a:solidFill>
+                <a:effectLst/>
+                <a:latin typeface="Consolas" panose="020B0609020204030204" pitchFamily="49" charset="0"/>
+                <a:cs typeface="Consolas" panose="020B0609020204030204" pitchFamily="49" charset="0"/>
+              </a:rPr>
+              <a:t>"csv"</a:t>
+            </a:r>
+            <a:r>
+              <a:rPr kumimoji="0" lang="en-US" altLang="en-US" sz="1000" b="0" i="0" u="none" strike="noStrike" cap="none" normalizeH="0" baseline="0" dirty="0" err="1" smtClean="0">
+                <a:ln>
+                  <a:noFill/>
+                </a:ln>
+                <a:solidFill>
+                  <a:srgbClr val="000000"/>
+                </a:solidFill>
+                <a:effectLst/>
+                <a:latin typeface="Consolas" panose="020B0609020204030204" pitchFamily="49" charset="0"/>
+                <a:cs typeface="Consolas" panose="020B0609020204030204" pitchFamily="49" charset="0"/>
+              </a:rPr>
+              <a:t>,</a:t>
+            </a:r>
+            <a:r>
+              <a:rPr kumimoji="0" lang="en-US" altLang="en-US" sz="1000" b="1" i="0" u="none" strike="noStrike" cap="none" normalizeH="0" baseline="0" dirty="0" err="1" smtClean="0">
+                <a:ln>
+                  <a:noFill/>
+                </a:ln>
+                <a:solidFill>
+                  <a:srgbClr val="660E7A"/>
+                </a:solidFill>
+                <a:effectLst/>
+                <a:latin typeface="Consolas" panose="020B0609020204030204" pitchFamily="49" charset="0"/>
+                <a:cs typeface="Consolas" panose="020B0609020204030204" pitchFamily="49" charset="0"/>
+              </a:rPr>
+              <a:t>"name"</a:t>
+            </a:r>
+            <a:r>
+              <a:rPr kumimoji="0" lang="en-US" altLang="en-US" sz="1000" b="0" i="0" u="none" strike="noStrike" cap="none" normalizeH="0" baseline="0" dirty="0" err="1" smtClean="0">
+                <a:ln>
+                  <a:noFill/>
+                </a:ln>
+                <a:solidFill>
+                  <a:srgbClr val="000000"/>
+                </a:solidFill>
+                <a:effectLst/>
+                <a:latin typeface="Consolas" panose="020B0609020204030204" pitchFamily="49" charset="0"/>
+                <a:cs typeface="Consolas" panose="020B0609020204030204" pitchFamily="49" charset="0"/>
+              </a:rPr>
+              <a:t>:</a:t>
+            </a:r>
+            <a:r>
+              <a:rPr kumimoji="0" lang="en-US" altLang="en-US" sz="1000" b="1" i="0" u="none" strike="noStrike" cap="none" normalizeH="0" baseline="0" dirty="0" err="1" smtClean="0">
+                <a:ln>
+                  <a:noFill/>
+                </a:ln>
+                <a:solidFill>
+                  <a:srgbClr val="008000"/>
+                </a:solidFill>
+                <a:effectLst/>
+                <a:latin typeface="Consolas" panose="020B0609020204030204" pitchFamily="49" charset="0"/>
+                <a:cs typeface="Consolas" panose="020B0609020204030204" pitchFamily="49" charset="0"/>
+              </a:rPr>
+              <a:t>"Standard</a:t>
+            </a:r>
+            <a:r>
+              <a:rPr kumimoji="0" lang="en-US" altLang="en-US" sz="1000" b="1" i="0" u="none" strike="noStrike" cap="none" normalizeH="0" baseline="0" dirty="0" smtClean="0">
+                <a:ln>
+                  <a:noFill/>
+                </a:ln>
+                <a:solidFill>
+                  <a:srgbClr val="008000"/>
+                </a:solidFill>
+                <a:effectLst/>
+                <a:latin typeface="Consolas" panose="020B0609020204030204" pitchFamily="49" charset="0"/>
+                <a:cs typeface="Consolas" panose="020B0609020204030204" pitchFamily="49" charset="0"/>
+              </a:rPr>
+              <a:t> CSV Adaptor2"</a:t>
+            </a:r>
+            <a:r>
+              <a:rPr kumimoji="0" lang="en-US" altLang="en-US" sz="1000" b="0" i="0" u="none" strike="noStrike" cap="none" normalizeH="0" baseline="0" dirty="0" smtClean="0">
+                <a:ln>
+                  <a:noFill/>
+                </a:ln>
+                <a:solidFill>
+                  <a:srgbClr val="000000"/>
+                </a:solidFill>
+                <a:effectLst/>
+                <a:latin typeface="Consolas" panose="020B0609020204030204" pitchFamily="49" charset="0"/>
+                <a:cs typeface="Consolas" panose="020B0609020204030204" pitchFamily="49" charset="0"/>
+              </a:rPr>
+              <a:t>,</a:t>
+            </a:r>
+            <a:r>
+              <a:rPr kumimoji="0" lang="en-US" altLang="en-US" sz="1000" b="1" i="0" u="none" strike="noStrike" cap="none" normalizeH="0" baseline="0" dirty="0" smtClean="0">
+                <a:ln>
+                  <a:noFill/>
+                </a:ln>
+                <a:solidFill>
+                  <a:srgbClr val="660E7A"/>
+                </a:solidFill>
+                <a:effectLst/>
+                <a:latin typeface="Consolas" panose="020B0609020204030204" pitchFamily="49" charset="0"/>
+                <a:cs typeface="Consolas" panose="020B0609020204030204" pitchFamily="49" charset="0"/>
+              </a:rPr>
+              <a:t>"desc"</a:t>
+            </a:r>
+            <a:r>
+              <a:rPr kumimoji="0" lang="en-US" altLang="en-US" sz="1000" b="0" i="0" u="none" strike="noStrike" cap="none" normalizeH="0" baseline="0" dirty="0" smtClean="0">
+                <a:ln>
+                  <a:noFill/>
+                </a:ln>
+                <a:solidFill>
+                  <a:srgbClr val="000000"/>
+                </a:solidFill>
+                <a:effectLst/>
+                <a:latin typeface="Consolas" panose="020B0609020204030204" pitchFamily="49" charset="0"/>
+                <a:cs typeface="Consolas" panose="020B0609020204030204" pitchFamily="49" charset="0"/>
+              </a:rPr>
+              <a:t>:</a:t>
+            </a:r>
+            <a:r>
+              <a:rPr kumimoji="0" lang="en-US" altLang="en-US" sz="1000" b="1" i="0" u="none" strike="noStrike" cap="none" normalizeH="0" baseline="0" dirty="0" smtClean="0">
+                <a:ln>
+                  <a:noFill/>
+                </a:ln>
+                <a:solidFill>
+                  <a:srgbClr val="008000"/>
+                </a:solidFill>
+                <a:effectLst/>
+                <a:latin typeface="Consolas" panose="020B0609020204030204" pitchFamily="49" charset="0"/>
+                <a:cs typeface="Consolas" panose="020B0609020204030204" pitchFamily="49" charset="0"/>
+              </a:rPr>
+              <a:t>"not exist"</a:t>
+            </a:r>
+            <a:r>
+              <a:rPr kumimoji="0" lang="en-US" altLang="en-US" sz="1000" b="0" i="0" u="none" strike="noStrike" cap="none" normalizeH="0" baseline="0" dirty="0" smtClean="0">
+                <a:ln>
+                  <a:noFill/>
+                </a:ln>
+                <a:solidFill>
+                  <a:srgbClr val="000000"/>
+                </a:solidFill>
+                <a:effectLst/>
+                <a:latin typeface="Consolas" panose="020B0609020204030204" pitchFamily="49" charset="0"/>
+                <a:cs typeface="Consolas" panose="020B0609020204030204" pitchFamily="49" charset="0"/>
+              </a:rPr>
+              <a:t>, </a:t>
+            </a:r>
+            <a:r>
+              <a:rPr kumimoji="0" lang="en-US" altLang="en-US" sz="1000" b="1" i="0" u="none" strike="noStrike" cap="none" normalizeH="0" baseline="0" dirty="0" smtClean="0">
+                <a:ln>
+                  <a:noFill/>
+                </a:ln>
+                <a:solidFill>
+                  <a:srgbClr val="660E7A"/>
+                </a:solidFill>
+                <a:effectLst/>
+                <a:latin typeface="Consolas" panose="020B0609020204030204" pitchFamily="49" charset="0"/>
+                <a:cs typeface="Consolas" panose="020B0609020204030204" pitchFamily="49" charset="0"/>
+              </a:rPr>
+              <a:t>"url"</a:t>
+            </a:r>
+            <a:r>
+              <a:rPr kumimoji="0" lang="en-US" altLang="en-US" sz="1000" b="0" i="0" u="none" strike="noStrike" cap="none" normalizeH="0" baseline="0" dirty="0" smtClean="0">
+                <a:ln>
+                  <a:noFill/>
+                </a:ln>
+                <a:solidFill>
+                  <a:srgbClr val="000000"/>
+                </a:solidFill>
+                <a:effectLst/>
+                <a:latin typeface="Consolas" panose="020B0609020204030204" pitchFamily="49" charset="0"/>
+                <a:cs typeface="Consolas" panose="020B0609020204030204" pitchFamily="49" charset="0"/>
+              </a:rPr>
+              <a:t>:</a:t>
+            </a:r>
+            <a:r>
+              <a:rPr kumimoji="0" lang="en-US" altLang="en-US" sz="1000" b="1" i="0" u="none" strike="noStrike" cap="none" normalizeH="0" baseline="0" dirty="0" smtClean="0">
+                <a:ln>
+                  <a:noFill/>
+                </a:ln>
+                <a:solidFill>
+                  <a:srgbClr val="008000"/>
+                </a:solidFill>
+                <a:effectLst/>
+                <a:latin typeface="Consolas" panose="020B0609020204030204" pitchFamily="49" charset="0"/>
+                <a:cs typeface="Consolas" panose="020B0609020204030204" pitchFamily="49" charset="0"/>
+              </a:rPr>
+              <a:t>"localhost:3002"</a:t>
+            </a:r>
+            <a:r>
+              <a:rPr kumimoji="0" lang="en-US" altLang="en-US" sz="1000" b="0" i="0" u="none" strike="noStrike" cap="none" normalizeH="0" baseline="0" dirty="0" smtClean="0">
+                <a:ln>
+                  <a:noFill/>
+                </a:ln>
+                <a:solidFill>
+                  <a:srgbClr val="000000"/>
+                </a:solidFill>
+                <a:effectLst/>
+                <a:latin typeface="Consolas" panose="020B0609020204030204" pitchFamily="49" charset="0"/>
+                <a:cs typeface="Consolas" panose="020B0609020204030204" pitchFamily="49" charset="0"/>
+              </a:rPr>
+              <a:t>},</a:t>
+            </a:r>
+            <a:br>
+              <a:rPr kumimoji="0" lang="en-US" altLang="en-US" sz="1000" b="0" i="0" u="none" strike="noStrike" cap="none" normalizeH="0" baseline="0" dirty="0" smtClean="0">
+                <a:ln>
+                  <a:noFill/>
+                </a:ln>
+                <a:solidFill>
+                  <a:srgbClr val="000000"/>
+                </a:solidFill>
+                <a:effectLst/>
+                <a:latin typeface="Consolas" panose="020B0609020204030204" pitchFamily="49" charset="0"/>
+                <a:cs typeface="Consolas" panose="020B0609020204030204" pitchFamily="49" charset="0"/>
+              </a:rPr>
+            </a:br>
+            <a:r>
+              <a:rPr kumimoji="0" lang="en-US" altLang="en-US" sz="1000" b="0" i="0" u="none" strike="noStrike" cap="none" normalizeH="0" baseline="0" dirty="0" smtClean="0">
+                <a:ln>
+                  <a:noFill/>
+                </a:ln>
+                <a:solidFill>
+                  <a:srgbClr val="000000"/>
+                </a:solidFill>
+                <a:effectLst/>
+                <a:latin typeface="Consolas" panose="020B0609020204030204" pitchFamily="49" charset="0"/>
+                <a:cs typeface="Consolas" panose="020B0609020204030204" pitchFamily="49" charset="0"/>
+              </a:rPr>
+              <a:t>	{</a:t>
+            </a:r>
+            <a:r>
+              <a:rPr kumimoji="0" lang="en-US" altLang="en-US" sz="1000" b="1" i="0" u="none" strike="noStrike" cap="none" normalizeH="0" baseline="0" dirty="0" smtClean="0">
+                <a:ln>
+                  <a:noFill/>
+                </a:ln>
+                <a:solidFill>
+                  <a:srgbClr val="660E7A"/>
+                </a:solidFill>
+                <a:effectLst/>
+                <a:latin typeface="Consolas" panose="020B0609020204030204" pitchFamily="49" charset="0"/>
+                <a:cs typeface="Consolas" panose="020B0609020204030204" pitchFamily="49" charset="0"/>
+              </a:rPr>
+              <a:t>"id"</a:t>
+            </a:r>
+            <a:r>
+              <a:rPr kumimoji="0" lang="en-US" altLang="en-US" sz="1000" b="0" i="0" u="none" strike="noStrike" cap="none" normalizeH="0" baseline="0" dirty="0" smtClean="0">
+                <a:ln>
+                  <a:noFill/>
+                </a:ln>
+                <a:solidFill>
+                  <a:srgbClr val="000000"/>
+                </a:solidFill>
+                <a:effectLst/>
+                <a:latin typeface="Consolas" panose="020B0609020204030204" pitchFamily="49" charset="0"/>
+                <a:cs typeface="Consolas" panose="020B0609020204030204" pitchFamily="49" charset="0"/>
+              </a:rPr>
+              <a:t>:</a:t>
+            </a:r>
+            <a:r>
+              <a:rPr kumimoji="0" lang="en-US" altLang="en-US" sz="1000" b="0" i="0" u="none" strike="noStrike" cap="none" normalizeH="0" baseline="0" dirty="0" smtClean="0">
+                <a:ln>
+                  <a:noFill/>
+                </a:ln>
+                <a:solidFill>
+                  <a:srgbClr val="0000FF"/>
+                </a:solidFill>
+                <a:effectLst/>
+                <a:latin typeface="Consolas" panose="020B0609020204030204" pitchFamily="49" charset="0"/>
+                <a:cs typeface="Consolas" panose="020B0609020204030204" pitchFamily="49" charset="0"/>
+              </a:rPr>
+              <a:t>2</a:t>
+            </a:r>
+            <a:r>
+              <a:rPr kumimoji="0" lang="en-US" altLang="en-US" sz="1000" b="0" i="0" u="none" strike="noStrike" cap="none" normalizeH="0" baseline="0" dirty="0" smtClean="0">
+                <a:ln>
+                  <a:noFill/>
+                </a:ln>
+                <a:solidFill>
+                  <a:srgbClr val="000000"/>
+                </a:solidFill>
+                <a:effectLst/>
+                <a:latin typeface="Consolas" panose="020B0609020204030204" pitchFamily="49" charset="0"/>
+                <a:cs typeface="Consolas" panose="020B0609020204030204" pitchFamily="49" charset="0"/>
+              </a:rPr>
+              <a:t>, </a:t>
+            </a:r>
+            <a:r>
+              <a:rPr kumimoji="0" lang="en-US" altLang="en-US" sz="1000" b="1" i="0" u="none" strike="noStrike" cap="none" normalizeH="0" baseline="0" dirty="0" smtClean="0">
+                <a:ln>
+                  <a:noFill/>
+                </a:ln>
+                <a:solidFill>
+                  <a:srgbClr val="660E7A"/>
+                </a:solidFill>
+                <a:effectLst/>
+                <a:latin typeface="Consolas" panose="020B0609020204030204" pitchFamily="49" charset="0"/>
+                <a:cs typeface="Consolas" panose="020B0609020204030204" pitchFamily="49" charset="0"/>
+              </a:rPr>
+              <a:t>"type"</a:t>
+            </a:r>
+            <a:r>
+              <a:rPr kumimoji="0" lang="en-US" altLang="en-US" sz="1000" b="0" i="0" u="none" strike="noStrike" cap="none" normalizeH="0" baseline="0" dirty="0" smtClean="0">
+                <a:ln>
+                  <a:noFill/>
+                </a:ln>
+                <a:solidFill>
+                  <a:srgbClr val="000000"/>
+                </a:solidFill>
+                <a:effectLst/>
+                <a:latin typeface="Consolas" panose="020B0609020204030204" pitchFamily="49" charset="0"/>
+                <a:cs typeface="Consolas" panose="020B0609020204030204" pitchFamily="49" charset="0"/>
+              </a:rPr>
+              <a:t>:</a:t>
+            </a:r>
+            <a:r>
+              <a:rPr kumimoji="0" lang="en-US" altLang="en-US" sz="1000" b="1" i="0" u="none" strike="noStrike" cap="none" normalizeH="0" baseline="0" dirty="0" smtClean="0">
+                <a:ln>
+                  <a:noFill/>
+                </a:ln>
+                <a:solidFill>
+                  <a:srgbClr val="008000"/>
+                </a:solidFill>
+                <a:effectLst/>
+                <a:latin typeface="Consolas" panose="020B0609020204030204" pitchFamily="49" charset="0"/>
+                <a:cs typeface="Consolas" panose="020B0609020204030204" pitchFamily="49" charset="0"/>
+              </a:rPr>
+              <a:t>"</a:t>
+            </a:r>
+            <a:r>
+              <a:rPr kumimoji="0" lang="en-US" altLang="en-US" sz="1000" b="1" i="0" u="none" strike="noStrike" cap="none" normalizeH="0" baseline="0" dirty="0" err="1" smtClean="0">
+                <a:ln>
+                  <a:noFill/>
+                </a:ln>
+                <a:solidFill>
+                  <a:srgbClr val="008000"/>
+                </a:solidFill>
+                <a:effectLst/>
+                <a:latin typeface="Consolas" panose="020B0609020204030204" pitchFamily="49" charset="0"/>
+                <a:cs typeface="Consolas" panose="020B0609020204030204" pitchFamily="49" charset="0"/>
+              </a:rPr>
+              <a:t>snmp</a:t>
+            </a:r>
+            <a:r>
+              <a:rPr kumimoji="0" lang="en-US" altLang="en-US" sz="1000" b="1" i="0" u="none" strike="noStrike" cap="none" normalizeH="0" baseline="0" dirty="0" smtClean="0">
+                <a:ln>
+                  <a:noFill/>
+                </a:ln>
+                <a:solidFill>
+                  <a:srgbClr val="008000"/>
+                </a:solidFill>
+                <a:effectLst/>
+                <a:latin typeface="Consolas" panose="020B0609020204030204" pitchFamily="49" charset="0"/>
+                <a:cs typeface="Consolas" panose="020B0609020204030204" pitchFamily="49" charset="0"/>
+              </a:rPr>
+              <a:t>"</a:t>
+            </a:r>
+            <a:r>
+              <a:rPr kumimoji="0" lang="en-US" altLang="en-US" sz="1000" b="0" i="0" u="none" strike="noStrike" cap="none" normalizeH="0" baseline="0" dirty="0" smtClean="0">
+                <a:ln>
+                  <a:noFill/>
+                </a:ln>
+                <a:solidFill>
+                  <a:srgbClr val="000000"/>
+                </a:solidFill>
+                <a:effectLst/>
+                <a:latin typeface="Consolas" panose="020B0609020204030204" pitchFamily="49" charset="0"/>
+                <a:cs typeface="Consolas" panose="020B0609020204030204" pitchFamily="49" charset="0"/>
+              </a:rPr>
+              <a:t>,</a:t>
+            </a:r>
+            <a:r>
+              <a:rPr kumimoji="0" lang="en-US" altLang="en-US" sz="1000" b="1" i="0" u="none" strike="noStrike" cap="none" normalizeH="0" baseline="0" dirty="0" smtClean="0">
+                <a:ln>
+                  <a:noFill/>
+                </a:ln>
+                <a:solidFill>
+                  <a:srgbClr val="660E7A"/>
+                </a:solidFill>
+                <a:effectLst/>
+                <a:latin typeface="Consolas" panose="020B0609020204030204" pitchFamily="49" charset="0"/>
+                <a:cs typeface="Consolas" panose="020B0609020204030204" pitchFamily="49" charset="0"/>
+              </a:rPr>
+              <a:t>"</a:t>
+            </a:r>
+            <a:r>
+              <a:rPr kumimoji="0" lang="en-US" altLang="en-US" sz="1000" b="1" i="0" u="none" strike="noStrike" cap="none" normalizeH="0" baseline="0" dirty="0" err="1" smtClean="0">
+                <a:ln>
+                  <a:noFill/>
+                </a:ln>
+                <a:solidFill>
+                  <a:srgbClr val="660E7A"/>
+                </a:solidFill>
+                <a:effectLst/>
+                <a:latin typeface="Consolas" panose="020B0609020204030204" pitchFamily="49" charset="0"/>
+                <a:cs typeface="Consolas" panose="020B0609020204030204" pitchFamily="49" charset="0"/>
+              </a:rPr>
+              <a:t>name"</a:t>
+            </a:r>
+            <a:r>
+              <a:rPr kumimoji="0" lang="en-US" altLang="en-US" sz="1000" b="0" i="0" u="none" strike="noStrike" cap="none" normalizeH="0" baseline="0" dirty="0" err="1" smtClean="0">
+                <a:ln>
+                  <a:noFill/>
+                </a:ln>
+                <a:solidFill>
+                  <a:srgbClr val="000000"/>
+                </a:solidFill>
+                <a:effectLst/>
+                <a:latin typeface="Consolas" panose="020B0609020204030204" pitchFamily="49" charset="0"/>
+                <a:cs typeface="Consolas" panose="020B0609020204030204" pitchFamily="49" charset="0"/>
+              </a:rPr>
+              <a:t>:</a:t>
+            </a:r>
+            <a:r>
+              <a:rPr kumimoji="0" lang="en-US" altLang="en-US" sz="1000" b="1" i="0" u="none" strike="noStrike" cap="none" normalizeH="0" baseline="0" dirty="0" err="1" smtClean="0">
+                <a:ln>
+                  <a:noFill/>
+                </a:ln>
+                <a:solidFill>
+                  <a:srgbClr val="008000"/>
+                </a:solidFill>
+                <a:effectLst/>
+                <a:latin typeface="Consolas" panose="020B0609020204030204" pitchFamily="49" charset="0"/>
+                <a:cs typeface="Consolas" panose="020B0609020204030204" pitchFamily="49" charset="0"/>
+              </a:rPr>
+              <a:t>"SNMP</a:t>
+            </a:r>
+            <a:r>
+              <a:rPr kumimoji="0" lang="en-US" altLang="en-US" sz="1000" b="1" i="0" u="none" strike="noStrike" cap="none" normalizeH="0" baseline="0" dirty="0" smtClean="0">
+                <a:ln>
+                  <a:noFill/>
+                </a:ln>
+                <a:solidFill>
+                  <a:srgbClr val="008000"/>
+                </a:solidFill>
+                <a:effectLst/>
+                <a:latin typeface="Consolas" panose="020B0609020204030204" pitchFamily="49" charset="0"/>
+                <a:cs typeface="Consolas" panose="020B0609020204030204" pitchFamily="49" charset="0"/>
+              </a:rPr>
+              <a:t> Adaptor"</a:t>
+            </a:r>
+            <a:r>
+              <a:rPr kumimoji="0" lang="en-US" altLang="en-US" sz="1000" b="0" i="0" u="none" strike="noStrike" cap="none" normalizeH="0" baseline="0" dirty="0" smtClean="0">
+                <a:ln>
+                  <a:noFill/>
+                </a:ln>
+                <a:solidFill>
+                  <a:srgbClr val="000000"/>
+                </a:solidFill>
+                <a:effectLst/>
+                <a:latin typeface="Consolas" panose="020B0609020204030204" pitchFamily="49" charset="0"/>
+                <a:cs typeface="Consolas" panose="020B0609020204030204" pitchFamily="49" charset="0"/>
+              </a:rPr>
+              <a:t>,</a:t>
+            </a:r>
+            <a:r>
+              <a:rPr kumimoji="0" lang="en-US" altLang="en-US" sz="1000" b="1" i="0" u="none" strike="noStrike" cap="none" normalizeH="0" baseline="0" dirty="0" smtClean="0">
+                <a:ln>
+                  <a:noFill/>
+                </a:ln>
+                <a:solidFill>
+                  <a:srgbClr val="660E7A"/>
+                </a:solidFill>
+                <a:effectLst/>
+                <a:latin typeface="Consolas" panose="020B0609020204030204" pitchFamily="49" charset="0"/>
+                <a:cs typeface="Consolas" panose="020B0609020204030204" pitchFamily="49" charset="0"/>
+              </a:rPr>
+              <a:t>"</a:t>
+            </a:r>
+            <a:r>
+              <a:rPr kumimoji="0" lang="en-US" altLang="en-US" sz="1000" b="1" i="0" u="none" strike="noStrike" cap="none" normalizeH="0" baseline="0" dirty="0" err="1" smtClean="0">
+                <a:ln>
+                  <a:noFill/>
+                </a:ln>
+                <a:solidFill>
+                  <a:srgbClr val="660E7A"/>
+                </a:solidFill>
+                <a:effectLst/>
+                <a:latin typeface="Consolas" panose="020B0609020204030204" pitchFamily="49" charset="0"/>
+                <a:cs typeface="Consolas" panose="020B0609020204030204" pitchFamily="49" charset="0"/>
+              </a:rPr>
+              <a:t>desc</a:t>
+            </a:r>
+            <a:r>
+              <a:rPr kumimoji="0" lang="en-US" altLang="en-US" sz="1000" b="1" i="0" u="none" strike="noStrike" cap="none" normalizeH="0" baseline="0" dirty="0" smtClean="0">
+                <a:ln>
+                  <a:noFill/>
+                </a:ln>
+                <a:solidFill>
+                  <a:srgbClr val="660E7A"/>
+                </a:solidFill>
+                <a:effectLst/>
+                <a:latin typeface="Consolas" panose="020B0609020204030204" pitchFamily="49" charset="0"/>
+                <a:cs typeface="Consolas" panose="020B0609020204030204" pitchFamily="49" charset="0"/>
+              </a:rPr>
+              <a:t>"</a:t>
+            </a:r>
+            <a:r>
+              <a:rPr kumimoji="0" lang="en-US" altLang="en-US" sz="1000" b="0" i="0" u="none" strike="noStrike" cap="none" normalizeH="0" baseline="0" dirty="0" smtClean="0">
+                <a:ln>
+                  <a:noFill/>
+                </a:ln>
+                <a:solidFill>
+                  <a:srgbClr val="000000"/>
+                </a:solidFill>
+                <a:effectLst/>
+                <a:latin typeface="Consolas" panose="020B0609020204030204" pitchFamily="49" charset="0"/>
+                <a:cs typeface="Consolas" panose="020B0609020204030204" pitchFamily="49" charset="0"/>
+              </a:rPr>
+              <a:t>:</a:t>
+            </a:r>
+            <a:r>
+              <a:rPr kumimoji="0" lang="en-US" altLang="en-US" sz="1000" b="1" i="0" u="none" strike="noStrike" cap="none" normalizeH="0" baseline="0" dirty="0" smtClean="0">
+                <a:ln>
+                  <a:noFill/>
+                </a:ln>
+                <a:solidFill>
+                  <a:srgbClr val="008000"/>
+                </a:solidFill>
+                <a:effectLst/>
+                <a:latin typeface="Consolas" panose="020B0609020204030204" pitchFamily="49" charset="0"/>
+                <a:cs typeface="Consolas" panose="020B0609020204030204" pitchFamily="49" charset="0"/>
+              </a:rPr>
+              <a:t>""</a:t>
+            </a:r>
+            <a:r>
+              <a:rPr kumimoji="0" lang="en-US" altLang="en-US" sz="1000" b="0" i="0" u="none" strike="noStrike" cap="none" normalizeH="0" baseline="0" dirty="0" smtClean="0">
+                <a:ln>
+                  <a:noFill/>
+                </a:ln>
+                <a:solidFill>
+                  <a:srgbClr val="000000"/>
+                </a:solidFill>
+                <a:effectLst/>
+                <a:latin typeface="Consolas" panose="020B0609020204030204" pitchFamily="49" charset="0"/>
+                <a:cs typeface="Consolas" panose="020B0609020204030204" pitchFamily="49" charset="0"/>
+              </a:rPr>
+              <a:t>, </a:t>
+            </a:r>
+            <a:r>
+              <a:rPr kumimoji="0" lang="en-US" altLang="en-US" sz="1000" b="1" i="0" u="none" strike="noStrike" cap="none" normalizeH="0" baseline="0" dirty="0" smtClean="0">
+                <a:ln>
+                  <a:noFill/>
+                </a:ln>
+                <a:solidFill>
+                  <a:srgbClr val="660E7A"/>
+                </a:solidFill>
+                <a:effectLst/>
+                <a:latin typeface="Consolas" panose="020B0609020204030204" pitchFamily="49" charset="0"/>
+                <a:cs typeface="Consolas" panose="020B0609020204030204" pitchFamily="49" charset="0"/>
+              </a:rPr>
+              <a:t>"url"</a:t>
+            </a:r>
+            <a:r>
+              <a:rPr kumimoji="0" lang="en-US" altLang="en-US" sz="1000" b="0" i="0" u="none" strike="noStrike" cap="none" normalizeH="0" baseline="0" dirty="0" smtClean="0">
+                <a:ln>
+                  <a:noFill/>
+                </a:ln>
+                <a:solidFill>
+                  <a:srgbClr val="000000"/>
+                </a:solidFill>
+                <a:effectLst/>
+                <a:latin typeface="Consolas" panose="020B0609020204030204" pitchFamily="49" charset="0"/>
+                <a:cs typeface="Consolas" panose="020B0609020204030204" pitchFamily="49" charset="0"/>
+              </a:rPr>
+              <a:t>:</a:t>
+            </a:r>
+            <a:r>
+              <a:rPr kumimoji="0" lang="en-US" altLang="en-US" sz="1000" b="1" i="0" u="none" strike="noStrike" cap="none" normalizeH="0" baseline="0" dirty="0" smtClean="0">
+                <a:ln>
+                  <a:noFill/>
+                </a:ln>
+                <a:solidFill>
+                  <a:srgbClr val="008000"/>
+                </a:solidFill>
+                <a:effectLst/>
+                <a:latin typeface="Consolas" panose="020B0609020204030204" pitchFamily="49" charset="0"/>
+                <a:cs typeface="Consolas" panose="020B0609020204030204" pitchFamily="49" charset="0"/>
+              </a:rPr>
+              <a:t>"localhost:3001"</a:t>
+            </a:r>
+            <a:r>
+              <a:rPr kumimoji="0" lang="en-US" altLang="en-US" sz="1000" b="0" i="0" u="none" strike="noStrike" cap="none" normalizeH="0" baseline="0" dirty="0" smtClean="0">
+                <a:ln>
+                  <a:noFill/>
+                </a:ln>
+                <a:solidFill>
+                  <a:srgbClr val="000000"/>
+                </a:solidFill>
+                <a:effectLst/>
+                <a:latin typeface="Consolas" panose="020B0609020204030204" pitchFamily="49" charset="0"/>
+                <a:cs typeface="Consolas" panose="020B0609020204030204" pitchFamily="49" charset="0"/>
+              </a:rPr>
+              <a:t>}</a:t>
+            </a:r>
+            <a:br>
+              <a:rPr kumimoji="0" lang="en-US" altLang="en-US" sz="1000" b="0" i="0" u="none" strike="noStrike" cap="none" normalizeH="0" baseline="0" dirty="0" smtClean="0">
+                <a:ln>
+                  <a:noFill/>
+                </a:ln>
+                <a:solidFill>
+                  <a:srgbClr val="000000"/>
+                </a:solidFill>
+                <a:effectLst/>
+                <a:latin typeface="Consolas" panose="020B0609020204030204" pitchFamily="49" charset="0"/>
+                <a:cs typeface="Consolas" panose="020B0609020204030204" pitchFamily="49" charset="0"/>
+              </a:rPr>
+            </a:br>
+            <a:r>
+              <a:rPr kumimoji="0" lang="en-US" altLang="en-US" sz="1000" b="0" i="0" u="none" strike="noStrike" cap="none" normalizeH="0" baseline="0" dirty="0" smtClean="0">
+                <a:ln>
+                  <a:noFill/>
+                </a:ln>
+                <a:solidFill>
+                  <a:srgbClr val="000000"/>
+                </a:solidFill>
+                <a:effectLst/>
+                <a:latin typeface="Consolas" panose="020B0609020204030204" pitchFamily="49" charset="0"/>
+                <a:cs typeface="Consolas" panose="020B0609020204030204" pitchFamily="49" charset="0"/>
+              </a:rPr>
+              <a:t>]</a:t>
+            </a:r>
+            <a:endParaRPr kumimoji="0" lang="en-US" altLang="en-US" sz="1800" b="0" i="0" u="none" strike="noStrike" cap="none" normalizeH="0" baseline="0" dirty="0" smtClean="0">
+              <a:ln>
+                <a:noFill/>
+              </a:ln>
+              <a:solidFill>
+                <a:schemeClr val="tx1"/>
+              </a:solidFill>
+              <a:effectLst/>
+              <a:latin typeface="Arial" panose="020B0604020202020204" pitchFamily="34" charset="0"/>
+            </a:endParaRPr>
+          </a:p>
+        </p:txBody>
+      </p:sp>
+      <p:pic>
+        <p:nvPicPr>
+          <p:cNvPr id="6" name="Picture 5"/>
+          <p:cNvPicPr>
+            <a:picLocks noChangeAspect="1"/>
+          </p:cNvPicPr>
+          <p:nvPr/>
+        </p:nvPicPr>
+        <p:blipFill>
+          <a:blip r:embed="rId2"/>
+          <a:stretch>
+            <a:fillRect/>
+          </a:stretch>
+        </p:blipFill>
+        <p:spPr>
+          <a:xfrm>
+            <a:off x="1600200" y="3733800"/>
+            <a:ext cx="8228848" cy="1998620"/>
+          </a:xfrm>
+          <a:prstGeom prst="rect">
+            <a:avLst/>
+          </a:prstGeom>
+        </p:spPr>
+      </p:pic>
+    </p:spTree>
+    <p:extLst>
+      <p:ext uri="{BB962C8B-B14F-4D97-AF65-F5344CB8AC3E}">
+        <p14:creationId xmlns:p14="http://schemas.microsoft.com/office/powerpoint/2010/main" val="3665761981"/>
+      </p:ext>
+    </p:extLst>
+  </p:cSld>
+  <p:clrMapOvr>
+    <a:masterClrMapping/>
+  </p:clrMapOvr>
+  <mc:AlternateContent xmlns:mc="http://schemas.openxmlformats.org/markup-compatibility/2006" xmlns:p14="http://schemas.microsoft.com/office/powerpoint/2010/main">
+    <mc:Choice Requires="p14">
+      <p:transition spd="med" p14:dur="700">
+        <p:fade/>
+      </p:transition>
+    </mc:Choice>
+    <mc:Fallback xmlns="">
+      <p:transition spd="med">
+        <p:fade/>
+      </p:transition>
+    </mc:Fallback>
+  </mc:AlternateContent>
+</p:sld>
+</file>
+
+<file path=ppt/slides/slide19.xml><?xml version="1.0" encoding="utf-8"?>
+<p:sld xmlns:a="http://schemas.openxmlformats.org/drawingml/2006/main" xmlns:r="http://schemas.openxmlformats.org/officeDocument/2006/relationships" xmlns:p="http://schemas.openxmlformats.org/presentationml/2006/main">
+  <p:cSld>
+    <p:spTree>
+      <p:nvGrpSpPr>
+        <p:cNvPr id="1" name=""/>
+        <p:cNvGrpSpPr/>
+        <p:nvPr/>
+      </p:nvGrpSpPr>
+      <p:grpSpPr>
+        <a:xfrm>
+          <a:off x="0" y="0"/>
+          <a:ext cx="0" cy="0"/>
+          <a:chOff x="0" y="0"/>
+          <a:chExt cx="0" cy="0"/>
+        </a:xfrm>
+      </p:grpSpPr>
+      <p:sp>
+        <p:nvSpPr>
+          <p:cNvPr id="2" name="Title 1"/>
+          <p:cNvSpPr>
+            <a:spLocks noGrp="1"/>
+          </p:cNvSpPr>
+          <p:nvPr>
+            <p:ph type="title"/>
+          </p:nvPr>
+        </p:nvSpPr>
+        <p:spPr/>
+        <p:txBody>
+          <a:bodyPr/>
+          <a:lstStyle/>
+          <a:p>
+            <a:r>
+              <a:rPr lang="en-US" dirty="0" smtClean="0"/>
               <a:t>E2E Scenario</a:t>
             </a:r>
             <a:br>
@@ -43867,7 +45249,7 @@
             <a:fld id="{B016F8AB-BCEA-4347-8BA6-BE776009BC89}" type="slidenum">
               <a:rPr lang="en-US" smtClean="0"/>
               <a:pPr/>
-              <a:t>18</a:t>
+              <a:t>19</a:t>
             </a:fld>
             <a:endParaRPr lang="en-US"/>
           </a:p>
@@ -43905,7 +45287,249 @@
 </p:sld>
 </file>
 
-<file path=ppt/slides/slide19.xml><?xml version="1.0" encoding="utf-8"?>
+<file path=ppt/slides/slide2.xml><?xml version="1.0" encoding="utf-8"?>
+<p:sld xmlns:a="http://schemas.openxmlformats.org/drawingml/2006/main" xmlns:r="http://schemas.openxmlformats.org/officeDocument/2006/relationships" xmlns:p="http://schemas.openxmlformats.org/presentationml/2006/main">
+  <p:cSld>
+    <p:spTree>
+      <p:nvGrpSpPr>
+        <p:cNvPr id="1" name=""/>
+        <p:cNvGrpSpPr/>
+        <p:nvPr/>
+      </p:nvGrpSpPr>
+      <p:grpSpPr>
+        <a:xfrm>
+          <a:off x="0" y="0"/>
+          <a:ext cx="0" cy="0"/>
+          <a:chOff x="0" y="0"/>
+          <a:chExt cx="0" cy="0"/>
+        </a:xfrm>
+      </p:grpSpPr>
+      <p:sp>
+        <p:nvSpPr>
+          <p:cNvPr id="3" name="Title 2"/>
+          <p:cNvSpPr>
+            <a:spLocks noGrp="1"/>
+          </p:cNvSpPr>
+          <p:nvPr>
+            <p:ph type="title"/>
+          </p:nvPr>
+        </p:nvSpPr>
+        <p:spPr/>
+        <p:txBody>
+          <a:bodyPr/>
+          <a:lstStyle/>
+          <a:p>
+            <a:r>
+              <a:rPr lang="en-US" dirty="0" smtClean="0"/>
+              <a:t>General Ideas</a:t>
+            </a:r>
+            <a:endParaRPr lang="en-US" dirty="0"/>
+          </a:p>
+        </p:txBody>
+      </p:sp>
+      <p:sp>
+        <p:nvSpPr>
+          <p:cNvPr id="2" name="Content Placeholder 1"/>
+          <p:cNvSpPr>
+            <a:spLocks noGrp="1"/>
+          </p:cNvSpPr>
+          <p:nvPr>
+            <p:ph idx="1"/>
+          </p:nvPr>
+        </p:nvSpPr>
+        <p:spPr>
+          <a:xfrm>
+            <a:off x="609600" y="1524000"/>
+            <a:ext cx="10969784" cy="4267200"/>
+          </a:xfrm>
+        </p:spPr>
+        <p:txBody>
+          <a:bodyPr>
+            <a:normAutofit/>
+          </a:bodyPr>
+          <a:lstStyle/>
+          <a:p>
+            <a:r>
+              <a:rPr lang="en-US" sz="1600" dirty="0" smtClean="0"/>
+              <a:t>This is a light </a:t>
+            </a:r>
+            <a:r>
+              <a:rPr lang="en-US" sz="1600" dirty="0"/>
+              <a:t>but </a:t>
+            </a:r>
+            <a:r>
+              <a:rPr lang="en-US" sz="1600" dirty="0" smtClean="0"/>
+              <a:t>extendible solution of performance management.</a:t>
+            </a:r>
+          </a:p>
+          <a:p>
+            <a:r>
+              <a:rPr lang="en-US" sz="1600" dirty="0" smtClean="0"/>
+              <a:t>In the solution, there are 3 main parts</a:t>
+            </a:r>
+          </a:p>
+          <a:p>
+            <a:pPr marL="571500" lvl="1" indent="-342900">
+              <a:buFont typeface="+mj-lt"/>
+              <a:buAutoNum type="alphaLcParenR"/>
+            </a:pPr>
+            <a:r>
+              <a:rPr lang="en-US" sz="1400" dirty="0" smtClean="0"/>
+              <a:t> OSSP Server (data collection) </a:t>
+            </a:r>
+          </a:p>
+          <a:p>
+            <a:pPr marL="571500" lvl="1" indent="-342900">
+              <a:buFont typeface="+mj-lt"/>
+              <a:buAutoNum type="alphaLcParenR"/>
+            </a:pPr>
+            <a:r>
+              <a:rPr lang="en-US" sz="1400" dirty="0" smtClean="0"/>
+              <a:t> OSSP console (control GUI in UOC)</a:t>
+            </a:r>
+          </a:p>
+          <a:p>
+            <a:pPr marL="571500" lvl="1" indent="-342900">
+              <a:buFont typeface="+mj-lt"/>
+              <a:buAutoNum type="alphaLcParenR"/>
+            </a:pPr>
+            <a:r>
+              <a:rPr lang="en-US" sz="1400" dirty="0"/>
+              <a:t> </a:t>
+            </a:r>
+            <a:r>
+              <a:rPr lang="en-US" sz="1400" dirty="0" smtClean="0"/>
+              <a:t>OSSP report packs (performance reports and dashboards in UOC or other report platforms).</a:t>
+            </a:r>
+          </a:p>
+          <a:p>
+            <a:r>
+              <a:rPr lang="en-US" sz="1600" dirty="0" smtClean="0"/>
+              <a:t>The solution bases on Neo4J database, which provides high performance on massive data.</a:t>
+            </a:r>
+          </a:p>
+          <a:p>
+            <a:r>
+              <a:rPr lang="en-US" sz="1600" dirty="0" smtClean="0"/>
+              <a:t>In the prototype all modules are developed in JavaScript (NodeJS &amp; AngularJS), while customized collectors can be developed in JAVA  or Scala.</a:t>
+            </a:r>
+          </a:p>
+          <a:p>
+            <a:r>
+              <a:rPr lang="en-US" sz="1600" dirty="0"/>
+              <a:t>The control GUI is develop on HPE UOC framework.</a:t>
+            </a:r>
+          </a:p>
+          <a:p>
+            <a:r>
+              <a:rPr lang="en-US" sz="1600" dirty="0" smtClean="0"/>
+              <a:t>Most function modules work independently, they all provide REST APIs for CONTROL and MONITOR.</a:t>
+            </a:r>
+          </a:p>
+          <a:p>
+            <a:r>
+              <a:rPr lang="en-US" sz="1600" dirty="0" smtClean="0"/>
+              <a:t>Collector able to collect performance data ( and log files) from NE, EMS, Application via different protocols.</a:t>
+            </a:r>
+          </a:p>
+          <a:p>
+            <a:r>
+              <a:rPr lang="en-US" sz="1600" dirty="0" smtClean="0"/>
+              <a:t>* Only </a:t>
+            </a:r>
+            <a:r>
+              <a:rPr lang="en-US" sz="1600" dirty="0"/>
+              <a:t>raw counters are stored in the Neo4J, all calculations are runtime. </a:t>
+            </a:r>
+          </a:p>
+          <a:p>
+            <a:endParaRPr lang="en-US" sz="1600" dirty="0" smtClean="0"/>
+          </a:p>
+          <a:p>
+            <a:pPr marL="0" indent="0">
+              <a:buNone/>
+            </a:pPr>
+            <a:endParaRPr lang="en-US" sz="1600" dirty="0" smtClean="0"/>
+          </a:p>
+          <a:p>
+            <a:endParaRPr lang="en-US" sz="1600" dirty="0" smtClean="0"/>
+          </a:p>
+          <a:p>
+            <a:endParaRPr lang="en-US" sz="1600" dirty="0"/>
+          </a:p>
+          <a:p>
+            <a:pPr lvl="1"/>
+            <a:endParaRPr lang="en-US" sz="1400" dirty="0" smtClean="0"/>
+          </a:p>
+          <a:p>
+            <a:endParaRPr lang="en-US" sz="1600" dirty="0" smtClean="0"/>
+          </a:p>
+          <a:p>
+            <a:endParaRPr lang="en-US" sz="1600" dirty="0"/>
+          </a:p>
+        </p:txBody>
+      </p:sp>
+      <p:sp>
+        <p:nvSpPr>
+          <p:cNvPr id="4" name="Slide Number Placeholder 3"/>
+          <p:cNvSpPr>
+            <a:spLocks noGrp="1"/>
+          </p:cNvSpPr>
+          <p:nvPr>
+            <p:ph type="sldNum" sz="quarter" idx="12"/>
+          </p:nvPr>
+        </p:nvSpPr>
+        <p:spPr>
+          <a:xfrm>
+            <a:off x="11049000" y="6430868"/>
+            <a:ext cx="533399" cy="232147"/>
+          </a:xfrm>
+        </p:spPr>
+        <p:txBody>
+          <a:bodyPr/>
+          <a:lstStyle/>
+          <a:p>
+            <a:fld id="{B016F8AB-BCEA-4347-8BA6-BE776009BC89}" type="slidenum">
+              <a:rPr lang="en-US" smtClean="0"/>
+              <a:t>2</a:t>
+            </a:fld>
+            <a:endParaRPr lang="en-US"/>
+          </a:p>
+        </p:txBody>
+      </p:sp>
+    </p:spTree>
+    <p:extLst>
+      <p:ext uri="{BB962C8B-B14F-4D97-AF65-F5344CB8AC3E}">
+        <p14:creationId xmlns:p14="http://schemas.microsoft.com/office/powerpoint/2010/main" val="3706688682"/>
+      </p:ext>
+    </p:extLst>
+  </p:cSld>
+  <p:clrMapOvr>
+    <a:masterClrMapping/>
+  </p:clrMapOvr>
+  <mc:AlternateContent xmlns:mc="http://schemas.openxmlformats.org/markup-compatibility/2006" xmlns:p14="http://schemas.microsoft.com/office/powerpoint/2010/main">
+    <mc:Choice Requires="p14">
+      <p:transition spd="med" p14:dur="700">
+        <p:fade/>
+      </p:transition>
+    </mc:Choice>
+    <mc:Fallback xmlns="">
+      <p:transition spd="med">
+        <p:fade/>
+      </p:transition>
+    </mc:Fallback>
+  </mc:AlternateContent>
+  <p:timing>
+    <p:tnLst>
+      <p:par>
+        <p:cTn id="1" dur="indefinite" restart="never" nodeType="tmRoot"/>
+      </p:par>
+    </p:tnLst>
+  </p:timing>
+</p:sld>
+</file>
+
+<file path=ppt/slides/slide20.xml><?xml version="1.0" encoding="utf-8"?>
 <p:sld xmlns:a="http://schemas.openxmlformats.org/drawingml/2006/main" xmlns:r="http://schemas.openxmlformats.org/officeDocument/2006/relationships" xmlns:p="http://schemas.openxmlformats.org/presentationml/2006/main">
   <p:cSld>
     <p:spTree>
@@ -44277,7 +45901,7 @@
             <a:fld id="{B016F8AB-BCEA-4347-8BA6-BE776009BC89}" type="slidenum">
               <a:rPr lang="en-US" smtClean="0"/>
               <a:pPr/>
-              <a:t>19</a:t>
+              <a:t>20</a:t>
             </a:fld>
             <a:endParaRPr lang="en-US"/>
           </a:p>
@@ -45001,249 +46625,7 @@
 </p:sld>
 </file>
 
-<file path=ppt/slides/slide2.xml><?xml version="1.0" encoding="utf-8"?>
-<p:sld xmlns:a="http://schemas.openxmlformats.org/drawingml/2006/main" xmlns:r="http://schemas.openxmlformats.org/officeDocument/2006/relationships" xmlns:p="http://schemas.openxmlformats.org/presentationml/2006/main">
-  <p:cSld>
-    <p:spTree>
-      <p:nvGrpSpPr>
-        <p:cNvPr id="1" name=""/>
-        <p:cNvGrpSpPr/>
-        <p:nvPr/>
-      </p:nvGrpSpPr>
-      <p:grpSpPr>
-        <a:xfrm>
-          <a:off x="0" y="0"/>
-          <a:ext cx="0" cy="0"/>
-          <a:chOff x="0" y="0"/>
-          <a:chExt cx="0" cy="0"/>
-        </a:xfrm>
-      </p:grpSpPr>
-      <p:sp>
-        <p:nvSpPr>
-          <p:cNvPr id="3" name="Title 2"/>
-          <p:cNvSpPr>
-            <a:spLocks noGrp="1"/>
-          </p:cNvSpPr>
-          <p:nvPr>
-            <p:ph type="title"/>
-          </p:nvPr>
-        </p:nvSpPr>
-        <p:spPr/>
-        <p:txBody>
-          <a:bodyPr/>
-          <a:lstStyle/>
-          <a:p>
-            <a:r>
-              <a:rPr lang="en-US" dirty="0" smtClean="0"/>
-              <a:t>General Ideas</a:t>
-            </a:r>
-            <a:endParaRPr lang="en-US" dirty="0"/>
-          </a:p>
-        </p:txBody>
-      </p:sp>
-      <p:sp>
-        <p:nvSpPr>
-          <p:cNvPr id="2" name="Content Placeholder 1"/>
-          <p:cNvSpPr>
-            <a:spLocks noGrp="1"/>
-          </p:cNvSpPr>
-          <p:nvPr>
-            <p:ph idx="1"/>
-          </p:nvPr>
-        </p:nvSpPr>
-        <p:spPr>
-          <a:xfrm>
-            <a:off x="609600" y="1524000"/>
-            <a:ext cx="10969784" cy="4267200"/>
-          </a:xfrm>
-        </p:spPr>
-        <p:txBody>
-          <a:bodyPr>
-            <a:normAutofit/>
-          </a:bodyPr>
-          <a:lstStyle/>
-          <a:p>
-            <a:r>
-              <a:rPr lang="en-US" sz="1600" dirty="0" smtClean="0"/>
-              <a:t>This is a light </a:t>
-            </a:r>
-            <a:r>
-              <a:rPr lang="en-US" sz="1600" dirty="0"/>
-              <a:t>but </a:t>
-            </a:r>
-            <a:r>
-              <a:rPr lang="en-US" sz="1600" dirty="0" smtClean="0"/>
-              <a:t>extendible solution of performance management.</a:t>
-            </a:r>
-          </a:p>
-          <a:p>
-            <a:r>
-              <a:rPr lang="en-US" sz="1600" dirty="0" smtClean="0"/>
-              <a:t>In the solution, there are 3 main parts</a:t>
-            </a:r>
-          </a:p>
-          <a:p>
-            <a:pPr marL="571500" lvl="1" indent="-342900">
-              <a:buFont typeface="+mj-lt"/>
-              <a:buAutoNum type="alphaLcParenR"/>
-            </a:pPr>
-            <a:r>
-              <a:rPr lang="en-US" sz="1400" dirty="0" smtClean="0"/>
-              <a:t> OSSP Server (data collection) </a:t>
-            </a:r>
-          </a:p>
-          <a:p>
-            <a:pPr marL="571500" lvl="1" indent="-342900">
-              <a:buFont typeface="+mj-lt"/>
-              <a:buAutoNum type="alphaLcParenR"/>
-            </a:pPr>
-            <a:r>
-              <a:rPr lang="en-US" sz="1400" dirty="0" smtClean="0"/>
-              <a:t> OSSP console (control GUI in UOC)</a:t>
-            </a:r>
-          </a:p>
-          <a:p>
-            <a:pPr marL="571500" lvl="1" indent="-342900">
-              <a:buFont typeface="+mj-lt"/>
-              <a:buAutoNum type="alphaLcParenR"/>
-            </a:pPr>
-            <a:r>
-              <a:rPr lang="en-US" sz="1400" dirty="0"/>
-              <a:t> </a:t>
-            </a:r>
-            <a:r>
-              <a:rPr lang="en-US" sz="1400" dirty="0" smtClean="0"/>
-              <a:t>OSSP report packs (performance reports and dashboards in UOC or other report platforms).</a:t>
-            </a:r>
-          </a:p>
-          <a:p>
-            <a:r>
-              <a:rPr lang="en-US" sz="1600" dirty="0" smtClean="0"/>
-              <a:t>The solution bases on Neo4J database, which provides high performance on massive data.</a:t>
-            </a:r>
-          </a:p>
-          <a:p>
-            <a:r>
-              <a:rPr lang="en-US" sz="1600" dirty="0" smtClean="0"/>
-              <a:t>In the prototype all modules are developed in JavaScript (NodeJS &amp; AngularJS), while customized collectors can be developed in JAVA  or Scala.</a:t>
-            </a:r>
-          </a:p>
-          <a:p>
-            <a:r>
-              <a:rPr lang="en-US" sz="1600" dirty="0"/>
-              <a:t>The control GUI is develop on HPE UOC framework.</a:t>
-            </a:r>
-          </a:p>
-          <a:p>
-            <a:r>
-              <a:rPr lang="en-US" sz="1600" dirty="0" smtClean="0"/>
-              <a:t>Most function modules work independently, they all provide REST APIs for CONTROL and MONITOR.</a:t>
-            </a:r>
-          </a:p>
-          <a:p>
-            <a:r>
-              <a:rPr lang="en-US" sz="1600" dirty="0" smtClean="0"/>
-              <a:t>Collector able to collect performance data ( and log files) from NE, EMS, Application via different protocols.</a:t>
-            </a:r>
-          </a:p>
-          <a:p>
-            <a:r>
-              <a:rPr lang="en-US" sz="1600" dirty="0" smtClean="0"/>
-              <a:t>* Only </a:t>
-            </a:r>
-            <a:r>
-              <a:rPr lang="en-US" sz="1600" dirty="0"/>
-              <a:t>raw counters are stored in the Neo4J, all calculations are runtime. </a:t>
-            </a:r>
-          </a:p>
-          <a:p>
-            <a:endParaRPr lang="en-US" sz="1600" dirty="0" smtClean="0"/>
-          </a:p>
-          <a:p>
-            <a:pPr marL="0" indent="0">
-              <a:buNone/>
-            </a:pPr>
-            <a:endParaRPr lang="en-US" sz="1600" dirty="0" smtClean="0"/>
-          </a:p>
-          <a:p>
-            <a:endParaRPr lang="en-US" sz="1600" dirty="0" smtClean="0"/>
-          </a:p>
-          <a:p>
-            <a:endParaRPr lang="en-US" sz="1600" dirty="0"/>
-          </a:p>
-          <a:p>
-            <a:pPr lvl="1"/>
-            <a:endParaRPr lang="en-US" sz="1400" dirty="0" smtClean="0"/>
-          </a:p>
-          <a:p>
-            <a:endParaRPr lang="en-US" sz="1600" dirty="0" smtClean="0"/>
-          </a:p>
-          <a:p>
-            <a:endParaRPr lang="en-US" sz="1600" dirty="0"/>
-          </a:p>
-        </p:txBody>
-      </p:sp>
-      <p:sp>
-        <p:nvSpPr>
-          <p:cNvPr id="4" name="Slide Number Placeholder 3"/>
-          <p:cNvSpPr>
-            <a:spLocks noGrp="1"/>
-          </p:cNvSpPr>
-          <p:nvPr>
-            <p:ph type="sldNum" sz="quarter" idx="12"/>
-          </p:nvPr>
-        </p:nvSpPr>
-        <p:spPr>
-          <a:xfrm>
-            <a:off x="11049000" y="6430868"/>
-            <a:ext cx="533399" cy="232147"/>
-          </a:xfrm>
-        </p:spPr>
-        <p:txBody>
-          <a:bodyPr/>
-          <a:lstStyle/>
-          <a:p>
-            <a:fld id="{B016F8AB-BCEA-4347-8BA6-BE776009BC89}" type="slidenum">
-              <a:rPr lang="en-US" smtClean="0"/>
-              <a:t>2</a:t>
-            </a:fld>
-            <a:endParaRPr lang="en-US"/>
-          </a:p>
-        </p:txBody>
-      </p:sp>
-    </p:spTree>
-    <p:extLst>
-      <p:ext uri="{BB962C8B-B14F-4D97-AF65-F5344CB8AC3E}">
-        <p14:creationId xmlns:p14="http://schemas.microsoft.com/office/powerpoint/2010/main" val="3706688682"/>
-      </p:ext>
-    </p:extLst>
-  </p:cSld>
-  <p:clrMapOvr>
-    <a:masterClrMapping/>
-  </p:clrMapOvr>
-  <mc:AlternateContent xmlns:mc="http://schemas.openxmlformats.org/markup-compatibility/2006" xmlns:p14="http://schemas.microsoft.com/office/powerpoint/2010/main">
-    <mc:Choice Requires="p14">
-      <p:transition spd="med" p14:dur="700">
-        <p:fade/>
-      </p:transition>
-    </mc:Choice>
-    <mc:Fallback xmlns="">
-      <p:transition spd="med">
-        <p:fade/>
-      </p:transition>
-    </mc:Fallback>
-  </mc:AlternateContent>
-  <p:timing>
-    <p:tnLst>
-      <p:par>
-        <p:cTn id="1" dur="indefinite" restart="never" nodeType="tmRoot"/>
-      </p:par>
-    </p:tnLst>
-  </p:timing>
-</p:sld>
-</file>
-
-<file path=ppt/slides/slide20.xml><?xml version="1.0" encoding="utf-8"?>
+<file path=ppt/slides/slide21.xml><?xml version="1.0" encoding="utf-8"?>
 <p:sld xmlns:a="http://schemas.openxmlformats.org/drawingml/2006/main" xmlns:r="http://schemas.openxmlformats.org/officeDocument/2006/relationships" xmlns:p="http://schemas.openxmlformats.org/presentationml/2006/main">
   <p:cSld>
     <p:spTree>
@@ -45301,7 +46683,7 @@
             <a:fld id="{B016F8AB-BCEA-4347-8BA6-BE776009BC89}" type="slidenum">
               <a:rPr lang="en-US" smtClean="0"/>
               <a:pPr/>
-              <a:t>20</a:t>
+              <a:t>21</a:t>
             </a:fld>
             <a:endParaRPr lang="en-US"/>
           </a:p>
@@ -45363,223 +46745,6 @@
 </p:sld>
 </file>
 
-<file path=ppt/slides/slide21.xml><?xml version="1.0" encoding="utf-8"?>
-<p:sld xmlns:a="http://schemas.openxmlformats.org/drawingml/2006/main" xmlns:r="http://schemas.openxmlformats.org/officeDocument/2006/relationships" xmlns:p="http://schemas.openxmlformats.org/presentationml/2006/main">
-  <p:cSld>
-    <p:spTree>
-      <p:nvGrpSpPr>
-        <p:cNvPr id="1" name=""/>
-        <p:cNvGrpSpPr/>
-        <p:nvPr/>
-      </p:nvGrpSpPr>
-      <p:grpSpPr>
-        <a:xfrm>
-          <a:off x="0" y="0"/>
-          <a:ext cx="0" cy="0"/>
-          <a:chOff x="0" y="0"/>
-          <a:chExt cx="0" cy="0"/>
-        </a:xfrm>
-      </p:grpSpPr>
-      <p:sp>
-        <p:nvSpPr>
-          <p:cNvPr id="2" name="Title 1"/>
-          <p:cNvSpPr>
-            <a:spLocks noGrp="1"/>
-          </p:cNvSpPr>
-          <p:nvPr>
-            <p:ph type="title"/>
-          </p:nvPr>
-        </p:nvSpPr>
-        <p:spPr/>
-        <p:txBody>
-          <a:bodyPr/>
-          <a:lstStyle/>
-          <a:p>
-            <a:r>
-              <a:rPr lang="en-US" dirty="0" smtClean="0"/>
-              <a:t>CSV Collector Performance Test</a:t>
-            </a:r>
-            <a:endParaRPr lang="en-US" dirty="0"/>
-          </a:p>
-        </p:txBody>
-      </p:sp>
-      <p:sp>
-        <p:nvSpPr>
-          <p:cNvPr id="3" name="Content Placeholder 2"/>
-          <p:cNvSpPr>
-            <a:spLocks noGrp="1"/>
-          </p:cNvSpPr>
-          <p:nvPr>
-            <p:ph idx="1"/>
-          </p:nvPr>
-        </p:nvSpPr>
-        <p:spPr/>
-        <p:txBody>
-          <a:bodyPr/>
-          <a:lstStyle/>
-          <a:p>
-            <a:r>
-              <a:rPr lang="en-US" dirty="0" smtClean="0"/>
-              <a:t>Test environment: </a:t>
-            </a:r>
-          </a:p>
-          <a:p>
-            <a:pPr lvl="1"/>
-            <a:r>
-              <a:rPr lang="en-US" dirty="0" err="1" smtClean="0"/>
-              <a:t>zbook</a:t>
-            </a:r>
-            <a:r>
-              <a:rPr lang="en-US" dirty="0" smtClean="0"/>
-              <a:t> 15,  8 CPU (i7-4800) ,Memory 32G, OS: windows 7; </a:t>
-            </a:r>
-          </a:p>
-          <a:p>
-            <a:pPr lvl="1"/>
-            <a:r>
-              <a:rPr lang="en-US" dirty="0" smtClean="0"/>
-              <a:t>Neo4J 2.3.1 community version with default setting</a:t>
-            </a:r>
-          </a:p>
-          <a:p>
-            <a:pPr lvl="1"/>
-            <a:r>
-              <a:rPr lang="en-US" dirty="0" err="1" smtClean="0"/>
-              <a:t>NodeJS</a:t>
-            </a:r>
-            <a:r>
-              <a:rPr lang="en-US" dirty="0" smtClean="0"/>
-              <a:t> v5.2.0</a:t>
-            </a:r>
-          </a:p>
-          <a:p>
-            <a:endParaRPr lang="en-US" dirty="0"/>
-          </a:p>
-          <a:p>
-            <a:r>
-              <a:rPr lang="en-US" dirty="0" smtClean="0"/>
-              <a:t>Test 1, simulate one csv file with  10BSC, each BSC has 100 BTS, total 10000 records , each record has 12 KPI value.</a:t>
-            </a:r>
-          </a:p>
-          <a:p>
-            <a:pPr marL="0" indent="0">
-              <a:buNone/>
-            </a:pPr>
-            <a:r>
-              <a:rPr lang="en-US" dirty="0"/>
-              <a:t>	</a:t>
-            </a:r>
-            <a:r>
-              <a:rPr lang="en-US" sz="1400" dirty="0"/>
-              <a:t>Cost 328 </a:t>
-            </a:r>
-            <a:r>
-              <a:rPr lang="en-US" sz="1400" dirty="0" smtClean="0"/>
-              <a:t>seconds</a:t>
-            </a:r>
-            <a:endParaRPr lang="en-US" sz="1400" dirty="0"/>
-          </a:p>
-          <a:p>
-            <a:r>
-              <a:rPr lang="en-US" dirty="0"/>
-              <a:t>Test </a:t>
-            </a:r>
-            <a:r>
-              <a:rPr lang="en-US" dirty="0" smtClean="0"/>
-              <a:t>2 simulate 10 csv files, each file has 1BSC 100 BTS 1000 records, each </a:t>
-            </a:r>
-            <a:r>
-              <a:rPr lang="en-US" dirty="0"/>
-              <a:t>record has 12 KPI value</a:t>
-            </a:r>
-            <a:r>
-              <a:rPr lang="en-US" dirty="0" smtClean="0"/>
-              <a:t>.</a:t>
-            </a:r>
-            <a:endParaRPr lang="en-US" dirty="0"/>
-          </a:p>
-          <a:p>
-            <a:pPr marL="411480" lvl="2" indent="0">
-              <a:buNone/>
-            </a:pPr>
-            <a:r>
-              <a:rPr lang="en-US" dirty="0" smtClean="0"/>
-              <a:t>	Cost 35, 67, 100,  134, 168, 201,235, 302, 339,  seconds</a:t>
-            </a:r>
-            <a:endParaRPr lang="en-US" dirty="0"/>
-          </a:p>
-          <a:p>
-            <a:pPr marL="0" indent="0">
-              <a:buNone/>
-            </a:pPr>
-            <a:r>
-              <a:rPr lang="en-US" dirty="0" smtClean="0"/>
-              <a:t>It seems the Neo4J is working in serial, 10000 KPIs cost 30 seconds. </a:t>
-            </a:r>
-          </a:p>
-          <a:p>
-            <a:pPr marL="0" indent="0">
-              <a:buNone/>
-            </a:pPr>
-            <a:r>
-              <a:rPr lang="en-US" dirty="0" smtClean="0"/>
-              <a:t>Note: 1) During the test, the CPU loading is less than 50% and there is still lots free memory. Also query in the Neo4J console is  fast. 2) Need study the configuration of Neo4J.</a:t>
-            </a:r>
-          </a:p>
-          <a:p>
-            <a:endParaRPr lang="en-US" dirty="0"/>
-          </a:p>
-        </p:txBody>
-      </p:sp>
-      <p:sp>
-        <p:nvSpPr>
-          <p:cNvPr id="4" name="Slide Number Placeholder 3"/>
-          <p:cNvSpPr>
-            <a:spLocks noGrp="1"/>
-          </p:cNvSpPr>
-          <p:nvPr>
-            <p:ph type="sldNum" sz="quarter" idx="12"/>
-          </p:nvPr>
-        </p:nvSpPr>
-        <p:spPr/>
-        <p:txBody>
-          <a:bodyPr/>
-          <a:lstStyle/>
-          <a:p>
-            <a:fld id="{B016F8AB-BCEA-4347-8BA6-BE776009BC89}" type="slidenum">
-              <a:rPr lang="en-US" smtClean="0"/>
-              <a:pPr/>
-              <a:t>21</a:t>
-            </a:fld>
-            <a:endParaRPr lang="en-US"/>
-          </a:p>
-        </p:txBody>
-      </p:sp>
-    </p:spTree>
-    <p:extLst>
-      <p:ext uri="{BB962C8B-B14F-4D97-AF65-F5344CB8AC3E}">
-        <p14:creationId xmlns:p14="http://schemas.microsoft.com/office/powerpoint/2010/main" val="1122157117"/>
-      </p:ext>
-    </p:extLst>
-  </p:cSld>
-  <p:clrMapOvr>
-    <a:masterClrMapping/>
-  </p:clrMapOvr>
-  <mc:AlternateContent xmlns:mc="http://schemas.openxmlformats.org/markup-compatibility/2006" xmlns:p14="http://schemas.microsoft.com/office/powerpoint/2010/main">
-    <mc:Choice Requires="p14">
-      <p:transition spd="med" p14:dur="700">
-        <p:fade/>
-      </p:transition>
-    </mc:Choice>
-    <mc:Fallback xmlns="">
-      <p:transition spd="med">
-        <p:fade/>
-      </p:transition>
-    </mc:Fallback>
-  </mc:AlternateContent>
-</p:sld>
-</file>
-
 <file path=ppt/slides/slide22.xml><?xml version="1.0" encoding="utf-8"?>
 <p:sld xmlns:a="http://schemas.openxmlformats.org/drawingml/2006/main" xmlns:r="http://schemas.openxmlformats.org/officeDocument/2006/relationships" xmlns:p="http://schemas.openxmlformats.org/presentationml/2006/main">
   <p:cSld>
@@ -45614,7 +46779,7 @@
           <a:p>
             <a:r>
               <a:rPr lang="en-US" dirty="0" smtClean="0"/>
-              <a:t>MPM with NFVD</a:t>
+              <a:t>CSV Collector Performance Test</a:t>
             </a:r>
             <a:endParaRPr lang="en-US" dirty="0"/>
           </a:p>
@@ -45630,44 +46795,120 @@
             <p:ph idx="1"/>
           </p:nvPr>
         </p:nvSpPr>
-        <p:spPr>
-          <a:xfrm>
-            <a:off x="609600" y="1524001"/>
-            <a:ext cx="10969784" cy="1447800"/>
-          </a:xfrm>
-        </p:spPr>
+        <p:spPr/>
         <p:txBody>
           <a:bodyPr/>
           <a:lstStyle/>
           <a:p>
-            <a:pPr>
-              <a:buFontTx/>
-              <a:buChar char="-"/>
+            <a:r>
+              <a:rPr lang="en-US" dirty="0" smtClean="0"/>
+              <a:t>Test environment: </a:t>
+            </a:r>
+          </a:p>
+          <a:p>
+            <a:pPr lvl="1"/>
+            <a:r>
+              <a:rPr lang="en-US" dirty="0" err="1" smtClean="0"/>
+              <a:t>zbook</a:t>
+            </a:r>
+            <a:r>
+              <a:rPr lang="en-US" dirty="0" smtClean="0"/>
+              <a:t> 15,  8 CPU (i7-4800) ,Memory 32G, OS: windows 7; </a:t>
+            </a:r>
+          </a:p>
+          <a:p>
+            <a:pPr lvl="1"/>
+            <a:r>
+              <a:rPr lang="en-US" dirty="0" smtClean="0"/>
+              <a:t>Neo4J 2.3.1 community version with default setting</a:t>
+            </a:r>
+          </a:p>
+          <a:p>
+            <a:pPr lvl="1"/>
+            <a:r>
+              <a:rPr lang="en-US" dirty="0" err="1" smtClean="0"/>
+              <a:t>NodeJS</a:t>
+            </a:r>
+            <a:r>
+              <a:rPr lang="en-US" dirty="0" smtClean="0"/>
+              <a:t> v5.2.0</a:t>
+            </a:r>
+          </a:p>
+          <a:p>
+            <a:endParaRPr lang="en-US" dirty="0"/>
+          </a:p>
+          <a:p>
+            <a:r>
+              <a:rPr lang="en-US" dirty="0" smtClean="0"/>
+              <a:t>Test 1, simulate one csv file with  10BSC, each BSC has 100 BTS, total 10000 records , each record has 12 KPI value.</a:t>
+            </a:r>
+          </a:p>
+          <a:p>
+            <a:pPr marL="0" indent="0">
+              <a:buNone/>
             </a:pPr>
             <a:r>
+              <a:rPr lang="en-US" dirty="0"/>
+              <a:t>	</a:t>
+            </a:r>
+            <a:r>
+              <a:rPr lang="en-US" sz="1400" dirty="0"/>
+              <a:t>Cost 328 </a:t>
+            </a:r>
+            <a:r>
+              <a:rPr lang="en-US" sz="1400" dirty="0" smtClean="0"/>
+              <a:t>seconds</a:t>
+            </a:r>
+            <a:endParaRPr lang="en-US" sz="1400" dirty="0"/>
+          </a:p>
+          <a:p>
+            <a:r>
+              <a:rPr lang="en-US" dirty="0"/>
+              <a:t>Test </a:t>
+            </a:r>
+            <a:r>
               <a:rPr lang="en-US" dirty="0" smtClean="0"/>
-              <a:t>NFVD self monitor</a:t>
-            </a:r>
-          </a:p>
-          <a:p>
-            <a:pPr>
-              <a:buFontTx/>
-              <a:buChar char="-"/>
+              <a:t>2 simulate 10 csv files, each file has 1BSC 100 BTS 1000 records, each </a:t>
+            </a:r>
+            <a:r>
+              <a:rPr lang="en-US" dirty="0"/>
+              <a:t>record has 12 KPI value</a:t>
+            </a:r>
+            <a:r>
+              <a:rPr lang="en-US" dirty="0" smtClean="0"/>
+              <a:t>.</a:t>
+            </a:r>
+            <a:endParaRPr lang="en-US" dirty="0"/>
+          </a:p>
+          <a:p>
+            <a:pPr marL="411480" lvl="2" indent="0">
+              <a:buNone/>
             </a:pPr>
             <a:r>
               <a:rPr lang="en-US" dirty="0" smtClean="0"/>
-              <a:t>VDC/VAPP Service monitor</a:t>
-            </a:r>
-          </a:p>
-          <a:p>
-            <a:pPr>
-              <a:buFontTx/>
-              <a:buChar char="-"/>
+              <a:t>	Cost 35, 67, 100,  134, 168, 201,235, 302, 339,  seconds</a:t>
+            </a:r>
+            <a:endParaRPr lang="en-US" dirty="0"/>
+          </a:p>
+          <a:p>
+            <a:pPr marL="0" indent="0">
+              <a:buNone/>
             </a:pPr>
             <a:r>
               <a:rPr lang="en-US" dirty="0" smtClean="0"/>
-              <a:t>Resource Monitor</a:t>
-            </a:r>
+              <a:t>It seems the Neo4J is working in serial, 10000 KPIs cost 30 seconds. </a:t>
+            </a:r>
+          </a:p>
+          <a:p>
+            <a:pPr marL="0" indent="0">
+              <a:buNone/>
+            </a:pPr>
+            <a:r>
+              <a:rPr lang="en-US" dirty="0" smtClean="0"/>
+              <a:t>Note: 1) During the test, the CPU loading is less than 50% and there is still lots free memory. Also query in the Neo4J console is  fast. 2) Need study the configuration of Neo4J.</a:t>
+            </a:r>
+          </a:p>
+          <a:p>
             <a:endParaRPr lang="en-US" dirty="0"/>
           </a:p>
         </p:txBody>
@@ -45696,34 +46937,10 @@
           </a:p>
         </p:txBody>
       </p:sp>
-      <p:pic>
-        <p:nvPicPr>
-          <p:cNvPr id="5" name="Picture 4"/>
-          <p:cNvPicPr>
-            <a:picLocks noChangeAspect="1"/>
-          </p:cNvPicPr>
-          <p:nvPr/>
-        </p:nvPicPr>
-        <p:blipFill>
-          <a:blip r:embed="rId2"/>
-          <a:stretch>
-            <a:fillRect/>
-          </a:stretch>
-        </p:blipFill>
-        <p:spPr>
-          <a:xfrm>
-            <a:off x="659858" y="3200400"/>
-            <a:ext cx="10412790" cy="2663082"/>
-          </a:xfrm>
-          <a:prstGeom prst="rect">
-            <a:avLst/>
-          </a:prstGeom>
-        </p:spPr>
-      </p:pic>
     </p:spTree>
     <p:extLst>
       <p:ext uri="{BB962C8B-B14F-4D97-AF65-F5344CB8AC3E}">
-        <p14:creationId xmlns:p14="http://schemas.microsoft.com/office/powerpoint/2010/main" val="2081259618"/>
+        <p14:creationId xmlns:p14="http://schemas.microsoft.com/office/powerpoint/2010/main" val="1122157117"/>
       </p:ext>
     </p:extLst>
   </p:cSld>
@@ -45779,7 +46996,7 @@
           <a:p>
             <a:r>
               <a:rPr lang="en-US" dirty="0" smtClean="0"/>
-              <a:t>Next Step</a:t>
+              <a:t>MPM with NFVD</a:t>
             </a:r>
             <a:endParaRPr lang="en-US" dirty="0"/>
           </a:p>
@@ -45795,65 +47012,45 @@
             <p:ph idx="1"/>
           </p:nvPr>
         </p:nvSpPr>
-        <p:spPr/>
+        <p:spPr>
+          <a:xfrm>
+            <a:off x="609600" y="1524001"/>
+            <a:ext cx="10969784" cy="1447800"/>
+          </a:xfrm>
+        </p:spPr>
         <p:txBody>
           <a:bodyPr/>
           <a:lstStyle/>
           <a:p>
+            <a:pPr>
+              <a:buFontTx/>
+              <a:buChar char="-"/>
+            </a:pPr>
             <a:r>
               <a:rPr lang="en-US" dirty="0" smtClean="0"/>
-              <a:t>Still lots work to make it a real application</a:t>
-            </a:r>
-          </a:p>
-          <a:p>
-            <a:pPr lvl="1">
-              <a:buFont typeface="Wingdings" panose="05000000000000000000" pitchFamily="2" charset="2"/>
-              <a:buChar char="Ø"/>
+              <a:t>NFVD self monitor</a:t>
+            </a:r>
+          </a:p>
+          <a:p>
+            <a:pPr>
+              <a:buFontTx/>
+              <a:buChar char="-"/>
             </a:pPr>
             <a:r>
               <a:rPr lang="en-US" dirty="0" smtClean="0"/>
-              <a:t>Job Management Module</a:t>
-            </a:r>
-          </a:p>
-          <a:p>
-            <a:pPr lvl="1">
-              <a:buFont typeface="Wingdings" panose="05000000000000000000" pitchFamily="2" charset="2"/>
-              <a:buChar char="Ø"/>
+              <a:t>VDC/VAPP Service monitor</a:t>
+            </a:r>
+          </a:p>
+          <a:p>
+            <a:pPr>
+              <a:buFontTx/>
+              <a:buChar char="-"/>
             </a:pPr>
             <a:r>
               <a:rPr lang="en-US" dirty="0" smtClean="0"/>
-              <a:t>Product level GUI</a:t>
-            </a:r>
-          </a:p>
-          <a:p>
-            <a:pPr lvl="1">
-              <a:buFont typeface="Wingdings" panose="05000000000000000000" pitchFamily="2" charset="2"/>
-              <a:buChar char="Ø"/>
-            </a:pPr>
-            <a:r>
-              <a:rPr lang="en-US" dirty="0" smtClean="0"/>
-              <a:t>Algorithm optimize</a:t>
-            </a:r>
-          </a:p>
-          <a:p>
-            <a:pPr lvl="1">
-              <a:buFont typeface="Wingdings" panose="05000000000000000000" pitchFamily="2" charset="2"/>
-              <a:buChar char="Ø"/>
-            </a:pPr>
-            <a:r>
-              <a:rPr lang="en-US" dirty="0" smtClean="0"/>
-              <a:t>Retention</a:t>
-            </a:r>
-          </a:p>
-          <a:p>
-            <a:pPr lvl="1">
-              <a:buFont typeface="Wingdings" panose="05000000000000000000" pitchFamily="2" charset="2"/>
-              <a:buChar char="Ø"/>
-            </a:pPr>
-            <a:r>
-              <a:rPr lang="en-US" dirty="0" smtClean="0"/>
-              <a:t>Log System</a:t>
-            </a:r>
+              <a:t>Resource Monitor</a:t>
+            </a:r>
+            <a:endParaRPr lang="en-US" dirty="0"/>
           </a:p>
         </p:txBody>
       </p:sp>
@@ -45881,10 +47078,34 @@
           </a:p>
         </p:txBody>
       </p:sp>
+      <p:pic>
+        <p:nvPicPr>
+          <p:cNvPr id="5" name="Picture 4"/>
+          <p:cNvPicPr>
+            <a:picLocks noChangeAspect="1"/>
+          </p:cNvPicPr>
+          <p:nvPr/>
+        </p:nvPicPr>
+        <p:blipFill>
+          <a:blip r:embed="rId2"/>
+          <a:stretch>
+            <a:fillRect/>
+          </a:stretch>
+        </p:blipFill>
+        <p:spPr>
+          <a:xfrm>
+            <a:off x="659858" y="3200400"/>
+            <a:ext cx="10412790" cy="2663082"/>
+          </a:xfrm>
+          <a:prstGeom prst="rect">
+            <a:avLst/>
+          </a:prstGeom>
+        </p:spPr>
+      </p:pic>
     </p:spTree>
     <p:extLst>
       <p:ext uri="{BB962C8B-B14F-4D97-AF65-F5344CB8AC3E}">
-        <p14:creationId xmlns:p14="http://schemas.microsoft.com/office/powerpoint/2010/main" val="3738965273"/>
+        <p14:creationId xmlns:p14="http://schemas.microsoft.com/office/powerpoint/2010/main" val="2081259618"/>
       </p:ext>
     </p:extLst>
   </p:cSld>
@@ -45940,7 +47161,7 @@
           <a:p>
             <a:r>
               <a:rPr lang="en-US" dirty="0" smtClean="0"/>
-              <a:t>more</a:t>
+              <a:t>Next Step</a:t>
             </a:r>
             <a:endParaRPr lang="en-US" dirty="0"/>
           </a:p>
@@ -45962,26 +47183,8 @@
           <a:lstStyle/>
           <a:p>
             <a:r>
-              <a:rPr lang="en-US" sz="1600" dirty="0"/>
-              <a:t>Due to limit of V8(</a:t>
-            </a:r>
-            <a:r>
-              <a:rPr lang="en-US" sz="1600" dirty="0" err="1"/>
-              <a:t>NodeJS</a:t>
-            </a:r>
-            <a:r>
-              <a:rPr lang="en-US" sz="1600" dirty="0"/>
-              <a:t>) to deal with huge data, it has to split the collector into several collectors work parallel, these collector can run in a distribution environment</a:t>
-            </a:r>
-          </a:p>
-          <a:p>
-            <a:r>
-              <a:rPr lang="en-US" sz="1600" dirty="0" smtClean="0"/>
-              <a:t>Jobs </a:t>
-            </a:r>
-            <a:r>
-              <a:rPr lang="en-US" sz="1600" dirty="0"/>
-              <a:t>are executed by scheduler. The jobs are:</a:t>
+              <a:rPr lang="en-US" dirty="0" smtClean="0"/>
+              <a:t>Still lots work to make it a real application</a:t>
             </a:r>
           </a:p>
           <a:p>
@@ -45990,8 +47193,8 @@
               <a:buChar char="Ø"/>
             </a:pPr>
             <a:r>
-              <a:rPr lang="en-US" sz="1400" dirty="0"/>
-              <a:t>Calculate/Get KPIs  have thresholds</a:t>
+              <a:rPr lang="en-US" dirty="0" smtClean="0"/>
+              <a:t>Job Management Module</a:t>
             </a:r>
           </a:p>
           <a:p>
@@ -46000,8 +47203,8 @@
               <a:buChar char="Ø"/>
             </a:pPr>
             <a:r>
-              <a:rPr lang="en-US" sz="1400" dirty="0"/>
-              <a:t>Trigger the actions if thresholds are broken</a:t>
+              <a:rPr lang="en-US" dirty="0" smtClean="0"/>
+              <a:t>Product level GUI</a:t>
             </a:r>
           </a:p>
           <a:p>
@@ -46010,22 +47213,29 @@
               <a:buChar char="Ø"/>
             </a:pPr>
             <a:r>
-              <a:rPr lang="en-US" sz="1400" dirty="0"/>
-              <a:t>Data retention</a:t>
-            </a:r>
-          </a:p>
-          <a:p>
-            <a:r>
-              <a:rPr lang="en-US" sz="1600" dirty="0"/>
-              <a:t>Retention, it’s could calculate the history KPI values (for all types of KPI) into an achieve DB.</a:t>
-            </a:r>
-          </a:p>
-          <a:p>
-            <a:r>
-              <a:rPr lang="en-US" sz="1600" dirty="0"/>
-              <a:t>Report Packs are not developed in the prototype. UOC or other tools like Pentaho can be used to develop reports. KPI engine will provide APIs to query KPI values</a:t>
-            </a:r>
-            <a:endParaRPr lang="en-US" b="1" dirty="0"/>
+              <a:rPr lang="en-US" dirty="0" smtClean="0"/>
+              <a:t>Algorithm optimize</a:t>
+            </a:r>
+          </a:p>
+          <a:p>
+            <a:pPr lvl="1">
+              <a:buFont typeface="Wingdings" panose="05000000000000000000" pitchFamily="2" charset="2"/>
+              <a:buChar char="Ø"/>
+            </a:pPr>
+            <a:r>
+              <a:rPr lang="en-US" dirty="0" smtClean="0"/>
+              <a:t>Retention</a:t>
+            </a:r>
+          </a:p>
+          <a:p>
+            <a:pPr lvl="1">
+              <a:buFont typeface="Wingdings" panose="05000000000000000000" pitchFamily="2" charset="2"/>
+              <a:buChar char="Ø"/>
+            </a:pPr>
+            <a:r>
+              <a:rPr lang="en-US" dirty="0" smtClean="0"/>
+              <a:t>Log System</a:t>
+            </a:r>
           </a:p>
         </p:txBody>
       </p:sp>
@@ -46048,6 +47258,178 @@
               <a:rPr lang="en-US" smtClean="0"/>
               <a:pPr/>
               <a:t>24</a:t>
+            </a:fld>
+            <a:endParaRPr lang="en-US"/>
+          </a:p>
+        </p:txBody>
+      </p:sp>
+    </p:spTree>
+    <p:extLst>
+      <p:ext uri="{BB962C8B-B14F-4D97-AF65-F5344CB8AC3E}">
+        <p14:creationId xmlns:p14="http://schemas.microsoft.com/office/powerpoint/2010/main" val="3738965273"/>
+      </p:ext>
+    </p:extLst>
+  </p:cSld>
+  <p:clrMapOvr>
+    <a:masterClrMapping/>
+  </p:clrMapOvr>
+  <mc:AlternateContent xmlns:mc="http://schemas.openxmlformats.org/markup-compatibility/2006" xmlns:p14="http://schemas.microsoft.com/office/powerpoint/2010/main">
+    <mc:Choice Requires="p14">
+      <p:transition spd="med" p14:dur="700">
+        <p:fade/>
+      </p:transition>
+    </mc:Choice>
+    <mc:Fallback xmlns="">
+      <p:transition spd="med">
+        <p:fade/>
+      </p:transition>
+    </mc:Fallback>
+  </mc:AlternateContent>
+</p:sld>
+</file>
+
+<file path=ppt/slides/slide25.xml><?xml version="1.0" encoding="utf-8"?>
+<p:sld xmlns:a="http://schemas.openxmlformats.org/drawingml/2006/main" xmlns:r="http://schemas.openxmlformats.org/officeDocument/2006/relationships" xmlns:p="http://schemas.openxmlformats.org/presentationml/2006/main">
+  <p:cSld>
+    <p:spTree>
+      <p:nvGrpSpPr>
+        <p:cNvPr id="1" name=""/>
+        <p:cNvGrpSpPr/>
+        <p:nvPr/>
+      </p:nvGrpSpPr>
+      <p:grpSpPr>
+        <a:xfrm>
+          <a:off x="0" y="0"/>
+          <a:ext cx="0" cy="0"/>
+          <a:chOff x="0" y="0"/>
+          <a:chExt cx="0" cy="0"/>
+        </a:xfrm>
+      </p:grpSpPr>
+      <p:sp>
+        <p:nvSpPr>
+          <p:cNvPr id="2" name="Title 1"/>
+          <p:cNvSpPr>
+            <a:spLocks noGrp="1"/>
+          </p:cNvSpPr>
+          <p:nvPr>
+            <p:ph type="title"/>
+          </p:nvPr>
+        </p:nvSpPr>
+        <p:spPr/>
+        <p:txBody>
+          <a:bodyPr/>
+          <a:lstStyle/>
+          <a:p>
+            <a:r>
+              <a:rPr lang="en-US" dirty="0" smtClean="0"/>
+              <a:t>more</a:t>
+            </a:r>
+            <a:endParaRPr lang="en-US" dirty="0"/>
+          </a:p>
+        </p:txBody>
+      </p:sp>
+      <p:sp>
+        <p:nvSpPr>
+          <p:cNvPr id="3" name="Content Placeholder 2"/>
+          <p:cNvSpPr>
+            <a:spLocks noGrp="1"/>
+          </p:cNvSpPr>
+          <p:nvPr>
+            <p:ph idx="1"/>
+          </p:nvPr>
+        </p:nvSpPr>
+        <p:spPr/>
+        <p:txBody>
+          <a:bodyPr/>
+          <a:lstStyle/>
+          <a:p>
+            <a:r>
+              <a:rPr lang="en-US" sz="1600" dirty="0"/>
+              <a:t>Due to limit of V8(</a:t>
+            </a:r>
+            <a:r>
+              <a:rPr lang="en-US" sz="1600" dirty="0" err="1"/>
+              <a:t>NodeJS</a:t>
+            </a:r>
+            <a:r>
+              <a:rPr lang="en-US" sz="1600" dirty="0"/>
+              <a:t>) to deal with huge data, it has to split the collector into several collectors work parallel, these collector can run in a distribution environment</a:t>
+            </a:r>
+          </a:p>
+          <a:p>
+            <a:r>
+              <a:rPr lang="en-US" sz="1600" dirty="0" smtClean="0"/>
+              <a:t>Jobs </a:t>
+            </a:r>
+            <a:r>
+              <a:rPr lang="en-US" sz="1600" dirty="0"/>
+              <a:t>are executed by scheduler. The jobs are:</a:t>
+            </a:r>
+          </a:p>
+          <a:p>
+            <a:pPr lvl="1">
+              <a:buFont typeface="Wingdings" panose="05000000000000000000" pitchFamily="2" charset="2"/>
+              <a:buChar char="Ø"/>
+            </a:pPr>
+            <a:r>
+              <a:rPr lang="en-US" sz="1400" dirty="0"/>
+              <a:t>Calculate/Get KPIs  have thresholds</a:t>
+            </a:r>
+          </a:p>
+          <a:p>
+            <a:pPr lvl="1">
+              <a:buFont typeface="Wingdings" panose="05000000000000000000" pitchFamily="2" charset="2"/>
+              <a:buChar char="Ø"/>
+            </a:pPr>
+            <a:r>
+              <a:rPr lang="en-US" sz="1400" dirty="0"/>
+              <a:t>Trigger the actions if thresholds are broken</a:t>
+            </a:r>
+          </a:p>
+          <a:p>
+            <a:pPr lvl="1">
+              <a:buFont typeface="Wingdings" panose="05000000000000000000" pitchFamily="2" charset="2"/>
+              <a:buChar char="Ø"/>
+            </a:pPr>
+            <a:r>
+              <a:rPr lang="en-US" sz="1400" dirty="0"/>
+              <a:t>Data retention</a:t>
+            </a:r>
+          </a:p>
+          <a:p>
+            <a:r>
+              <a:rPr lang="en-US" sz="1600" dirty="0"/>
+              <a:t>Retention, it’s could calculate the history KPI values (for all types of KPI) into an achieve DB.</a:t>
+            </a:r>
+          </a:p>
+          <a:p>
+            <a:r>
+              <a:rPr lang="en-US" sz="1600" dirty="0"/>
+              <a:t>Report Packs are not developed in the prototype. UOC or other tools like Pentaho can be used to develop reports. KPI engine will provide APIs to query KPI values</a:t>
+            </a:r>
+            <a:endParaRPr lang="en-US" b="1" dirty="0"/>
+          </a:p>
+        </p:txBody>
+      </p:sp>
+      <p:sp>
+        <p:nvSpPr>
+          <p:cNvPr id="4" name="Slide Number Placeholder 3"/>
+          <p:cNvSpPr>
+            <a:spLocks noGrp="1"/>
+          </p:cNvSpPr>
+          <p:nvPr>
+            <p:ph type="sldNum" sz="quarter" idx="12"/>
+          </p:nvPr>
+        </p:nvSpPr>
+        <p:spPr/>
+        <p:txBody>
+          <a:bodyPr/>
+          <a:lstStyle/>
+          <a:p>
+            <a:fld id="{B016F8AB-BCEA-4347-8BA6-BE776009BC89}" type="slidenum">
+              <a:rPr lang="en-US" smtClean="0"/>
+              <a:pPr/>
+              <a:t>25</a:t>
             </a:fld>
             <a:endParaRPr lang="en-US"/>
           </a:p>

--- a/doc/OSSP V2.pptx
+++ b/doc/OSSP V2.pptx
@@ -41044,19 +41044,19 @@
           <a:p>
             <a:r>
               <a:rPr lang="en-US" dirty="0" smtClean="0"/>
-              <a:t>If the collector will register KPI into the DB, it shall get the KPI ID from OSSP console by REST interface.</a:t>
-            </a:r>
+              <a:t>OSSP Console provide a REST API to register </a:t>
+            </a:r>
+            <a:r>
+              <a:rPr lang="en-US" smtClean="0"/>
+              <a:t>new KPI.</a:t>
+            </a:r>
+            <a:endParaRPr lang="en-US" dirty="0" smtClean="0"/>
           </a:p>
           <a:p>
             <a:r>
               <a:rPr lang="en-US" dirty="0" smtClean="0"/>
-              <a:t>Different type collectors can share one REST server, while same type collector must running in different </a:t>
-            </a:r>
-            <a:r>
-              <a:rPr lang="en-US" smtClean="0"/>
-              <a:t>REST servers</a:t>
-            </a:r>
-            <a:endParaRPr lang="en-US" dirty="0" smtClean="0"/>
+              <a:t>Different type collectors can share one REST server, while same type collector must running in different REST servers</a:t>
+            </a:r>
           </a:p>
           <a:p>
             <a:endParaRPr lang="en-US" dirty="0" smtClean="0"/>

--- a/doc/OSSP V2.pptx
+++ b/doc/OSSP V2.pptx
@@ -284,7 +284,7 @@
           <a:p>
             <a:fld id="{3CA61830-C416-483F-955E-54203C65B711}" type="datetimeFigureOut">
               <a:rPr lang="en-US"/>
-              <a:t>2/7/2016</a:t>
+              <a:t>2/8/2016</a:t>
             </a:fld>
             <a:endParaRPr/>
           </a:p>
@@ -6134,7 +6134,7 @@
           <a:p>
             <a:fld id="{EFA54ACD-BEB7-4258-A5F3-653792456C00}" type="datetime4">
               <a:rPr lang="en-US" smtClean="0"/>
-              <a:t>February 7, 2016</a:t>
+              <a:t>February 8, 2016</a:t>
             </a:fld>
             <a:endParaRPr/>
           </a:p>
@@ -8630,7 +8630,7 @@
           <a:p>
             <a:fld id="{2399C1EB-F401-4F7B-BD9C-AAA165C9F3D7}" type="datetime4">
               <a:rPr lang="en-US" smtClean="0"/>
-              <a:t>February 7, 2016</a:t>
+              <a:t>February 8, 2016</a:t>
             </a:fld>
             <a:endParaRPr/>
           </a:p>
@@ -8823,7 +8823,7 @@
           <a:p>
             <a:fld id="{ECF1CC87-9C4B-4D13-B529-5EAF641302E2}" type="datetime4">
               <a:rPr lang="en-US" smtClean="0"/>
-              <a:t>February 7, 2016</a:t>
+              <a:t>February 8, 2016</a:t>
             </a:fld>
             <a:endParaRPr/>
           </a:p>
@@ -9125,7 +9125,7 @@
           <a:p>
             <a:fld id="{AEFA413A-E630-4377-B30C-3545E98CC867}" type="datetime4">
               <a:rPr lang="en-US" smtClean="0"/>
-              <a:t>February 7, 2016</a:t>
+              <a:t>February 8, 2016</a:t>
             </a:fld>
             <a:endParaRPr/>
           </a:p>
@@ -9513,7 +9513,7 @@
           <a:p>
             <a:fld id="{2D33DC54-2A66-493A-80B5-8303FBA5D0AD}" type="datetime4">
               <a:rPr lang="en-US" smtClean="0"/>
-              <a:t>February 7, 2016</a:t>
+              <a:t>February 8, 2016</a:t>
             </a:fld>
             <a:endParaRPr/>
           </a:p>
@@ -9657,7 +9657,7 @@
           <a:p>
             <a:fld id="{26B45FFC-9EEF-4E69-85F5-C8F54747804D}" type="datetime4">
               <a:rPr lang="en-US" smtClean="0"/>
-              <a:t>February 7, 2016</a:t>
+              <a:t>February 8, 2016</a:t>
             </a:fld>
             <a:endParaRPr/>
           </a:p>
@@ -9900,7 +9900,7 @@
           <a:p>
             <a:fld id="{684E3265-88A3-4C30-AE11-BFDF645909E9}" type="datetime4">
               <a:rPr lang="en-US" smtClean="0"/>
-              <a:t>February 7, 2016</a:t>
+              <a:t>February 8, 2016</a:t>
             </a:fld>
             <a:endParaRPr/>
           </a:p>
@@ -10018,7 +10018,7 @@
           <a:p>
             <a:fld id="{E9F763D2-AF56-4C60-80C7-7D8FC051005C}" type="datetime4">
               <a:rPr lang="en-US" smtClean="0"/>
-              <a:t>February 7, 2016</a:t>
+              <a:t>February 8, 2016</a:t>
             </a:fld>
             <a:endParaRPr/>
           </a:p>
@@ -10345,7 +10345,7 @@
           <a:p>
             <a:fld id="{905039DC-98B3-47E6-AD46-BA5B72AD8B4A}" type="datetime4">
               <a:rPr lang="en-US" smtClean="0"/>
-              <a:t>February 7, 2016</a:t>
+              <a:t>February 8, 2016</a:t>
             </a:fld>
             <a:endParaRPr/>
           </a:p>
@@ -10805,7 +10805,7 @@
           <a:p>
             <a:fld id="{A48AA38D-5CBD-4E44-A2EB-B3F38A5B8051}" type="datetime4">
               <a:rPr lang="en-US" smtClean="0"/>
-              <a:t>February 7, 2016</a:t>
+              <a:t>February 8, 2016</a:t>
             </a:fld>
             <a:endParaRPr/>
           </a:p>
@@ -13856,7 +13856,7 @@
           <a:p>
             <a:fld id="{8F030E74-B79E-47A7-AA1C-BA3D00CC0B4A}" type="datetime4">
               <a:rPr lang="en-US" smtClean="0"/>
-              <a:t>February 7, 2016</a:t>
+              <a:t>February 8, 2016</a:t>
             </a:fld>
             <a:endParaRPr/>
           </a:p>
@@ -14267,7 +14267,7 @@
           <a:p>
             <a:fld id="{00FDD7F1-9FB6-4CB9-BA1F-25B205B879F3}" type="datetime4">
               <a:rPr lang="en-US" smtClean="0"/>
-              <a:t>February 7, 2016</a:t>
+              <a:t>February 8, 2016</a:t>
             </a:fld>
             <a:endParaRPr/>
           </a:p>
@@ -14888,7 +14888,7 @@
           <a:p>
             <a:fld id="{027D5831-B468-414C-94B5-F04EB43FC0AE}" type="datetime4">
               <a:rPr lang="en-US" smtClean="0"/>
-              <a:t>February 7, 2016</a:t>
+              <a:t>February 8, 2016</a:t>
             </a:fld>
             <a:endParaRPr/>
           </a:p>
@@ -15607,7 +15607,7 @@
           <a:p>
             <a:fld id="{727A18C6-3F10-4266-96C9-5D014F3025B2}" type="datetime4">
               <a:rPr lang="en-US" smtClean="0"/>
-              <a:t>February 7, 2016</a:t>
+              <a:t>February 8, 2016</a:t>
             </a:fld>
             <a:endParaRPr/>
           </a:p>
@@ -15904,7 +15904,7 @@
           <a:p>
             <a:fld id="{A6CB1722-4B46-4353-B583-721651D61489}" type="datetime4">
               <a:rPr lang="en-US" smtClean="0"/>
-              <a:t>February 7, 2016</a:t>
+              <a:t>February 8, 2016</a:t>
             </a:fld>
             <a:endParaRPr/>
           </a:p>
@@ -16198,7 +16198,7 @@
           <a:p>
             <a:fld id="{8B8B1958-F972-48E2-B30C-3D9C71EE7ED1}" type="datetime4">
               <a:rPr lang="en-US" smtClean="0"/>
-              <a:t>February 7, 2016</a:t>
+              <a:t>February 8, 2016</a:t>
             </a:fld>
             <a:endParaRPr/>
           </a:p>
@@ -16471,7 +16471,7 @@
           <a:p>
             <a:fld id="{BF2CF142-9C82-4C83-9B6A-8077B879C1B8}" type="datetime4">
               <a:rPr lang="en-US" smtClean="0"/>
-              <a:t>February 7, 2016</a:t>
+              <a:t>February 8, 2016</a:t>
             </a:fld>
             <a:endParaRPr/>
           </a:p>
@@ -16758,7 +16758,7 @@
           <a:p>
             <a:fld id="{9C259EE5-F25B-4563-AE58-6B042DD986DA}" type="datetime4">
               <a:rPr lang="en-US" smtClean="0"/>
-              <a:t>February 7, 2016</a:t>
+              <a:t>February 8, 2016</a:t>
             </a:fld>
             <a:endParaRPr/>
           </a:p>
@@ -17176,7 +17176,7 @@
           <a:p>
             <a:fld id="{F4CAB0D1-A256-4DFA-8583-35D5EE4CD0DF}" type="datetime4">
               <a:rPr lang="en-US" smtClean="0"/>
-              <a:t>February 7, 2016</a:t>
+              <a:t>February 8, 2016</a:t>
             </a:fld>
             <a:endParaRPr/>
           </a:p>
@@ -17736,7 +17736,7 @@
           <a:p>
             <a:fld id="{B0BBCA58-86AD-4F40-BF66-913A1183EE47}" type="datetime4">
               <a:rPr lang="en-US" smtClean="0"/>
-              <a:t>February 7, 2016</a:t>
+              <a:t>February 8, 2016</a:t>
             </a:fld>
             <a:endParaRPr/>
           </a:p>
@@ -22842,7 +22842,7 @@
           <a:p>
             <a:fld id="{FB395617-A7D9-4AE8-82B6-3D0A191CDCBE}" type="datetime4">
               <a:rPr lang="en-US" smtClean="0"/>
-              <a:t>February 7, 2016</a:t>
+              <a:t>February 8, 2016</a:t>
             </a:fld>
             <a:endParaRPr/>
           </a:p>
@@ -25424,7 +25424,7 @@
           <a:p>
             <a:fld id="{77C6BA28-E443-46F5-AE73-D543F89EF748}" type="datetime4">
               <a:rPr lang="en-US" smtClean="0"/>
-              <a:t>February 7, 2016</a:t>
+              <a:t>February 8, 2016</a:t>
             </a:fld>
             <a:endParaRPr/>
           </a:p>
@@ -25622,7 +25622,7 @@
           <a:p>
             <a:fld id="{1452EE1A-1BE0-474E-808D-00D5A7797660}" type="datetime4">
               <a:rPr lang="en-US" smtClean="0"/>
-              <a:t>February 7, 2016</a:t>
+              <a:t>February 8, 2016</a:t>
             </a:fld>
             <a:endParaRPr/>
           </a:p>
@@ -25891,7 +25891,7 @@
           <a:p>
             <a:fld id="{1D654495-4BF5-4727-99D4-DFD1D0597350}" type="datetime4">
               <a:rPr lang="en-US" smtClean="0"/>
-              <a:t>February 7, 2016</a:t>
+              <a:t>February 8, 2016</a:t>
             </a:fld>
             <a:endParaRPr/>
           </a:p>
@@ -26221,7 +26221,7 @@
           <a:p>
             <a:fld id="{74A90477-F864-462B-BF44-00D67B14D858}" type="datetime4">
               <a:rPr lang="en-US" smtClean="0"/>
-              <a:t>February 7, 2016</a:t>
+              <a:t>February 8, 2016</a:t>
             </a:fld>
             <a:endParaRPr/>
           </a:p>
@@ -26475,7 +26475,7 @@
           <a:p>
             <a:fld id="{16E08157-2DC9-4745-A7A9-7046A8583708}" type="datetime4">
               <a:rPr lang="en-US" smtClean="0"/>
-              <a:t>February 7, 2016</a:t>
+              <a:t>February 8, 2016</a:t>
             </a:fld>
             <a:endParaRPr/>
           </a:p>
@@ -29155,7 +29155,7 @@
           <a:p>
             <a:fld id="{FDD7D378-E709-4062-9715-39E79557A063}" type="datetime4">
               <a:rPr lang="en-US" smtClean="0"/>
-              <a:t>February 7, 2016</a:t>
+              <a:t>February 8, 2016</a:t>
             </a:fld>
             <a:endParaRPr/>
           </a:p>
@@ -34071,7 +34071,7 @@
           <a:p>
             <a:fld id="{C07C5E14-300D-4720-B5FE-54C7D96D4160}" type="datetime4">
               <a:rPr lang="en-US" smtClean="0"/>
-              <a:t>February 7, 2016</a:t>
+              <a:t>February 8, 2016</a:t>
             </a:fld>
             <a:endParaRPr/>
           </a:p>
@@ -36763,7 +36763,7 @@
           <a:p>
             <a:fld id="{BC7BE07D-E945-4DDF-8452-20009392BF2F}" type="datetime4">
               <a:rPr lang="en-US" smtClean="0"/>
-              <a:t>February 7, 2016</a:t>
+              <a:t>February 8, 2016</a:t>
             </a:fld>
             <a:endParaRPr/>
           </a:p>
@@ -37246,7 +37246,7 @@
           <a:p>
             <a:fld id="{65FD8143-BFA3-46F8-9B90-B0E5CFAF7F7C}" type="datetime4">
               <a:rPr lang="en-US" smtClean="0"/>
-              <a:t>February 7, 2016</a:t>
+              <a:t>February 8, 2016</a:t>
             </a:fld>
             <a:endParaRPr/>
           </a:p>
@@ -41202,21 +41202,13 @@
           <a:p>
             <a:r>
               <a:rPr lang="en-US" dirty="0" smtClean="0"/>
-              <a:t>Inventory data may come together with performance file or need another collector to collect from inventory system</a:t>
-            </a:r>
+              <a:t>Inventory data may come together with performance file or need another collector to collect from inventory system.</a:t>
+            </a:r>
+          </a:p>
+          <a:p>
             <a:r>
               <a:rPr lang="en-US" dirty="0" smtClean="0"/>
-              <a:t>.</a:t>
-            </a:r>
-          </a:p>
-          <a:p>
-            <a:r>
-              <a:rPr lang="en-US" dirty="0" smtClean="0"/>
-              <a:t>Nodes instances are injected using NEO4J merge while for the performance concerns</a:t>
-            </a:r>
-            <a:r>
-              <a:rPr lang="en-US" dirty="0" smtClean="0"/>
-              <a:t>, KPI instances are injected using NEE4J Create and the whole file will be committed</a:t>
+              <a:t>Nodes instances are injected using NEO4J merge while for the performance concerns, KPI instances are injected using NEE4J Create and the whole file will be committed</a:t>
             </a:r>
             <a:r>
               <a:rPr lang="en-US" dirty="0"/>
@@ -41226,7 +41218,6 @@
               <a:rPr lang="en-US" dirty="0" smtClean="0"/>
               <a:t>as a single transaction. The side effect of it is if there is one KPI instance is duplicated in the DB the whole KPIs in the file are rejected.</a:t>
             </a:r>
-            <a:endParaRPr lang="en-US" dirty="0" smtClean="0"/>
           </a:p>
           <a:p>
             <a:endParaRPr lang="en-US" dirty="0"/>
@@ -41781,11 +41772,7 @@
             <a:pPr lvl="1"/>
             <a:r>
               <a:rPr lang="en-US" dirty="0" smtClean="0"/>
-              <a:t>The </a:t>
-            </a:r>
-            <a:r>
-              <a:rPr lang="en-US" dirty="0" smtClean="0"/>
-              <a:t>KPI could be calculated or aggregated before ingestion.</a:t>
+              <a:t>The KPI could be calculated or aggregated before ingestion.</a:t>
             </a:r>
             <a:endParaRPr lang="en-US" dirty="0"/>
           </a:p>
@@ -43348,10 +43335,10 @@
                 <a:latin typeface="Consolas" panose="020B0609020204030204" pitchFamily="49" charset="0"/>
                 <a:cs typeface="Consolas" panose="020B0609020204030204" pitchFamily="49" charset="0"/>
               </a:rPr>
-              <a:t>"</a:t>
-            </a:r>
-            <a:r>
-              <a:rPr kumimoji="0" lang="en-US" altLang="en-US" sz="1000" b="1" i="0" u="none" strike="noStrike" cap="none" normalizeH="0" baseline="0" dirty="0" err="1" smtClean="0">
+              <a:t>"description</a:t>
+            </a:r>
+            <a:r>
+              <a:rPr kumimoji="0" lang="en-US" altLang="en-US" sz="1000" b="1" i="0" u="none" strike="noStrike" cap="none" normalizeH="0" baseline="0" dirty="0" smtClean="0">
                 <a:ln>
                   <a:noFill/>
                 </a:ln>
@@ -43362,10 +43349,10 @@
                 <a:latin typeface="Consolas" panose="020B0609020204030204" pitchFamily="49" charset="0"/>
                 <a:cs typeface="Consolas" panose="020B0609020204030204" pitchFamily="49" charset="0"/>
               </a:rPr>
-              <a:t>description"</a:t>
-            </a:r>
-            <a:r>
-              <a:rPr kumimoji="0" lang="en-US" altLang="en-US" sz="1000" b="0" i="0" u="none" strike="noStrike" cap="none" normalizeH="0" baseline="0" dirty="0" err="1" smtClean="0">
+              <a:t>"</a:t>
+            </a:r>
+            <a:r>
+              <a:rPr kumimoji="0" lang="en-US" altLang="en-US" sz="1000" b="0" i="0" u="none" strike="noStrike" cap="none" normalizeH="0" baseline="0" dirty="0" smtClean="0">
                 <a:ln>
                   <a:noFill/>
                 </a:ln>
@@ -43376,21 +43363,7 @@
                 <a:latin typeface="Consolas" panose="020B0609020204030204" pitchFamily="49" charset="0"/>
                 <a:cs typeface="Consolas" panose="020B0609020204030204" pitchFamily="49" charset="0"/>
               </a:rPr>
-              <a:t>:</a:t>
-            </a:r>
-            <a:r>
-              <a:rPr kumimoji="0" lang="en-US" altLang="en-US" sz="1000" b="1" i="0" u="none" strike="noStrike" cap="none" normalizeH="0" baseline="0" dirty="0" err="1" smtClean="0">
-                <a:ln>
-                  <a:noFill/>
-                </a:ln>
-                <a:solidFill>
-                  <a:srgbClr val="008000"/>
-                </a:solidFill>
-                <a:effectLst/>
-                <a:latin typeface="Consolas" panose="020B0609020204030204" pitchFamily="49" charset="0"/>
-                <a:cs typeface="Consolas" panose="020B0609020204030204" pitchFamily="49" charset="0"/>
-              </a:rPr>
-              <a:t>"Average</a:t>
+              <a:t>: </a:t>
             </a:r>
             <a:r>
               <a:rPr kumimoji="0" lang="en-US" altLang="en-US" sz="1000" b="1" i="0" u="none" strike="noStrike" cap="none" normalizeH="0" baseline="0" dirty="0" smtClean="0">
@@ -43404,7 +43377,21 @@
                 <a:latin typeface="Consolas" panose="020B0609020204030204" pitchFamily="49" charset="0"/>
                 <a:cs typeface="Consolas" panose="020B0609020204030204" pitchFamily="49" charset="0"/>
               </a:rPr>
-              <a:t> CPU Utilization in 5 minutes"</a:t>
+              <a:t>" Average </a:t>
+            </a:r>
+            <a:r>
+              <a:rPr kumimoji="0" lang="en-US" altLang="en-US" sz="1000" b="1" i="0" u="none" strike="noStrike" cap="none" normalizeH="0" baseline="0" dirty="0" smtClean="0">
+                <a:ln>
+                  <a:noFill/>
+                </a:ln>
+                <a:solidFill>
+                  <a:srgbClr val="008000"/>
+                </a:solidFill>
+                <a:effectLst/>
+                <a:latin typeface="Consolas" panose="020B0609020204030204" pitchFamily="49" charset="0"/>
+                <a:cs typeface="Consolas" panose="020B0609020204030204" pitchFamily="49" charset="0"/>
+              </a:rPr>
+              <a:t>CPU Utilization in 5 minutes"</a:t>
             </a:r>
             <a:r>
               <a:rPr kumimoji="0" lang="en-US" altLang="en-US" sz="1000" b="0" i="0" u="none" strike="noStrike" cap="none" normalizeH="0" baseline="0" dirty="0" smtClean="0">
@@ -43628,7 +43615,7 @@
       </p:sp>
       <p:pic>
         <p:nvPicPr>
-          <p:cNvPr id="7" name="Picture 6"/>
+          <p:cNvPr id="6" name="Picture 5"/>
           <p:cNvPicPr>
             <a:picLocks noChangeAspect="1"/>
           </p:cNvPicPr>
@@ -43642,14 +43629,177 @@
         </p:blipFill>
         <p:spPr>
           <a:xfrm>
-            <a:off x="1295400" y="3366607"/>
-            <a:ext cx="3810000" cy="2463800"/>
+            <a:off x="228600" y="3429000"/>
+            <a:ext cx="2450173" cy="1729534"/>
           </a:xfrm>
           <a:prstGeom prst="rect">
             <a:avLst/>
           </a:prstGeom>
+          <a:ln w="38100" cap="sq">
+            <a:solidFill>
+              <a:srgbClr val="000000"/>
+            </a:solidFill>
+            <a:prstDash val="solid"/>
+            <a:miter lim="800000"/>
+          </a:ln>
+          <a:effectLst>
+            <a:outerShdw blurRad="50800" dist="38100" dir="2700000" algn="tl" rotWithShape="0">
+              <a:srgbClr val="000000">
+                <a:alpha val="43000"/>
+              </a:srgbClr>
+            </a:outerShdw>
+          </a:effectLst>
         </p:spPr>
       </p:pic>
+      <p:pic>
+        <p:nvPicPr>
+          <p:cNvPr id="8" name="Picture 7"/>
+          <p:cNvPicPr>
+            <a:picLocks noChangeAspect="1"/>
+          </p:cNvPicPr>
+          <p:nvPr/>
+        </p:nvPicPr>
+        <p:blipFill>
+          <a:blip r:embed="rId3"/>
+          <a:stretch>
+            <a:fillRect/>
+          </a:stretch>
+        </p:blipFill>
+        <p:spPr>
+          <a:xfrm>
+            <a:off x="2416491" y="4187923"/>
+            <a:ext cx="4313831" cy="2493380"/>
+          </a:xfrm>
+          <a:prstGeom prst="rect">
+            <a:avLst/>
+          </a:prstGeom>
+          <a:ln w="38100" cap="sq">
+            <a:solidFill>
+              <a:srgbClr val="000000"/>
+            </a:solidFill>
+            <a:prstDash val="solid"/>
+            <a:miter lim="800000"/>
+          </a:ln>
+          <a:effectLst>
+            <a:outerShdw blurRad="50800" dist="38100" dir="2700000" algn="tl" rotWithShape="0">
+              <a:srgbClr val="000000">
+                <a:alpha val="43000"/>
+              </a:srgbClr>
+            </a:outerShdw>
+          </a:effectLst>
+        </p:spPr>
+      </p:pic>
+      <p:sp>
+        <p:nvSpPr>
+          <p:cNvPr id="10" name="Down Arrow 9"/>
+          <p:cNvSpPr/>
+          <p:nvPr/>
+        </p:nvSpPr>
+        <p:spPr bwMode="ltGray">
+          <a:xfrm rot="19507322">
+            <a:off x="2470223" y="4035523"/>
+            <a:ext cx="609600" cy="304800"/>
+          </a:xfrm>
+          <a:prstGeom prst="downArrow">
+            <a:avLst/>
+          </a:prstGeom>
+          <a:solidFill>
+            <a:schemeClr val="accent1"/>
+          </a:solidFill>
+          <a:ln w="19050">
+            <a:solidFill>
+              <a:schemeClr val="accent1"/>
+            </a:solidFill>
+          </a:ln>
+        </p:spPr>
+        <p:style>
+          <a:lnRef idx="2">
+            <a:schemeClr val="accent1">
+              <a:shade val="50000"/>
+            </a:schemeClr>
+          </a:lnRef>
+          <a:fillRef idx="1">
+            <a:schemeClr val="accent1"/>
+          </a:fillRef>
+          <a:effectRef idx="0">
+            <a:schemeClr val="accent1"/>
+          </a:effectRef>
+          <a:fontRef idx="minor">
+            <a:schemeClr val="lt1"/>
+          </a:fontRef>
+        </p:style>
+        <p:txBody>
+          <a:bodyPr rtlCol="0" anchor="ctr"/>
+          <a:lstStyle/>
+          <a:p>
+            <a:pPr algn="ctr">
+              <a:lnSpc>
+                <a:spcPct val="90000"/>
+              </a:lnSpc>
+            </a:pPr>
+            <a:endParaRPr lang="en-US" dirty="0" err="1" smtClean="0"/>
+          </a:p>
+        </p:txBody>
+      </p:sp>
+      <p:sp>
+        <p:nvSpPr>
+          <p:cNvPr id="11" name="TextBox 10"/>
+          <p:cNvSpPr txBox="1"/>
+          <p:nvPr/>
+        </p:nvSpPr>
+        <p:spPr>
+          <a:xfrm>
+            <a:off x="2898711" y="3732572"/>
+            <a:ext cx="2438400" cy="304800"/>
+          </a:xfrm>
+          <a:prstGeom prst="rect">
+            <a:avLst/>
+          </a:prstGeom>
+          <a:noFill/>
+        </p:spPr>
+        <p:txBody>
+          <a:bodyPr wrap="none" lIns="0" tIns="0" rIns="0" bIns="0" rtlCol="0">
+            <a:noAutofit/>
+          </a:bodyPr>
+          <a:lstStyle/>
+          <a:p>
+            <a:pPr>
+              <a:lnSpc>
+                <a:spcPct val="90000"/>
+              </a:lnSpc>
+            </a:pPr>
+            <a:r>
+              <a:rPr lang="en-US" dirty="0" smtClean="0">
+                <a:ln w="0"/>
+                <a:solidFill>
+                  <a:schemeClr val="accent1"/>
+                </a:solidFill>
+                <a:effectLst>
+                  <a:outerShdw blurRad="38100" dist="25400" dir="5400000" algn="ctr" rotWithShape="0">
+                    <a:srgbClr val="6E747A">
+                      <a:alpha val="43000"/>
+                    </a:srgbClr>
+                  </a:outerShdw>
+                </a:effectLst>
+              </a:rPr>
+              <a:t>Collector initialization</a:t>
+            </a:r>
+            <a:endParaRPr lang="en-US" dirty="0">
+              <a:ln w="0"/>
+              <a:solidFill>
+                <a:schemeClr val="accent1"/>
+              </a:solidFill>
+              <a:effectLst>
+                <a:outerShdw blurRad="38100" dist="25400" dir="5400000" algn="ctr" rotWithShape="0">
+                  <a:srgbClr val="6E747A">
+                    <a:alpha val="43000"/>
+                  </a:srgbClr>
+                </a:outerShdw>
+              </a:effectLst>
+            </a:endParaRPr>
+          </a:p>
+        </p:txBody>
+      </p:sp>
     </p:spTree>
     <p:extLst>
       <p:ext uri="{BB962C8B-B14F-4D97-AF65-F5344CB8AC3E}">

--- a/doc/OSSP V2.pptx
+++ b/doc/OSSP V2.pptx
@@ -43915,6 +43915,30 @@
           </a:p>
         </p:txBody>
       </p:sp>
+      <p:pic>
+        <p:nvPicPr>
+          <p:cNvPr id="5" name="Picture 4"/>
+          <p:cNvPicPr>
+            <a:picLocks noChangeAspect="1"/>
+          </p:cNvPicPr>
+          <p:nvPr/>
+        </p:nvPicPr>
+        <p:blipFill>
+          <a:blip r:embed="rId2"/>
+          <a:stretch>
+            <a:fillRect/>
+          </a:stretch>
+        </p:blipFill>
+        <p:spPr>
+          <a:xfrm>
+            <a:off x="2819400" y="2438400"/>
+            <a:ext cx="5238095" cy="3285714"/>
+          </a:xfrm>
+          <a:prstGeom prst="rect">
+            <a:avLst/>
+          </a:prstGeom>
+        </p:spPr>
+      </p:pic>
     </p:spTree>
     <p:extLst>
       <p:ext uri="{BB962C8B-B14F-4D97-AF65-F5344CB8AC3E}">

--- a/doc/OSSP V2.pptx
+++ b/doc/OSSP V2.pptx
@@ -284,7 +284,7 @@
           <a:p>
             <a:fld id="{3CA61830-C416-483F-955E-54203C65B711}" type="datetimeFigureOut">
               <a:rPr lang="en-US"/>
-              <a:t>2/8/2016</a:t>
+              <a:t>2/11/2016</a:t>
             </a:fld>
             <a:endParaRPr/>
           </a:p>
@@ -6134,7 +6134,7 @@
           <a:p>
             <a:fld id="{EFA54ACD-BEB7-4258-A5F3-653792456C00}" type="datetime4">
               <a:rPr lang="en-US" smtClean="0"/>
-              <a:t>February 8, 2016</a:t>
+              <a:t>February 11, 2016</a:t>
             </a:fld>
             <a:endParaRPr/>
           </a:p>
@@ -8630,7 +8630,7 @@
           <a:p>
             <a:fld id="{2399C1EB-F401-4F7B-BD9C-AAA165C9F3D7}" type="datetime4">
               <a:rPr lang="en-US" smtClean="0"/>
-              <a:t>February 8, 2016</a:t>
+              <a:t>February 11, 2016</a:t>
             </a:fld>
             <a:endParaRPr/>
           </a:p>
@@ -8823,7 +8823,7 @@
           <a:p>
             <a:fld id="{ECF1CC87-9C4B-4D13-B529-5EAF641302E2}" type="datetime4">
               <a:rPr lang="en-US" smtClean="0"/>
-              <a:t>February 8, 2016</a:t>
+              <a:t>February 11, 2016</a:t>
             </a:fld>
             <a:endParaRPr/>
           </a:p>
@@ -9125,7 +9125,7 @@
           <a:p>
             <a:fld id="{AEFA413A-E630-4377-B30C-3545E98CC867}" type="datetime4">
               <a:rPr lang="en-US" smtClean="0"/>
-              <a:t>February 8, 2016</a:t>
+              <a:t>February 11, 2016</a:t>
             </a:fld>
             <a:endParaRPr/>
           </a:p>
@@ -9513,7 +9513,7 @@
           <a:p>
             <a:fld id="{2D33DC54-2A66-493A-80B5-8303FBA5D0AD}" type="datetime4">
               <a:rPr lang="en-US" smtClean="0"/>
-              <a:t>February 8, 2016</a:t>
+              <a:t>February 11, 2016</a:t>
             </a:fld>
             <a:endParaRPr/>
           </a:p>
@@ -9657,7 +9657,7 @@
           <a:p>
             <a:fld id="{26B45FFC-9EEF-4E69-85F5-C8F54747804D}" type="datetime4">
               <a:rPr lang="en-US" smtClean="0"/>
-              <a:t>February 8, 2016</a:t>
+              <a:t>February 11, 2016</a:t>
             </a:fld>
             <a:endParaRPr/>
           </a:p>
@@ -9900,7 +9900,7 @@
           <a:p>
             <a:fld id="{684E3265-88A3-4C30-AE11-BFDF645909E9}" type="datetime4">
               <a:rPr lang="en-US" smtClean="0"/>
-              <a:t>February 8, 2016</a:t>
+              <a:t>February 11, 2016</a:t>
             </a:fld>
             <a:endParaRPr/>
           </a:p>
@@ -10018,7 +10018,7 @@
           <a:p>
             <a:fld id="{E9F763D2-AF56-4C60-80C7-7D8FC051005C}" type="datetime4">
               <a:rPr lang="en-US" smtClean="0"/>
-              <a:t>February 8, 2016</a:t>
+              <a:t>February 11, 2016</a:t>
             </a:fld>
             <a:endParaRPr/>
           </a:p>
@@ -10345,7 +10345,7 @@
           <a:p>
             <a:fld id="{905039DC-98B3-47E6-AD46-BA5B72AD8B4A}" type="datetime4">
               <a:rPr lang="en-US" smtClean="0"/>
-              <a:t>February 8, 2016</a:t>
+              <a:t>February 11, 2016</a:t>
             </a:fld>
             <a:endParaRPr/>
           </a:p>
@@ -10805,7 +10805,7 @@
           <a:p>
             <a:fld id="{A48AA38D-5CBD-4E44-A2EB-B3F38A5B8051}" type="datetime4">
               <a:rPr lang="en-US" smtClean="0"/>
-              <a:t>February 8, 2016</a:t>
+              <a:t>February 11, 2016</a:t>
             </a:fld>
             <a:endParaRPr/>
           </a:p>
@@ -13856,7 +13856,7 @@
           <a:p>
             <a:fld id="{8F030E74-B79E-47A7-AA1C-BA3D00CC0B4A}" type="datetime4">
               <a:rPr lang="en-US" smtClean="0"/>
-              <a:t>February 8, 2016</a:t>
+              <a:t>February 11, 2016</a:t>
             </a:fld>
             <a:endParaRPr/>
           </a:p>
@@ -14267,7 +14267,7 @@
           <a:p>
             <a:fld id="{00FDD7F1-9FB6-4CB9-BA1F-25B205B879F3}" type="datetime4">
               <a:rPr lang="en-US" smtClean="0"/>
-              <a:t>February 8, 2016</a:t>
+              <a:t>February 11, 2016</a:t>
             </a:fld>
             <a:endParaRPr/>
           </a:p>
@@ -14888,7 +14888,7 @@
           <a:p>
             <a:fld id="{027D5831-B468-414C-94B5-F04EB43FC0AE}" type="datetime4">
               <a:rPr lang="en-US" smtClean="0"/>
-              <a:t>February 8, 2016</a:t>
+              <a:t>February 11, 2016</a:t>
             </a:fld>
             <a:endParaRPr/>
           </a:p>
@@ -15607,7 +15607,7 @@
           <a:p>
             <a:fld id="{727A18C6-3F10-4266-96C9-5D014F3025B2}" type="datetime4">
               <a:rPr lang="en-US" smtClean="0"/>
-              <a:t>February 8, 2016</a:t>
+              <a:t>February 11, 2016</a:t>
             </a:fld>
             <a:endParaRPr/>
           </a:p>
@@ -15904,7 +15904,7 @@
           <a:p>
             <a:fld id="{A6CB1722-4B46-4353-B583-721651D61489}" type="datetime4">
               <a:rPr lang="en-US" smtClean="0"/>
-              <a:t>February 8, 2016</a:t>
+              <a:t>February 11, 2016</a:t>
             </a:fld>
             <a:endParaRPr/>
           </a:p>
@@ -16198,7 +16198,7 @@
           <a:p>
             <a:fld id="{8B8B1958-F972-48E2-B30C-3D9C71EE7ED1}" type="datetime4">
               <a:rPr lang="en-US" smtClean="0"/>
-              <a:t>February 8, 2016</a:t>
+              <a:t>February 11, 2016</a:t>
             </a:fld>
             <a:endParaRPr/>
           </a:p>
@@ -16471,7 +16471,7 @@
           <a:p>
             <a:fld id="{BF2CF142-9C82-4C83-9B6A-8077B879C1B8}" type="datetime4">
               <a:rPr lang="en-US" smtClean="0"/>
-              <a:t>February 8, 2016</a:t>
+              <a:t>February 11, 2016</a:t>
             </a:fld>
             <a:endParaRPr/>
           </a:p>
@@ -16758,7 +16758,7 @@
           <a:p>
             <a:fld id="{9C259EE5-F25B-4563-AE58-6B042DD986DA}" type="datetime4">
               <a:rPr lang="en-US" smtClean="0"/>
-              <a:t>February 8, 2016</a:t>
+              <a:t>February 11, 2016</a:t>
             </a:fld>
             <a:endParaRPr/>
           </a:p>
@@ -17176,7 +17176,7 @@
           <a:p>
             <a:fld id="{F4CAB0D1-A256-4DFA-8583-35D5EE4CD0DF}" type="datetime4">
               <a:rPr lang="en-US" smtClean="0"/>
-              <a:t>February 8, 2016</a:t>
+              <a:t>February 11, 2016</a:t>
             </a:fld>
             <a:endParaRPr/>
           </a:p>
@@ -17736,7 +17736,7 @@
           <a:p>
             <a:fld id="{B0BBCA58-86AD-4F40-BF66-913A1183EE47}" type="datetime4">
               <a:rPr lang="en-US" smtClean="0"/>
-              <a:t>February 8, 2016</a:t>
+              <a:t>February 11, 2016</a:t>
             </a:fld>
             <a:endParaRPr/>
           </a:p>
@@ -22842,7 +22842,7 @@
           <a:p>
             <a:fld id="{FB395617-A7D9-4AE8-82B6-3D0A191CDCBE}" type="datetime4">
               <a:rPr lang="en-US" smtClean="0"/>
-              <a:t>February 8, 2016</a:t>
+              <a:t>February 11, 2016</a:t>
             </a:fld>
             <a:endParaRPr/>
           </a:p>
@@ -25424,7 +25424,7 @@
           <a:p>
             <a:fld id="{77C6BA28-E443-46F5-AE73-D543F89EF748}" type="datetime4">
               <a:rPr lang="en-US" smtClean="0"/>
-              <a:t>February 8, 2016</a:t>
+              <a:t>February 11, 2016</a:t>
             </a:fld>
             <a:endParaRPr/>
           </a:p>
@@ -25622,7 +25622,7 @@
           <a:p>
             <a:fld id="{1452EE1A-1BE0-474E-808D-00D5A7797660}" type="datetime4">
               <a:rPr lang="en-US" smtClean="0"/>
-              <a:t>February 8, 2016</a:t>
+              <a:t>February 11, 2016</a:t>
             </a:fld>
             <a:endParaRPr/>
           </a:p>
@@ -25891,7 +25891,7 @@
           <a:p>
             <a:fld id="{1D654495-4BF5-4727-99D4-DFD1D0597350}" type="datetime4">
               <a:rPr lang="en-US" smtClean="0"/>
-              <a:t>February 8, 2016</a:t>
+              <a:t>February 11, 2016</a:t>
             </a:fld>
             <a:endParaRPr/>
           </a:p>
@@ -26221,7 +26221,7 @@
           <a:p>
             <a:fld id="{74A90477-F864-462B-BF44-00D67B14D858}" type="datetime4">
               <a:rPr lang="en-US" smtClean="0"/>
-              <a:t>February 8, 2016</a:t>
+              <a:t>February 11, 2016</a:t>
             </a:fld>
             <a:endParaRPr/>
           </a:p>
@@ -26475,7 +26475,7 @@
           <a:p>
             <a:fld id="{16E08157-2DC9-4745-A7A9-7046A8583708}" type="datetime4">
               <a:rPr lang="en-US" smtClean="0"/>
-              <a:t>February 8, 2016</a:t>
+              <a:t>February 11, 2016</a:t>
             </a:fld>
             <a:endParaRPr/>
           </a:p>
@@ -29155,7 +29155,7 @@
           <a:p>
             <a:fld id="{FDD7D378-E709-4062-9715-39E79557A063}" type="datetime4">
               <a:rPr lang="en-US" smtClean="0"/>
-              <a:t>February 8, 2016</a:t>
+              <a:t>February 11, 2016</a:t>
             </a:fld>
             <a:endParaRPr/>
           </a:p>
@@ -34071,7 +34071,7 @@
           <a:p>
             <a:fld id="{C07C5E14-300D-4720-B5FE-54C7D96D4160}" type="datetime4">
               <a:rPr lang="en-US" smtClean="0"/>
-              <a:t>February 8, 2016</a:t>
+              <a:t>February 11, 2016</a:t>
             </a:fld>
             <a:endParaRPr/>
           </a:p>
@@ -36763,7 +36763,7 @@
           <a:p>
             <a:fld id="{BC7BE07D-E945-4DDF-8452-20009392BF2F}" type="datetime4">
               <a:rPr lang="en-US" smtClean="0"/>
-              <a:t>February 8, 2016</a:t>
+              <a:t>February 11, 2016</a:t>
             </a:fld>
             <a:endParaRPr/>
           </a:p>
@@ -37246,7 +37246,7 @@
           <a:p>
             <a:fld id="{65FD8143-BFA3-46F8-9B90-B0E5CFAF7F7C}" type="datetime4">
               <a:rPr lang="en-US" smtClean="0"/>
-              <a:t>February 8, 2016</a:t>
+              <a:t>February 11, 2016</a:t>
             </a:fld>
             <a:endParaRPr/>
           </a:p>
@@ -40259,7 +40259,7 @@
       </p:sp>
       <p:pic>
         <p:nvPicPr>
-          <p:cNvPr id="5" name="Picture 4"/>
+          <p:cNvPr id="6" name="Picture 5"/>
           <p:cNvPicPr>
             <a:picLocks noChangeAspect="1"/>
           </p:cNvPicPr>
@@ -40273,47 +40273,17 @@
         </p:blipFill>
         <p:spPr>
           <a:xfrm>
-            <a:off x="6096000" y="1752600"/>
-            <a:ext cx="5684964" cy="3537828"/>
+            <a:off x="1905000" y="4784733"/>
+            <a:ext cx="3076315" cy="1011391"/>
           </a:xfrm>
           <a:prstGeom prst="rect">
             <a:avLst/>
           </a:prstGeom>
-          <a:solidFill>
-            <a:srgbClr val="FFFFFF">
-              <a:shade val="85000"/>
-            </a:srgbClr>
-          </a:solidFill>
-          <a:ln w="88900" cap="sq">
-            <a:solidFill>
-              <a:srgbClr val="FFFFFF"/>
-            </a:solidFill>
-            <a:miter lim="800000"/>
-          </a:ln>
-          <a:effectLst>
-            <a:outerShdw blurRad="55000" dist="18000" dir="5400000" algn="tl" rotWithShape="0">
-              <a:srgbClr val="000000">
-                <a:alpha val="40000"/>
-              </a:srgbClr>
-            </a:outerShdw>
-          </a:effectLst>
-          <a:scene3d>
-            <a:camera prst="orthographicFront"/>
-            <a:lightRig rig="twoPt" dir="t">
-              <a:rot lat="0" lon="0" rev="7200000"/>
-            </a:lightRig>
-          </a:scene3d>
-          <a:sp3d>
-            <a:bevelT w="25400" h="19050"/>
-            <a:contourClr>
-              <a:srgbClr val="FFFFFF"/>
-            </a:contourClr>
-          </a:sp3d>
         </p:spPr>
       </p:pic>
       <p:pic>
         <p:nvPicPr>
-          <p:cNvPr id="6" name="Picture 5"/>
+          <p:cNvPr id="7" name="Picture 6"/>
           <p:cNvPicPr>
             <a:picLocks noChangeAspect="1"/>
           </p:cNvPicPr>
@@ -40327,8 +40297,8 @@
         </p:blipFill>
         <p:spPr>
           <a:xfrm>
-            <a:off x="1905000" y="4784733"/>
-            <a:ext cx="3076315" cy="1011391"/>
+            <a:off x="6094413" y="1371600"/>
+            <a:ext cx="5792788" cy="4169664"/>
           </a:xfrm>
           <a:prstGeom prst="rect">
             <a:avLst/>
@@ -40448,60 +40418,6 @@
           </a:p>
         </p:txBody>
       </p:sp>
-      <p:pic>
-        <p:nvPicPr>
-          <p:cNvPr id="5" name="Picture 4"/>
-          <p:cNvPicPr>
-            <a:picLocks noChangeAspect="1"/>
-          </p:cNvPicPr>
-          <p:nvPr/>
-        </p:nvPicPr>
-        <p:blipFill>
-          <a:blip r:embed="rId3"/>
-          <a:stretch>
-            <a:fillRect/>
-          </a:stretch>
-        </p:blipFill>
-        <p:spPr>
-          <a:xfrm>
-            <a:off x="624681" y="1676400"/>
-            <a:ext cx="6809093" cy="2842972"/>
-          </a:xfrm>
-          <a:prstGeom prst="rect">
-            <a:avLst/>
-          </a:prstGeom>
-          <a:solidFill>
-            <a:srgbClr val="FFFFFF">
-              <a:shade val="85000"/>
-            </a:srgbClr>
-          </a:solidFill>
-          <a:ln w="88900" cap="sq">
-            <a:solidFill>
-              <a:srgbClr val="FFFFFF"/>
-            </a:solidFill>
-            <a:miter lim="800000"/>
-          </a:ln>
-          <a:effectLst>
-            <a:outerShdw blurRad="55000" dist="18000" dir="5400000" algn="tl" rotWithShape="0">
-              <a:srgbClr val="000000">
-                <a:alpha val="40000"/>
-              </a:srgbClr>
-            </a:outerShdw>
-          </a:effectLst>
-          <a:scene3d>
-            <a:camera prst="orthographicFront"/>
-            <a:lightRig rig="twoPt" dir="t">
-              <a:rot lat="0" lon="0" rev="7200000"/>
-            </a:lightRig>
-          </a:scene3d>
-          <a:sp3d>
-            <a:bevelT w="25400" h="19050"/>
-            <a:contourClr>
-              <a:srgbClr val="FFFFFF"/>
-            </a:contourClr>
-          </a:sp3d>
-        </p:spPr>
-      </p:pic>
       <p:sp>
         <p:nvSpPr>
           <p:cNvPr id="7" name="Curved Down Arrow 6"/>
@@ -40589,6 +40505,44 @@
           </a:p>
         </p:txBody>
       </p:sp>
+      <p:pic>
+        <p:nvPicPr>
+          <p:cNvPr id="6" name="Picture 5"/>
+          <p:cNvPicPr>
+            <a:picLocks noChangeAspect="1"/>
+          </p:cNvPicPr>
+          <p:nvPr/>
+        </p:nvPicPr>
+        <p:blipFill>
+          <a:blip r:embed="rId3"/>
+          <a:stretch>
+            <a:fillRect/>
+          </a:stretch>
+        </p:blipFill>
+        <p:spPr>
+          <a:xfrm>
+            <a:off x="190674" y="1237555"/>
+            <a:ext cx="6923819" cy="2734860"/>
+          </a:xfrm>
+          <a:prstGeom prst="rect">
+            <a:avLst/>
+          </a:prstGeom>
+          <a:ln w="38100" cap="sq">
+            <a:solidFill>
+              <a:srgbClr val="000000"/>
+            </a:solidFill>
+            <a:prstDash val="solid"/>
+            <a:miter lim="800000"/>
+          </a:ln>
+          <a:effectLst>
+            <a:outerShdw blurRad="50800" dist="38100" dir="2700000" algn="tl" rotWithShape="0">
+              <a:srgbClr val="000000">
+                <a:alpha val="43000"/>
+              </a:srgbClr>
+            </a:outerShdw>
+          </a:effectLst>
+        </p:spPr>
+      </p:pic>
     </p:spTree>
     <p:extLst>
       <p:ext uri="{BB962C8B-B14F-4D97-AF65-F5344CB8AC3E}">
@@ -43335,21 +43289,7 @@
                 <a:latin typeface="Consolas" panose="020B0609020204030204" pitchFamily="49" charset="0"/>
                 <a:cs typeface="Consolas" panose="020B0609020204030204" pitchFamily="49" charset="0"/>
               </a:rPr>
-              <a:t>"description</a:t>
-            </a:r>
-            <a:r>
-              <a:rPr kumimoji="0" lang="en-US" altLang="en-US" sz="1000" b="1" i="0" u="none" strike="noStrike" cap="none" normalizeH="0" baseline="0" dirty="0" smtClean="0">
-                <a:ln>
-                  <a:noFill/>
-                </a:ln>
-                <a:solidFill>
-                  <a:srgbClr val="660E7A"/>
-                </a:solidFill>
-                <a:effectLst/>
-                <a:latin typeface="Consolas" panose="020B0609020204030204" pitchFamily="49" charset="0"/>
-                <a:cs typeface="Consolas" panose="020B0609020204030204" pitchFamily="49" charset="0"/>
-              </a:rPr>
-              <a:t>"</a:t>
+              <a:t>"description"</a:t>
             </a:r>
             <a:r>
               <a:rPr kumimoji="0" lang="en-US" altLang="en-US" sz="1000" b="0" i="0" u="none" strike="noStrike" cap="none" normalizeH="0" baseline="0" dirty="0" smtClean="0">
@@ -43377,21 +43317,7 @@
                 <a:latin typeface="Consolas" panose="020B0609020204030204" pitchFamily="49" charset="0"/>
                 <a:cs typeface="Consolas" panose="020B0609020204030204" pitchFamily="49" charset="0"/>
               </a:rPr>
-              <a:t>" Average </a:t>
-            </a:r>
-            <a:r>
-              <a:rPr kumimoji="0" lang="en-US" altLang="en-US" sz="1000" b="1" i="0" u="none" strike="noStrike" cap="none" normalizeH="0" baseline="0" dirty="0" smtClean="0">
-                <a:ln>
-                  <a:noFill/>
-                </a:ln>
-                <a:solidFill>
-                  <a:srgbClr val="008000"/>
-                </a:solidFill>
-                <a:effectLst/>
-                <a:latin typeface="Consolas" panose="020B0609020204030204" pitchFamily="49" charset="0"/>
-                <a:cs typeface="Consolas" panose="020B0609020204030204" pitchFamily="49" charset="0"/>
-              </a:rPr>
-              <a:t>CPU Utilization in 5 minutes"</a:t>
+              <a:t>" Average CPU Utilization in 5 minutes"</a:t>
             </a:r>
             <a:r>
               <a:rPr kumimoji="0" lang="en-US" altLang="en-US" sz="1000" b="0" i="0" u="none" strike="noStrike" cap="none" normalizeH="0" baseline="0" dirty="0" smtClean="0">
@@ -53749,8 +53675,19 @@
           <a:p>
             <a:r>
               <a:rPr lang="en-US" dirty="0" smtClean="0"/>
-              <a:t>Calculation or aggregation(by NE object or Time)  KPIs are defined in the GUI of OSSP console.</a:t>
-            </a:r>
+              <a:t>Calculation or aggregation(by NE object or Time)  KPIs are defined in the GUI of OSSP console</a:t>
+            </a:r>
+            <a:r>
+              <a:rPr lang="en-US" dirty="0" smtClean="0"/>
+              <a:t>.</a:t>
+            </a:r>
+          </a:p>
+          <a:p>
+            <a:r>
+              <a:rPr lang="en-US" dirty="0" smtClean="0"/>
+              <a:t>New KPI can use existing KPIs (filter by the new KPI’s type and binding Object), no matter the type of the existing KPIs.</a:t>
+            </a:r>
+            <a:endParaRPr lang="en-US" dirty="0" smtClean="0"/>
           </a:p>
           <a:p>
             <a:r>

--- a/doc/OSSP V2.pptx
+++ b/doc/OSSP V2.pptx
@@ -5,10 +5,10 @@
     <p:sldMasterId id="2147483648" r:id="rId1"/>
   </p:sldMasterIdLst>
   <p:notesMasterIdLst>
-    <p:notesMasterId r:id="rId27"/>
+    <p:notesMasterId r:id="rId28"/>
   </p:notesMasterIdLst>
   <p:handoutMasterIdLst>
-    <p:handoutMasterId r:id="rId28"/>
+    <p:handoutMasterId r:id="rId29"/>
   </p:handoutMasterIdLst>
   <p:sldIdLst>
     <p:sldId id="256" r:id="rId2"/>
@@ -29,18 +29,19 @@
     <p:sldId id="277" r:id="rId17"/>
     <p:sldId id="289" r:id="rId18"/>
     <p:sldId id="288" r:id="rId19"/>
-    <p:sldId id="267" r:id="rId20"/>
-    <p:sldId id="268" r:id="rId21"/>
-    <p:sldId id="269" r:id="rId22"/>
-    <p:sldId id="279" r:id="rId23"/>
-    <p:sldId id="281" r:id="rId24"/>
-    <p:sldId id="275" r:id="rId25"/>
-    <p:sldId id="282" r:id="rId26"/>
+    <p:sldId id="290" r:id="rId20"/>
+    <p:sldId id="267" r:id="rId21"/>
+    <p:sldId id="268" r:id="rId22"/>
+    <p:sldId id="269" r:id="rId23"/>
+    <p:sldId id="279" r:id="rId24"/>
+    <p:sldId id="281" r:id="rId25"/>
+    <p:sldId id="275" r:id="rId26"/>
+    <p:sldId id="282" r:id="rId27"/>
   </p:sldIdLst>
   <p:sldSz cx="12192000" cy="6858000"/>
   <p:notesSz cx="6858000" cy="9144000"/>
   <p:custDataLst>
-    <p:tags r:id="rId29"/>
+    <p:tags r:id="rId30"/>
   </p:custDataLst>
   <p:defaultTextStyle>
     <a:defPPr>
@@ -43813,7 +43814,17 @@
           <a:bodyPr/>
           <a:lstStyle/>
           <a:p>
-            <a:endParaRPr lang="en-US"/>
+            <a:r>
+              <a:rPr lang="en-US" dirty="0" smtClean="0"/>
+              <a:t>It’s a high customized collector to collect log files from NFVD GUI</a:t>
+            </a:r>
+          </a:p>
+          <a:p>
+            <a:r>
+              <a:rPr lang="en-US" dirty="0" smtClean="0"/>
+              <a:t>It will help to monitor the communications between GUI server and FF/AA server. </a:t>
+            </a:r>
+            <a:endParaRPr lang="en-US" dirty="0"/>
           </a:p>
         </p:txBody>
       </p:sp>
@@ -43857,12 +43868,50 @@
         </p:blipFill>
         <p:spPr>
           <a:xfrm>
-            <a:off x="2819400" y="2438400"/>
-            <a:ext cx="5238095" cy="3285714"/>
+            <a:off x="609441" y="2286000"/>
+            <a:ext cx="3522870" cy="2209800"/>
           </a:xfrm>
           <a:prstGeom prst="rect">
             <a:avLst/>
           </a:prstGeom>
+        </p:spPr>
+      </p:pic>
+      <p:pic>
+        <p:nvPicPr>
+          <p:cNvPr id="6" name="Picture 5"/>
+          <p:cNvPicPr>
+            <a:picLocks noChangeAspect="1"/>
+          </p:cNvPicPr>
+          <p:nvPr/>
+        </p:nvPicPr>
+        <p:blipFill>
+          <a:blip r:embed="rId3"/>
+          <a:stretch>
+            <a:fillRect/>
+          </a:stretch>
+        </p:blipFill>
+        <p:spPr>
+          <a:xfrm>
+            <a:off x="3657600" y="3962400"/>
+            <a:ext cx="7734674" cy="1978151"/>
+          </a:xfrm>
+          <a:prstGeom prst="rect">
+            <a:avLst/>
+          </a:prstGeom>
+          <a:ln w="38100" cap="sq">
+            <a:solidFill>
+              <a:srgbClr val="000000"/>
+            </a:solidFill>
+            <a:prstDash val="solid"/>
+            <a:miter lim="800000"/>
+          </a:ln>
+          <a:effectLst>
+            <a:outerShdw blurRad="50800" dist="38100" dir="2700000" algn="tl" rotWithShape="0">
+              <a:srgbClr val="000000">
+                <a:alpha val="43000"/>
+              </a:srgbClr>
+            </a:outerShdw>
+          </a:effectLst>
         </p:spPr>
       </p:pic>
     </p:spTree>
@@ -45273,6 +45322,380 @@
       </p:grpSpPr>
       <p:sp>
         <p:nvSpPr>
+          <p:cNvPr id="5" name="Title 4"/>
+          <p:cNvSpPr>
+            <a:spLocks noGrp="1"/>
+          </p:cNvSpPr>
+          <p:nvPr>
+            <p:ph type="title"/>
+          </p:nvPr>
+        </p:nvSpPr>
+        <p:spPr/>
+        <p:txBody>
+          <a:bodyPr/>
+          <a:lstStyle/>
+          <a:p>
+            <a:r>
+              <a:rPr lang="en-US" dirty="0" smtClean="0"/>
+              <a:t>Demo</a:t>
+            </a:r>
+            <a:endParaRPr lang="en-US" dirty="0"/>
+          </a:p>
+        </p:txBody>
+      </p:sp>
+      <p:sp>
+        <p:nvSpPr>
+          <p:cNvPr id="7" name="Subtitle 6"/>
+          <p:cNvSpPr>
+            <a:spLocks noGrp="1"/>
+          </p:cNvSpPr>
+          <p:nvPr>
+            <p:ph type="subTitle" idx="1"/>
+          </p:nvPr>
+        </p:nvSpPr>
+        <p:spPr/>
+        <p:txBody>
+          <a:bodyPr/>
+          <a:lstStyle/>
+          <a:p>
+            <a:endParaRPr lang="en-US"/>
+          </a:p>
+        </p:txBody>
+      </p:sp>
+      <p:sp>
+        <p:nvSpPr>
+          <p:cNvPr id="8" name="Text Placeholder 7"/>
+          <p:cNvSpPr>
+            <a:spLocks noGrp="1"/>
+          </p:cNvSpPr>
+          <p:nvPr>
+            <p:ph type="body" sz="quarter" idx="13"/>
+          </p:nvPr>
+        </p:nvSpPr>
+        <p:spPr/>
+        <p:txBody>
+          <a:bodyPr/>
+          <a:lstStyle/>
+          <a:p>
+            <a:endParaRPr lang="en-US"/>
+          </a:p>
+        </p:txBody>
+      </p:sp>
+      <p:sp>
+        <p:nvSpPr>
+          <p:cNvPr id="4" name="Slide Number Placeholder 3"/>
+          <p:cNvSpPr>
+            <a:spLocks noGrp="1"/>
+          </p:cNvSpPr>
+          <p:nvPr>
+            <p:ph type="sldNum" sz="quarter" idx="4294967295"/>
+          </p:nvPr>
+        </p:nvSpPr>
+        <p:spPr>
+          <a:xfrm>
+            <a:off x="11658600" y="6430963"/>
+            <a:ext cx="533400" cy="231775"/>
+          </a:xfrm>
+        </p:spPr>
+        <p:txBody>
+          <a:bodyPr/>
+          <a:lstStyle/>
+          <a:p>
+            <a:fld id="{B016F8AB-BCEA-4347-8BA6-BE776009BC89}" type="slidenum">
+              <a:rPr lang="en-US" smtClean="0"/>
+              <a:pPr/>
+              <a:t>19</a:t>
+            </a:fld>
+            <a:endParaRPr lang="en-US"/>
+          </a:p>
+        </p:txBody>
+      </p:sp>
+    </p:spTree>
+    <p:extLst>
+      <p:ext uri="{BB962C8B-B14F-4D97-AF65-F5344CB8AC3E}">
+        <p14:creationId xmlns:p14="http://schemas.microsoft.com/office/powerpoint/2010/main" val="1020601888"/>
+      </p:ext>
+    </p:extLst>
+  </p:cSld>
+  <p:clrMapOvr>
+    <a:masterClrMapping/>
+  </p:clrMapOvr>
+  <mc:AlternateContent xmlns:mc="http://schemas.openxmlformats.org/markup-compatibility/2006" xmlns:p14="http://schemas.microsoft.com/office/powerpoint/2010/main">
+    <mc:Choice Requires="p14">
+      <p:transition spd="med" p14:dur="700">
+        <p:fade/>
+      </p:transition>
+    </mc:Choice>
+    <mc:Fallback xmlns="">
+      <p:transition spd="med">
+        <p:fade/>
+      </p:transition>
+    </mc:Fallback>
+  </mc:AlternateContent>
+</p:sld>
+</file>
+
+<file path=ppt/slides/slide2.xml><?xml version="1.0" encoding="utf-8"?>
+<p:sld xmlns:a="http://schemas.openxmlformats.org/drawingml/2006/main" xmlns:r="http://schemas.openxmlformats.org/officeDocument/2006/relationships" xmlns:p="http://schemas.openxmlformats.org/presentationml/2006/main">
+  <p:cSld>
+    <p:spTree>
+      <p:nvGrpSpPr>
+        <p:cNvPr id="1" name=""/>
+        <p:cNvGrpSpPr/>
+        <p:nvPr/>
+      </p:nvGrpSpPr>
+      <p:grpSpPr>
+        <a:xfrm>
+          <a:off x="0" y="0"/>
+          <a:ext cx="0" cy="0"/>
+          <a:chOff x="0" y="0"/>
+          <a:chExt cx="0" cy="0"/>
+        </a:xfrm>
+      </p:grpSpPr>
+      <p:sp>
+        <p:nvSpPr>
+          <p:cNvPr id="3" name="Title 2"/>
+          <p:cNvSpPr>
+            <a:spLocks noGrp="1"/>
+          </p:cNvSpPr>
+          <p:nvPr>
+            <p:ph type="title"/>
+          </p:nvPr>
+        </p:nvSpPr>
+        <p:spPr/>
+        <p:txBody>
+          <a:bodyPr/>
+          <a:lstStyle/>
+          <a:p>
+            <a:r>
+              <a:rPr lang="en-US" dirty="0" smtClean="0"/>
+              <a:t>General Ideas</a:t>
+            </a:r>
+            <a:endParaRPr lang="en-US" dirty="0"/>
+          </a:p>
+        </p:txBody>
+      </p:sp>
+      <p:sp>
+        <p:nvSpPr>
+          <p:cNvPr id="2" name="Content Placeholder 1"/>
+          <p:cNvSpPr>
+            <a:spLocks noGrp="1"/>
+          </p:cNvSpPr>
+          <p:nvPr>
+            <p:ph idx="1"/>
+          </p:nvPr>
+        </p:nvSpPr>
+        <p:spPr>
+          <a:xfrm>
+            <a:off x="609600" y="1524000"/>
+            <a:ext cx="10969784" cy="4267200"/>
+          </a:xfrm>
+        </p:spPr>
+        <p:txBody>
+          <a:bodyPr>
+            <a:normAutofit/>
+          </a:bodyPr>
+          <a:lstStyle/>
+          <a:p>
+            <a:r>
+              <a:rPr lang="en-US" sz="1600" dirty="0" smtClean="0"/>
+              <a:t>This is a light </a:t>
+            </a:r>
+            <a:r>
+              <a:rPr lang="en-US" sz="1600" dirty="0"/>
+              <a:t>but </a:t>
+            </a:r>
+            <a:r>
+              <a:rPr lang="en-US" sz="1600" dirty="0" smtClean="0"/>
+              <a:t>extendible solution of performance management.</a:t>
+            </a:r>
+          </a:p>
+          <a:p>
+            <a:r>
+              <a:rPr lang="en-US" sz="1600" dirty="0" smtClean="0"/>
+              <a:t>In the solution, there are 3 main parts</a:t>
+            </a:r>
+          </a:p>
+          <a:p>
+            <a:pPr marL="571500" lvl="1" indent="-342900">
+              <a:buFont typeface="+mj-lt"/>
+              <a:buAutoNum type="alphaLcParenR"/>
+            </a:pPr>
+            <a:r>
+              <a:rPr lang="en-US" sz="1400" dirty="0" smtClean="0"/>
+              <a:t> OSSP Server (data collection) </a:t>
+            </a:r>
+          </a:p>
+          <a:p>
+            <a:pPr marL="571500" lvl="1" indent="-342900">
+              <a:buFont typeface="+mj-lt"/>
+              <a:buAutoNum type="alphaLcParenR"/>
+            </a:pPr>
+            <a:r>
+              <a:rPr lang="en-US" sz="1400" dirty="0" smtClean="0"/>
+              <a:t> OSSP console (control GUI in UOC)</a:t>
+            </a:r>
+          </a:p>
+          <a:p>
+            <a:pPr marL="571500" lvl="1" indent="-342900">
+              <a:buFont typeface="+mj-lt"/>
+              <a:buAutoNum type="alphaLcParenR"/>
+            </a:pPr>
+            <a:r>
+              <a:rPr lang="en-US" sz="1400" dirty="0"/>
+              <a:t> </a:t>
+            </a:r>
+            <a:r>
+              <a:rPr lang="en-US" sz="1400" dirty="0" smtClean="0"/>
+              <a:t>OSSP report packs (performance reports and dashboards in UOC or other report platforms).</a:t>
+            </a:r>
+          </a:p>
+          <a:p>
+            <a:r>
+              <a:rPr lang="en-US" sz="1600" dirty="0" smtClean="0"/>
+              <a:t>The solution bases on Neo4J database, which provides high performance on massive data.</a:t>
+            </a:r>
+          </a:p>
+          <a:p>
+            <a:r>
+              <a:rPr lang="en-US" sz="1600" dirty="0" smtClean="0"/>
+              <a:t>In the prototype all modules are developed in JavaScript (NodeJS &amp; AngularJS), while customized collectors can be developed in JAVA  or Scala.</a:t>
+            </a:r>
+          </a:p>
+          <a:p>
+            <a:r>
+              <a:rPr lang="en-US" sz="1600" dirty="0"/>
+              <a:t>The control GUI is develop on HPE UOC framework.</a:t>
+            </a:r>
+          </a:p>
+          <a:p>
+            <a:r>
+              <a:rPr lang="en-US" sz="1600" dirty="0" smtClean="0"/>
+              <a:t>Most function modules work independently, they all provide REST APIs for CONTROL and MONITOR.</a:t>
+            </a:r>
+          </a:p>
+          <a:p>
+            <a:r>
+              <a:rPr lang="en-US" sz="1600" dirty="0" smtClean="0"/>
+              <a:t>Collector able to collect performance data ( and log files) from NE, EMS, Application via different protocols.</a:t>
+            </a:r>
+          </a:p>
+          <a:p>
+            <a:r>
+              <a:rPr lang="en-US" sz="1600" dirty="0" smtClean="0"/>
+              <a:t>* Only </a:t>
+            </a:r>
+            <a:r>
+              <a:rPr lang="en-US" sz="1600" dirty="0"/>
+              <a:t>raw counters are stored in the Neo4J, all calculations are runtime. </a:t>
+            </a:r>
+          </a:p>
+          <a:p>
+            <a:endParaRPr lang="en-US" sz="1600" dirty="0" smtClean="0"/>
+          </a:p>
+          <a:p>
+            <a:pPr marL="0" indent="0">
+              <a:buNone/>
+            </a:pPr>
+            <a:endParaRPr lang="en-US" sz="1600" dirty="0" smtClean="0"/>
+          </a:p>
+          <a:p>
+            <a:endParaRPr lang="en-US" sz="1600" dirty="0" smtClean="0"/>
+          </a:p>
+          <a:p>
+            <a:endParaRPr lang="en-US" sz="1600" dirty="0"/>
+          </a:p>
+          <a:p>
+            <a:pPr lvl="1"/>
+            <a:endParaRPr lang="en-US" sz="1400" dirty="0" smtClean="0"/>
+          </a:p>
+          <a:p>
+            <a:endParaRPr lang="en-US" sz="1600" dirty="0" smtClean="0"/>
+          </a:p>
+          <a:p>
+            <a:endParaRPr lang="en-US" sz="1600" dirty="0"/>
+          </a:p>
+        </p:txBody>
+      </p:sp>
+      <p:sp>
+        <p:nvSpPr>
+          <p:cNvPr id="4" name="Slide Number Placeholder 3"/>
+          <p:cNvSpPr>
+            <a:spLocks noGrp="1"/>
+          </p:cNvSpPr>
+          <p:nvPr>
+            <p:ph type="sldNum" sz="quarter" idx="12"/>
+          </p:nvPr>
+        </p:nvSpPr>
+        <p:spPr>
+          <a:xfrm>
+            <a:off x="11049000" y="6430868"/>
+            <a:ext cx="533399" cy="232147"/>
+          </a:xfrm>
+        </p:spPr>
+        <p:txBody>
+          <a:bodyPr/>
+          <a:lstStyle/>
+          <a:p>
+            <a:fld id="{B016F8AB-BCEA-4347-8BA6-BE776009BC89}" type="slidenum">
+              <a:rPr lang="en-US" smtClean="0"/>
+              <a:t>2</a:t>
+            </a:fld>
+            <a:endParaRPr lang="en-US"/>
+          </a:p>
+        </p:txBody>
+      </p:sp>
+    </p:spTree>
+    <p:extLst>
+      <p:ext uri="{BB962C8B-B14F-4D97-AF65-F5344CB8AC3E}">
+        <p14:creationId xmlns:p14="http://schemas.microsoft.com/office/powerpoint/2010/main" val="3706688682"/>
+      </p:ext>
+    </p:extLst>
+  </p:cSld>
+  <p:clrMapOvr>
+    <a:masterClrMapping/>
+  </p:clrMapOvr>
+  <mc:AlternateContent xmlns:mc="http://schemas.openxmlformats.org/markup-compatibility/2006" xmlns:p14="http://schemas.microsoft.com/office/powerpoint/2010/main">
+    <mc:Choice Requires="p14">
+      <p:transition spd="med" p14:dur="700">
+        <p:fade/>
+      </p:transition>
+    </mc:Choice>
+    <mc:Fallback xmlns="">
+      <p:transition spd="med">
+        <p:fade/>
+      </p:transition>
+    </mc:Fallback>
+  </mc:AlternateContent>
+  <p:timing>
+    <p:tnLst>
+      <p:par>
+        <p:cTn id="1" dur="indefinite" restart="never" nodeType="tmRoot"/>
+      </p:par>
+    </p:tnLst>
+  </p:timing>
+</p:sld>
+</file>
+
+<file path=ppt/slides/slide20.xml><?xml version="1.0" encoding="utf-8"?>
+<p:sld xmlns:a="http://schemas.openxmlformats.org/drawingml/2006/main" xmlns:r="http://schemas.openxmlformats.org/officeDocument/2006/relationships" xmlns:p="http://schemas.openxmlformats.org/presentationml/2006/main">
+  <p:cSld>
+    <p:spTree>
+      <p:nvGrpSpPr>
+        <p:cNvPr id="1" name=""/>
+        <p:cNvGrpSpPr/>
+        <p:nvPr/>
+      </p:nvGrpSpPr>
+      <p:grpSpPr>
+        <a:xfrm>
+          <a:off x="0" y="0"/>
+          <a:ext cx="0" cy="0"/>
+          <a:chOff x="0" y="0"/>
+          <a:chExt cx="0" cy="0"/>
+        </a:xfrm>
+      </p:grpSpPr>
+      <p:sp>
+        <p:nvSpPr>
           <p:cNvPr id="2" name="Title 1"/>
           <p:cNvSpPr>
             <a:spLocks noGrp="1"/>
@@ -45349,7 +45772,7 @@
             <a:fld id="{B016F8AB-BCEA-4347-8BA6-BE776009BC89}" type="slidenum">
               <a:rPr lang="en-US" smtClean="0"/>
               <a:pPr/>
-              <a:t>19</a:t>
+              <a:t>20</a:t>
             </a:fld>
             <a:endParaRPr lang="en-US"/>
           </a:p>
@@ -45387,249 +45810,7 @@
 </p:sld>
 </file>
 
-<file path=ppt/slides/slide2.xml><?xml version="1.0" encoding="utf-8"?>
-<p:sld xmlns:a="http://schemas.openxmlformats.org/drawingml/2006/main" xmlns:r="http://schemas.openxmlformats.org/officeDocument/2006/relationships" xmlns:p="http://schemas.openxmlformats.org/presentationml/2006/main">
-  <p:cSld>
-    <p:spTree>
-      <p:nvGrpSpPr>
-        <p:cNvPr id="1" name=""/>
-        <p:cNvGrpSpPr/>
-        <p:nvPr/>
-      </p:nvGrpSpPr>
-      <p:grpSpPr>
-        <a:xfrm>
-          <a:off x="0" y="0"/>
-          <a:ext cx="0" cy="0"/>
-          <a:chOff x="0" y="0"/>
-          <a:chExt cx="0" cy="0"/>
-        </a:xfrm>
-      </p:grpSpPr>
-      <p:sp>
-        <p:nvSpPr>
-          <p:cNvPr id="3" name="Title 2"/>
-          <p:cNvSpPr>
-            <a:spLocks noGrp="1"/>
-          </p:cNvSpPr>
-          <p:nvPr>
-            <p:ph type="title"/>
-          </p:nvPr>
-        </p:nvSpPr>
-        <p:spPr/>
-        <p:txBody>
-          <a:bodyPr/>
-          <a:lstStyle/>
-          <a:p>
-            <a:r>
-              <a:rPr lang="en-US" dirty="0" smtClean="0"/>
-              <a:t>General Ideas</a:t>
-            </a:r>
-            <a:endParaRPr lang="en-US" dirty="0"/>
-          </a:p>
-        </p:txBody>
-      </p:sp>
-      <p:sp>
-        <p:nvSpPr>
-          <p:cNvPr id="2" name="Content Placeholder 1"/>
-          <p:cNvSpPr>
-            <a:spLocks noGrp="1"/>
-          </p:cNvSpPr>
-          <p:nvPr>
-            <p:ph idx="1"/>
-          </p:nvPr>
-        </p:nvSpPr>
-        <p:spPr>
-          <a:xfrm>
-            <a:off x="609600" y="1524000"/>
-            <a:ext cx="10969784" cy="4267200"/>
-          </a:xfrm>
-        </p:spPr>
-        <p:txBody>
-          <a:bodyPr>
-            <a:normAutofit/>
-          </a:bodyPr>
-          <a:lstStyle/>
-          <a:p>
-            <a:r>
-              <a:rPr lang="en-US" sz="1600" dirty="0" smtClean="0"/>
-              <a:t>This is a light </a:t>
-            </a:r>
-            <a:r>
-              <a:rPr lang="en-US" sz="1600" dirty="0"/>
-              <a:t>but </a:t>
-            </a:r>
-            <a:r>
-              <a:rPr lang="en-US" sz="1600" dirty="0" smtClean="0"/>
-              <a:t>extendible solution of performance management.</a:t>
-            </a:r>
-          </a:p>
-          <a:p>
-            <a:r>
-              <a:rPr lang="en-US" sz="1600" dirty="0" smtClean="0"/>
-              <a:t>In the solution, there are 3 main parts</a:t>
-            </a:r>
-          </a:p>
-          <a:p>
-            <a:pPr marL="571500" lvl="1" indent="-342900">
-              <a:buFont typeface="+mj-lt"/>
-              <a:buAutoNum type="alphaLcParenR"/>
-            </a:pPr>
-            <a:r>
-              <a:rPr lang="en-US" sz="1400" dirty="0" smtClean="0"/>
-              <a:t> OSSP Server (data collection) </a:t>
-            </a:r>
-          </a:p>
-          <a:p>
-            <a:pPr marL="571500" lvl="1" indent="-342900">
-              <a:buFont typeface="+mj-lt"/>
-              <a:buAutoNum type="alphaLcParenR"/>
-            </a:pPr>
-            <a:r>
-              <a:rPr lang="en-US" sz="1400" dirty="0" smtClean="0"/>
-              <a:t> OSSP console (control GUI in UOC)</a:t>
-            </a:r>
-          </a:p>
-          <a:p>
-            <a:pPr marL="571500" lvl="1" indent="-342900">
-              <a:buFont typeface="+mj-lt"/>
-              <a:buAutoNum type="alphaLcParenR"/>
-            </a:pPr>
-            <a:r>
-              <a:rPr lang="en-US" sz="1400" dirty="0"/>
-              <a:t> </a:t>
-            </a:r>
-            <a:r>
-              <a:rPr lang="en-US" sz="1400" dirty="0" smtClean="0"/>
-              <a:t>OSSP report packs (performance reports and dashboards in UOC or other report platforms).</a:t>
-            </a:r>
-          </a:p>
-          <a:p>
-            <a:r>
-              <a:rPr lang="en-US" sz="1600" dirty="0" smtClean="0"/>
-              <a:t>The solution bases on Neo4J database, which provides high performance on massive data.</a:t>
-            </a:r>
-          </a:p>
-          <a:p>
-            <a:r>
-              <a:rPr lang="en-US" sz="1600" dirty="0" smtClean="0"/>
-              <a:t>In the prototype all modules are developed in JavaScript (NodeJS &amp; AngularJS), while customized collectors can be developed in JAVA  or Scala.</a:t>
-            </a:r>
-          </a:p>
-          <a:p>
-            <a:r>
-              <a:rPr lang="en-US" sz="1600" dirty="0"/>
-              <a:t>The control GUI is develop on HPE UOC framework.</a:t>
-            </a:r>
-          </a:p>
-          <a:p>
-            <a:r>
-              <a:rPr lang="en-US" sz="1600" dirty="0" smtClean="0"/>
-              <a:t>Most function modules work independently, they all provide REST APIs for CONTROL and MONITOR.</a:t>
-            </a:r>
-          </a:p>
-          <a:p>
-            <a:r>
-              <a:rPr lang="en-US" sz="1600" dirty="0" smtClean="0"/>
-              <a:t>Collector able to collect performance data ( and log files) from NE, EMS, Application via different protocols.</a:t>
-            </a:r>
-          </a:p>
-          <a:p>
-            <a:r>
-              <a:rPr lang="en-US" sz="1600" dirty="0" smtClean="0"/>
-              <a:t>* Only </a:t>
-            </a:r>
-            <a:r>
-              <a:rPr lang="en-US" sz="1600" dirty="0"/>
-              <a:t>raw counters are stored in the Neo4J, all calculations are runtime. </a:t>
-            </a:r>
-          </a:p>
-          <a:p>
-            <a:endParaRPr lang="en-US" sz="1600" dirty="0" smtClean="0"/>
-          </a:p>
-          <a:p>
-            <a:pPr marL="0" indent="0">
-              <a:buNone/>
-            </a:pPr>
-            <a:endParaRPr lang="en-US" sz="1600" dirty="0" smtClean="0"/>
-          </a:p>
-          <a:p>
-            <a:endParaRPr lang="en-US" sz="1600" dirty="0" smtClean="0"/>
-          </a:p>
-          <a:p>
-            <a:endParaRPr lang="en-US" sz="1600" dirty="0"/>
-          </a:p>
-          <a:p>
-            <a:pPr lvl="1"/>
-            <a:endParaRPr lang="en-US" sz="1400" dirty="0" smtClean="0"/>
-          </a:p>
-          <a:p>
-            <a:endParaRPr lang="en-US" sz="1600" dirty="0" smtClean="0"/>
-          </a:p>
-          <a:p>
-            <a:endParaRPr lang="en-US" sz="1600" dirty="0"/>
-          </a:p>
-        </p:txBody>
-      </p:sp>
-      <p:sp>
-        <p:nvSpPr>
-          <p:cNvPr id="4" name="Slide Number Placeholder 3"/>
-          <p:cNvSpPr>
-            <a:spLocks noGrp="1"/>
-          </p:cNvSpPr>
-          <p:nvPr>
-            <p:ph type="sldNum" sz="quarter" idx="12"/>
-          </p:nvPr>
-        </p:nvSpPr>
-        <p:spPr>
-          <a:xfrm>
-            <a:off x="11049000" y="6430868"/>
-            <a:ext cx="533399" cy="232147"/>
-          </a:xfrm>
-        </p:spPr>
-        <p:txBody>
-          <a:bodyPr/>
-          <a:lstStyle/>
-          <a:p>
-            <a:fld id="{B016F8AB-BCEA-4347-8BA6-BE776009BC89}" type="slidenum">
-              <a:rPr lang="en-US" smtClean="0"/>
-              <a:t>2</a:t>
-            </a:fld>
-            <a:endParaRPr lang="en-US"/>
-          </a:p>
-        </p:txBody>
-      </p:sp>
-    </p:spTree>
-    <p:extLst>
-      <p:ext uri="{BB962C8B-B14F-4D97-AF65-F5344CB8AC3E}">
-        <p14:creationId xmlns:p14="http://schemas.microsoft.com/office/powerpoint/2010/main" val="3706688682"/>
-      </p:ext>
-    </p:extLst>
-  </p:cSld>
-  <p:clrMapOvr>
-    <a:masterClrMapping/>
-  </p:clrMapOvr>
-  <mc:AlternateContent xmlns:mc="http://schemas.openxmlformats.org/markup-compatibility/2006" xmlns:p14="http://schemas.microsoft.com/office/powerpoint/2010/main">
-    <mc:Choice Requires="p14">
-      <p:transition spd="med" p14:dur="700">
-        <p:fade/>
-      </p:transition>
-    </mc:Choice>
-    <mc:Fallback xmlns="">
-      <p:transition spd="med">
-        <p:fade/>
-      </p:transition>
-    </mc:Fallback>
-  </mc:AlternateContent>
-  <p:timing>
-    <p:tnLst>
-      <p:par>
-        <p:cTn id="1" dur="indefinite" restart="never" nodeType="tmRoot"/>
-      </p:par>
-    </p:tnLst>
-  </p:timing>
-</p:sld>
-</file>
-
-<file path=ppt/slides/slide20.xml><?xml version="1.0" encoding="utf-8"?>
+<file path=ppt/slides/slide21.xml><?xml version="1.0" encoding="utf-8"?>
 <p:sld xmlns:a="http://schemas.openxmlformats.org/drawingml/2006/main" xmlns:r="http://schemas.openxmlformats.org/officeDocument/2006/relationships" xmlns:p="http://schemas.openxmlformats.org/presentationml/2006/main">
   <p:cSld>
     <p:spTree>
@@ -46001,7 +46182,7 @@
             <a:fld id="{B016F8AB-BCEA-4347-8BA6-BE776009BC89}" type="slidenum">
               <a:rPr lang="en-US" smtClean="0"/>
               <a:pPr/>
-              <a:t>20</a:t>
+              <a:t>21</a:t>
             </a:fld>
             <a:endParaRPr lang="en-US"/>
           </a:p>
@@ -46725,7 +46906,7 @@
 </p:sld>
 </file>
 
-<file path=ppt/slides/slide21.xml><?xml version="1.0" encoding="utf-8"?>
+<file path=ppt/slides/slide22.xml><?xml version="1.0" encoding="utf-8"?>
 <p:sld xmlns:a="http://schemas.openxmlformats.org/drawingml/2006/main" xmlns:r="http://schemas.openxmlformats.org/officeDocument/2006/relationships" xmlns:p="http://schemas.openxmlformats.org/presentationml/2006/main">
   <p:cSld>
     <p:spTree>
@@ -46783,7 +46964,7 @@
             <a:fld id="{B016F8AB-BCEA-4347-8BA6-BE776009BC89}" type="slidenum">
               <a:rPr lang="en-US" smtClean="0"/>
               <a:pPr/>
-              <a:t>21</a:t>
+              <a:t>22</a:t>
             </a:fld>
             <a:endParaRPr lang="en-US"/>
           </a:p>
@@ -46845,223 +47026,6 @@
 </p:sld>
 </file>
 
-<file path=ppt/slides/slide22.xml><?xml version="1.0" encoding="utf-8"?>
-<p:sld xmlns:a="http://schemas.openxmlformats.org/drawingml/2006/main" xmlns:r="http://schemas.openxmlformats.org/officeDocument/2006/relationships" xmlns:p="http://schemas.openxmlformats.org/presentationml/2006/main">
-  <p:cSld>
-    <p:spTree>
-      <p:nvGrpSpPr>
-        <p:cNvPr id="1" name=""/>
-        <p:cNvGrpSpPr/>
-        <p:nvPr/>
-      </p:nvGrpSpPr>
-      <p:grpSpPr>
-        <a:xfrm>
-          <a:off x="0" y="0"/>
-          <a:ext cx="0" cy="0"/>
-          <a:chOff x="0" y="0"/>
-          <a:chExt cx="0" cy="0"/>
-        </a:xfrm>
-      </p:grpSpPr>
-      <p:sp>
-        <p:nvSpPr>
-          <p:cNvPr id="2" name="Title 1"/>
-          <p:cNvSpPr>
-            <a:spLocks noGrp="1"/>
-          </p:cNvSpPr>
-          <p:nvPr>
-            <p:ph type="title"/>
-          </p:nvPr>
-        </p:nvSpPr>
-        <p:spPr/>
-        <p:txBody>
-          <a:bodyPr/>
-          <a:lstStyle/>
-          <a:p>
-            <a:r>
-              <a:rPr lang="en-US" dirty="0" smtClean="0"/>
-              <a:t>CSV Collector Performance Test</a:t>
-            </a:r>
-            <a:endParaRPr lang="en-US" dirty="0"/>
-          </a:p>
-        </p:txBody>
-      </p:sp>
-      <p:sp>
-        <p:nvSpPr>
-          <p:cNvPr id="3" name="Content Placeholder 2"/>
-          <p:cNvSpPr>
-            <a:spLocks noGrp="1"/>
-          </p:cNvSpPr>
-          <p:nvPr>
-            <p:ph idx="1"/>
-          </p:nvPr>
-        </p:nvSpPr>
-        <p:spPr/>
-        <p:txBody>
-          <a:bodyPr/>
-          <a:lstStyle/>
-          <a:p>
-            <a:r>
-              <a:rPr lang="en-US" dirty="0" smtClean="0"/>
-              <a:t>Test environment: </a:t>
-            </a:r>
-          </a:p>
-          <a:p>
-            <a:pPr lvl="1"/>
-            <a:r>
-              <a:rPr lang="en-US" dirty="0" err="1" smtClean="0"/>
-              <a:t>zbook</a:t>
-            </a:r>
-            <a:r>
-              <a:rPr lang="en-US" dirty="0" smtClean="0"/>
-              <a:t> 15,  8 CPU (i7-4800) ,Memory 32G, OS: windows 7; </a:t>
-            </a:r>
-          </a:p>
-          <a:p>
-            <a:pPr lvl="1"/>
-            <a:r>
-              <a:rPr lang="en-US" dirty="0" smtClean="0"/>
-              <a:t>Neo4J 2.3.1 community version with default setting</a:t>
-            </a:r>
-          </a:p>
-          <a:p>
-            <a:pPr lvl="1"/>
-            <a:r>
-              <a:rPr lang="en-US" dirty="0" err="1" smtClean="0"/>
-              <a:t>NodeJS</a:t>
-            </a:r>
-            <a:r>
-              <a:rPr lang="en-US" dirty="0" smtClean="0"/>
-              <a:t> v5.2.0</a:t>
-            </a:r>
-          </a:p>
-          <a:p>
-            <a:endParaRPr lang="en-US" dirty="0"/>
-          </a:p>
-          <a:p>
-            <a:r>
-              <a:rPr lang="en-US" dirty="0" smtClean="0"/>
-              <a:t>Test 1, simulate one csv file with  10BSC, each BSC has 100 BTS, total 10000 records , each record has 12 KPI value.</a:t>
-            </a:r>
-          </a:p>
-          <a:p>
-            <a:pPr marL="0" indent="0">
-              <a:buNone/>
-            </a:pPr>
-            <a:r>
-              <a:rPr lang="en-US" dirty="0"/>
-              <a:t>	</a:t>
-            </a:r>
-            <a:r>
-              <a:rPr lang="en-US" sz="1400" dirty="0"/>
-              <a:t>Cost 328 </a:t>
-            </a:r>
-            <a:r>
-              <a:rPr lang="en-US" sz="1400" dirty="0" smtClean="0"/>
-              <a:t>seconds</a:t>
-            </a:r>
-            <a:endParaRPr lang="en-US" sz="1400" dirty="0"/>
-          </a:p>
-          <a:p>
-            <a:r>
-              <a:rPr lang="en-US" dirty="0"/>
-              <a:t>Test </a:t>
-            </a:r>
-            <a:r>
-              <a:rPr lang="en-US" dirty="0" smtClean="0"/>
-              <a:t>2 simulate 10 csv files, each file has 1BSC 100 BTS 1000 records, each </a:t>
-            </a:r>
-            <a:r>
-              <a:rPr lang="en-US" dirty="0"/>
-              <a:t>record has 12 KPI value</a:t>
-            </a:r>
-            <a:r>
-              <a:rPr lang="en-US" dirty="0" smtClean="0"/>
-              <a:t>.</a:t>
-            </a:r>
-            <a:endParaRPr lang="en-US" dirty="0"/>
-          </a:p>
-          <a:p>
-            <a:pPr marL="411480" lvl="2" indent="0">
-              <a:buNone/>
-            </a:pPr>
-            <a:r>
-              <a:rPr lang="en-US" dirty="0" smtClean="0"/>
-              <a:t>	Cost 35, 67, 100,  134, 168, 201,235, 302, 339,  seconds</a:t>
-            </a:r>
-            <a:endParaRPr lang="en-US" dirty="0"/>
-          </a:p>
-          <a:p>
-            <a:pPr marL="0" indent="0">
-              <a:buNone/>
-            </a:pPr>
-            <a:r>
-              <a:rPr lang="en-US" dirty="0" smtClean="0"/>
-              <a:t>It seems the Neo4J is working in serial, 10000 KPIs cost 30 seconds. </a:t>
-            </a:r>
-          </a:p>
-          <a:p>
-            <a:pPr marL="0" indent="0">
-              <a:buNone/>
-            </a:pPr>
-            <a:r>
-              <a:rPr lang="en-US" dirty="0" smtClean="0"/>
-              <a:t>Note: 1) During the test, the CPU loading is less than 50% and there is still lots free memory. Also query in the Neo4J console is  fast. 2) Need study the configuration of Neo4J.</a:t>
-            </a:r>
-          </a:p>
-          <a:p>
-            <a:endParaRPr lang="en-US" dirty="0"/>
-          </a:p>
-        </p:txBody>
-      </p:sp>
-      <p:sp>
-        <p:nvSpPr>
-          <p:cNvPr id="4" name="Slide Number Placeholder 3"/>
-          <p:cNvSpPr>
-            <a:spLocks noGrp="1"/>
-          </p:cNvSpPr>
-          <p:nvPr>
-            <p:ph type="sldNum" sz="quarter" idx="12"/>
-          </p:nvPr>
-        </p:nvSpPr>
-        <p:spPr/>
-        <p:txBody>
-          <a:bodyPr/>
-          <a:lstStyle/>
-          <a:p>
-            <a:fld id="{B016F8AB-BCEA-4347-8BA6-BE776009BC89}" type="slidenum">
-              <a:rPr lang="en-US" smtClean="0"/>
-              <a:pPr/>
-              <a:t>22</a:t>
-            </a:fld>
-            <a:endParaRPr lang="en-US"/>
-          </a:p>
-        </p:txBody>
-      </p:sp>
-    </p:spTree>
-    <p:extLst>
-      <p:ext uri="{BB962C8B-B14F-4D97-AF65-F5344CB8AC3E}">
-        <p14:creationId xmlns:p14="http://schemas.microsoft.com/office/powerpoint/2010/main" val="1122157117"/>
-      </p:ext>
-    </p:extLst>
-  </p:cSld>
-  <p:clrMapOvr>
-    <a:masterClrMapping/>
-  </p:clrMapOvr>
-  <mc:AlternateContent xmlns:mc="http://schemas.openxmlformats.org/markup-compatibility/2006" xmlns:p14="http://schemas.microsoft.com/office/powerpoint/2010/main">
-    <mc:Choice Requires="p14">
-      <p:transition spd="med" p14:dur="700">
-        <p:fade/>
-      </p:transition>
-    </mc:Choice>
-    <mc:Fallback xmlns="">
-      <p:transition spd="med">
-        <p:fade/>
-      </p:transition>
-    </mc:Fallback>
-  </mc:AlternateContent>
-</p:sld>
-</file>
-
 <file path=ppt/slides/slide23.xml><?xml version="1.0" encoding="utf-8"?>
 <p:sld xmlns:a="http://schemas.openxmlformats.org/drawingml/2006/main" xmlns:r="http://schemas.openxmlformats.org/officeDocument/2006/relationships" xmlns:p="http://schemas.openxmlformats.org/presentationml/2006/main">
   <p:cSld>
@@ -47096,7 +47060,7 @@
           <a:p>
             <a:r>
               <a:rPr lang="en-US" dirty="0" smtClean="0"/>
-              <a:t>MPM with NFVD</a:t>
+              <a:t>CSV Collector Performance Test</a:t>
             </a:r>
             <a:endParaRPr lang="en-US" dirty="0"/>
           </a:p>
@@ -47112,44 +47076,120 @@
             <p:ph idx="1"/>
           </p:nvPr>
         </p:nvSpPr>
-        <p:spPr>
-          <a:xfrm>
-            <a:off x="609600" y="1524001"/>
-            <a:ext cx="10969784" cy="1447800"/>
-          </a:xfrm>
-        </p:spPr>
+        <p:spPr/>
         <p:txBody>
           <a:bodyPr/>
           <a:lstStyle/>
           <a:p>
-            <a:pPr>
-              <a:buFontTx/>
-              <a:buChar char="-"/>
+            <a:r>
+              <a:rPr lang="en-US" dirty="0" smtClean="0"/>
+              <a:t>Test environment: </a:t>
+            </a:r>
+          </a:p>
+          <a:p>
+            <a:pPr lvl="1"/>
+            <a:r>
+              <a:rPr lang="en-US" dirty="0" err="1" smtClean="0"/>
+              <a:t>zbook</a:t>
+            </a:r>
+            <a:r>
+              <a:rPr lang="en-US" dirty="0" smtClean="0"/>
+              <a:t> 15,  8 CPU (i7-4800) ,Memory 32G, OS: windows 7; </a:t>
+            </a:r>
+          </a:p>
+          <a:p>
+            <a:pPr lvl="1"/>
+            <a:r>
+              <a:rPr lang="en-US" dirty="0" smtClean="0"/>
+              <a:t>Neo4J 2.3.1 community version with default setting</a:t>
+            </a:r>
+          </a:p>
+          <a:p>
+            <a:pPr lvl="1"/>
+            <a:r>
+              <a:rPr lang="en-US" dirty="0" err="1" smtClean="0"/>
+              <a:t>NodeJS</a:t>
+            </a:r>
+            <a:r>
+              <a:rPr lang="en-US" dirty="0" smtClean="0"/>
+              <a:t> v5.2.0</a:t>
+            </a:r>
+          </a:p>
+          <a:p>
+            <a:endParaRPr lang="en-US" dirty="0"/>
+          </a:p>
+          <a:p>
+            <a:r>
+              <a:rPr lang="en-US" dirty="0" smtClean="0"/>
+              <a:t>Test 1, simulate one csv file with  10BSC, each BSC has 100 BTS, total 10000 records , each record has 12 KPI value.</a:t>
+            </a:r>
+          </a:p>
+          <a:p>
+            <a:pPr marL="0" indent="0">
+              <a:buNone/>
             </a:pPr>
             <a:r>
+              <a:rPr lang="en-US" dirty="0"/>
+              <a:t>	</a:t>
+            </a:r>
+            <a:r>
+              <a:rPr lang="en-US" sz="1400" dirty="0"/>
+              <a:t>Cost 328 </a:t>
+            </a:r>
+            <a:r>
+              <a:rPr lang="en-US" sz="1400" dirty="0" smtClean="0"/>
+              <a:t>seconds</a:t>
+            </a:r>
+            <a:endParaRPr lang="en-US" sz="1400" dirty="0"/>
+          </a:p>
+          <a:p>
+            <a:r>
+              <a:rPr lang="en-US" dirty="0"/>
+              <a:t>Test </a:t>
+            </a:r>
+            <a:r>
               <a:rPr lang="en-US" dirty="0" smtClean="0"/>
-              <a:t>NFVD self monitor</a:t>
-            </a:r>
-          </a:p>
-          <a:p>
-            <a:pPr>
-              <a:buFontTx/>
-              <a:buChar char="-"/>
+              <a:t>2 simulate 10 csv files, each file has 1BSC 100 BTS 1000 records, each </a:t>
+            </a:r>
+            <a:r>
+              <a:rPr lang="en-US" dirty="0"/>
+              <a:t>record has 12 KPI value</a:t>
+            </a:r>
+            <a:r>
+              <a:rPr lang="en-US" dirty="0" smtClean="0"/>
+              <a:t>.</a:t>
+            </a:r>
+            <a:endParaRPr lang="en-US" dirty="0"/>
+          </a:p>
+          <a:p>
+            <a:pPr marL="411480" lvl="2" indent="0">
+              <a:buNone/>
             </a:pPr>
             <a:r>
               <a:rPr lang="en-US" dirty="0" smtClean="0"/>
-              <a:t>VDC/VAPP Service monitor</a:t>
-            </a:r>
-          </a:p>
-          <a:p>
-            <a:pPr>
-              <a:buFontTx/>
-              <a:buChar char="-"/>
+              <a:t>	Cost 35, 67, 100,  134, 168, 201,235, 302, 339,  seconds</a:t>
+            </a:r>
+            <a:endParaRPr lang="en-US" dirty="0"/>
+          </a:p>
+          <a:p>
+            <a:pPr marL="0" indent="0">
+              <a:buNone/>
             </a:pPr>
             <a:r>
               <a:rPr lang="en-US" dirty="0" smtClean="0"/>
-              <a:t>Resource Monitor</a:t>
-            </a:r>
+              <a:t>It seems the Neo4J is working in serial, 10000 KPIs cost 30 seconds. </a:t>
+            </a:r>
+          </a:p>
+          <a:p>
+            <a:pPr marL="0" indent="0">
+              <a:buNone/>
+            </a:pPr>
+            <a:r>
+              <a:rPr lang="en-US" dirty="0" smtClean="0"/>
+              <a:t>Note: 1) During the test, the CPU loading is less than 50% and there is still lots free memory. Also query in the Neo4J console is  fast. 2) Need study the configuration of Neo4J.</a:t>
+            </a:r>
+          </a:p>
+          <a:p>
             <a:endParaRPr lang="en-US" dirty="0"/>
           </a:p>
         </p:txBody>
@@ -47178,34 +47218,10 @@
           </a:p>
         </p:txBody>
       </p:sp>
-      <p:pic>
-        <p:nvPicPr>
-          <p:cNvPr id="5" name="Picture 4"/>
-          <p:cNvPicPr>
-            <a:picLocks noChangeAspect="1"/>
-          </p:cNvPicPr>
-          <p:nvPr/>
-        </p:nvPicPr>
-        <p:blipFill>
-          <a:blip r:embed="rId2"/>
-          <a:stretch>
-            <a:fillRect/>
-          </a:stretch>
-        </p:blipFill>
-        <p:spPr>
-          <a:xfrm>
-            <a:off x="659858" y="3200400"/>
-            <a:ext cx="10412790" cy="2663082"/>
-          </a:xfrm>
-          <a:prstGeom prst="rect">
-            <a:avLst/>
-          </a:prstGeom>
-        </p:spPr>
-      </p:pic>
     </p:spTree>
     <p:extLst>
       <p:ext uri="{BB962C8B-B14F-4D97-AF65-F5344CB8AC3E}">
-        <p14:creationId xmlns:p14="http://schemas.microsoft.com/office/powerpoint/2010/main" val="2081259618"/>
+        <p14:creationId xmlns:p14="http://schemas.microsoft.com/office/powerpoint/2010/main" val="1122157117"/>
       </p:ext>
     </p:extLst>
   </p:cSld>
@@ -47261,7 +47277,7 @@
           <a:p>
             <a:r>
               <a:rPr lang="en-US" dirty="0" smtClean="0"/>
-              <a:t>Next Step</a:t>
+              <a:t>MPM with NFVD</a:t>
             </a:r>
             <a:endParaRPr lang="en-US" dirty="0"/>
           </a:p>
@@ -47277,65 +47293,45 @@
             <p:ph idx="1"/>
           </p:nvPr>
         </p:nvSpPr>
-        <p:spPr/>
+        <p:spPr>
+          <a:xfrm>
+            <a:off x="609600" y="1524001"/>
+            <a:ext cx="10969784" cy="1447800"/>
+          </a:xfrm>
+        </p:spPr>
         <p:txBody>
           <a:bodyPr/>
           <a:lstStyle/>
           <a:p>
+            <a:pPr>
+              <a:buFontTx/>
+              <a:buChar char="-"/>
+            </a:pPr>
             <a:r>
               <a:rPr lang="en-US" dirty="0" smtClean="0"/>
-              <a:t>Still lots work to make it a real application</a:t>
-            </a:r>
-          </a:p>
-          <a:p>
-            <a:pPr lvl="1">
-              <a:buFont typeface="Wingdings" panose="05000000000000000000" pitchFamily="2" charset="2"/>
-              <a:buChar char="Ø"/>
+              <a:t>NFVD self monitor</a:t>
+            </a:r>
+          </a:p>
+          <a:p>
+            <a:pPr>
+              <a:buFontTx/>
+              <a:buChar char="-"/>
             </a:pPr>
             <a:r>
               <a:rPr lang="en-US" dirty="0" smtClean="0"/>
-              <a:t>Job Management Module</a:t>
-            </a:r>
-          </a:p>
-          <a:p>
-            <a:pPr lvl="1">
-              <a:buFont typeface="Wingdings" panose="05000000000000000000" pitchFamily="2" charset="2"/>
-              <a:buChar char="Ø"/>
+              <a:t>VDC/VAPP Service monitor</a:t>
+            </a:r>
+          </a:p>
+          <a:p>
+            <a:pPr>
+              <a:buFontTx/>
+              <a:buChar char="-"/>
             </a:pPr>
             <a:r>
               <a:rPr lang="en-US" dirty="0" smtClean="0"/>
-              <a:t>Product level GUI</a:t>
-            </a:r>
-          </a:p>
-          <a:p>
-            <a:pPr lvl="1">
-              <a:buFont typeface="Wingdings" panose="05000000000000000000" pitchFamily="2" charset="2"/>
-              <a:buChar char="Ø"/>
-            </a:pPr>
-            <a:r>
-              <a:rPr lang="en-US" dirty="0" smtClean="0"/>
-              <a:t>Algorithm optimize</a:t>
-            </a:r>
-          </a:p>
-          <a:p>
-            <a:pPr lvl="1">
-              <a:buFont typeface="Wingdings" panose="05000000000000000000" pitchFamily="2" charset="2"/>
-              <a:buChar char="Ø"/>
-            </a:pPr>
-            <a:r>
-              <a:rPr lang="en-US" dirty="0" smtClean="0"/>
-              <a:t>Retention</a:t>
-            </a:r>
-          </a:p>
-          <a:p>
-            <a:pPr lvl="1">
-              <a:buFont typeface="Wingdings" panose="05000000000000000000" pitchFamily="2" charset="2"/>
-              <a:buChar char="Ø"/>
-            </a:pPr>
-            <a:r>
-              <a:rPr lang="en-US" dirty="0" smtClean="0"/>
-              <a:t>Log System</a:t>
-            </a:r>
+              <a:t>Resource Monitor</a:t>
+            </a:r>
+            <a:endParaRPr lang="en-US" dirty="0"/>
           </a:p>
         </p:txBody>
       </p:sp>
@@ -47363,10 +47359,34 @@
           </a:p>
         </p:txBody>
       </p:sp>
+      <p:pic>
+        <p:nvPicPr>
+          <p:cNvPr id="5" name="Picture 4"/>
+          <p:cNvPicPr>
+            <a:picLocks noChangeAspect="1"/>
+          </p:cNvPicPr>
+          <p:nvPr/>
+        </p:nvPicPr>
+        <p:blipFill>
+          <a:blip r:embed="rId2"/>
+          <a:stretch>
+            <a:fillRect/>
+          </a:stretch>
+        </p:blipFill>
+        <p:spPr>
+          <a:xfrm>
+            <a:off x="659858" y="3200400"/>
+            <a:ext cx="10412790" cy="2663082"/>
+          </a:xfrm>
+          <a:prstGeom prst="rect">
+            <a:avLst/>
+          </a:prstGeom>
+        </p:spPr>
+      </p:pic>
     </p:spTree>
     <p:extLst>
       <p:ext uri="{BB962C8B-B14F-4D97-AF65-F5344CB8AC3E}">
-        <p14:creationId xmlns:p14="http://schemas.microsoft.com/office/powerpoint/2010/main" val="3738965273"/>
+        <p14:creationId xmlns:p14="http://schemas.microsoft.com/office/powerpoint/2010/main" val="2081259618"/>
       </p:ext>
     </p:extLst>
   </p:cSld>
@@ -47422,7 +47442,7 @@
           <a:p>
             <a:r>
               <a:rPr lang="en-US" dirty="0" smtClean="0"/>
-              <a:t>more</a:t>
+              <a:t>Next Step</a:t>
             </a:r>
             <a:endParaRPr lang="en-US" dirty="0"/>
           </a:p>
@@ -47444,26 +47464,8 @@
           <a:lstStyle/>
           <a:p>
             <a:r>
-              <a:rPr lang="en-US" sz="1600" dirty="0"/>
-              <a:t>Due to limit of V8(</a:t>
-            </a:r>
-            <a:r>
-              <a:rPr lang="en-US" sz="1600" dirty="0" err="1"/>
-              <a:t>NodeJS</a:t>
-            </a:r>
-            <a:r>
-              <a:rPr lang="en-US" sz="1600" dirty="0"/>
-              <a:t>) to deal with huge data, it has to split the collector into several collectors work parallel, these collector can run in a distribution environment</a:t>
-            </a:r>
-          </a:p>
-          <a:p>
-            <a:r>
-              <a:rPr lang="en-US" sz="1600" dirty="0" smtClean="0"/>
-              <a:t>Jobs </a:t>
-            </a:r>
-            <a:r>
-              <a:rPr lang="en-US" sz="1600" dirty="0"/>
-              <a:t>are executed by scheduler. The jobs are:</a:t>
+              <a:rPr lang="en-US" dirty="0" smtClean="0"/>
+              <a:t>Still lots work to make it a real application</a:t>
             </a:r>
           </a:p>
           <a:p>
@@ -47472,8 +47474,8 @@
               <a:buChar char="Ø"/>
             </a:pPr>
             <a:r>
-              <a:rPr lang="en-US" sz="1400" dirty="0"/>
-              <a:t>Calculate/Get KPIs  have thresholds</a:t>
+              <a:rPr lang="en-US" dirty="0" smtClean="0"/>
+              <a:t>Job Management Module</a:t>
             </a:r>
           </a:p>
           <a:p>
@@ -47482,8 +47484,8 @@
               <a:buChar char="Ø"/>
             </a:pPr>
             <a:r>
-              <a:rPr lang="en-US" sz="1400" dirty="0"/>
-              <a:t>Trigger the actions if thresholds are broken</a:t>
+              <a:rPr lang="en-US" dirty="0" smtClean="0"/>
+              <a:t>Product level GUI</a:t>
             </a:r>
           </a:p>
           <a:p>
@@ -47492,22 +47494,29 @@
               <a:buChar char="Ø"/>
             </a:pPr>
             <a:r>
-              <a:rPr lang="en-US" sz="1400" dirty="0"/>
-              <a:t>Data retention</a:t>
-            </a:r>
-          </a:p>
-          <a:p>
-            <a:r>
-              <a:rPr lang="en-US" sz="1600" dirty="0"/>
-              <a:t>Retention, it’s could calculate the history KPI values (for all types of KPI) into an achieve DB.</a:t>
-            </a:r>
-          </a:p>
-          <a:p>
-            <a:r>
-              <a:rPr lang="en-US" sz="1600" dirty="0"/>
-              <a:t>Report Packs are not developed in the prototype. UOC or other tools like Pentaho can be used to develop reports. KPI engine will provide APIs to query KPI values</a:t>
-            </a:r>
-            <a:endParaRPr lang="en-US" b="1" dirty="0"/>
+              <a:rPr lang="en-US" dirty="0" smtClean="0"/>
+              <a:t>Algorithm optimize</a:t>
+            </a:r>
+          </a:p>
+          <a:p>
+            <a:pPr lvl="1">
+              <a:buFont typeface="Wingdings" panose="05000000000000000000" pitchFamily="2" charset="2"/>
+              <a:buChar char="Ø"/>
+            </a:pPr>
+            <a:r>
+              <a:rPr lang="en-US" dirty="0" smtClean="0"/>
+              <a:t>Retention</a:t>
+            </a:r>
+          </a:p>
+          <a:p>
+            <a:pPr lvl="1">
+              <a:buFont typeface="Wingdings" panose="05000000000000000000" pitchFamily="2" charset="2"/>
+              <a:buChar char="Ø"/>
+            </a:pPr>
+            <a:r>
+              <a:rPr lang="en-US" dirty="0" smtClean="0"/>
+              <a:t>Log System</a:t>
+            </a:r>
           </a:p>
         </p:txBody>
       </p:sp>
@@ -47530,6 +47539,178 @@
               <a:rPr lang="en-US" smtClean="0"/>
               <a:pPr/>
               <a:t>25</a:t>
+            </a:fld>
+            <a:endParaRPr lang="en-US"/>
+          </a:p>
+        </p:txBody>
+      </p:sp>
+    </p:spTree>
+    <p:extLst>
+      <p:ext uri="{BB962C8B-B14F-4D97-AF65-F5344CB8AC3E}">
+        <p14:creationId xmlns:p14="http://schemas.microsoft.com/office/powerpoint/2010/main" val="3738965273"/>
+      </p:ext>
+    </p:extLst>
+  </p:cSld>
+  <p:clrMapOvr>
+    <a:masterClrMapping/>
+  </p:clrMapOvr>
+  <mc:AlternateContent xmlns:mc="http://schemas.openxmlformats.org/markup-compatibility/2006" xmlns:p14="http://schemas.microsoft.com/office/powerpoint/2010/main">
+    <mc:Choice Requires="p14">
+      <p:transition spd="med" p14:dur="700">
+        <p:fade/>
+      </p:transition>
+    </mc:Choice>
+    <mc:Fallback xmlns="">
+      <p:transition spd="med">
+        <p:fade/>
+      </p:transition>
+    </mc:Fallback>
+  </mc:AlternateContent>
+</p:sld>
+</file>
+
+<file path=ppt/slides/slide26.xml><?xml version="1.0" encoding="utf-8"?>
+<p:sld xmlns:a="http://schemas.openxmlformats.org/drawingml/2006/main" xmlns:r="http://schemas.openxmlformats.org/officeDocument/2006/relationships" xmlns:p="http://schemas.openxmlformats.org/presentationml/2006/main">
+  <p:cSld>
+    <p:spTree>
+      <p:nvGrpSpPr>
+        <p:cNvPr id="1" name=""/>
+        <p:cNvGrpSpPr/>
+        <p:nvPr/>
+      </p:nvGrpSpPr>
+      <p:grpSpPr>
+        <a:xfrm>
+          <a:off x="0" y="0"/>
+          <a:ext cx="0" cy="0"/>
+          <a:chOff x="0" y="0"/>
+          <a:chExt cx="0" cy="0"/>
+        </a:xfrm>
+      </p:grpSpPr>
+      <p:sp>
+        <p:nvSpPr>
+          <p:cNvPr id="2" name="Title 1"/>
+          <p:cNvSpPr>
+            <a:spLocks noGrp="1"/>
+          </p:cNvSpPr>
+          <p:nvPr>
+            <p:ph type="title"/>
+          </p:nvPr>
+        </p:nvSpPr>
+        <p:spPr/>
+        <p:txBody>
+          <a:bodyPr/>
+          <a:lstStyle/>
+          <a:p>
+            <a:r>
+              <a:rPr lang="en-US" dirty="0" smtClean="0"/>
+              <a:t>more</a:t>
+            </a:r>
+            <a:endParaRPr lang="en-US" dirty="0"/>
+          </a:p>
+        </p:txBody>
+      </p:sp>
+      <p:sp>
+        <p:nvSpPr>
+          <p:cNvPr id="3" name="Content Placeholder 2"/>
+          <p:cNvSpPr>
+            <a:spLocks noGrp="1"/>
+          </p:cNvSpPr>
+          <p:nvPr>
+            <p:ph idx="1"/>
+          </p:nvPr>
+        </p:nvSpPr>
+        <p:spPr/>
+        <p:txBody>
+          <a:bodyPr/>
+          <a:lstStyle/>
+          <a:p>
+            <a:r>
+              <a:rPr lang="en-US" sz="1600" dirty="0"/>
+              <a:t>Due to limit of V8(</a:t>
+            </a:r>
+            <a:r>
+              <a:rPr lang="en-US" sz="1600" dirty="0" err="1"/>
+              <a:t>NodeJS</a:t>
+            </a:r>
+            <a:r>
+              <a:rPr lang="en-US" sz="1600" dirty="0"/>
+              <a:t>) to deal with huge data, it has to split the collector into several collectors work parallel, these collector can run in a distribution environment</a:t>
+            </a:r>
+          </a:p>
+          <a:p>
+            <a:r>
+              <a:rPr lang="en-US" sz="1600" dirty="0" smtClean="0"/>
+              <a:t>Jobs </a:t>
+            </a:r>
+            <a:r>
+              <a:rPr lang="en-US" sz="1600" dirty="0"/>
+              <a:t>are executed by scheduler. The jobs are:</a:t>
+            </a:r>
+          </a:p>
+          <a:p>
+            <a:pPr lvl="1">
+              <a:buFont typeface="Wingdings" panose="05000000000000000000" pitchFamily="2" charset="2"/>
+              <a:buChar char="Ø"/>
+            </a:pPr>
+            <a:r>
+              <a:rPr lang="en-US" sz="1400" dirty="0"/>
+              <a:t>Calculate/Get KPIs  have thresholds</a:t>
+            </a:r>
+          </a:p>
+          <a:p>
+            <a:pPr lvl="1">
+              <a:buFont typeface="Wingdings" panose="05000000000000000000" pitchFamily="2" charset="2"/>
+              <a:buChar char="Ø"/>
+            </a:pPr>
+            <a:r>
+              <a:rPr lang="en-US" sz="1400" dirty="0"/>
+              <a:t>Trigger the actions if thresholds are broken</a:t>
+            </a:r>
+          </a:p>
+          <a:p>
+            <a:pPr lvl="1">
+              <a:buFont typeface="Wingdings" panose="05000000000000000000" pitchFamily="2" charset="2"/>
+              <a:buChar char="Ø"/>
+            </a:pPr>
+            <a:r>
+              <a:rPr lang="en-US" sz="1400" dirty="0"/>
+              <a:t>Data retention</a:t>
+            </a:r>
+          </a:p>
+          <a:p>
+            <a:r>
+              <a:rPr lang="en-US" sz="1600" dirty="0"/>
+              <a:t>Retention, it’s could calculate the history KPI values (for all types of KPI) into an achieve DB.</a:t>
+            </a:r>
+          </a:p>
+          <a:p>
+            <a:r>
+              <a:rPr lang="en-US" sz="1600" dirty="0"/>
+              <a:t>Report Packs are not developed in the prototype. UOC or other tools like Pentaho can be used to develop reports. KPI engine will provide APIs to query KPI values</a:t>
+            </a:r>
+            <a:endParaRPr lang="en-US" b="1" dirty="0"/>
+          </a:p>
+        </p:txBody>
+      </p:sp>
+      <p:sp>
+        <p:nvSpPr>
+          <p:cNvPr id="4" name="Slide Number Placeholder 3"/>
+          <p:cNvSpPr>
+            <a:spLocks noGrp="1"/>
+          </p:cNvSpPr>
+          <p:nvPr>
+            <p:ph type="sldNum" sz="quarter" idx="12"/>
+          </p:nvPr>
+        </p:nvSpPr>
+        <p:spPr/>
+        <p:txBody>
+          <a:bodyPr/>
+          <a:lstStyle/>
+          <a:p>
+            <a:fld id="{B016F8AB-BCEA-4347-8BA6-BE776009BC89}" type="slidenum">
+              <a:rPr lang="en-US" smtClean="0"/>
+              <a:pPr/>
+              <a:t>26</a:t>
             </a:fld>
             <a:endParaRPr lang="en-US"/>
           </a:p>
